--- a/2.2 FAR/PS/Ejercicios/Trabajo/VIH.pptx
+++ b/2.2 FAR/PS/Ejercicios/Trabajo/VIH.pptx
@@ -5,24 +5,26 @@
     <p:sldMasterId id="2147483790" r:id="rId1"/>
   </p:sldMasterIdLst>
   <p:notesMasterIdLst>
-    <p:notesMasterId r:id="rId17"/>
+    <p:notesMasterId r:id="rId19"/>
   </p:notesMasterIdLst>
   <p:sldIdLst>
     <p:sldId id="256" r:id="rId2"/>
     <p:sldId id="274" r:id="rId3"/>
-    <p:sldId id="276" r:id="rId4"/>
-    <p:sldId id="272" r:id="rId5"/>
-    <p:sldId id="277" r:id="rId6"/>
-    <p:sldId id="287" r:id="rId7"/>
-    <p:sldId id="284" r:id="rId8"/>
-    <p:sldId id="285" r:id="rId9"/>
-    <p:sldId id="286" r:id="rId10"/>
-    <p:sldId id="275" r:id="rId11"/>
-    <p:sldId id="278" r:id="rId12"/>
-    <p:sldId id="280" r:id="rId13"/>
-    <p:sldId id="281" r:id="rId14"/>
-    <p:sldId id="282" r:id="rId15"/>
-    <p:sldId id="283" r:id="rId16"/>
+    <p:sldId id="288" r:id="rId4"/>
+    <p:sldId id="276" r:id="rId5"/>
+    <p:sldId id="272" r:id="rId6"/>
+    <p:sldId id="277" r:id="rId7"/>
+    <p:sldId id="287" r:id="rId8"/>
+    <p:sldId id="284" r:id="rId9"/>
+    <p:sldId id="285" r:id="rId10"/>
+    <p:sldId id="286" r:id="rId11"/>
+    <p:sldId id="275" r:id="rId12"/>
+    <p:sldId id="289" r:id="rId13"/>
+    <p:sldId id="290" r:id="rId14"/>
+    <p:sldId id="280" r:id="rId15"/>
+    <p:sldId id="281" r:id="rId16"/>
+    <p:sldId id="282" r:id="rId17"/>
+    <p:sldId id="283" r:id="rId18"/>
   </p:sldIdLst>
   <p:sldSz cx="9144000" cy="6858000" type="screen4x3"/>
   <p:notesSz cx="6858000" cy="9144000"/>
@@ -207,7 +209,7 @@
             <a:fld id="{85EAEDC3-400F-4930-8678-0729ADE89590}" type="datetimeFigureOut">
               <a:rPr lang="es-ES" smtClean="0"/>
               <a:pPr/>
-              <a:t>02/03/2022</a:t>
+              <a:t>03/03/2022</a:t>
             </a:fld>
             <a:endParaRPr lang="es-ES" dirty="0"/>
           </a:p>
@@ -623,7 +625,7 @@
             <a:fld id="{3D27B07B-BA4C-400C-A455-D30D623D0E42}" type="slidenum">
               <a:rPr lang="es-ES" smtClean="0"/>
               <a:pPr/>
-              <a:t>13</a:t>
+              <a:t>15</a:t>
             </a:fld>
             <a:endParaRPr lang="es-ES" dirty="0"/>
           </a:p>
@@ -798,7 +800,7 @@
           <a:blip r:embed="rId2" cstate="print">
             <a:extLst>
               <a:ext uri="{28A0092B-C50C-407E-A947-70E740481C1C}">
-                <a14:useLocalDpi xmlns="" xmlns:a14="http://schemas.microsoft.com/office/drawing/2010/main" val="0"/>
+                <a14:useLocalDpi xmlns:a14="http://schemas.microsoft.com/office/drawing/2010/main" xmlns="" val="0"/>
               </a:ext>
             </a:extLst>
           </a:blip>
@@ -818,7 +820,7 @@
     </p:spTree>
     <p:extLst>
       <p:ext uri="{BB962C8B-B14F-4D97-AF65-F5344CB8AC3E}">
-        <p14:creationId xmlns="" xmlns:p14="http://schemas.microsoft.com/office/powerpoint/2010/main" val="798862757"/>
+        <p14:creationId xmlns:p14="http://schemas.microsoft.com/office/powerpoint/2010/main" xmlns="" val="798862757"/>
       </p:ext>
     </p:extLst>
   </p:cSld>
@@ -826,7 +828,7 @@
     <a:masterClrMapping/>
   </p:clrMapOvr>
   <mc:AlternateContent xmlns:mc="http://schemas.openxmlformats.org/markup-compatibility/2006">
-    <mc:Choice xmlns="" xmlns:p14="http://schemas.microsoft.com/office/powerpoint/2010/main" Requires="p14">
+    <mc:Choice xmlns:p14="http://schemas.microsoft.com/office/powerpoint/2010/main" xmlns="" Requires="p14">
       <p:transition spd="med" p14:dur="700">
         <p:fade/>
       </p:transition>
@@ -839,7 +841,7 @@
   </mc:AlternateContent>
   <p:extLst mod="1">
     <p:ext uri="{DCECCB84-F9BA-43D5-87BE-67443E8EF086}">
-      <p15:sldGuideLst xmlns="" xmlns:p15="http://schemas.microsoft.com/office/powerpoint/2012/main"/>
+      <p15:sldGuideLst xmlns:p15="http://schemas.microsoft.com/office/powerpoint/2012/main" xmlns=""/>
     </p:ext>
   </p:extLst>
 </p:sldLayout>
@@ -974,7 +976,7 @@
             <a:fld id="{101EAB43-7C8D-4EFD-8CE1-9862A79FBB73}" type="datetime1">
               <a:rPr lang="es-ES" smtClean="0"/>
               <a:pPr/>
-              <a:t>02/03/2022</a:t>
+              <a:t>03/03/2022</a:t>
             </a:fld>
             <a:endParaRPr lang="es-ES" dirty="0"/>
           </a:p>
@@ -1007,7 +1009,7 @@
     </p:spTree>
     <p:extLst>
       <p:ext uri="{BB962C8B-B14F-4D97-AF65-F5344CB8AC3E}">
-        <p14:creationId xmlns="" xmlns:p14="http://schemas.microsoft.com/office/powerpoint/2010/main" val="2477154221"/>
+        <p14:creationId xmlns:p14="http://schemas.microsoft.com/office/powerpoint/2010/main" xmlns="" val="2477154221"/>
       </p:ext>
     </p:extLst>
   </p:cSld>
@@ -1015,7 +1017,7 @@
     <a:masterClrMapping/>
   </p:clrMapOvr>
   <mc:AlternateContent xmlns:mc="http://schemas.openxmlformats.org/markup-compatibility/2006">
-    <mc:Choice xmlns="" xmlns:p14="http://schemas.microsoft.com/office/powerpoint/2010/main" Requires="p14">
+    <mc:Choice xmlns:p14="http://schemas.microsoft.com/office/powerpoint/2010/main" xmlns="" Requires="p14">
       <p:transition spd="med" p14:dur="700">
         <p:fade/>
       </p:transition>
@@ -1226,7 +1228,7 @@
             <a:fld id="{101EAB43-7C8D-4EFD-8CE1-9862A79FBB73}" type="datetime1">
               <a:rPr lang="es-ES" smtClean="0"/>
               <a:pPr/>
-              <a:t>02/03/2022</a:t>
+              <a:t>03/03/2022</a:t>
             </a:fld>
             <a:endParaRPr lang="es-ES" dirty="0"/>
           </a:p>
@@ -1259,7 +1261,7 @@
     </p:spTree>
     <p:extLst>
       <p:ext uri="{BB962C8B-B14F-4D97-AF65-F5344CB8AC3E}">
-        <p14:creationId xmlns="" xmlns:p14="http://schemas.microsoft.com/office/powerpoint/2010/main" val="2524635021"/>
+        <p14:creationId xmlns:p14="http://schemas.microsoft.com/office/powerpoint/2010/main" xmlns="" val="2524635021"/>
       </p:ext>
     </p:extLst>
   </p:cSld>
@@ -1267,7 +1269,7 @@
     <a:masterClrMapping/>
   </p:clrMapOvr>
   <mc:AlternateContent xmlns:mc="http://schemas.openxmlformats.org/markup-compatibility/2006">
-    <mc:Choice xmlns="" xmlns:p14="http://schemas.microsoft.com/office/powerpoint/2010/main" Requires="p14">
+    <mc:Choice xmlns:p14="http://schemas.microsoft.com/office/powerpoint/2010/main" xmlns="" Requires="p14">
       <p:transition spd="med" p14:dur="700">
         <p:fade/>
       </p:transition>
@@ -1304,7 +1306,7 @@
           <p:cNvPr id="2" name="Title 1">
             <a:extLst>
               <a:ext uri="{FF2B5EF4-FFF2-40B4-BE49-F238E27FC236}">
-                <a16:creationId xmlns="" xmlns:a16="http://schemas.microsoft.com/office/drawing/2014/main" id="{199AD403-A15F-4A2F-B050-AB874136E732}"/>
+                <a16:creationId xmlns:a16="http://schemas.microsoft.com/office/drawing/2014/main" xmlns="" id="{199AD403-A15F-4A2F-B050-AB874136E732}"/>
               </a:ext>
             </a:extLst>
           </p:cNvPr>
@@ -1351,7 +1353,7 @@
           <p:cNvPr id="23" name="Text Placeholder 26">
             <a:extLst>
               <a:ext uri="{FF2B5EF4-FFF2-40B4-BE49-F238E27FC236}">
-                <a16:creationId xmlns="" xmlns:a16="http://schemas.microsoft.com/office/drawing/2014/main" id="{5BB088E3-63C1-423F-A939-150B8E1F87A7}"/>
+                <a16:creationId xmlns:a16="http://schemas.microsoft.com/office/drawing/2014/main" xmlns="" id="{5BB088E3-63C1-423F-A939-150B8E1F87A7}"/>
               </a:ext>
             </a:extLst>
           </p:cNvPr>
@@ -1420,7 +1422,7 @@
           <p:cNvPr id="36" name="Text Placeholder 14">
             <a:extLst>
               <a:ext uri="{FF2B5EF4-FFF2-40B4-BE49-F238E27FC236}">
-                <a16:creationId xmlns="" xmlns:a16="http://schemas.microsoft.com/office/drawing/2014/main" id="{2A3D73F7-77EC-4576-B541-20C032F462DC}"/>
+                <a16:creationId xmlns:a16="http://schemas.microsoft.com/office/drawing/2014/main" xmlns="" id="{2A3D73F7-77EC-4576-B541-20C032F462DC}"/>
               </a:ext>
             </a:extLst>
           </p:cNvPr>
@@ -1468,7 +1470,7 @@
           <p:cNvPr id="21" name="Picture Placeholder 20">
             <a:extLst>
               <a:ext uri="{FF2B5EF4-FFF2-40B4-BE49-F238E27FC236}">
-                <a16:creationId xmlns="" xmlns:a16="http://schemas.microsoft.com/office/drawing/2014/main" id="{8C7B70A1-A813-470C-A829-7CC44559C94F}"/>
+                <a16:creationId xmlns:a16="http://schemas.microsoft.com/office/drawing/2014/main" xmlns="" id="{8C7B70A1-A813-470C-A829-7CC44559C94F}"/>
               </a:ext>
             </a:extLst>
           </p:cNvPr>
@@ -1772,7 +1774,7 @@
     </p:spTree>
     <p:extLst>
       <p:ext uri="{BB962C8B-B14F-4D97-AF65-F5344CB8AC3E}">
-        <p14:creationId xmlns="" xmlns:p14="http://schemas.microsoft.com/office/powerpoint/2010/main" val="3966819956"/>
+        <p14:creationId xmlns:p14="http://schemas.microsoft.com/office/powerpoint/2010/main" xmlns="" val="3966819956"/>
       </p:ext>
     </p:extLst>
   </p:cSld>
@@ -1915,7 +1917,7 @@
             <a:fld id="{DC550BF8-0F61-4B41-AE18-8505AAD88DEF}" type="datetime1">
               <a:rPr lang="es-ES" smtClean="0"/>
               <a:pPr/>
-              <a:t>02/03/2022</a:t>
+              <a:t>03/03/2022</a:t>
             </a:fld>
             <a:endParaRPr lang="es-ES" dirty="0"/>
           </a:p>
@@ -1948,7 +1950,7 @@
     </p:spTree>
     <p:extLst>
       <p:ext uri="{BB962C8B-B14F-4D97-AF65-F5344CB8AC3E}">
-        <p14:creationId xmlns="" xmlns:p14="http://schemas.microsoft.com/office/powerpoint/2010/main" val="3112444112"/>
+        <p14:creationId xmlns:p14="http://schemas.microsoft.com/office/powerpoint/2010/main" xmlns="" val="3112444112"/>
       </p:ext>
     </p:extLst>
   </p:cSld>
@@ -1956,7 +1958,7 @@
     <a:masterClrMapping/>
   </p:clrMapOvr>
   <mc:AlternateContent xmlns:mc="http://schemas.openxmlformats.org/markup-compatibility/2006">
-    <mc:Choice xmlns="" xmlns:p14="http://schemas.microsoft.com/office/powerpoint/2010/main" Requires="p14">
+    <mc:Choice xmlns:p14="http://schemas.microsoft.com/office/powerpoint/2010/main" xmlns="" Requires="p14">
       <p:transition spd="med" p14:dur="700">
         <p:fade/>
       </p:transition>
@@ -2175,7 +2177,7 @@
     </p:spTree>
     <p:extLst>
       <p:ext uri="{BB962C8B-B14F-4D97-AF65-F5344CB8AC3E}">
-        <p14:creationId xmlns="" xmlns:p14="http://schemas.microsoft.com/office/powerpoint/2010/main" val="3506778040"/>
+        <p14:creationId xmlns:p14="http://schemas.microsoft.com/office/powerpoint/2010/main" xmlns="" val="3506778040"/>
       </p:ext>
     </p:extLst>
   </p:cSld>
@@ -2183,7 +2185,7 @@
     <a:masterClrMapping/>
   </p:clrMapOvr>
   <mc:AlternateContent xmlns:mc="http://schemas.openxmlformats.org/markup-compatibility/2006">
-    <mc:Choice xmlns="" xmlns:p14="http://schemas.microsoft.com/office/powerpoint/2010/main" Requires="p14">
+    <mc:Choice xmlns:p14="http://schemas.microsoft.com/office/powerpoint/2010/main" xmlns="" Requires="p14">
       <p:transition spd="med" p14:dur="700">
         <p:fade/>
       </p:transition>
@@ -2448,7 +2450,7 @@
             <a:fld id="{A25E0C83-1215-4122-BF87-F61F327EFDF6}" type="datetime1">
               <a:rPr lang="es-ES" smtClean="0"/>
               <a:pPr/>
-              <a:t>02/03/2022</a:t>
+              <a:t>03/03/2022</a:t>
             </a:fld>
             <a:endParaRPr lang="es-ES" dirty="0"/>
           </a:p>
@@ -2481,7 +2483,7 @@
     </p:spTree>
     <p:extLst>
       <p:ext uri="{BB962C8B-B14F-4D97-AF65-F5344CB8AC3E}">
-        <p14:creationId xmlns="" xmlns:p14="http://schemas.microsoft.com/office/powerpoint/2010/main" val="4044567947"/>
+        <p14:creationId xmlns:p14="http://schemas.microsoft.com/office/powerpoint/2010/main" xmlns="" val="4044567947"/>
       </p:ext>
     </p:extLst>
   </p:cSld>
@@ -2489,7 +2491,7 @@
     <a:masterClrMapping/>
   </p:clrMapOvr>
   <mc:AlternateContent xmlns:mc="http://schemas.openxmlformats.org/markup-compatibility/2006">
-    <mc:Choice xmlns="" xmlns:p14="http://schemas.microsoft.com/office/powerpoint/2010/main" Requires="p14">
+    <mc:Choice xmlns:p14="http://schemas.microsoft.com/office/powerpoint/2010/main" xmlns="" Requires="p14">
       <p:transition spd="med" p14:dur="700">
         <p:fade/>
       </p:transition>
@@ -2902,7 +2904,7 @@
             <a:fld id="{6D462985-032F-43DA-AAB5-BC383DB7952A}" type="datetime1">
               <a:rPr lang="es-ES" smtClean="0"/>
               <a:pPr/>
-              <a:t>02/03/2022</a:t>
+              <a:t>03/03/2022</a:t>
             </a:fld>
             <a:endParaRPr lang="es-ES" dirty="0"/>
           </a:p>
@@ -2935,7 +2937,7 @@
     </p:spTree>
     <p:extLst>
       <p:ext uri="{BB962C8B-B14F-4D97-AF65-F5344CB8AC3E}">
-        <p14:creationId xmlns="" xmlns:p14="http://schemas.microsoft.com/office/powerpoint/2010/main" val="3397906568"/>
+        <p14:creationId xmlns:p14="http://schemas.microsoft.com/office/powerpoint/2010/main" xmlns="" val="3397906568"/>
       </p:ext>
     </p:extLst>
   </p:cSld>
@@ -2943,7 +2945,7 @@
     <a:masterClrMapping/>
   </p:clrMapOvr>
   <mc:AlternateContent xmlns:mc="http://schemas.openxmlformats.org/markup-compatibility/2006">
-    <mc:Choice xmlns="" xmlns:p14="http://schemas.microsoft.com/office/powerpoint/2010/main" Requires="p14">
+    <mc:Choice xmlns:p14="http://schemas.microsoft.com/office/powerpoint/2010/main" xmlns="" Requires="p14">
       <p:transition spd="med" p14:dur="700">
         <p:fade/>
       </p:transition>
@@ -3034,7 +3036,7 @@
             <a:fld id="{89F053BC-CC32-4EC0-AB4D-7EEE27374DD1}" type="datetime1">
               <a:rPr lang="es-ES" smtClean="0"/>
               <a:pPr/>
-              <a:t>02/03/2022</a:t>
+              <a:t>03/03/2022</a:t>
             </a:fld>
             <a:endParaRPr lang="es-ES" dirty="0"/>
           </a:p>
@@ -3067,7 +3069,7 @@
     </p:spTree>
     <p:extLst>
       <p:ext uri="{BB962C8B-B14F-4D97-AF65-F5344CB8AC3E}">
-        <p14:creationId xmlns="" xmlns:p14="http://schemas.microsoft.com/office/powerpoint/2010/main" val="3238976713"/>
+        <p14:creationId xmlns:p14="http://schemas.microsoft.com/office/powerpoint/2010/main" xmlns="" val="3238976713"/>
       </p:ext>
     </p:extLst>
   </p:cSld>
@@ -3075,7 +3077,7 @@
     <a:masterClrMapping/>
   </p:clrMapOvr>
   <mc:AlternateContent xmlns:mc="http://schemas.openxmlformats.org/markup-compatibility/2006">
-    <mc:Choice xmlns="" xmlns:p14="http://schemas.microsoft.com/office/powerpoint/2010/main" Requires="p14">
+    <mc:Choice xmlns:p14="http://schemas.microsoft.com/office/powerpoint/2010/main" xmlns="" Requires="p14">
       <p:transition spd="med" p14:dur="700">
         <p:fade/>
       </p:transition>
@@ -3143,7 +3145,7 @@
             <a:fld id="{1BC7C8E9-24EE-4951-B55F-E25D3010A201}" type="datetime1">
               <a:rPr lang="es-ES" smtClean="0"/>
               <a:pPr/>
-              <a:t>02/03/2022</a:t>
+              <a:t>03/03/2022</a:t>
             </a:fld>
             <a:endParaRPr lang="es-ES" dirty="0"/>
           </a:p>
@@ -3176,7 +3178,7 @@
     </p:spTree>
     <p:extLst>
       <p:ext uri="{BB962C8B-B14F-4D97-AF65-F5344CB8AC3E}">
-        <p14:creationId xmlns="" xmlns:p14="http://schemas.microsoft.com/office/powerpoint/2010/main" val="2146817227"/>
+        <p14:creationId xmlns:p14="http://schemas.microsoft.com/office/powerpoint/2010/main" xmlns="" val="2146817227"/>
       </p:ext>
     </p:extLst>
   </p:cSld>
@@ -3184,7 +3186,7 @@
     <a:masterClrMapping/>
   </p:clrMapOvr>
   <mc:AlternateContent xmlns:mc="http://schemas.openxmlformats.org/markup-compatibility/2006">
-    <mc:Choice xmlns="" xmlns:p14="http://schemas.microsoft.com/office/powerpoint/2010/main" Requires="p14">
+    <mc:Choice xmlns:p14="http://schemas.microsoft.com/office/powerpoint/2010/main" xmlns="" Requires="p14">
       <p:transition spd="med" p14:dur="700">
         <p:fade/>
       </p:transition>
@@ -3527,7 +3529,7 @@
     </p:spTree>
     <p:extLst>
       <p:ext uri="{BB962C8B-B14F-4D97-AF65-F5344CB8AC3E}">
-        <p14:creationId xmlns="" xmlns:p14="http://schemas.microsoft.com/office/powerpoint/2010/main" val="1667374130"/>
+        <p14:creationId xmlns:p14="http://schemas.microsoft.com/office/powerpoint/2010/main" xmlns="" val="1667374130"/>
       </p:ext>
     </p:extLst>
   </p:cSld>
@@ -3535,7 +3537,7 @@
     <a:masterClrMapping/>
   </p:clrMapOvr>
   <mc:AlternateContent xmlns:mc="http://schemas.openxmlformats.org/markup-compatibility/2006">
-    <mc:Choice xmlns="" xmlns:p14="http://schemas.microsoft.com/office/powerpoint/2010/main" Requires="p14">
+    <mc:Choice xmlns:p14="http://schemas.microsoft.com/office/powerpoint/2010/main" xmlns="" Requires="p14">
       <p:transition spd="med" p14:dur="700">
         <p:fade/>
       </p:transition>
@@ -3856,7 +3858,7 @@
     </p:spTree>
     <p:extLst>
       <p:ext uri="{BB962C8B-B14F-4D97-AF65-F5344CB8AC3E}">
-        <p14:creationId xmlns="" xmlns:p14="http://schemas.microsoft.com/office/powerpoint/2010/main" val="2977249753"/>
+        <p14:creationId xmlns:p14="http://schemas.microsoft.com/office/powerpoint/2010/main" xmlns="" val="2977249753"/>
       </p:ext>
     </p:extLst>
   </p:cSld>
@@ -3864,7 +3866,7 @@
     <a:masterClrMapping/>
   </p:clrMapOvr>
   <mc:AlternateContent xmlns:mc="http://schemas.openxmlformats.org/markup-compatibility/2006">
-    <mc:Choice xmlns="" xmlns:p14="http://schemas.microsoft.com/office/powerpoint/2010/main" Requires="p14">
+    <mc:Choice xmlns:p14="http://schemas.microsoft.com/office/powerpoint/2010/main" xmlns="" Requires="p14">
       <p:transition spd="med" p14:dur="700">
         <p:fade/>
       </p:transition>
@@ -4133,7 +4135,7 @@
             <a:fld id="{101EAB43-7C8D-4EFD-8CE1-9862A79FBB73}" type="datetime1">
               <a:rPr lang="es-ES" smtClean="0"/>
               <a:pPr/>
-              <a:t>02/03/2022</a:t>
+              <a:t>03/03/2022</a:t>
             </a:fld>
             <a:endParaRPr lang="es-ES" dirty="0"/>
           </a:p>
@@ -4182,7 +4184,7 @@
     </p:spTree>
     <p:extLst>
       <p:ext uri="{BB962C8B-B14F-4D97-AF65-F5344CB8AC3E}">
-        <p14:creationId xmlns="" xmlns:p14="http://schemas.microsoft.com/office/powerpoint/2010/main" val="1943259863"/>
+        <p14:creationId xmlns:p14="http://schemas.microsoft.com/office/powerpoint/2010/main" xmlns="" val="1943259863"/>
       </p:ext>
     </p:extLst>
   </p:cSld>
@@ -4202,7 +4204,7 @@
     <p:sldLayoutId id="2147483802" r:id="rId12"/>
   </p:sldLayoutIdLst>
   <mc:AlternateContent xmlns:mc="http://schemas.openxmlformats.org/markup-compatibility/2006">
-    <mc:Choice xmlns="" xmlns:p14="http://schemas.microsoft.com/office/powerpoint/2010/main" Requires="p14">
+    <mc:Choice xmlns:p14="http://schemas.microsoft.com/office/powerpoint/2010/main" xmlns="" Requires="p14">
       <p:transition spd="med" p14:dur="700">
         <p:fade/>
       </p:transition>
@@ -4532,7 +4534,7 @@
   </p:txStyles>
   <p:extLst mod="1">
     <p:ext uri="{27BBF7A9-308A-43DC-89C8-2F10F3537804}">
-      <p15:sldGuideLst xmlns="" xmlns:p15="http://schemas.microsoft.com/office/powerpoint/2012/main">
+      <p15:sldGuideLst xmlns:p15="http://schemas.microsoft.com/office/powerpoint/2012/main" xmlns="">
         <p15:guide id="1" orient="horz" pos="2160">
           <p15:clr>
             <a:srgbClr val="F26B43"/>
@@ -4599,9 +4601,9 @@
                   <a:reflection blurRad="6350" stA="55000" endA="300" endPos="45500" dir="5400000" sy="-100000" algn="bl" rotWithShape="0"/>
                 </a:effectLst>
               </a:rPr>
-              <a:t>EL VIH, </a:t>
-            </a:r>
-            <a:br>
+              <a:t>EL </a:t>
+            </a:r>
+            <a:r>
               <a:rPr lang="es-ES" sz="3200" b="1" dirty="0" smtClean="0">
                 <a:effectLst>
                   <a:outerShdw blurRad="38100" dist="38100" dir="2700000" algn="tl">
@@ -4612,44 +4614,7 @@
                   <a:reflection blurRad="6350" stA="55000" endA="300" endPos="45500" dir="5400000" sy="-100000" algn="bl" rotWithShape="0"/>
                 </a:effectLst>
               </a:rPr>
-            </a:br>
-            <a:r>
-              <a:rPr lang="es-ES" sz="3200" b="1" dirty="0" smtClean="0">
-                <a:effectLst>
-                  <a:outerShdw blurRad="38100" dist="38100" dir="2700000" algn="tl">
-                    <a:srgbClr val="000000">
-                      <a:alpha val="43137"/>
-                    </a:srgbClr>
-                  </a:outerShdw>
-                  <a:reflection blurRad="6350" stA="55000" endA="300" endPos="45500" dir="5400000" sy="-100000" algn="bl" rotWithShape="0"/>
-                </a:effectLst>
-              </a:rPr>
-              <a:t>EL SIDA</a:t>
-            </a:r>
-            <a:br>
-              <a:rPr lang="es-ES" sz="3200" b="1" dirty="0" smtClean="0">
-                <a:effectLst>
-                  <a:outerShdw blurRad="38100" dist="38100" dir="2700000" algn="tl">
-                    <a:srgbClr val="000000">
-                      <a:alpha val="43137"/>
-                    </a:srgbClr>
-                  </a:outerShdw>
-                  <a:reflection blurRad="6350" stA="55000" endA="300" endPos="45500" dir="5400000" sy="-100000" algn="bl" rotWithShape="0"/>
-                </a:effectLst>
-              </a:rPr>
-            </a:br>
-            <a:r>
-              <a:rPr lang="es-ES" sz="3200" b="1" dirty="0" smtClean="0">
-                <a:effectLst>
-                  <a:outerShdw blurRad="38100" dist="38100" dir="2700000" algn="tl">
-                    <a:srgbClr val="000000">
-                      <a:alpha val="43137"/>
-                    </a:srgbClr>
-                  </a:outerShdw>
-                  <a:reflection blurRad="6350" stA="55000" endA="300" endPos="45500" dir="5400000" sy="-100000" algn="bl" rotWithShape="0"/>
-                </a:effectLst>
-              </a:rPr>
-              <a:t>Y LOS PROBLEMAS PSICOLÓGICOS</a:t>
+              <a:t>VIH</a:t>
             </a:r>
             <a:endParaRPr lang="es-ES" sz="3200" b="1" dirty="0">
               <a:effectLst>
@@ -4752,7 +4717,7 @@
           <a:p>
             <a:r>
               <a:rPr lang="es-ES" dirty="0" smtClean="0"/>
-              <a:t>2. PROBLEMAS PSICOLOGICOS</a:t>
+              <a:t>1.4. SÍNTOMAS  III</a:t>
             </a:r>
             <a:endParaRPr lang="es-ES" dirty="0"/>
           </a:p>
@@ -4760,7 +4725,7 @@
       </p:sp>
       <p:sp>
         <p:nvSpPr>
-          <p:cNvPr id="4" name="3 Marcador de texto"/>
+          <p:cNvPr id="3" name="2 Marcador de texto"/>
           <p:cNvSpPr>
             <a:spLocks noGrp="1"/>
           </p:cNvSpPr>
@@ -4773,72 +4738,464 @@
           <a:bodyPr/>
           <a:lstStyle/>
           <a:p>
-            <a:pPr marL="0" lvl="1">
+            <a:pPr>
               <a:spcBef>
-                <a:spcPts val="1800"/>
+                <a:spcPts val="0"/>
               </a:spcBef>
             </a:pPr>
             <a:r>
-              <a:rPr lang="es-ES" sz="1400" dirty="0" smtClean="0">
+              <a:rPr lang="es-ES" dirty="0" smtClean="0">
                 <a:solidFill>
-                  <a:schemeClr val="bg1"/>
+                  <a:schemeClr val="accent2"/>
                 </a:solidFill>
+                <a:latin typeface="+mj-lt"/>
               </a:rPr>
-              <a:t>2.1. PROBLEMAS PSICOLOGICOS GENERALES</a:t>
-            </a:r>
-          </a:p>
-          <a:p>
-            <a:endParaRPr lang="es-ES" dirty="0"/>
-          </a:p>
-        </p:txBody>
-      </p:sp>
-      <p:pic>
-        <p:nvPicPr>
-          <p:cNvPr id="8196" name="Picture 4" descr="Ansiedad: qué es, síntomas y consejos para ayudar | DoctorAkí"/>
-          <p:cNvPicPr>
-            <a:picLocks noChangeAspect="1" noChangeArrowheads="1"/>
-          </p:cNvPicPr>
+              <a:t>Tipos de cáncer frecuentes</a:t>
+            </a:r>
+          </a:p>
+        </p:txBody>
+      </p:sp>
+      <p:sp>
+        <p:nvSpPr>
+          <p:cNvPr id="4" name="3 Marcador de contenido"/>
+          <p:cNvSpPr>
+            <a:spLocks noGrp="1"/>
+          </p:cNvSpPr>
+          <p:nvPr>
+            <p:ph sz="half" idx="2"/>
+          </p:nvPr>
+        </p:nvSpPr>
+        <p:spPr/>
+        <p:txBody>
+          <a:bodyPr>
+            <a:normAutofit/>
+          </a:bodyPr>
+          <a:lstStyle/>
+          <a:p>
+            <a:pPr>
+              <a:spcBef>
+                <a:spcPts val="0"/>
+              </a:spcBef>
+              <a:buClr>
+                <a:schemeClr val="accent1"/>
+              </a:buClr>
+              <a:buFont typeface="Wingdings" pitchFamily="2" charset="2"/>
+              <a:buChar char="§"/>
+            </a:pPr>
+            <a:r>
+              <a:rPr lang="es-ES" sz="1800" dirty="0" smtClean="0"/>
+              <a:t>Linfoma. Este cáncer comienza en los glóbulos blancos. </a:t>
+            </a:r>
+          </a:p>
+          <a:p>
+            <a:pPr>
+              <a:spcBef>
+                <a:spcPts val="0"/>
+              </a:spcBef>
+              <a:buClr>
+                <a:schemeClr val="accent1"/>
+              </a:buClr>
+              <a:buFont typeface="Wingdings" pitchFamily="2" charset="2"/>
+              <a:buChar char="§"/>
+            </a:pPr>
+            <a:r>
+              <a:rPr lang="es-ES" sz="1800" dirty="0" smtClean="0"/>
+              <a:t>Sarcoma de Kaposi. (tumor de las paredes de los vasos sanguíneos)</a:t>
+            </a:r>
+          </a:p>
+        </p:txBody>
+      </p:sp>
+      <p:sp>
+        <p:nvSpPr>
+          <p:cNvPr id="5" name="4 Marcador de texto"/>
+          <p:cNvSpPr>
+            <a:spLocks noGrp="1"/>
+          </p:cNvSpPr>
+          <p:nvPr>
+            <p:ph type="body" sz="quarter" idx="3"/>
+          </p:nvPr>
+        </p:nvSpPr>
+        <p:spPr/>
+        <p:txBody>
+          <a:bodyPr/>
+          <a:lstStyle/>
+          <a:p>
+            <a:r>
+              <a:rPr lang="es-ES" dirty="0" smtClean="0">
+                <a:solidFill>
+                  <a:schemeClr val="accent2"/>
+                </a:solidFill>
+                <a:latin typeface="+mj-lt"/>
+              </a:rPr>
+              <a:t>Otras complicaciones</a:t>
+            </a:r>
+          </a:p>
+        </p:txBody>
+      </p:sp>
+      <p:sp>
+        <p:nvSpPr>
+          <p:cNvPr id="6" name="5 Marcador de contenido"/>
+          <p:cNvSpPr>
+            <a:spLocks noGrp="1"/>
+          </p:cNvSpPr>
+          <p:nvPr>
+            <p:ph sz="quarter" idx="4"/>
+          </p:nvPr>
+        </p:nvSpPr>
+        <p:spPr/>
+        <p:txBody>
+          <a:bodyPr>
+            <a:noAutofit/>
+          </a:bodyPr>
+          <a:lstStyle/>
+          <a:p>
+            <a:pPr>
+              <a:spcBef>
+                <a:spcPts val="0"/>
+              </a:spcBef>
+              <a:buClr>
+                <a:schemeClr val="accent1"/>
+              </a:buClr>
+              <a:buFont typeface="Wingdings" pitchFamily="2" charset="2"/>
+              <a:buChar char="§"/>
+            </a:pPr>
+            <a:r>
+              <a:rPr lang="es-ES" sz="1800" dirty="0" smtClean="0"/>
+              <a:t>Síndrome de desgaste</a:t>
+            </a:r>
+          </a:p>
+          <a:p>
+            <a:pPr lvl="1">
+              <a:spcBef>
+                <a:spcPts val="0"/>
+              </a:spcBef>
+              <a:buClr>
+                <a:schemeClr val="accent1"/>
+              </a:buClr>
+              <a:buFont typeface="Wingdings" pitchFamily="2" charset="2"/>
+              <a:buChar char="§"/>
+            </a:pPr>
+            <a:r>
+              <a:rPr lang="es-ES" sz="1400" dirty="0" smtClean="0"/>
+              <a:t>Pérdida de peso significativa</a:t>
+            </a:r>
+          </a:p>
+          <a:p>
+            <a:pPr lvl="1">
+              <a:spcBef>
+                <a:spcPts val="0"/>
+              </a:spcBef>
+              <a:buClr>
+                <a:schemeClr val="accent1"/>
+              </a:buClr>
+              <a:buFont typeface="Wingdings" pitchFamily="2" charset="2"/>
+              <a:buChar char="§"/>
+            </a:pPr>
+            <a:r>
+              <a:rPr lang="es-ES" sz="1400" dirty="0" smtClean="0"/>
+              <a:t>Diarrea</a:t>
+            </a:r>
+          </a:p>
+          <a:p>
+            <a:pPr lvl="1">
+              <a:spcBef>
+                <a:spcPts val="0"/>
+              </a:spcBef>
+              <a:buClr>
+                <a:schemeClr val="accent1"/>
+              </a:buClr>
+              <a:buFont typeface="Wingdings" pitchFamily="2" charset="2"/>
+              <a:buChar char="§"/>
+            </a:pPr>
+            <a:r>
+              <a:rPr lang="es-ES" sz="1400" dirty="0" smtClean="0"/>
+              <a:t>Debilidad crónica</a:t>
+            </a:r>
+          </a:p>
+          <a:p>
+            <a:pPr lvl="1">
+              <a:spcBef>
+                <a:spcPts val="0"/>
+              </a:spcBef>
+              <a:buClr>
+                <a:schemeClr val="accent1"/>
+              </a:buClr>
+              <a:buFont typeface="Wingdings" pitchFamily="2" charset="2"/>
+              <a:buChar char="§"/>
+            </a:pPr>
+            <a:r>
+              <a:rPr lang="es-ES" sz="1400" dirty="0" smtClean="0"/>
+              <a:t>Fiebre</a:t>
+            </a:r>
+          </a:p>
+          <a:p>
+            <a:pPr>
+              <a:spcBef>
+                <a:spcPts val="0"/>
+              </a:spcBef>
+              <a:buClr>
+                <a:schemeClr val="accent1"/>
+              </a:buClr>
+              <a:buFont typeface="Wingdings" pitchFamily="2" charset="2"/>
+              <a:buChar char="§"/>
+            </a:pPr>
+            <a:r>
+              <a:rPr lang="es-ES" sz="1800" dirty="0" smtClean="0"/>
+              <a:t>Complicaciones neurológicas</a:t>
+            </a:r>
+          </a:p>
+          <a:p>
+            <a:pPr lvl="1">
+              <a:spcBef>
+                <a:spcPts val="0"/>
+              </a:spcBef>
+              <a:buClr>
+                <a:schemeClr val="accent1"/>
+              </a:buClr>
+              <a:buFont typeface="Wingdings" pitchFamily="2" charset="2"/>
+              <a:buChar char="§"/>
+            </a:pPr>
+            <a:r>
+              <a:rPr lang="es-ES" sz="1400" dirty="0" smtClean="0"/>
+              <a:t>Cambios de comportamiento</a:t>
+            </a:r>
+          </a:p>
+          <a:p>
+            <a:pPr lvl="1">
+              <a:spcBef>
+                <a:spcPts val="0"/>
+              </a:spcBef>
+              <a:buClr>
+                <a:schemeClr val="accent1"/>
+              </a:buClr>
+              <a:buFont typeface="Wingdings" pitchFamily="2" charset="2"/>
+              <a:buChar char="§"/>
+            </a:pPr>
+            <a:r>
+              <a:rPr lang="es-ES" sz="1400" dirty="0" smtClean="0"/>
+              <a:t>Funcionamiento mental reducido</a:t>
+            </a:r>
+          </a:p>
+          <a:p>
+            <a:pPr lvl="1">
+              <a:spcBef>
+                <a:spcPts val="0"/>
+              </a:spcBef>
+              <a:buClr>
+                <a:schemeClr val="accent1"/>
+              </a:buClr>
+              <a:buFont typeface="Wingdings" pitchFamily="2" charset="2"/>
+              <a:buChar char="§"/>
+            </a:pPr>
+            <a:r>
+              <a:rPr lang="es-ES" sz="1400" dirty="0" smtClean="0"/>
+              <a:t>Desorientación</a:t>
+            </a:r>
+          </a:p>
+          <a:p>
+            <a:pPr lvl="1">
+              <a:spcBef>
+                <a:spcPts val="0"/>
+              </a:spcBef>
+              <a:buClr>
+                <a:schemeClr val="accent1"/>
+              </a:buClr>
+              <a:buFont typeface="Wingdings" pitchFamily="2" charset="2"/>
+              <a:buChar char="§"/>
+            </a:pPr>
+            <a:r>
+              <a:rPr lang="es-ES" sz="1400" dirty="0" smtClean="0"/>
+              <a:t>Falta de memoria</a:t>
+            </a:r>
+          </a:p>
+          <a:p>
+            <a:pPr lvl="1">
+              <a:spcBef>
+                <a:spcPts val="0"/>
+              </a:spcBef>
+              <a:buClr>
+                <a:schemeClr val="accent1"/>
+              </a:buClr>
+              <a:buFont typeface="Wingdings" pitchFamily="2" charset="2"/>
+              <a:buChar char="§"/>
+            </a:pPr>
+            <a:r>
+              <a:rPr lang="es-ES" sz="1400" dirty="0" smtClean="0"/>
+              <a:t>Depresión</a:t>
+            </a:r>
+          </a:p>
+          <a:p>
+            <a:pPr lvl="1">
+              <a:spcBef>
+                <a:spcPts val="0"/>
+              </a:spcBef>
+              <a:buClr>
+                <a:schemeClr val="accent1"/>
+              </a:buClr>
+              <a:buFont typeface="Wingdings" pitchFamily="2" charset="2"/>
+              <a:buChar char="§"/>
+            </a:pPr>
+            <a:r>
+              <a:rPr lang="es-ES" sz="1400" dirty="0" smtClean="0"/>
+              <a:t>Ansiedad</a:t>
+            </a:r>
+          </a:p>
+          <a:p>
+            <a:pPr lvl="1">
+              <a:spcBef>
+                <a:spcPts val="0"/>
+              </a:spcBef>
+              <a:buClr>
+                <a:schemeClr val="accent1"/>
+              </a:buClr>
+              <a:buFont typeface="Wingdings" pitchFamily="2" charset="2"/>
+              <a:buChar char="§"/>
+            </a:pPr>
+            <a:r>
+              <a:rPr lang="es-ES" sz="1400" dirty="0" smtClean="0"/>
+              <a:t>Dificultad para caminar</a:t>
+            </a:r>
+          </a:p>
+          <a:p>
+            <a:pPr lvl="1">
+              <a:spcBef>
+                <a:spcPts val="0"/>
+              </a:spcBef>
+              <a:buClr>
+                <a:schemeClr val="accent1"/>
+              </a:buClr>
+              <a:buFont typeface="Wingdings" pitchFamily="2" charset="2"/>
+              <a:buChar char="§"/>
+            </a:pPr>
+            <a:r>
+              <a:rPr lang="es-ES" sz="1400" dirty="0" smtClean="0"/>
+              <a:t>Demencia severa</a:t>
+            </a:r>
+          </a:p>
+          <a:p>
+            <a:pPr lvl="1">
+              <a:spcBef>
+                <a:spcPts val="0"/>
+              </a:spcBef>
+              <a:buClr>
+                <a:schemeClr val="accent1"/>
+              </a:buClr>
+              <a:buFont typeface="Wingdings" pitchFamily="2" charset="2"/>
+              <a:buChar char="§"/>
+            </a:pPr>
+            <a:r>
+              <a:rPr lang="es-ES" sz="1400" dirty="0" smtClean="0"/>
+              <a:t>Debilidad</a:t>
+            </a:r>
+          </a:p>
+          <a:p>
+            <a:pPr lvl="1">
+              <a:spcBef>
+                <a:spcPts val="0"/>
+              </a:spcBef>
+              <a:buClr>
+                <a:schemeClr val="accent1"/>
+              </a:buClr>
+              <a:buFont typeface="Wingdings" pitchFamily="2" charset="2"/>
+              <a:buChar char="§"/>
+            </a:pPr>
+            <a:r>
+              <a:rPr lang="es-ES" sz="1400" dirty="0" smtClean="0"/>
+              <a:t>Incapacidad para funcionar.</a:t>
+            </a:r>
+          </a:p>
+          <a:p>
+            <a:pPr>
+              <a:spcBef>
+                <a:spcPts val="0"/>
+              </a:spcBef>
+              <a:buClr>
+                <a:schemeClr val="accent1"/>
+              </a:buClr>
+              <a:buFont typeface="Wingdings" pitchFamily="2" charset="2"/>
+              <a:buChar char="§"/>
+            </a:pPr>
+            <a:r>
+              <a:rPr lang="es-ES" sz="1800" dirty="0" smtClean="0"/>
+              <a:t>Enfermedad renal</a:t>
+            </a:r>
+          </a:p>
+          <a:p>
+            <a:pPr>
+              <a:spcBef>
+                <a:spcPts val="0"/>
+              </a:spcBef>
+              <a:buClr>
+                <a:schemeClr val="accent1"/>
+              </a:buClr>
+              <a:buFont typeface="Wingdings" pitchFamily="2" charset="2"/>
+              <a:buChar char="§"/>
+            </a:pPr>
+            <a:r>
+              <a:rPr lang="es-ES" sz="1800" dirty="0" smtClean="0"/>
+              <a:t>Enfermedad hepática</a:t>
+            </a:r>
+            <a:endParaRPr lang="es-ES" sz="1800" dirty="0"/>
+          </a:p>
+        </p:txBody>
+      </p:sp>
+      <p:sp>
+        <p:nvSpPr>
+          <p:cNvPr id="7" name="6 CuadroTexto"/>
+          <p:cNvSpPr txBox="1"/>
           <p:nvPr/>
-        </p:nvPicPr>
-        <p:blipFill>
-          <a:blip r:embed="rId2" cstate="print">
-            <a:duotone>
-              <a:schemeClr val="accent1">
-                <a:shade val="45000"/>
-                <a:satMod val="135000"/>
-              </a:schemeClr>
-              <a:prstClr val="white"/>
-            </a:duotone>
-            <a:lum bright="-10000" contrast="40000"/>
-          </a:blip>
-          <a:srcRect l="20424" r="19368"/>
-          <a:stretch>
-            <a:fillRect/>
-          </a:stretch>
-        </p:blipFill>
-        <p:spPr bwMode="auto">
+        </p:nvSpPr>
+        <p:spPr>
           <a:xfrm>
-            <a:off x="6444208" y="404664"/>
-            <a:ext cx="2342627" cy="2564904"/>
+            <a:off x="8532440" y="6309320"/>
+            <a:ext cx="611560" cy="523220"/>
           </a:xfrm>
           <a:prstGeom prst="rect">
             <a:avLst/>
           </a:prstGeom>
-          <a:ln>
-            <a:noFill/>
-          </a:ln>
-          <a:effectLst>
-            <a:softEdge rad="112500"/>
-          </a:effectLst>
+          <a:noFill/>
         </p:spPr>
-      </p:pic>
+        <p:txBody>
+          <a:bodyPr wrap="square" rtlCol="0">
+            <a:spAutoFit/>
+          </a:bodyPr>
+          <a:lstStyle/>
+          <a:p>
+            <a:pPr algn="ctr"/>
+            <a:fld id="{8FBC0280-1112-4173-896C-F6A97D0AED77}" type="slidenum">
+              <a:rPr lang="es-ES" sz="2800" b="1" kern="1000" smtClean="0">
+                <a:effectLst>
+                  <a:outerShdw blurRad="38100" dist="38100" dir="2700000" algn="tl">
+                    <a:srgbClr val="000000">
+                      <a:alpha val="43137"/>
+                    </a:srgbClr>
+                  </a:outerShdw>
+                </a:effectLst>
+                <a:latin typeface="+mj-lt"/>
+              </a:rPr>
+              <a:pPr algn="ctr"/>
+              <a:t>10</a:t>
+            </a:fld>
+            <a:endParaRPr lang="es-ES" sz="2800" b="1" kern="1000" dirty="0">
+              <a:effectLst>
+                <a:outerShdw blurRad="38100" dist="38100" dir="2700000" algn="tl">
+                  <a:srgbClr val="000000">
+                    <a:alpha val="43137"/>
+                  </a:srgbClr>
+                </a:outerShdw>
+              </a:effectLst>
+              <a:latin typeface="+mj-lt"/>
+            </a:endParaRPr>
+          </a:p>
+        </p:txBody>
+      </p:sp>
     </p:spTree>
   </p:cSld>
   <p:clrMapOvr>
     <a:masterClrMapping/>
   </p:clrMapOvr>
   <mc:AlternateContent xmlns:mc="http://schemas.openxmlformats.org/markup-compatibility/2006">
-    <mc:Choice xmlns="" xmlns:p14="http://schemas.microsoft.com/office/powerpoint/2010/main" Requires="p14">
+    <mc:Choice xmlns:p14="http://schemas.microsoft.com/office/powerpoint/2010/main" xmlns="" Requires="p14">
       <p:transition spd="med" p14:dur="700">
         <p:fade/>
       </p:transition>
@@ -4878,7 +5235,7 @@
       </p:grpSpPr>
       <p:sp>
         <p:nvSpPr>
-          <p:cNvPr id="4" name="3 Título"/>
+          <p:cNvPr id="2" name="1 Título"/>
           <p:cNvSpPr>
             <a:spLocks noGrp="1"/>
           </p:cNvSpPr>
@@ -4888,20 +5245,30 @@
         </p:nvSpPr>
         <p:spPr/>
         <p:txBody>
-          <a:bodyPr/>
+          <a:bodyPr>
+            <a:normAutofit/>
+          </a:bodyPr>
           <a:lstStyle/>
           <a:p>
             <a:r>
-              <a:rPr lang="es-ES" dirty="0" smtClean="0"/>
-              <a:t>2.1. PROBLEMAS PSICOLOGICOS GENERALES</a:t>
-            </a:r>
-            <a:endParaRPr lang="es-ES" dirty="0"/>
-          </a:p>
-        </p:txBody>
-      </p:sp>
-      <p:sp>
-        <p:nvSpPr>
-          <p:cNvPr id="5" name="4 Marcador de contenido"/>
+              <a:rPr lang="es-ES" sz="2400" dirty="0" smtClean="0"/>
+              <a:t>1.2</a:t>
+            </a:r>
+            <a:r>
+              <a:rPr lang="es-ES" sz="2400" dirty="0" smtClean="0"/>
+              <a:t>. PROBLEMAS </a:t>
+            </a:r>
+            <a:r>
+              <a:rPr lang="es-ES" sz="2400" dirty="0" smtClean="0"/>
+              <a:t>PSICOLOGICOS GENERALES</a:t>
+            </a:r>
+            <a:endParaRPr lang="es-ES" sz="2400" dirty="0"/>
+          </a:p>
+        </p:txBody>
+      </p:sp>
+      <p:sp>
+        <p:nvSpPr>
+          <p:cNvPr id="6" name="5 Marcador de contenido"/>
           <p:cNvSpPr>
             <a:spLocks noGrp="1"/>
           </p:cNvSpPr>
@@ -4911,7 +5278,7 @@
         </p:nvSpPr>
         <p:spPr/>
         <p:txBody>
-          <a:bodyPr/>
+          <a:bodyPr anchor="ctr"/>
           <a:lstStyle/>
           <a:p>
             <a:pPr>
@@ -4936,78 +5303,97 @@
             </a:pPr>
             <a:r>
               <a:rPr lang="es-ES" dirty="0" smtClean="0"/>
-              <a:t>Sensación de critica</a:t>
-            </a:r>
-          </a:p>
-          <a:p>
-            <a:pPr>
-              <a:buClr>
-                <a:schemeClr val="accent1"/>
-              </a:buClr>
-              <a:buFont typeface="Wingdings" pitchFamily="2" charset="2"/>
-              <a:buChar char="§"/>
+              <a:t>Sensación de </a:t>
+            </a:r>
+            <a:r>
+              <a:rPr lang="es-ES" dirty="0" smtClean="0"/>
+              <a:t>critica</a:t>
+            </a:r>
+            <a:endParaRPr lang="es-ES" dirty="0" smtClean="0"/>
+          </a:p>
+        </p:txBody>
+      </p:sp>
+      <p:sp>
+        <p:nvSpPr>
+          <p:cNvPr id="4" name="3 Marcador de texto"/>
+          <p:cNvSpPr>
+            <a:spLocks noGrp="1"/>
+          </p:cNvSpPr>
+          <p:nvPr>
+            <p:ph type="body" sz="half" idx="2"/>
+          </p:nvPr>
+        </p:nvSpPr>
+        <p:spPr/>
+        <p:txBody>
+          <a:bodyPr/>
+          <a:lstStyle/>
+          <a:p>
+            <a:pPr marL="0" lvl="1">
+              <a:spcBef>
+                <a:spcPts val="1800"/>
+              </a:spcBef>
             </a:pPr>
+            <a:r>
+              <a:rPr lang="es-ES" sz="1400" dirty="0" smtClean="0">
+                <a:solidFill>
+                  <a:schemeClr val="bg1"/>
+                </a:solidFill>
+              </a:rPr>
+              <a:t>2.1. PROBLEMAS PSICOLOGICOS GENERALES</a:t>
+            </a:r>
+          </a:p>
+          <a:p>
             <a:endParaRPr lang="es-ES" dirty="0"/>
           </a:p>
         </p:txBody>
       </p:sp>
-      <p:sp>
-        <p:nvSpPr>
-          <p:cNvPr id="6" name="5 CuadroTexto"/>
-          <p:cNvSpPr txBox="1"/>
+      <p:pic>
+        <p:nvPicPr>
+          <p:cNvPr id="8196" name="Picture 4" descr="Ansiedad: qué es, síntomas y consejos para ayudar | DoctorAkí"/>
+          <p:cNvPicPr>
+            <a:picLocks noChangeAspect="1" noChangeArrowheads="1"/>
+          </p:cNvPicPr>
           <p:nvPr/>
-        </p:nvSpPr>
-        <p:spPr>
+        </p:nvPicPr>
+        <p:blipFill>
+          <a:blip r:embed="rId2" cstate="print">
+            <a:duotone>
+              <a:schemeClr val="accent1">
+                <a:shade val="45000"/>
+                <a:satMod val="135000"/>
+              </a:schemeClr>
+              <a:prstClr val="white"/>
+            </a:duotone>
+            <a:lum bright="-10000" contrast="40000"/>
+          </a:blip>
+          <a:srcRect l="20424" r="19368"/>
+          <a:stretch>
+            <a:fillRect/>
+          </a:stretch>
+        </p:blipFill>
+        <p:spPr bwMode="auto">
           <a:xfrm>
-            <a:off x="8532440" y="6309320"/>
-            <a:ext cx="611560" cy="523220"/>
+            <a:off x="6156176" y="980728"/>
+            <a:ext cx="2160240" cy="2365212"/>
           </a:xfrm>
           <a:prstGeom prst="rect">
             <a:avLst/>
           </a:prstGeom>
-          <a:noFill/>
+          <a:ln>
+            <a:noFill/>
+          </a:ln>
+          <a:effectLst>
+            <a:softEdge rad="112500"/>
+          </a:effectLst>
         </p:spPr>
-        <p:txBody>
-          <a:bodyPr wrap="square" rtlCol="0">
-            <a:spAutoFit/>
-          </a:bodyPr>
-          <a:lstStyle/>
-          <a:p>
-            <a:pPr algn="ctr"/>
-            <a:fld id="{8FBC0280-1112-4173-896C-F6A97D0AED77}" type="slidenum">
-              <a:rPr lang="es-ES" sz="2800" b="1" kern="1000" smtClean="0">
-                <a:effectLst>
-                  <a:outerShdw blurRad="38100" dist="38100" dir="2700000" algn="tl">
-                    <a:srgbClr val="000000">
-                      <a:alpha val="43137"/>
-                    </a:srgbClr>
-                  </a:outerShdw>
-                </a:effectLst>
-                <a:latin typeface="+mj-lt"/>
-              </a:rPr>
-              <a:pPr algn="ctr"/>
-              <a:t>11</a:t>
-            </a:fld>
-            <a:endParaRPr lang="es-ES" sz="2800" b="1" kern="1000" dirty="0">
-              <a:effectLst>
-                <a:outerShdw blurRad="38100" dist="38100" dir="2700000" algn="tl">
-                  <a:srgbClr val="000000">
-                    <a:alpha val="43137"/>
-                  </a:srgbClr>
-                </a:outerShdw>
-              </a:effectLst>
-              <a:latin typeface="+mj-lt"/>
-            </a:endParaRPr>
-          </a:p>
-        </p:txBody>
-      </p:sp>
+      </p:pic>
     </p:spTree>
   </p:cSld>
   <p:clrMapOvr>
     <a:masterClrMapping/>
   </p:clrMapOvr>
   <mc:AlternateContent xmlns:mc="http://schemas.openxmlformats.org/markup-compatibility/2006">
-    <mc:Choice xmlns="" xmlns:p14="http://schemas.microsoft.com/office/powerpoint/2010/main" Requires="p14">
+    <mc:Choice xmlns:p14="http://schemas.microsoft.com/office/powerpoint/2010/main" xmlns="" Requires="p14">
       <p:transition spd="med" p14:dur="700">
         <p:fade/>
       </p:transition>
@@ -5047,6 +5433,218 @@
       </p:grpSpPr>
       <p:sp>
         <p:nvSpPr>
+          <p:cNvPr id="8" name="7 Título"/>
+          <p:cNvSpPr>
+            <a:spLocks noGrp="1"/>
+          </p:cNvSpPr>
+          <p:nvPr>
+            <p:ph type="title"/>
+          </p:nvPr>
+        </p:nvSpPr>
+        <p:spPr/>
+        <p:txBody>
+          <a:bodyPr>
+            <a:noAutofit/>
+          </a:bodyPr>
+          <a:lstStyle/>
+          <a:p>
+            <a:r>
+              <a:rPr lang="es-ES" sz="2600" dirty="0" smtClean="0"/>
+              <a:t>2. </a:t>
+            </a:r>
+            <a:r>
+              <a:rPr lang="es-ES" sz="2600" dirty="0" smtClean="0"/>
+              <a:t>PROBLEMAS </a:t>
+            </a:r>
+            <a:r>
+              <a:rPr lang="es-ES" sz="2600" dirty="0" smtClean="0"/>
+              <a:t>PSICOLOGICOS Y REACCIONES </a:t>
+            </a:r>
+            <a:r>
+              <a:rPr lang="es-ES" sz="2600" dirty="0" smtClean="0"/>
+              <a:t>EMOCIONALES DEL PACIENTE</a:t>
+            </a:r>
+            <a:endParaRPr lang="es-ES" sz="2600" dirty="0"/>
+          </a:p>
+        </p:txBody>
+      </p:sp>
+      <p:sp>
+        <p:nvSpPr>
+          <p:cNvPr id="10" name="9 Marcador de contenido"/>
+          <p:cNvSpPr>
+            <a:spLocks noGrp="1"/>
+          </p:cNvSpPr>
+          <p:nvPr>
+            <p:ph idx="1"/>
+          </p:nvPr>
+        </p:nvSpPr>
+        <p:spPr/>
+        <p:txBody>
+          <a:bodyPr anchor="ctr"/>
+          <a:lstStyle/>
+          <a:p>
+            <a:endParaRPr lang="es-ES" dirty="0"/>
+          </a:p>
+        </p:txBody>
+      </p:sp>
+      <p:sp>
+        <p:nvSpPr>
+          <p:cNvPr id="11" name="10 Marcador de texto"/>
+          <p:cNvSpPr>
+            <a:spLocks noGrp="1"/>
+          </p:cNvSpPr>
+          <p:nvPr>
+            <p:ph type="body" sz="half" idx="2"/>
+          </p:nvPr>
+        </p:nvSpPr>
+        <p:spPr/>
+        <p:txBody>
+          <a:bodyPr/>
+          <a:lstStyle/>
+          <a:p>
+            <a:endParaRPr lang="es-ES"/>
+          </a:p>
+        </p:txBody>
+      </p:sp>
+    </p:spTree>
+  </p:cSld>
+  <p:clrMapOvr>
+    <a:masterClrMapping/>
+  </p:clrMapOvr>
+  <mc:AlternateContent xmlns:mc="http://schemas.openxmlformats.org/markup-compatibility/2006">
+    <mc:Choice xmlns:p14="http://schemas.microsoft.com/office/powerpoint/2010/main" xmlns="" Requires="p14">
+      <p:transition spd="med" p14:dur="700">
+        <p:fade/>
+      </p:transition>
+    </mc:Choice>
+    <mc:Fallback>
+      <p:transition spd="med">
+        <p:fade/>
+      </p:transition>
+    </mc:Fallback>
+  </mc:AlternateContent>
+</p:sld>
+</file>
+
+<file path=ppt/slides/slide13.xml><?xml version="1.0" encoding="utf-8"?>
+<p:sld xmlns:a="http://schemas.openxmlformats.org/drawingml/2006/main" xmlns:r="http://schemas.openxmlformats.org/officeDocument/2006/relationships" xmlns:p="http://schemas.openxmlformats.org/presentationml/2006/main">
+  <p:cSld>
+    <p:spTree>
+      <p:nvGrpSpPr>
+        <p:cNvPr id="1" name=""/>
+        <p:cNvGrpSpPr/>
+        <p:nvPr/>
+      </p:nvGrpSpPr>
+      <p:grpSpPr>
+        <a:xfrm>
+          <a:off x="0" y="0"/>
+          <a:ext cx="0" cy="0"/>
+          <a:chOff x="0" y="0"/>
+          <a:chExt cx="0" cy="0"/>
+        </a:xfrm>
+      </p:grpSpPr>
+      <p:sp>
+        <p:nvSpPr>
+          <p:cNvPr id="6" name="5 Título"/>
+          <p:cNvSpPr>
+            <a:spLocks noGrp="1"/>
+          </p:cNvSpPr>
+          <p:nvPr>
+            <p:ph type="title"/>
+          </p:nvPr>
+        </p:nvSpPr>
+        <p:spPr/>
+        <p:txBody>
+          <a:bodyPr>
+            <a:noAutofit/>
+          </a:bodyPr>
+          <a:lstStyle/>
+          <a:p>
+            <a:r>
+              <a:rPr lang="es-ES" sz="2600" dirty="0" smtClean="0"/>
+              <a:t>3. PRINCIPALES PREOCUPACIONES DEL PACIENTE</a:t>
+            </a:r>
+            <a:endParaRPr lang="es-ES" sz="2600" dirty="0"/>
+          </a:p>
+        </p:txBody>
+      </p:sp>
+      <p:sp>
+        <p:nvSpPr>
+          <p:cNvPr id="7" name="6 Marcador de contenido"/>
+          <p:cNvSpPr>
+            <a:spLocks noGrp="1"/>
+          </p:cNvSpPr>
+          <p:nvPr>
+            <p:ph idx="1"/>
+          </p:nvPr>
+        </p:nvSpPr>
+        <p:spPr/>
+        <p:txBody>
+          <a:bodyPr anchor="ctr"/>
+          <a:lstStyle/>
+          <a:p>
+            <a:endParaRPr lang="es-ES" dirty="0"/>
+          </a:p>
+        </p:txBody>
+      </p:sp>
+      <p:sp>
+        <p:nvSpPr>
+          <p:cNvPr id="8" name="7 Marcador de texto"/>
+          <p:cNvSpPr>
+            <a:spLocks noGrp="1"/>
+          </p:cNvSpPr>
+          <p:nvPr>
+            <p:ph type="body" sz="half" idx="2"/>
+          </p:nvPr>
+        </p:nvSpPr>
+        <p:spPr/>
+        <p:txBody>
+          <a:bodyPr/>
+          <a:lstStyle/>
+          <a:p>
+            <a:endParaRPr lang="es-ES"/>
+          </a:p>
+        </p:txBody>
+      </p:sp>
+    </p:spTree>
+  </p:cSld>
+  <p:clrMapOvr>
+    <a:masterClrMapping/>
+  </p:clrMapOvr>
+  <mc:AlternateContent xmlns:mc="http://schemas.openxmlformats.org/markup-compatibility/2006">
+    <mc:Choice xmlns:p14="http://schemas.microsoft.com/office/powerpoint/2010/main" xmlns="" Requires="p14">
+      <p:transition spd="med" p14:dur="700">
+        <p:fade/>
+      </p:transition>
+    </mc:Choice>
+    <mc:Fallback>
+      <p:transition spd="med">
+        <p:fade/>
+      </p:transition>
+    </mc:Fallback>
+  </mc:AlternateContent>
+</p:sld>
+</file>
+
+<file path=ppt/slides/slide14.xml><?xml version="1.0" encoding="utf-8"?>
+<p:sld xmlns:a="http://schemas.openxmlformats.org/drawingml/2006/main" xmlns:r="http://schemas.openxmlformats.org/officeDocument/2006/relationships" xmlns:p="http://schemas.openxmlformats.org/presentationml/2006/main">
+  <p:cSld>
+    <p:spTree>
+      <p:nvGrpSpPr>
+        <p:cNvPr id="1" name=""/>
+        <p:cNvGrpSpPr/>
+        <p:nvPr/>
+      </p:nvGrpSpPr>
+      <p:grpSpPr>
+        <a:xfrm>
+          <a:off x="0" y="0"/>
+          <a:ext cx="0" cy="0"/>
+          <a:chOff x="0" y="0"/>
+          <a:chExt cx="0" cy="0"/>
+        </a:xfrm>
+      </p:grpSpPr>
+      <p:sp>
+        <p:nvSpPr>
           <p:cNvPr id="4" name="3 Título"/>
           <p:cNvSpPr>
             <a:spLocks noGrp="1"/>
@@ -5062,7 +5660,11 @@
           <a:p>
             <a:r>
               <a:rPr lang="es-ES" dirty="0" smtClean="0"/>
-              <a:t>3. AYUDA QUE SE PUEDE DAR DESDE LA OF O LA FH</a:t>
+              <a:t>4. </a:t>
+            </a:r>
+            <a:r>
+              <a:rPr lang="es-ES" dirty="0" smtClean="0"/>
+              <a:t>AYUDA QUE SE PUEDE DAR DESDE LA OF O LA FH</a:t>
             </a:r>
             <a:endParaRPr lang="es-ES" dirty="0"/>
           </a:p>
@@ -5213,441 +5815,7 @@
     <a:masterClrMapping/>
   </p:clrMapOvr>
   <mc:AlternateContent xmlns:mc="http://schemas.openxmlformats.org/markup-compatibility/2006">
-    <mc:Choice xmlns="" xmlns:p14="http://schemas.microsoft.com/office/powerpoint/2010/main" Requires="p14">
-      <p:transition spd="med" p14:dur="700">
-        <p:fade/>
-      </p:transition>
-    </mc:Choice>
-    <mc:Fallback>
-      <p:transition spd="med">
-        <p:fade/>
-      </p:transition>
-    </mc:Fallback>
-  </mc:AlternateContent>
-  <p:timing>
-    <p:tnLst>
-      <p:par>
-        <p:cTn id="1" dur="indefinite" restart="never" nodeType="tmRoot"/>
-      </p:par>
-    </p:tnLst>
-  </p:timing>
-</p:sld>
-</file>
-
-<file path=ppt/slides/slide13.xml><?xml version="1.0" encoding="utf-8"?>
-<p:sld xmlns:a="http://schemas.openxmlformats.org/drawingml/2006/main" xmlns:r="http://schemas.openxmlformats.org/officeDocument/2006/relationships" xmlns:p="http://schemas.openxmlformats.org/presentationml/2006/main">
-  <p:cSld>
-    <p:spTree>
-      <p:nvGrpSpPr>
-        <p:cNvPr id="1" name=""/>
-        <p:cNvGrpSpPr/>
-        <p:nvPr/>
-      </p:nvGrpSpPr>
-      <p:grpSpPr>
-        <a:xfrm>
-          <a:off x="0" y="0"/>
-          <a:ext cx="0" cy="0"/>
-          <a:chOff x="0" y="0"/>
-          <a:chExt cx="0" cy="0"/>
-        </a:xfrm>
-      </p:grpSpPr>
-      <p:sp>
-        <p:nvSpPr>
-          <p:cNvPr id="2" name="1 Título"/>
-          <p:cNvSpPr>
-            <a:spLocks noGrp="1"/>
-          </p:cNvSpPr>
-          <p:nvPr>
-            <p:ph type="title"/>
-          </p:nvPr>
-        </p:nvSpPr>
-        <p:spPr/>
-        <p:txBody>
-          <a:bodyPr/>
-          <a:lstStyle/>
-          <a:p>
-            <a:pPr marL="0" marR="0" indent="0" algn="l" defTabSz="914400" rtl="0" eaLnBrk="1" fontAlgn="auto" latinLnBrk="0" hangingPunct="1">
-              <a:lnSpc>
-                <a:spcPct val="90000"/>
-              </a:lnSpc>
-              <a:spcBef>
-                <a:spcPct val="0"/>
-              </a:spcBef>
-              <a:spcAft>
-                <a:spcPts val="0"/>
-              </a:spcAft>
-              <a:buClrTx/>
-              <a:buSzTx/>
-              <a:buFontTx/>
-              <a:buNone/>
-              <a:tabLst/>
-              <a:defRPr/>
-            </a:pPr>
-            <a:r>
-              <a:rPr lang="es-ES" sz="3600" b="0" i="0" kern="1200" dirty="0" smtClean="0">
-                <a:solidFill>
-                  <a:schemeClr val="bg1"/>
-                </a:solidFill>
-                <a:latin typeface="+mj-lt"/>
-                <a:ea typeface="+mj-ea"/>
-                <a:cs typeface="+mj-cs"/>
-              </a:rPr>
-              <a:t>3.1. A TRAVÉS DE LA COMUNICACIÓN</a:t>
-            </a:r>
-            <a:endParaRPr lang="es-ES" sz="3600" b="1" i="1" kern="1200" dirty="0" smtClean="0">
-              <a:solidFill>
-                <a:schemeClr val="bg1"/>
-              </a:solidFill>
-              <a:latin typeface="+mj-lt"/>
-              <a:ea typeface="+mj-ea"/>
-              <a:cs typeface="+mj-cs"/>
-            </a:endParaRPr>
-          </a:p>
-        </p:txBody>
-      </p:sp>
-      <p:sp>
-        <p:nvSpPr>
-          <p:cNvPr id="3" name="2 Marcador de contenido"/>
-          <p:cNvSpPr>
-            <a:spLocks noGrp="1"/>
-          </p:cNvSpPr>
-          <p:nvPr>
-            <p:ph idx="1"/>
-          </p:nvPr>
-        </p:nvSpPr>
-        <p:spPr/>
-        <p:txBody>
-          <a:bodyPr/>
-          <a:lstStyle/>
-          <a:p>
-            <a:pPr>
-              <a:buClr>
-                <a:schemeClr val="accent1"/>
-              </a:buClr>
-              <a:buFont typeface="Wingdings" pitchFamily="2" charset="2"/>
-              <a:buChar char="§"/>
-            </a:pPr>
-            <a:r>
-              <a:rPr lang="es-ES" dirty="0" smtClean="0"/>
-              <a:t>Tranquilizar al paciente: </a:t>
-            </a:r>
-          </a:p>
-          <a:p>
-            <a:pPr lvl="1">
-              <a:buClr>
-                <a:schemeClr val="accent1"/>
-              </a:buClr>
-              <a:buFont typeface="Wingdings" pitchFamily="2" charset="2"/>
-              <a:buChar char="§"/>
-            </a:pPr>
-            <a:r>
-              <a:rPr lang="es-ES" dirty="0" smtClean="0"/>
-              <a:t>Explicando la enfermedad y la medicación</a:t>
-            </a:r>
-          </a:p>
-          <a:p>
-            <a:pPr lvl="1">
-              <a:buClr>
-                <a:schemeClr val="accent1"/>
-              </a:buClr>
-              <a:buFont typeface="Wingdings" pitchFamily="2" charset="2"/>
-              <a:buChar char="§"/>
-            </a:pPr>
-            <a:r>
-              <a:rPr lang="es-ES" dirty="0" smtClean="0"/>
-              <a:t>Contando testimonios de otros pacientes sobre la enfermedad</a:t>
-            </a:r>
-          </a:p>
-          <a:p>
-            <a:pPr lvl="1">
-              <a:buClr>
-                <a:schemeClr val="accent1"/>
-              </a:buClr>
-              <a:buFont typeface="Wingdings" pitchFamily="2" charset="2"/>
-              <a:buChar char="§"/>
-            </a:pPr>
-            <a:endParaRPr lang="es-ES" dirty="0" smtClean="0"/>
-          </a:p>
-        </p:txBody>
-      </p:sp>
-      <p:sp>
-        <p:nvSpPr>
-          <p:cNvPr id="4" name="3 CuadroTexto"/>
-          <p:cNvSpPr txBox="1"/>
-          <p:nvPr/>
-        </p:nvSpPr>
-        <p:spPr>
-          <a:xfrm>
-            <a:off x="8532440" y="6309320"/>
-            <a:ext cx="611560" cy="523220"/>
-          </a:xfrm>
-          <a:prstGeom prst="rect">
-            <a:avLst/>
-          </a:prstGeom>
-          <a:noFill/>
-        </p:spPr>
-        <p:txBody>
-          <a:bodyPr wrap="square" rtlCol="0">
-            <a:spAutoFit/>
-          </a:bodyPr>
-          <a:lstStyle/>
-          <a:p>
-            <a:pPr algn="ctr"/>
-            <a:fld id="{8FBC0280-1112-4173-896C-F6A97D0AED77}" type="slidenum">
-              <a:rPr lang="es-ES" sz="2800" b="1" kern="1000" smtClean="0">
-                <a:effectLst>
-                  <a:outerShdw blurRad="38100" dist="38100" dir="2700000" algn="tl">
-                    <a:srgbClr val="000000">
-                      <a:alpha val="43137"/>
-                    </a:srgbClr>
-                  </a:outerShdw>
-                </a:effectLst>
-                <a:latin typeface="+mj-lt"/>
-              </a:rPr>
-              <a:pPr algn="ctr"/>
-              <a:t>13</a:t>
-            </a:fld>
-            <a:endParaRPr lang="es-ES" sz="2800" b="1" kern="1000" dirty="0">
-              <a:effectLst>
-                <a:outerShdw blurRad="38100" dist="38100" dir="2700000" algn="tl">
-                  <a:srgbClr val="000000">
-                    <a:alpha val="43137"/>
-                  </a:srgbClr>
-                </a:outerShdw>
-              </a:effectLst>
-              <a:latin typeface="+mj-lt"/>
-            </a:endParaRPr>
-          </a:p>
-        </p:txBody>
-      </p:sp>
-    </p:spTree>
-  </p:cSld>
-  <p:clrMapOvr>
-    <a:masterClrMapping/>
-  </p:clrMapOvr>
-  <mc:AlternateContent xmlns:mc="http://schemas.openxmlformats.org/markup-compatibility/2006">
-    <mc:Choice xmlns="" xmlns:p14="http://schemas.microsoft.com/office/powerpoint/2010/main" Requires="p14">
-      <p:transition spd="med" p14:dur="700">
-        <p:fade/>
-      </p:transition>
-    </mc:Choice>
-    <mc:Fallback>
-      <p:transition spd="med">
-        <p:fade/>
-      </p:transition>
-    </mc:Fallback>
-  </mc:AlternateContent>
-  <p:timing>
-    <p:tnLst>
-      <p:par>
-        <p:cTn id="1" dur="indefinite" restart="never" nodeType="tmRoot"/>
-      </p:par>
-    </p:tnLst>
-  </p:timing>
-</p:sld>
-</file>
-
-<file path=ppt/slides/slide14.xml><?xml version="1.0" encoding="utf-8"?>
-<p:sld xmlns:a="http://schemas.openxmlformats.org/drawingml/2006/main" xmlns:r="http://schemas.openxmlformats.org/officeDocument/2006/relationships" xmlns:p="http://schemas.openxmlformats.org/presentationml/2006/main">
-  <p:cSld>
-    <p:spTree>
-      <p:nvGrpSpPr>
-        <p:cNvPr id="1" name=""/>
-        <p:cNvGrpSpPr/>
-        <p:nvPr/>
-      </p:nvGrpSpPr>
-      <p:grpSpPr>
-        <a:xfrm>
-          <a:off x="0" y="0"/>
-          <a:ext cx="0" cy="0"/>
-          <a:chOff x="0" y="0"/>
-          <a:chExt cx="0" cy="0"/>
-        </a:xfrm>
-      </p:grpSpPr>
-      <p:sp>
-        <p:nvSpPr>
-          <p:cNvPr id="2" name="1 Título"/>
-          <p:cNvSpPr>
-            <a:spLocks noGrp="1"/>
-          </p:cNvSpPr>
-          <p:nvPr>
-            <p:ph type="title"/>
-          </p:nvPr>
-        </p:nvSpPr>
-        <p:spPr/>
-        <p:txBody>
-          <a:bodyPr/>
-          <a:lstStyle/>
-          <a:p>
-            <a:pPr marL="0" marR="0" indent="0" algn="l" defTabSz="914400" rtl="0" eaLnBrk="1" fontAlgn="auto" latinLnBrk="0" hangingPunct="1">
-              <a:lnSpc>
-                <a:spcPct val="90000"/>
-              </a:lnSpc>
-              <a:spcBef>
-                <a:spcPct val="0"/>
-              </a:spcBef>
-              <a:spcAft>
-                <a:spcPts val="0"/>
-              </a:spcAft>
-              <a:buClrTx/>
-              <a:buSzTx/>
-              <a:buFontTx/>
-              <a:buNone/>
-              <a:tabLst/>
-              <a:defRPr/>
-            </a:pPr>
-            <a:r>
-              <a:rPr lang="es-ES" sz="3600" b="0" i="0" kern="1200" dirty="0" smtClean="0">
-                <a:solidFill>
-                  <a:schemeClr val="bg1"/>
-                </a:solidFill>
-                <a:latin typeface="+mj-lt"/>
-                <a:ea typeface="+mj-ea"/>
-                <a:cs typeface="+mj-cs"/>
-              </a:rPr>
-              <a:t>3.2. CONSEJOS SOBRE HÁBITOS</a:t>
-            </a:r>
-            <a:endParaRPr lang="es-ES" sz="3600" b="1" i="1" kern="1200" dirty="0" smtClean="0">
-              <a:solidFill>
-                <a:schemeClr val="bg1"/>
-              </a:solidFill>
-              <a:latin typeface="+mj-lt"/>
-              <a:ea typeface="+mj-ea"/>
-              <a:cs typeface="+mj-cs"/>
-            </a:endParaRPr>
-          </a:p>
-        </p:txBody>
-      </p:sp>
-      <p:sp>
-        <p:nvSpPr>
-          <p:cNvPr id="3" name="2 Marcador de contenido"/>
-          <p:cNvSpPr>
-            <a:spLocks noGrp="1"/>
-          </p:cNvSpPr>
-          <p:nvPr>
-            <p:ph idx="1"/>
-          </p:nvPr>
-        </p:nvSpPr>
-        <p:spPr/>
-        <p:txBody>
-          <a:bodyPr/>
-          <a:lstStyle/>
-          <a:p>
-            <a:pPr lvl="0">
-              <a:buClr>
-                <a:schemeClr val="accent1"/>
-              </a:buClr>
-              <a:buFont typeface="Wingdings" pitchFamily="2" charset="2"/>
-              <a:buChar char="§"/>
-            </a:pPr>
-            <a:r>
-              <a:rPr lang="es-ES" dirty="0" smtClean="0"/>
-              <a:t>Seguir el tratamiento</a:t>
-            </a:r>
-          </a:p>
-          <a:p>
-            <a:pPr lvl="0">
-              <a:buClr>
-                <a:schemeClr val="accent1"/>
-              </a:buClr>
-              <a:buFont typeface="Wingdings" pitchFamily="2" charset="2"/>
-              <a:buChar char="§"/>
-            </a:pPr>
-            <a:r>
-              <a:rPr lang="es-ES" dirty="0" smtClean="0"/>
-              <a:t>Estilo de vida saludable</a:t>
-            </a:r>
-          </a:p>
-          <a:p>
-            <a:pPr lvl="1">
-              <a:buClr>
-                <a:schemeClr val="accent1"/>
-              </a:buClr>
-              <a:buFont typeface="Wingdings" pitchFamily="2" charset="2"/>
-              <a:buChar char="§"/>
-            </a:pPr>
-            <a:r>
-              <a:rPr lang="es-ES" dirty="0" smtClean="0"/>
-              <a:t>Haciendo ejercicio</a:t>
-            </a:r>
-          </a:p>
-          <a:p>
-            <a:pPr lvl="1">
-              <a:buClr>
-                <a:schemeClr val="accent1"/>
-              </a:buClr>
-              <a:buFont typeface="Wingdings" pitchFamily="2" charset="2"/>
-              <a:buChar char="§"/>
-            </a:pPr>
-            <a:r>
-              <a:rPr lang="es-ES" dirty="0" smtClean="0"/>
-              <a:t>Dieta ajustada a los requerimientos nutricionales del </a:t>
-            </a:r>
-            <a:r>
-              <a:rPr lang="es-ES" dirty="0" smtClean="0"/>
-              <a:t>paciente</a:t>
-            </a:r>
-            <a:endParaRPr lang="es-ES" dirty="0" smtClean="0"/>
-          </a:p>
-        </p:txBody>
-      </p:sp>
-      <p:sp>
-        <p:nvSpPr>
-          <p:cNvPr id="4" name="3 CuadroTexto"/>
-          <p:cNvSpPr txBox="1"/>
-          <p:nvPr/>
-        </p:nvSpPr>
-        <p:spPr>
-          <a:xfrm>
-            <a:off x="8532440" y="6309320"/>
-            <a:ext cx="611560" cy="523220"/>
-          </a:xfrm>
-          <a:prstGeom prst="rect">
-            <a:avLst/>
-          </a:prstGeom>
-          <a:noFill/>
-        </p:spPr>
-        <p:txBody>
-          <a:bodyPr wrap="square" rtlCol="0">
-            <a:spAutoFit/>
-          </a:bodyPr>
-          <a:lstStyle/>
-          <a:p>
-            <a:pPr algn="ctr"/>
-            <a:fld id="{8FBC0280-1112-4173-896C-F6A97D0AED77}" type="slidenum">
-              <a:rPr lang="es-ES" sz="2800" b="1" kern="1000" smtClean="0">
-                <a:effectLst>
-                  <a:outerShdw blurRad="38100" dist="38100" dir="2700000" algn="tl">
-                    <a:srgbClr val="000000">
-                      <a:alpha val="43137"/>
-                    </a:srgbClr>
-                  </a:outerShdw>
-                </a:effectLst>
-                <a:latin typeface="+mj-lt"/>
-              </a:rPr>
-              <a:pPr algn="ctr"/>
-              <a:t>14</a:t>
-            </a:fld>
-            <a:endParaRPr lang="es-ES" sz="2800" b="1" kern="1000" dirty="0">
-              <a:effectLst>
-                <a:outerShdw blurRad="38100" dist="38100" dir="2700000" algn="tl">
-                  <a:srgbClr val="000000">
-                    <a:alpha val="43137"/>
-                  </a:srgbClr>
-                </a:outerShdw>
-              </a:effectLst>
-              <a:latin typeface="+mj-lt"/>
-            </a:endParaRPr>
-          </a:p>
-        </p:txBody>
-      </p:sp>
-    </p:spTree>
-  </p:cSld>
-  <p:clrMapOvr>
-    <a:masterClrMapping/>
-  </p:clrMapOvr>
-  <mc:AlternateContent xmlns:mc="http://schemas.openxmlformats.org/markup-compatibility/2006">
-    <mc:Choice xmlns="" xmlns:p14="http://schemas.microsoft.com/office/powerpoint/2010/main" Requires="p14">
+    <mc:Choice xmlns:p14="http://schemas.microsoft.com/office/powerpoint/2010/main" xmlns="" Requires="p14">
       <p:transition spd="med" p14:dur="700">
         <p:fade/>
       </p:transition>
@@ -5726,7 +5894,469 @@
                 <a:ea typeface="+mj-ea"/>
                 <a:cs typeface="+mj-cs"/>
               </a:rPr>
-              <a:t>3.3.</a:t>
+              <a:t>4.1</a:t>
+            </a:r>
+            <a:r>
+              <a:rPr lang="es-ES" sz="3600" b="0" i="0" kern="1200" dirty="0" smtClean="0">
+                <a:solidFill>
+                  <a:schemeClr val="bg1"/>
+                </a:solidFill>
+                <a:latin typeface="+mj-lt"/>
+                <a:ea typeface="+mj-ea"/>
+                <a:cs typeface="+mj-cs"/>
+              </a:rPr>
+              <a:t>. A TRAVÉS DE LA COMUNICACIÓN</a:t>
+            </a:r>
+            <a:endParaRPr lang="es-ES" sz="3600" b="1" i="1" kern="1200" dirty="0" smtClean="0">
+              <a:solidFill>
+                <a:schemeClr val="bg1"/>
+              </a:solidFill>
+              <a:latin typeface="+mj-lt"/>
+              <a:ea typeface="+mj-ea"/>
+              <a:cs typeface="+mj-cs"/>
+            </a:endParaRPr>
+          </a:p>
+        </p:txBody>
+      </p:sp>
+      <p:sp>
+        <p:nvSpPr>
+          <p:cNvPr id="3" name="2 Marcador de contenido"/>
+          <p:cNvSpPr>
+            <a:spLocks noGrp="1"/>
+          </p:cNvSpPr>
+          <p:nvPr>
+            <p:ph idx="1"/>
+          </p:nvPr>
+        </p:nvSpPr>
+        <p:spPr/>
+        <p:txBody>
+          <a:bodyPr/>
+          <a:lstStyle/>
+          <a:p>
+            <a:pPr>
+              <a:buClr>
+                <a:schemeClr val="accent1"/>
+              </a:buClr>
+              <a:buFont typeface="Wingdings" pitchFamily="2" charset="2"/>
+              <a:buChar char="§"/>
+            </a:pPr>
+            <a:r>
+              <a:rPr lang="es-ES" dirty="0" smtClean="0"/>
+              <a:t>Tranquilizar al paciente: </a:t>
+            </a:r>
+          </a:p>
+          <a:p>
+            <a:pPr lvl="1">
+              <a:buClr>
+                <a:schemeClr val="accent1"/>
+              </a:buClr>
+              <a:buFont typeface="Wingdings" pitchFamily="2" charset="2"/>
+              <a:buChar char="§"/>
+            </a:pPr>
+            <a:r>
+              <a:rPr lang="es-ES" dirty="0" smtClean="0"/>
+              <a:t>Explicando la enfermedad y la medicación</a:t>
+            </a:r>
+          </a:p>
+          <a:p>
+            <a:pPr lvl="1">
+              <a:buClr>
+                <a:schemeClr val="accent1"/>
+              </a:buClr>
+              <a:buFont typeface="Wingdings" pitchFamily="2" charset="2"/>
+              <a:buChar char="§"/>
+            </a:pPr>
+            <a:r>
+              <a:rPr lang="es-ES" dirty="0" smtClean="0"/>
+              <a:t>Contando testimonios de otros pacientes sobre la enfermedad</a:t>
+            </a:r>
+          </a:p>
+          <a:p>
+            <a:pPr lvl="1">
+              <a:buClr>
+                <a:schemeClr val="accent1"/>
+              </a:buClr>
+              <a:buFont typeface="Wingdings" pitchFamily="2" charset="2"/>
+              <a:buChar char="§"/>
+            </a:pPr>
+            <a:endParaRPr lang="es-ES" dirty="0" smtClean="0"/>
+          </a:p>
+        </p:txBody>
+      </p:sp>
+      <p:sp>
+        <p:nvSpPr>
+          <p:cNvPr id="4" name="3 CuadroTexto"/>
+          <p:cNvSpPr txBox="1"/>
+          <p:nvPr/>
+        </p:nvSpPr>
+        <p:spPr>
+          <a:xfrm>
+            <a:off x="8532440" y="6309320"/>
+            <a:ext cx="611560" cy="523220"/>
+          </a:xfrm>
+          <a:prstGeom prst="rect">
+            <a:avLst/>
+          </a:prstGeom>
+          <a:noFill/>
+        </p:spPr>
+        <p:txBody>
+          <a:bodyPr wrap="square" rtlCol="0">
+            <a:spAutoFit/>
+          </a:bodyPr>
+          <a:lstStyle/>
+          <a:p>
+            <a:pPr algn="ctr"/>
+            <a:fld id="{8FBC0280-1112-4173-896C-F6A97D0AED77}" type="slidenum">
+              <a:rPr lang="es-ES" sz="2800" b="1" kern="1000" smtClean="0">
+                <a:effectLst>
+                  <a:outerShdw blurRad="38100" dist="38100" dir="2700000" algn="tl">
+                    <a:srgbClr val="000000">
+                      <a:alpha val="43137"/>
+                    </a:srgbClr>
+                  </a:outerShdw>
+                </a:effectLst>
+                <a:latin typeface="+mj-lt"/>
+              </a:rPr>
+              <a:pPr algn="ctr"/>
+              <a:t>15</a:t>
+            </a:fld>
+            <a:endParaRPr lang="es-ES" sz="2800" b="1" kern="1000" dirty="0">
+              <a:effectLst>
+                <a:outerShdw blurRad="38100" dist="38100" dir="2700000" algn="tl">
+                  <a:srgbClr val="000000">
+                    <a:alpha val="43137"/>
+                  </a:srgbClr>
+                </a:outerShdw>
+              </a:effectLst>
+              <a:latin typeface="+mj-lt"/>
+            </a:endParaRPr>
+          </a:p>
+        </p:txBody>
+      </p:sp>
+    </p:spTree>
+  </p:cSld>
+  <p:clrMapOvr>
+    <a:masterClrMapping/>
+  </p:clrMapOvr>
+  <mc:AlternateContent xmlns:mc="http://schemas.openxmlformats.org/markup-compatibility/2006">
+    <mc:Choice xmlns:p14="http://schemas.microsoft.com/office/powerpoint/2010/main" xmlns="" Requires="p14">
+      <p:transition spd="med" p14:dur="700">
+        <p:fade/>
+      </p:transition>
+    </mc:Choice>
+    <mc:Fallback>
+      <p:transition spd="med">
+        <p:fade/>
+      </p:transition>
+    </mc:Fallback>
+  </mc:AlternateContent>
+  <p:timing>
+    <p:tnLst>
+      <p:par>
+        <p:cTn id="1" dur="indefinite" restart="never" nodeType="tmRoot"/>
+      </p:par>
+    </p:tnLst>
+  </p:timing>
+</p:sld>
+</file>
+
+<file path=ppt/slides/slide16.xml><?xml version="1.0" encoding="utf-8"?>
+<p:sld xmlns:a="http://schemas.openxmlformats.org/drawingml/2006/main" xmlns:r="http://schemas.openxmlformats.org/officeDocument/2006/relationships" xmlns:p="http://schemas.openxmlformats.org/presentationml/2006/main">
+  <p:cSld>
+    <p:spTree>
+      <p:nvGrpSpPr>
+        <p:cNvPr id="1" name=""/>
+        <p:cNvGrpSpPr/>
+        <p:nvPr/>
+      </p:nvGrpSpPr>
+      <p:grpSpPr>
+        <a:xfrm>
+          <a:off x="0" y="0"/>
+          <a:ext cx="0" cy="0"/>
+          <a:chOff x="0" y="0"/>
+          <a:chExt cx="0" cy="0"/>
+        </a:xfrm>
+      </p:grpSpPr>
+      <p:sp>
+        <p:nvSpPr>
+          <p:cNvPr id="2" name="1 Título"/>
+          <p:cNvSpPr>
+            <a:spLocks noGrp="1"/>
+          </p:cNvSpPr>
+          <p:nvPr>
+            <p:ph type="title"/>
+          </p:nvPr>
+        </p:nvSpPr>
+        <p:spPr/>
+        <p:txBody>
+          <a:bodyPr/>
+          <a:lstStyle/>
+          <a:p>
+            <a:pPr marL="0" marR="0" indent="0" algn="l" defTabSz="914400" rtl="0" eaLnBrk="1" fontAlgn="auto" latinLnBrk="0" hangingPunct="1">
+              <a:lnSpc>
+                <a:spcPct val="90000"/>
+              </a:lnSpc>
+              <a:spcBef>
+                <a:spcPct val="0"/>
+              </a:spcBef>
+              <a:spcAft>
+                <a:spcPts val="0"/>
+              </a:spcAft>
+              <a:buClrTx/>
+              <a:buSzTx/>
+              <a:buFontTx/>
+              <a:buNone/>
+              <a:tabLst/>
+              <a:defRPr/>
+            </a:pPr>
+            <a:r>
+              <a:rPr lang="es-ES" sz="3600" b="0" i="0" kern="1200" dirty="0" smtClean="0">
+                <a:solidFill>
+                  <a:schemeClr val="bg1"/>
+                </a:solidFill>
+                <a:latin typeface="+mj-lt"/>
+                <a:ea typeface="+mj-ea"/>
+                <a:cs typeface="+mj-cs"/>
+              </a:rPr>
+              <a:t>4.2</a:t>
+            </a:r>
+            <a:r>
+              <a:rPr lang="es-ES" sz="3600" b="0" i="0" kern="1200" dirty="0" smtClean="0">
+                <a:solidFill>
+                  <a:schemeClr val="bg1"/>
+                </a:solidFill>
+                <a:latin typeface="+mj-lt"/>
+                <a:ea typeface="+mj-ea"/>
+                <a:cs typeface="+mj-cs"/>
+              </a:rPr>
+              <a:t>. CONSEJOS SOBRE HÁBITOS</a:t>
+            </a:r>
+            <a:endParaRPr lang="es-ES" sz="3600" b="1" i="1" kern="1200" dirty="0" smtClean="0">
+              <a:solidFill>
+                <a:schemeClr val="bg1"/>
+              </a:solidFill>
+              <a:latin typeface="+mj-lt"/>
+              <a:ea typeface="+mj-ea"/>
+              <a:cs typeface="+mj-cs"/>
+            </a:endParaRPr>
+          </a:p>
+        </p:txBody>
+      </p:sp>
+      <p:sp>
+        <p:nvSpPr>
+          <p:cNvPr id="3" name="2 Marcador de contenido"/>
+          <p:cNvSpPr>
+            <a:spLocks noGrp="1"/>
+          </p:cNvSpPr>
+          <p:nvPr>
+            <p:ph idx="1"/>
+          </p:nvPr>
+        </p:nvSpPr>
+        <p:spPr/>
+        <p:txBody>
+          <a:bodyPr/>
+          <a:lstStyle/>
+          <a:p>
+            <a:pPr lvl="0">
+              <a:buClr>
+                <a:schemeClr val="accent1"/>
+              </a:buClr>
+              <a:buFont typeface="Wingdings" pitchFamily="2" charset="2"/>
+              <a:buChar char="§"/>
+            </a:pPr>
+            <a:r>
+              <a:rPr lang="es-ES" dirty="0" smtClean="0"/>
+              <a:t>Seguir el tratamiento</a:t>
+            </a:r>
+          </a:p>
+          <a:p>
+            <a:pPr lvl="0">
+              <a:buClr>
+                <a:schemeClr val="accent1"/>
+              </a:buClr>
+              <a:buFont typeface="Wingdings" pitchFamily="2" charset="2"/>
+              <a:buChar char="§"/>
+            </a:pPr>
+            <a:r>
+              <a:rPr lang="es-ES" dirty="0" smtClean="0"/>
+              <a:t>Estilo de vida saludable</a:t>
+            </a:r>
+          </a:p>
+          <a:p>
+            <a:pPr lvl="1">
+              <a:buClr>
+                <a:schemeClr val="accent1"/>
+              </a:buClr>
+              <a:buFont typeface="Wingdings" pitchFamily="2" charset="2"/>
+              <a:buChar char="§"/>
+            </a:pPr>
+            <a:r>
+              <a:rPr lang="es-ES" dirty="0" smtClean="0"/>
+              <a:t>Haciendo ejercicio</a:t>
+            </a:r>
+          </a:p>
+          <a:p>
+            <a:pPr lvl="1">
+              <a:buClr>
+                <a:schemeClr val="accent1"/>
+              </a:buClr>
+              <a:buFont typeface="Wingdings" pitchFamily="2" charset="2"/>
+              <a:buChar char="§"/>
+            </a:pPr>
+            <a:r>
+              <a:rPr lang="es-ES" dirty="0" smtClean="0"/>
+              <a:t>Dieta ajustada a los requerimientos nutricionales del paciente</a:t>
+            </a:r>
+          </a:p>
+        </p:txBody>
+      </p:sp>
+      <p:sp>
+        <p:nvSpPr>
+          <p:cNvPr id="4" name="3 CuadroTexto"/>
+          <p:cNvSpPr txBox="1"/>
+          <p:nvPr/>
+        </p:nvSpPr>
+        <p:spPr>
+          <a:xfrm>
+            <a:off x="8532440" y="6309320"/>
+            <a:ext cx="611560" cy="523220"/>
+          </a:xfrm>
+          <a:prstGeom prst="rect">
+            <a:avLst/>
+          </a:prstGeom>
+          <a:noFill/>
+        </p:spPr>
+        <p:txBody>
+          <a:bodyPr wrap="square" rtlCol="0">
+            <a:spAutoFit/>
+          </a:bodyPr>
+          <a:lstStyle/>
+          <a:p>
+            <a:pPr algn="ctr"/>
+            <a:fld id="{8FBC0280-1112-4173-896C-F6A97D0AED77}" type="slidenum">
+              <a:rPr lang="es-ES" sz="2800" b="1" kern="1000" smtClean="0">
+                <a:effectLst>
+                  <a:outerShdw blurRad="38100" dist="38100" dir="2700000" algn="tl">
+                    <a:srgbClr val="000000">
+                      <a:alpha val="43137"/>
+                    </a:srgbClr>
+                  </a:outerShdw>
+                </a:effectLst>
+                <a:latin typeface="+mj-lt"/>
+              </a:rPr>
+              <a:pPr algn="ctr"/>
+              <a:t>16</a:t>
+            </a:fld>
+            <a:endParaRPr lang="es-ES" sz="2800" b="1" kern="1000" dirty="0">
+              <a:effectLst>
+                <a:outerShdw blurRad="38100" dist="38100" dir="2700000" algn="tl">
+                  <a:srgbClr val="000000">
+                    <a:alpha val="43137"/>
+                  </a:srgbClr>
+                </a:outerShdw>
+              </a:effectLst>
+              <a:latin typeface="+mj-lt"/>
+            </a:endParaRPr>
+          </a:p>
+        </p:txBody>
+      </p:sp>
+    </p:spTree>
+  </p:cSld>
+  <p:clrMapOvr>
+    <a:masterClrMapping/>
+  </p:clrMapOvr>
+  <mc:AlternateContent xmlns:mc="http://schemas.openxmlformats.org/markup-compatibility/2006">
+    <mc:Choice xmlns:p14="http://schemas.microsoft.com/office/powerpoint/2010/main" xmlns="" Requires="p14">
+      <p:transition spd="med" p14:dur="700">
+        <p:fade/>
+      </p:transition>
+    </mc:Choice>
+    <mc:Fallback>
+      <p:transition spd="med">
+        <p:fade/>
+      </p:transition>
+    </mc:Fallback>
+  </mc:AlternateContent>
+  <p:timing>
+    <p:tnLst>
+      <p:par>
+        <p:cTn id="1" dur="indefinite" restart="never" nodeType="tmRoot"/>
+      </p:par>
+    </p:tnLst>
+  </p:timing>
+</p:sld>
+</file>
+
+<file path=ppt/slides/slide17.xml><?xml version="1.0" encoding="utf-8"?>
+<p:sld xmlns:a="http://schemas.openxmlformats.org/drawingml/2006/main" xmlns:r="http://schemas.openxmlformats.org/officeDocument/2006/relationships" xmlns:p="http://schemas.openxmlformats.org/presentationml/2006/main">
+  <p:cSld>
+    <p:spTree>
+      <p:nvGrpSpPr>
+        <p:cNvPr id="1" name=""/>
+        <p:cNvGrpSpPr/>
+        <p:nvPr/>
+      </p:nvGrpSpPr>
+      <p:grpSpPr>
+        <a:xfrm>
+          <a:off x="0" y="0"/>
+          <a:ext cx="0" cy="0"/>
+          <a:chOff x="0" y="0"/>
+          <a:chExt cx="0" cy="0"/>
+        </a:xfrm>
+      </p:grpSpPr>
+      <p:sp>
+        <p:nvSpPr>
+          <p:cNvPr id="2" name="1 Título"/>
+          <p:cNvSpPr>
+            <a:spLocks noGrp="1"/>
+          </p:cNvSpPr>
+          <p:nvPr>
+            <p:ph type="title"/>
+          </p:nvPr>
+        </p:nvSpPr>
+        <p:spPr/>
+        <p:txBody>
+          <a:bodyPr/>
+          <a:lstStyle/>
+          <a:p>
+            <a:pPr marL="0" marR="0" indent="0" algn="l" defTabSz="914400" rtl="0" eaLnBrk="1" fontAlgn="auto" latinLnBrk="0" hangingPunct="1">
+              <a:lnSpc>
+                <a:spcPct val="90000"/>
+              </a:lnSpc>
+              <a:spcBef>
+                <a:spcPct val="0"/>
+              </a:spcBef>
+              <a:spcAft>
+                <a:spcPts val="0"/>
+              </a:spcAft>
+              <a:buClrTx/>
+              <a:buSzTx/>
+              <a:buFontTx/>
+              <a:buNone/>
+              <a:tabLst/>
+              <a:defRPr/>
+            </a:pPr>
+            <a:r>
+              <a:rPr lang="es-ES" sz="3600" b="0" i="0" kern="1200" dirty="0" smtClean="0">
+                <a:solidFill>
+                  <a:schemeClr val="bg1"/>
+                </a:solidFill>
+                <a:latin typeface="+mj-lt"/>
+                <a:ea typeface="+mj-ea"/>
+                <a:cs typeface="+mj-cs"/>
+              </a:rPr>
+              <a:t>4.3</a:t>
+            </a:r>
+            <a:r>
+              <a:rPr lang="es-ES" sz="3600" b="0" i="0" kern="1200" dirty="0" smtClean="0">
+                <a:solidFill>
+                  <a:schemeClr val="bg1"/>
+                </a:solidFill>
+                <a:latin typeface="+mj-lt"/>
+                <a:ea typeface="+mj-ea"/>
+                <a:cs typeface="+mj-cs"/>
+              </a:rPr>
+              <a:t>.</a:t>
             </a:r>
             <a:r>
               <a:rPr lang="es-ES" sz="3600" b="0" i="0" kern="1200" baseline="0" dirty="0" smtClean="0">
@@ -6424,7 +7054,7 @@
                 <a:latin typeface="+mj-lt"/>
               </a:rPr>
               <a:pPr algn="ctr"/>
-              <a:t>15</a:t>
+              <a:t>17</a:t>
             </a:fld>
             <a:endParaRPr lang="es-ES" sz="2800" b="1" kern="1000" dirty="0">
               <a:effectLst>
@@ -6445,7 +7075,7 @@
     <a:masterClrMapping/>
   </p:clrMapOvr>
   <mc:AlternateContent xmlns:mc="http://schemas.openxmlformats.org/markup-compatibility/2006">
-    <mc:Choice xmlns="" xmlns:p14="http://schemas.microsoft.com/office/powerpoint/2010/main" Requires="p14">
+    <mc:Choice xmlns:p14="http://schemas.microsoft.com/office/powerpoint/2010/main" xmlns="" Requires="p14">
       <p:transition spd="med" p14:dur="700">
         <p:fade/>
       </p:transition>
@@ -6518,7 +7148,7 @@
         </p:nvGraphicFramePr>
         <p:xfrm>
           <a:off x="702000" y="1828800"/>
-          <a:ext cx="7740000" cy="3960000"/>
+          <a:ext cx="7740000" cy="4838160"/>
         </p:xfrm>
         <a:graphic>
           <a:graphicData uri="http://schemas.openxmlformats.org/drawingml/2006/table">
@@ -6550,43 +7180,7 @@
                           <a:effectLst/>
                           <a:latin typeface="+mn-lt"/>
                         </a:rPr>
-                        <a:t>1.</a:t>
-                      </a:r>
-                      <a:r>
-                        <a:rPr lang="es-ES" sz="1400" b="0" baseline="0" dirty="0" smtClean="0">
-                          <a:solidFill>
-                            <a:schemeClr val="accent1">
-                              <a:lumMod val="50000"/>
-                            </a:schemeClr>
-                          </a:solidFill>
-                          <a:effectLst/>
-                          <a:latin typeface="+mn-lt"/>
-                        </a:rPr>
-                        <a:t> </a:t>
-                      </a:r>
-                      <a:r>
-                        <a:rPr lang="es-ES" sz="1400" b="0" dirty="0" smtClean="0">
-                          <a:solidFill>
-                            <a:schemeClr val="accent1">
-                              <a:lumMod val="50000"/>
-                            </a:schemeClr>
-                          </a:solidFill>
-                          <a:effectLst/>
-                          <a:latin typeface="+mn-lt"/>
-                        </a:rPr>
-                        <a:t>EL</a:t>
-                      </a:r>
-                      <a:r>
-                        <a:rPr lang="es-ES" sz="1400" b="0" baseline="0" dirty="0" smtClean="0">
-                          <a:solidFill>
-                            <a:schemeClr val="accent1">
-                              <a:lumMod val="50000"/>
-                            </a:schemeClr>
-                          </a:solidFill>
-                          <a:effectLst/>
-                          <a:latin typeface="+mn-lt"/>
-                        </a:rPr>
-                        <a:t> VIH Y EL SIDA</a:t>
+                        <a:t>1. EL VIH, EL SIDA Y LOS PROBLEMAS PSICOLÓGICOS</a:t>
                       </a:r>
                       <a:endParaRPr lang="es-ES" sz="1400" b="0" dirty="0" smtClean="0">
                         <a:solidFill>
@@ -6701,7 +7295,7 @@
                           <a:effectLst/>
                           <a:latin typeface="+mn-lt"/>
                         </a:rPr>
-                        <a:t>1.1. ¿QUÉ ES EL VIH?</a:t>
+                        <a:t>1.1. EL VIH Y EL SIDA</a:t>
                       </a:r>
                       <a:endParaRPr lang="es-ES" sz="1400" b="0" dirty="0">
                         <a:solidFill>
@@ -6806,7 +7400,7 @@
                     <a:bodyPr/>
                     <a:lstStyle/>
                     <a:p>
-                      <a:pPr lvl="1" algn="l">
+                      <a:pPr lvl="2" algn="l">
                         <a:buFont typeface="Arial" pitchFamily="34" charset="0"/>
                         <a:buNone/>
                       </a:pPr>
@@ -6820,31 +7414,7 @@
                           <a:effectLst/>
                           <a:latin typeface="+mn-lt"/>
                         </a:rPr>
-                        <a:t>1.2.</a:t>
-                      </a:r>
-                      <a:r>
-                        <a:rPr lang="es-ES" sz="1400" b="0" baseline="0" dirty="0" smtClean="0">
-                          <a:solidFill>
-                            <a:schemeClr val="accent1">
-                              <a:lumMod val="50000"/>
-                            </a:schemeClr>
-                          </a:solidFill>
-                          <a:effectLst/>
-                          <a:latin typeface="+mn-lt"/>
-                        </a:rPr>
-                        <a:t> </a:t>
-                      </a:r>
-                      <a:r>
-                        <a:rPr lang="es-ES" sz="1400" b="0" dirty="0" smtClean="0">
-                          <a:solidFill>
-                            <a:schemeClr val="accent1">
-                              <a:lumMod val="50000"/>
-                            </a:schemeClr>
-                          </a:solidFill>
-                          <a:effectLst/>
-                          <a:latin typeface="+mn-lt"/>
-                        </a:rPr>
-                        <a:t>¿QUÉ ES EL SIDA?</a:t>
+                        <a:t>1.1.1. ¿QUÉ ES EL VIH?</a:t>
                       </a:r>
                       <a:endParaRPr lang="es-ES" sz="1400" b="0" dirty="0">
                         <a:solidFill>
@@ -6949,7 +7519,7 @@
                     <a:bodyPr/>
                     <a:lstStyle/>
                     <a:p>
-                      <a:pPr lvl="1" algn="l">
+                      <a:pPr lvl="2" algn="l">
                         <a:buFont typeface="Arial" pitchFamily="34" charset="0"/>
                         <a:buNone/>
                       </a:pPr>
@@ -6963,7 +7533,7 @@
                           <a:effectLst/>
                           <a:latin typeface="+mn-lt"/>
                         </a:rPr>
-                        <a:t>1.3. HISTORIA</a:t>
+                        <a:t>1.1.2. ¿QUÉ ES EL SIDA?</a:t>
                       </a:r>
                       <a:endParaRPr lang="es-ES" sz="1400" b="0" dirty="0">
                         <a:solidFill>
@@ -7068,7 +7638,7 @@
                     <a:bodyPr/>
                     <a:lstStyle/>
                     <a:p>
-                      <a:pPr marL="457200" marR="0" lvl="1" indent="0" algn="l" defTabSz="914400" rtl="0" eaLnBrk="1" fontAlgn="auto" latinLnBrk="0" hangingPunct="1">
+                      <a:pPr marL="914400" marR="0" lvl="2" indent="0" algn="l" defTabSz="914400" rtl="0" eaLnBrk="1" fontAlgn="auto" latinLnBrk="0" hangingPunct="1">
                         <a:lnSpc>
                           <a:spcPct val="100000"/>
                         </a:lnSpc>
@@ -7095,8 +7665,17 @@
                           <a:effectLst/>
                           <a:latin typeface="+mn-lt"/>
                         </a:rPr>
-                        <a:t>1.4. SINTOMAS</a:t>
+                        <a:t>1.1.3. HISTORIA</a:t>
                       </a:r>
+                      <a:endParaRPr lang="es-ES" sz="1400" b="0" dirty="0" smtClean="0">
+                        <a:solidFill>
+                          <a:schemeClr val="accent1">
+                            <a:lumMod val="50000"/>
+                          </a:schemeClr>
+                        </a:solidFill>
+                        <a:effectLst/>
+                        <a:latin typeface="+mn-lt"/>
+                      </a:endParaRPr>
                     </a:p>
                   </a:txBody>
                   <a:tcPr anchor="ctr">
@@ -7191,7 +7770,7 @@
                     <a:bodyPr/>
                     <a:lstStyle/>
                     <a:p>
-                      <a:pPr algn="l"/>
+                      <a:pPr lvl="2" algn="l"/>
                       <a:r>
                         <a:rPr lang="es-ES" sz="1400" b="0" dirty="0" smtClean="0">
                           <a:solidFill>
@@ -7202,8 +7781,17 @@
                           <a:effectLst/>
                           <a:latin typeface="+mn-lt"/>
                         </a:rPr>
-                        <a:t>2. PROBLEMAS PSICOLOGICOS</a:t>
+                        <a:t>1.1.4. SÍNTOMAS</a:t>
                       </a:r>
+                      <a:endParaRPr lang="es-ES" sz="1400" b="0" dirty="0" smtClean="0">
+                        <a:solidFill>
+                          <a:schemeClr val="accent1">
+                            <a:lumMod val="50000"/>
+                          </a:schemeClr>
+                        </a:solidFill>
+                        <a:effectLst/>
+                        <a:latin typeface="+mn-lt"/>
+                      </a:endParaRPr>
                     </a:p>
                   </a:txBody>
                   <a:tcPr anchor="ctr">
@@ -7298,7 +7886,7 @@
                     <a:bodyPr/>
                     <a:lstStyle/>
                     <a:p>
-                      <a:pPr lvl="1" algn="l"/>
+                      <a:pPr lvl="1"/>
                       <a:r>
                         <a:rPr lang="es-ES" sz="1400" b="0" dirty="0" smtClean="0">
                           <a:solidFill>
@@ -7309,8 +7897,9 @@
                           <a:effectLst/>
                           <a:latin typeface="+mn-lt"/>
                         </a:rPr>
-                        <a:t>2.1. PROBLEMAS PSICOLOGICOS GENERALES</a:t>
+                        <a:t>1.2. PROBLEMAS PSICOLOGICOS GENERALES</a:t>
                       </a:r>
+                      <a:endParaRPr lang="es-ES" sz="1400" dirty="0"/>
                     </a:p>
                   </a:txBody>
                   <a:tcPr anchor="ctr">
@@ -7405,7 +7994,6 @@
                     <a:bodyPr/>
                     <a:lstStyle/>
                     <a:p>
-                      <a:pPr algn="l"/>
                       <a:r>
                         <a:rPr lang="es-ES" sz="1400" b="0" dirty="0" smtClean="0">
                           <a:solidFill>
@@ -7416,17 +8004,9 @@
                           <a:effectLst/>
                           <a:latin typeface="+mn-lt"/>
                         </a:rPr>
-                        <a:t>3. AYUDA QUE SE PUEDE DAR DESDE LA OF O LA FH</a:t>
+                        <a:t>2. PROBLEMAS PSICOLOGICOS DEL PACIENTE Y REACCIONES EMOCIONALES DEL PACIENTE</a:t>
                       </a:r>
-                      <a:endParaRPr lang="es-ES" sz="1400" b="0" dirty="0">
-                        <a:solidFill>
-                          <a:schemeClr val="accent1">
-                            <a:lumMod val="50000"/>
-                          </a:schemeClr>
-                        </a:solidFill>
-                        <a:effectLst/>
-                        <a:latin typeface="+mn-lt"/>
-                      </a:endParaRPr>
+                      <a:endParaRPr lang="es-ES" sz="1400" dirty="0"/>
                     </a:p>
                   </a:txBody>
                   <a:tcPr anchor="ctr">
@@ -7519,23 +8099,6 @@
                     <a:bodyPr/>
                     <a:lstStyle/>
                     <a:p>
-                      <a:pPr marL="457200" marR="0" lvl="1" indent="0" algn="l" defTabSz="914400" rtl="0" eaLnBrk="1" fontAlgn="auto" latinLnBrk="0" hangingPunct="1">
-                        <a:lnSpc>
-                          <a:spcPct val="100000"/>
-                        </a:lnSpc>
-                        <a:spcBef>
-                          <a:spcPts val="0"/>
-                        </a:spcBef>
-                        <a:spcAft>
-                          <a:spcPts val="0"/>
-                        </a:spcAft>
-                        <a:buClrTx/>
-                        <a:buSzTx/>
-                        <a:buFontTx/>
-                        <a:buNone/>
-                        <a:tabLst/>
-                        <a:defRPr/>
-                      </a:pPr>
                       <a:r>
                         <a:rPr lang="es-ES" sz="1400" b="0" dirty="0" smtClean="0">
                           <a:solidFill>
@@ -7546,8 +8109,9 @@
                           <a:effectLst/>
                           <a:latin typeface="+mn-lt"/>
                         </a:rPr>
-                        <a:t>3.1. A TRAVÉS DE LA COMUNICACIÓN</a:t>
+                        <a:t>3. PRINCIPALES PREOCUPACIONES DEL PACIENTE	</a:t>
                       </a:r>
+                      <a:endParaRPr lang="es-ES" sz="1400" dirty="0"/>
                     </a:p>
                   </a:txBody>
                   <a:tcPr anchor="ctr">
@@ -7640,23 +8204,6 @@
                     <a:bodyPr/>
                     <a:lstStyle/>
                     <a:p>
-                      <a:pPr marL="457200" marR="0" lvl="1" indent="0" algn="l" defTabSz="914400" rtl="0" eaLnBrk="1" fontAlgn="auto" latinLnBrk="0" hangingPunct="1">
-                        <a:lnSpc>
-                          <a:spcPct val="100000"/>
-                        </a:lnSpc>
-                        <a:spcBef>
-                          <a:spcPts val="0"/>
-                        </a:spcBef>
-                        <a:spcAft>
-                          <a:spcPts val="0"/>
-                        </a:spcAft>
-                        <a:buClrTx/>
-                        <a:buSzTx/>
-                        <a:buFontTx/>
-                        <a:buNone/>
-                        <a:tabLst/>
-                        <a:defRPr/>
-                      </a:pPr>
                       <a:r>
                         <a:rPr lang="es-ES" sz="1400" b="0" dirty="0" smtClean="0">
                           <a:solidFill>
@@ -7667,8 +8214,9 @@
                           <a:effectLst/>
                           <a:latin typeface="+mn-lt"/>
                         </a:rPr>
-                        <a:t>3.2. CONSEJOS SOBRE HÁBITOS</a:t>
+                        <a:t>4. AYUDA QUE SE PUEDE DAR DESDE LA OF O LA FH</a:t>
                       </a:r>
+                      <a:endParaRPr lang="es-ES" sz="1400" dirty="0"/>
                     </a:p>
                   </a:txBody>
                   <a:tcPr anchor="ctr">
@@ -7761,7 +8309,7 @@
                     <a:bodyPr/>
                     <a:lstStyle/>
                     <a:p>
-                      <a:pPr lvl="1" algn="l"/>
+                      <a:pPr lvl="1"/>
                       <a:r>
                         <a:rPr lang="es-ES" sz="1400" b="0" dirty="0" smtClean="0">
                           <a:solidFill>
@@ -7772,8 +8320,9 @@
                           <a:effectLst/>
                           <a:latin typeface="+mn-lt"/>
                         </a:rPr>
-                        <a:t>3.3. APOYO SOCIAL</a:t>
+                        <a:t>4.1. A TRAVÉS DE LA COMUNICACIÓN</a:t>
                       </a:r>
+                      <a:endParaRPr lang="es-ES" sz="1400" dirty="0"/>
                     </a:p>
                   </a:txBody>
                   <a:tcPr anchor="ctr">
@@ -7794,7 +8343,9 @@
                       <a:tailEnd type="none" w="med" len="med"/>
                     </a:lnT>
                     <a:lnB w="12700" cap="flat" cmpd="sng" algn="ctr">
-                      <a:noFill/>
+                      <a:solidFill>
+                        <a:schemeClr val="accent1"/>
+                      </a:solidFill>
                       <a:prstDash val="solid"/>
                       <a:round/>
                       <a:headEnd type="none" w="med" len="med"/>
@@ -7847,6 +8398,201 @@
                       <a:tailEnd type="none" w="med" len="med"/>
                     </a:lnT>
                     <a:lnB w="12700" cap="flat" cmpd="sng" algn="ctr">
+                      <a:solidFill>
+                        <a:schemeClr val="accent1"/>
+                      </a:solidFill>
+                      <a:prstDash val="solid"/>
+                      <a:round/>
+                      <a:headEnd type="none" w="med" len="med"/>
+                      <a:tailEnd type="none" w="med" len="med"/>
+                    </a:lnB>
+                  </a:tcPr>
+                </a:tc>
+              </a:tr>
+              <a:tr h="360000">
+                <a:tc>
+                  <a:txBody>
+                    <a:bodyPr/>
+                    <a:lstStyle/>
+                    <a:p>
+                      <a:pPr lvl="1" algn="l"/>
+                      <a:r>
+                        <a:rPr lang="es-ES" sz="1400" b="0" dirty="0" smtClean="0">
+                          <a:solidFill>
+                            <a:schemeClr val="accent1">
+                              <a:lumMod val="50000"/>
+                            </a:schemeClr>
+                          </a:solidFill>
+                          <a:effectLst/>
+                          <a:latin typeface="+mn-lt"/>
+                        </a:rPr>
+                        <a:t>4.2. CONSEJOS SOBRE HÁBITOS</a:t>
+                      </a:r>
+                    </a:p>
+                  </a:txBody>
+                  <a:tcPr anchor="ctr">
+                    <a:lnL w="12700" cap="flat" cmpd="sng" algn="ctr">
+                      <a:noFill/>
+                      <a:prstDash val="solid"/>
+                      <a:round/>
+                      <a:headEnd type="none" w="med" len="med"/>
+                      <a:tailEnd type="none" w="med" len="med"/>
+                    </a:lnL>
+                    <a:lnT w="12700" cap="flat" cmpd="sng" algn="ctr">
+                      <a:solidFill>
+                        <a:schemeClr val="accent1"/>
+                      </a:solidFill>
+                      <a:prstDash val="solid"/>
+                      <a:round/>
+                      <a:headEnd type="none" w="med" len="med"/>
+                      <a:tailEnd type="none" w="med" len="med"/>
+                    </a:lnT>
+                    <a:lnB w="12700" cap="flat" cmpd="sng" algn="ctr">
+                      <a:solidFill>
+                        <a:schemeClr val="accent1"/>
+                      </a:solidFill>
+                      <a:prstDash val="solid"/>
+                      <a:round/>
+                      <a:headEnd type="none" w="med" len="med"/>
+                      <a:tailEnd type="none" w="med" len="med"/>
+                    </a:lnB>
+                  </a:tcPr>
+                </a:tc>
+                <a:tc>
+                  <a:txBody>
+                    <a:bodyPr/>
+                    <a:lstStyle/>
+                    <a:p>
+                      <a:pPr algn="r"/>
+                      <a:endParaRPr lang="es-ES" sz="1400" dirty="0">
+                        <a:solidFill>
+                          <a:schemeClr val="accent1">
+                            <a:lumMod val="50000"/>
+                          </a:schemeClr>
+                        </a:solidFill>
+                        <a:latin typeface="+mn-lt"/>
+                      </a:endParaRPr>
+                    </a:p>
+                  </a:txBody>
+                  <a:tcPr anchor="ctr">
+                    <a:lnR w="12700" cap="flat" cmpd="sng" algn="ctr">
+                      <a:noFill/>
+                      <a:prstDash val="solid"/>
+                      <a:round/>
+                      <a:headEnd type="none" w="med" len="med"/>
+                      <a:tailEnd type="none" w="med" len="med"/>
+                    </a:lnR>
+                    <a:lnT w="12700" cap="flat" cmpd="sng" algn="ctr">
+                      <a:solidFill>
+                        <a:schemeClr val="accent1"/>
+                      </a:solidFill>
+                      <a:prstDash val="solid"/>
+                      <a:round/>
+                      <a:headEnd type="none" w="med" len="med"/>
+                      <a:tailEnd type="none" w="med" len="med"/>
+                    </a:lnT>
+                    <a:lnB w="12700" cap="flat" cmpd="sng" algn="ctr">
+                      <a:solidFill>
+                        <a:schemeClr val="accent1"/>
+                      </a:solidFill>
+                      <a:prstDash val="solid"/>
+                      <a:round/>
+                      <a:headEnd type="none" w="med" len="med"/>
+                      <a:tailEnd type="none" w="med" len="med"/>
+                    </a:lnB>
+                  </a:tcPr>
+                </a:tc>
+              </a:tr>
+              <a:tr h="360000">
+                <a:tc>
+                  <a:txBody>
+                    <a:bodyPr/>
+                    <a:lstStyle/>
+                    <a:p>
+                      <a:pPr lvl="1" algn="l"/>
+                      <a:r>
+                        <a:rPr lang="es-ES" sz="1400" b="0" dirty="0" smtClean="0">
+                          <a:solidFill>
+                            <a:schemeClr val="accent1">
+                              <a:lumMod val="50000"/>
+                            </a:schemeClr>
+                          </a:solidFill>
+                          <a:effectLst/>
+                          <a:latin typeface="+mn-lt"/>
+                        </a:rPr>
+                        <a:t>4.3. APOYO SOCIAL</a:t>
+                      </a:r>
+                      <a:endParaRPr lang="es-ES" sz="1400" b="0" dirty="0" smtClean="0">
+                        <a:solidFill>
+                          <a:schemeClr val="accent1">
+                            <a:lumMod val="50000"/>
+                          </a:schemeClr>
+                        </a:solidFill>
+                        <a:effectLst/>
+                        <a:latin typeface="+mn-lt"/>
+                      </a:endParaRPr>
+                    </a:p>
+                  </a:txBody>
+                  <a:tcPr anchor="ctr">
+                    <a:lnL w="12700" cap="flat" cmpd="sng" algn="ctr">
+                      <a:noFill/>
+                      <a:prstDash val="solid"/>
+                      <a:round/>
+                      <a:headEnd type="none" w="med" len="med"/>
+                      <a:tailEnd type="none" w="med" len="med"/>
+                    </a:lnL>
+                    <a:lnT w="12700" cap="flat" cmpd="sng" algn="ctr">
+                      <a:solidFill>
+                        <a:schemeClr val="accent1"/>
+                      </a:solidFill>
+                      <a:prstDash val="solid"/>
+                      <a:round/>
+                      <a:headEnd type="none" w="med" len="med"/>
+                      <a:tailEnd type="none" w="med" len="med"/>
+                    </a:lnT>
+                    <a:lnB w="12700" cap="flat" cmpd="sng" algn="ctr">
+                      <a:noFill/>
+                      <a:prstDash val="solid"/>
+                      <a:round/>
+                      <a:headEnd type="none" w="med" len="med"/>
+                      <a:tailEnd type="none" w="med" len="med"/>
+                    </a:lnB>
+                  </a:tcPr>
+                </a:tc>
+                <a:tc>
+                  <a:txBody>
+                    <a:bodyPr/>
+                    <a:lstStyle/>
+                    <a:p>
+                      <a:pPr algn="r"/>
+                      <a:endParaRPr lang="es-ES" sz="1400" dirty="0">
+                        <a:solidFill>
+                          <a:schemeClr val="accent1">
+                            <a:lumMod val="50000"/>
+                          </a:schemeClr>
+                        </a:solidFill>
+                        <a:latin typeface="+mn-lt"/>
+                      </a:endParaRPr>
+                    </a:p>
+                  </a:txBody>
+                  <a:tcPr anchor="ctr">
+                    <a:lnR w="12700" cap="flat" cmpd="sng" algn="ctr">
+                      <a:noFill/>
+                      <a:prstDash val="solid"/>
+                      <a:round/>
+                      <a:headEnd type="none" w="med" len="med"/>
+                      <a:tailEnd type="none" w="med" len="med"/>
+                    </a:lnR>
+                    <a:lnT w="12700" cap="flat" cmpd="sng" algn="ctr">
+                      <a:solidFill>
+                        <a:schemeClr val="accent1"/>
+                      </a:solidFill>
+                      <a:prstDash val="solid"/>
+                      <a:round/>
+                      <a:headEnd type="none" w="med" len="med"/>
+                      <a:tailEnd type="none" w="med" len="med"/>
+                    </a:lnT>
+                    <a:lnB w="12700" cap="flat" cmpd="sng" algn="ctr">
                       <a:noFill/>
                       <a:prstDash val="solid"/>
                       <a:round/>
@@ -7957,21 +8703,16 @@
         </p:nvSpPr>
         <p:spPr/>
         <p:txBody>
-          <a:bodyPr/>
+          <a:bodyPr>
+            <a:normAutofit/>
+          </a:bodyPr>
           <a:lstStyle/>
           <a:p>
             <a:r>
-              <a:rPr lang="es-ES" dirty="0" smtClean="0"/>
-              <a:t>1. EL VIH </a:t>
-            </a:r>
-            <a:br>
-              <a:rPr lang="es-ES" dirty="0" smtClean="0"/>
-            </a:br>
-            <a:r>
-              <a:rPr lang="es-ES" dirty="0" smtClean="0"/>
-              <a:t>Y EL SIDA</a:t>
-            </a:r>
-            <a:endParaRPr lang="es-ES" dirty="0"/>
+              <a:rPr lang="es-ES" sz="4400" dirty="0" smtClean="0"/>
+              <a:t>1. EL VIH, EL SIDA Y LOS PROBLEMAS PSICOLÓGICOS</a:t>
+            </a:r>
+            <a:endParaRPr lang="es-ES" sz="4400" dirty="0"/>
           </a:p>
         </p:txBody>
       </p:sp>
@@ -7987,165 +8728,30 @@
         </p:nvSpPr>
         <p:spPr/>
         <p:txBody>
-          <a:bodyPr numCol="2">
-            <a:noAutofit/>
-          </a:bodyPr>
+          <a:bodyPr/>
           <a:lstStyle/>
           <a:p>
-            <a:pPr fontAlgn="ctr">
-              <a:lnSpc>
-                <a:spcPct val="120000"/>
-              </a:lnSpc>
-              <a:spcBef>
-                <a:spcPts val="600"/>
-              </a:spcBef>
-            </a:pPr>
-            <a:r>
-              <a:rPr lang="es-ES" sz="1400" dirty="0" smtClean="0"/>
-              <a:t>1.1. ¿QUÉ ES EL VIH?</a:t>
-            </a:r>
-          </a:p>
-          <a:p>
-            <a:pPr fontAlgn="ctr">
-              <a:lnSpc>
-                <a:spcPct val="120000"/>
-              </a:lnSpc>
-              <a:spcBef>
-                <a:spcPts val="600"/>
-              </a:spcBef>
-            </a:pPr>
-            <a:r>
-              <a:rPr lang="es-ES" sz="1400" dirty="0" smtClean="0"/>
-              <a:t>1.2. ¿QUÉ ES EL SIDA?</a:t>
-            </a:r>
-          </a:p>
-          <a:p>
-            <a:pPr fontAlgn="ctr">
-              <a:lnSpc>
-                <a:spcPct val="120000"/>
-              </a:lnSpc>
-              <a:spcBef>
-                <a:spcPts val="600"/>
-              </a:spcBef>
-            </a:pPr>
-            <a:r>
-              <a:rPr lang="es-ES" sz="1400" dirty="0" smtClean="0"/>
-              <a:t>1.3. HISTORIA</a:t>
-            </a:r>
-          </a:p>
-          <a:p>
-            <a:pPr>
-              <a:lnSpc>
-                <a:spcPct val="120000"/>
-              </a:lnSpc>
-              <a:spcBef>
-                <a:spcPts val="600"/>
-              </a:spcBef>
-            </a:pPr>
-            <a:r>
-              <a:rPr lang="es-ES" sz="1400" dirty="0" smtClean="0"/>
-              <a:t>1.4. SINTOMAS</a:t>
-            </a:r>
-          </a:p>
-        </p:txBody>
-      </p:sp>
-      <p:sp>
-        <p:nvSpPr>
-          <p:cNvPr id="9" name="8 Hexágono"/>
-          <p:cNvSpPr>
-            <a:spLocks/>
-          </p:cNvSpPr>
-          <p:nvPr/>
-        </p:nvSpPr>
-        <p:spPr>
-          <a:xfrm rot="21145955">
-            <a:off x="4986891" y="746250"/>
-            <a:ext cx="3697321" cy="3278518"/>
-          </a:xfrm>
-          <a:prstGeom prst="hexagon">
-            <a:avLst/>
-          </a:prstGeom>
-          <a:effectLst>
-            <a:softEdge rad="317500"/>
-          </a:effectLst>
-        </p:spPr>
-        <p:style>
-          <a:lnRef idx="2">
-            <a:schemeClr val="dk1">
-              <a:shade val="50000"/>
-            </a:schemeClr>
-          </a:lnRef>
-          <a:fillRef idx="1">
-            <a:schemeClr val="dk1"/>
-          </a:fillRef>
-          <a:effectRef idx="0">
-            <a:schemeClr val="dk1"/>
-          </a:effectRef>
-          <a:fontRef idx="minor">
-            <a:schemeClr val="lt1"/>
-          </a:fontRef>
-        </p:style>
-        <p:txBody>
-          <a:bodyPr rtlCol="0" anchor="ctr"/>
-          <a:lstStyle/>
-          <a:p>
-            <a:pPr algn="ctr"/>
             <a:endParaRPr lang="es-ES" dirty="0"/>
           </a:p>
         </p:txBody>
       </p:sp>
-      <p:pic>
-        <p:nvPicPr>
-          <p:cNvPr id="26630" name="Picture 6" descr="De qué sirven los retrovirus que están en genoma humano"/>
-          <p:cNvPicPr>
-            <a:picLocks noChangeAspect="1" noChangeArrowheads="1"/>
-          </p:cNvPicPr>
-          <p:nvPr/>
-        </p:nvPicPr>
-        <p:blipFill>
-          <a:blip r:embed="rId2" cstate="print">
-            <a:clrChange>
-              <a:clrFrom>
-                <a:srgbClr val="000000"/>
-              </a:clrFrom>
-              <a:clrTo>
-                <a:srgbClr val="000000">
-                  <a:alpha val="0"/>
-                </a:srgbClr>
-              </a:clrTo>
-            </a:clrChange>
-          </a:blip>
-          <a:srcRect/>
-          <a:stretch>
-            <a:fillRect/>
-          </a:stretch>
-        </p:blipFill>
-        <p:spPr bwMode="auto">
-          <a:xfrm>
-            <a:off x="5004048" y="548680"/>
-            <a:ext cx="3600400" cy="3600400"/>
-          </a:xfrm>
-          <a:prstGeom prst="rect">
-            <a:avLst/>
-          </a:prstGeom>
-          <a:noFill/>
-        </p:spPr>
-      </p:pic>
     </p:spTree>
   </p:cSld>
   <p:clrMapOvr>
     <a:masterClrMapping/>
   </p:clrMapOvr>
-  <p:transition spd="med">
-    <p:fade/>
-  </p:transition>
-  <p:timing>
-    <p:tnLst>
-      <p:par>
-        <p:cTn id="1" dur="indefinite" restart="never" nodeType="tmRoot"/>
-      </p:par>
-    </p:tnLst>
-  </p:timing>
+  <mc:AlternateContent xmlns:mc="http://schemas.openxmlformats.org/markup-compatibility/2006">
+    <mc:Choice xmlns:p14="http://schemas.microsoft.com/office/powerpoint/2010/main" xmlns="" Requires="p14">
+      <p:transition spd="med" p14:dur="700">
+        <p:fade/>
+      </p:transition>
+    </mc:Choice>
+    <mc:Fallback>
+      <p:transition spd="med">
+        <p:fade/>
+      </p:transition>
+    </mc:Fallback>
+  </mc:AlternateContent>
 </p:sld>
 </file>
 
@@ -8168,6 +8774,201 @@
       </p:grpSpPr>
       <p:sp>
         <p:nvSpPr>
+          <p:cNvPr id="4" name="3 Título"/>
+          <p:cNvSpPr>
+            <a:spLocks noGrp="1"/>
+          </p:cNvSpPr>
+          <p:nvPr>
+            <p:ph type="title"/>
+          </p:nvPr>
+        </p:nvSpPr>
+        <p:spPr/>
+        <p:txBody>
+          <a:bodyPr/>
+          <a:lstStyle/>
+          <a:p>
+            <a:r>
+              <a:rPr lang="es-ES" dirty="0" smtClean="0"/>
+              <a:t>1.1. </a:t>
+            </a:r>
+            <a:r>
+              <a:rPr lang="es-ES" dirty="0" smtClean="0"/>
+              <a:t>EL VIH </a:t>
+            </a:r>
+            <a:br>
+              <a:rPr lang="es-ES" dirty="0" smtClean="0"/>
+            </a:br>
+            <a:r>
+              <a:rPr lang="es-ES" dirty="0" smtClean="0"/>
+              <a:t>Y EL SIDA</a:t>
+            </a:r>
+            <a:endParaRPr lang="es-ES" dirty="0"/>
+          </a:p>
+        </p:txBody>
+      </p:sp>
+      <p:sp>
+        <p:nvSpPr>
+          <p:cNvPr id="5" name="4 Marcador de texto"/>
+          <p:cNvSpPr>
+            <a:spLocks noGrp="1"/>
+          </p:cNvSpPr>
+          <p:nvPr>
+            <p:ph type="body" sz="half" idx="2"/>
+          </p:nvPr>
+        </p:nvSpPr>
+        <p:spPr/>
+        <p:txBody>
+          <a:bodyPr numCol="2">
+            <a:noAutofit/>
+          </a:bodyPr>
+          <a:lstStyle/>
+          <a:p>
+            <a:pPr>
+              <a:lnSpc>
+                <a:spcPct val="120000"/>
+              </a:lnSpc>
+              <a:spcBef>
+                <a:spcPts val="600"/>
+              </a:spcBef>
+            </a:pPr>
+            <a:endParaRPr lang="es-ES" sz="1400" dirty="0" smtClean="0"/>
+          </a:p>
+        </p:txBody>
+      </p:sp>
+      <p:grpSp>
+        <p:nvGrpSpPr>
+          <p:cNvPr id="7" name="6 Grupo"/>
+          <p:cNvGrpSpPr/>
+          <p:nvPr/>
+        </p:nvGrpSpPr>
+        <p:grpSpPr>
+          <a:xfrm>
+            <a:off x="539552" y="1268760"/>
+            <a:ext cx="4248472" cy="4176464"/>
+            <a:chOff x="4986891" y="548680"/>
+            <a:chExt cx="3697321" cy="3600400"/>
+          </a:xfrm>
+        </p:grpSpPr>
+        <p:sp>
+          <p:nvSpPr>
+            <p:cNvPr id="9" name="8 Hexágono"/>
+            <p:cNvSpPr>
+              <a:spLocks/>
+            </p:cNvSpPr>
+            <p:nvPr/>
+          </p:nvSpPr>
+          <p:spPr>
+            <a:xfrm rot="21145955">
+              <a:off x="4986891" y="746250"/>
+              <a:ext cx="3697321" cy="3278518"/>
+            </a:xfrm>
+            <a:prstGeom prst="hexagon">
+              <a:avLst/>
+            </a:prstGeom>
+            <a:effectLst>
+              <a:softEdge rad="317500"/>
+            </a:effectLst>
+          </p:spPr>
+          <p:style>
+            <a:lnRef idx="2">
+              <a:schemeClr val="dk1">
+                <a:shade val="50000"/>
+              </a:schemeClr>
+            </a:lnRef>
+            <a:fillRef idx="1">
+              <a:schemeClr val="dk1"/>
+            </a:fillRef>
+            <a:effectRef idx="0">
+              <a:schemeClr val="dk1"/>
+            </a:effectRef>
+            <a:fontRef idx="minor">
+              <a:schemeClr val="lt1"/>
+            </a:fontRef>
+          </p:style>
+          <p:txBody>
+            <a:bodyPr rtlCol="0" anchor="ctr"/>
+            <a:lstStyle/>
+            <a:p>
+              <a:pPr algn="ctr"/>
+              <a:endParaRPr lang="es-ES" dirty="0"/>
+            </a:p>
+          </p:txBody>
+        </p:sp>
+        <p:pic>
+          <p:nvPicPr>
+            <p:cNvPr id="26630" name="Picture 6" descr="De qué sirven los retrovirus que están en genoma humano"/>
+            <p:cNvPicPr>
+              <a:picLocks noChangeAspect="1" noChangeArrowheads="1"/>
+            </p:cNvPicPr>
+            <p:nvPr/>
+          </p:nvPicPr>
+          <p:blipFill>
+            <a:blip r:embed="rId2" cstate="print">
+              <a:clrChange>
+                <a:clrFrom>
+                  <a:srgbClr val="000000"/>
+                </a:clrFrom>
+                <a:clrTo>
+                  <a:srgbClr val="000000">
+                    <a:alpha val="0"/>
+                  </a:srgbClr>
+                </a:clrTo>
+              </a:clrChange>
+            </a:blip>
+            <a:srcRect/>
+            <a:stretch>
+              <a:fillRect/>
+            </a:stretch>
+          </p:blipFill>
+          <p:spPr bwMode="auto">
+            <a:xfrm>
+              <a:off x="5004048" y="548680"/>
+              <a:ext cx="3600400" cy="3600400"/>
+            </a:xfrm>
+            <a:prstGeom prst="rect">
+              <a:avLst/>
+            </a:prstGeom>
+            <a:noFill/>
+          </p:spPr>
+        </p:pic>
+      </p:grpSp>
+    </p:spTree>
+  </p:cSld>
+  <p:clrMapOvr>
+    <a:masterClrMapping/>
+  </p:clrMapOvr>
+  <p:transition spd="med">
+    <p:fade/>
+  </p:transition>
+  <p:timing>
+    <p:tnLst>
+      <p:par>
+        <p:cTn id="1" dur="indefinite" restart="never" nodeType="tmRoot"/>
+      </p:par>
+    </p:tnLst>
+  </p:timing>
+</p:sld>
+</file>
+
+<file path=ppt/slides/slide5.xml><?xml version="1.0" encoding="utf-8"?>
+<p:sld xmlns:a="http://schemas.openxmlformats.org/drawingml/2006/main" xmlns:r="http://schemas.openxmlformats.org/officeDocument/2006/relationships" xmlns:p="http://schemas.openxmlformats.org/presentationml/2006/main">
+  <p:cSld>
+    <p:spTree>
+      <p:nvGrpSpPr>
+        <p:cNvPr id="1" name=""/>
+        <p:cNvGrpSpPr/>
+        <p:nvPr/>
+      </p:nvGrpSpPr>
+      <p:grpSpPr>
+        <a:xfrm>
+          <a:off x="0" y="0"/>
+          <a:ext cx="0" cy="0"/>
+          <a:chOff x="0" y="0"/>
+          <a:chExt cx="0" cy="0"/>
+        </a:xfrm>
+      </p:grpSpPr>
+      <p:sp>
+        <p:nvSpPr>
           <p:cNvPr id="2" name="1 Título"/>
           <p:cNvSpPr>
             <a:spLocks noGrp="1"/>
@@ -8193,7 +8994,19 @@
                   </a:outerShdw>
                 </a:effectLst>
               </a:rPr>
-              <a:t>1.1. ¿QUÉ ES EL VIH?</a:t>
+              <a:t>1.1.1</a:t>
+            </a:r>
+            <a:r>
+              <a:rPr lang="es-ES" b="1" dirty="0" smtClean="0">
+                <a:effectLst>
+                  <a:outerShdw blurRad="38100" dist="38100" dir="2700000" algn="tl">
+                    <a:srgbClr val="000000">
+                      <a:alpha val="43137"/>
+                    </a:srgbClr>
+                  </a:outerShdw>
+                </a:effectLst>
+              </a:rPr>
+              <a:t>. ¿QUÉ ES EL VIH?</a:t>
             </a:r>
             <a:endParaRPr lang="es-ES" b="1" dirty="0">
               <a:effectLst>
@@ -8279,7 +9092,7 @@
                 <a:latin typeface="+mj-lt"/>
               </a:rPr>
               <a:pPr algn="ctr"/>
-              <a:t>4</a:t>
+              <a:t>5</a:t>
             </a:fld>
             <a:endParaRPr lang="es-ES" sz="2800" b="1" kern="1000" dirty="0">
               <a:effectLst>
@@ -8312,7 +9125,7 @@
 </p:sld>
 </file>
 
-<file path=ppt/slides/slide5.xml><?xml version="1.0" encoding="utf-8"?>
+<file path=ppt/slides/slide6.xml><?xml version="1.0" encoding="utf-8"?>
 <p:sld xmlns:a="http://schemas.openxmlformats.org/drawingml/2006/main" xmlns:r="http://schemas.openxmlformats.org/officeDocument/2006/relationships" xmlns:p="http://schemas.openxmlformats.org/presentationml/2006/main">
   <p:cSld>
     <p:spTree>
@@ -8354,7 +9167,19 @@
                   </a:outerShdw>
                 </a:effectLst>
               </a:rPr>
-              <a:t>1.2. ¿QUÉ ES EL SIDA?</a:t>
+              <a:t>1.1.2</a:t>
+            </a:r>
+            <a:r>
+              <a:rPr lang="es-ES" b="1" dirty="0" smtClean="0">
+                <a:effectLst>
+                  <a:outerShdw blurRad="38100" dist="38100" dir="2700000" algn="tl">
+                    <a:srgbClr val="000000">
+                      <a:alpha val="43137"/>
+                    </a:srgbClr>
+                  </a:outerShdw>
+                </a:effectLst>
+              </a:rPr>
+              <a:t>. ¿QUÉ ES EL SIDA?</a:t>
             </a:r>
             <a:endParaRPr lang="es-ES" dirty="0"/>
           </a:p>
@@ -8509,7 +9334,7 @@
                 <a:latin typeface="+mj-lt"/>
               </a:rPr>
               <a:pPr algn="ctr"/>
-              <a:t>5</a:t>
+              <a:t>6</a:t>
             </a:fld>
             <a:endParaRPr lang="es-ES" sz="2800" b="1" kern="1000" dirty="0">
               <a:effectLst>
@@ -8530,7 +9355,7 @@
     <a:masterClrMapping/>
   </p:clrMapOvr>
   <mc:AlternateContent xmlns:mc="http://schemas.openxmlformats.org/markup-compatibility/2006">
-    <mc:Choice xmlns="" xmlns:p14="http://schemas.microsoft.com/office/powerpoint/2010/main" Requires="p14">
+    <mc:Choice xmlns:p14="http://schemas.microsoft.com/office/powerpoint/2010/main" xmlns="" Requires="p14">
       <p:transition spd="med" p14:dur="700">
         <p:fade/>
       </p:transition>
@@ -8551,7 +9376,7 @@
 </p:sld>
 </file>
 
-<file path=ppt/slides/slide6.xml><?xml version="1.0" encoding="utf-8"?>
+<file path=ppt/slides/slide7.xml><?xml version="1.0" encoding="utf-8"?>
 <p:sld xmlns:a="http://schemas.openxmlformats.org/drawingml/2006/main" xmlns:r="http://schemas.openxmlformats.org/officeDocument/2006/relationships" xmlns:p="http://schemas.openxmlformats.org/presentationml/2006/main">
   <p:cSld>
     <p:spTree>
@@ -8677,7 +9502,11 @@
           <a:p>
             <a:r>
               <a:rPr lang="es-ES" dirty="0" smtClean="0"/>
-              <a:t>1.3. HISTORIA</a:t>
+              <a:t>1.1.3</a:t>
+            </a:r>
+            <a:r>
+              <a:rPr lang="es-ES" dirty="0" smtClean="0"/>
+              <a:t>. HISTORIA</a:t>
             </a:r>
             <a:endParaRPr lang="es-ES" dirty="0"/>
           </a:p>
@@ -8718,7 +9547,7 @@
                 <a:latin typeface="+mj-lt"/>
               </a:rPr>
               <a:pPr algn="ctr"/>
-              <a:t>6</a:t>
+              <a:t>7</a:t>
             </a:fld>
             <a:endParaRPr lang="es-ES" sz="2800" b="1" kern="1000" dirty="0">
               <a:effectLst>
@@ -9787,594 +10616,7 @@
     <a:masterClrMapping/>
   </p:clrMapOvr>
   <mc:AlternateContent xmlns:mc="http://schemas.openxmlformats.org/markup-compatibility/2006">
-    <mc:Choice xmlns="" xmlns:p14="http://schemas.microsoft.com/office/powerpoint/2010/main" Requires="p14">
-      <p:transition spd="med" p14:dur="700">
-        <p:fade/>
-      </p:transition>
-    </mc:Choice>
-    <mc:Fallback>
-      <p:transition spd="med">
-        <p:fade/>
-      </p:transition>
-    </mc:Fallback>
-  </mc:AlternateContent>
-  <p:timing>
-    <p:tnLst>
-      <p:par>
-        <p:cTn id="1" dur="indefinite" restart="never" nodeType="tmRoot"/>
-      </p:par>
-    </p:tnLst>
-  </p:timing>
-</p:sld>
-</file>
-
-<file path=ppt/slides/slide7.xml><?xml version="1.0" encoding="utf-8"?>
-<p:sld xmlns:a="http://schemas.openxmlformats.org/drawingml/2006/main" xmlns:r="http://schemas.openxmlformats.org/officeDocument/2006/relationships" xmlns:p="http://schemas.openxmlformats.org/presentationml/2006/main">
-  <p:cSld>
-    <p:spTree>
-      <p:nvGrpSpPr>
-        <p:cNvPr id="1" name=""/>
-        <p:cNvGrpSpPr/>
-        <p:nvPr/>
-      </p:nvGrpSpPr>
-      <p:grpSpPr>
-        <a:xfrm>
-          <a:off x="0" y="0"/>
-          <a:ext cx="0" cy="0"/>
-          <a:chOff x="0" y="0"/>
-          <a:chExt cx="0" cy="0"/>
-        </a:xfrm>
-      </p:grpSpPr>
-      <p:sp>
-        <p:nvSpPr>
-          <p:cNvPr id="2" name="1 Título"/>
-          <p:cNvSpPr>
-            <a:spLocks noGrp="1"/>
-          </p:cNvSpPr>
-          <p:nvPr>
-            <p:ph type="title"/>
-          </p:nvPr>
-        </p:nvSpPr>
-        <p:spPr/>
-        <p:txBody>
-          <a:bodyPr/>
-          <a:lstStyle/>
-          <a:p>
-            <a:r>
-              <a:rPr lang="es-ES" dirty="0" smtClean="0"/>
-              <a:t>1.4.</a:t>
-            </a:r>
-            <a:r>
-              <a:rPr lang="es-ES" baseline="0" dirty="0" smtClean="0"/>
-              <a:t> </a:t>
-            </a:r>
-            <a:r>
-              <a:rPr lang="es-ES" dirty="0" smtClean="0"/>
-              <a:t>SÍNTOMAS  I</a:t>
-            </a:r>
-            <a:endParaRPr lang="es-ES" dirty="0"/>
-          </a:p>
-        </p:txBody>
-      </p:sp>
-      <p:sp>
-        <p:nvSpPr>
-          <p:cNvPr id="4" name="3 Marcador de texto"/>
-          <p:cNvSpPr>
-            <a:spLocks noGrp="1"/>
-          </p:cNvSpPr>
-          <p:nvPr>
-            <p:ph type="body" idx="1"/>
-          </p:nvPr>
-        </p:nvSpPr>
-        <p:spPr/>
-        <p:txBody>
-          <a:bodyPr/>
-          <a:lstStyle/>
-          <a:p>
-            <a:r>
-              <a:rPr lang="es-ES" dirty="0" smtClean="0">
-                <a:solidFill>
-                  <a:schemeClr val="accent2"/>
-                </a:solidFill>
-                <a:latin typeface="+mj-lt"/>
-              </a:rPr>
-              <a:t>Infección primaria (VIH agudo)</a:t>
-            </a:r>
-            <a:endParaRPr lang="es-ES" dirty="0">
-              <a:solidFill>
-                <a:schemeClr val="accent2"/>
-              </a:solidFill>
-              <a:latin typeface="+mj-lt"/>
-            </a:endParaRPr>
-          </a:p>
-        </p:txBody>
-      </p:sp>
-      <p:sp>
-        <p:nvSpPr>
-          <p:cNvPr id="5" name="4 Marcador de contenido"/>
-          <p:cNvSpPr>
-            <a:spLocks noGrp="1"/>
-          </p:cNvSpPr>
-          <p:nvPr>
-            <p:ph sz="half" idx="2"/>
-          </p:nvPr>
-        </p:nvSpPr>
-        <p:spPr/>
-        <p:txBody>
-          <a:bodyPr>
-            <a:noAutofit/>
-          </a:bodyPr>
-          <a:lstStyle/>
-          <a:p>
-            <a:pPr>
-              <a:lnSpc>
-                <a:spcPct val="100000"/>
-              </a:lnSpc>
-              <a:spcBef>
-                <a:spcPts val="0"/>
-              </a:spcBef>
-              <a:buClr>
-                <a:schemeClr val="accent1"/>
-              </a:buClr>
-              <a:buFont typeface="Wingdings" pitchFamily="2" charset="2"/>
-              <a:buChar char="§"/>
-            </a:pPr>
-            <a:r>
-              <a:rPr lang="es-ES" sz="1800" dirty="0" smtClean="0"/>
-              <a:t>Fiebre</a:t>
-            </a:r>
-          </a:p>
-          <a:p>
-            <a:pPr>
-              <a:lnSpc>
-                <a:spcPct val="100000"/>
-              </a:lnSpc>
-              <a:spcBef>
-                <a:spcPts val="0"/>
-              </a:spcBef>
-              <a:buClr>
-                <a:schemeClr val="accent1"/>
-              </a:buClr>
-              <a:buFont typeface="Wingdings" pitchFamily="2" charset="2"/>
-              <a:buChar char="§"/>
-            </a:pPr>
-            <a:r>
-              <a:rPr lang="es-ES" sz="1800" dirty="0" smtClean="0"/>
-              <a:t>Dolor de cabeza</a:t>
-            </a:r>
-          </a:p>
-          <a:p>
-            <a:pPr>
-              <a:lnSpc>
-                <a:spcPct val="100000"/>
-              </a:lnSpc>
-              <a:spcBef>
-                <a:spcPts val="0"/>
-              </a:spcBef>
-              <a:buClr>
-                <a:schemeClr val="accent1"/>
-              </a:buClr>
-              <a:buFont typeface="Wingdings" pitchFamily="2" charset="2"/>
-              <a:buChar char="§"/>
-            </a:pPr>
-            <a:r>
-              <a:rPr lang="es-ES" sz="1800" dirty="0" smtClean="0"/>
-              <a:t>Dolor muscular y articular</a:t>
-            </a:r>
-          </a:p>
-          <a:p>
-            <a:pPr>
-              <a:lnSpc>
-                <a:spcPct val="100000"/>
-              </a:lnSpc>
-              <a:spcBef>
-                <a:spcPts val="0"/>
-              </a:spcBef>
-              <a:buClr>
-                <a:schemeClr val="accent1"/>
-              </a:buClr>
-              <a:buFont typeface="Wingdings" pitchFamily="2" charset="2"/>
-              <a:buChar char="§"/>
-            </a:pPr>
-            <a:r>
-              <a:rPr lang="es-ES" sz="1800" dirty="0" smtClean="0"/>
-              <a:t>Erupción</a:t>
-            </a:r>
-          </a:p>
-          <a:p>
-            <a:pPr>
-              <a:lnSpc>
-                <a:spcPct val="100000"/>
-              </a:lnSpc>
-              <a:spcBef>
-                <a:spcPts val="0"/>
-              </a:spcBef>
-              <a:buClr>
-                <a:schemeClr val="accent1"/>
-              </a:buClr>
-              <a:buFont typeface="Wingdings" pitchFamily="2" charset="2"/>
-              <a:buChar char="§"/>
-            </a:pPr>
-            <a:r>
-              <a:rPr lang="es-ES" sz="1800" dirty="0" smtClean="0"/>
-              <a:t>Dolor de garganta</a:t>
-            </a:r>
-          </a:p>
-          <a:p>
-            <a:pPr>
-              <a:lnSpc>
-                <a:spcPct val="100000"/>
-              </a:lnSpc>
-              <a:spcBef>
-                <a:spcPts val="0"/>
-              </a:spcBef>
-              <a:buClr>
-                <a:schemeClr val="accent1"/>
-              </a:buClr>
-              <a:buFont typeface="Wingdings" pitchFamily="2" charset="2"/>
-              <a:buChar char="§"/>
-            </a:pPr>
-            <a:r>
-              <a:rPr lang="es-ES" sz="1800" dirty="0" smtClean="0"/>
-              <a:t>Llagas dolorosas en la boca</a:t>
-            </a:r>
-          </a:p>
-          <a:p>
-            <a:pPr>
-              <a:lnSpc>
-                <a:spcPct val="100000"/>
-              </a:lnSpc>
-              <a:spcBef>
-                <a:spcPts val="0"/>
-              </a:spcBef>
-              <a:buClr>
-                <a:schemeClr val="accent1"/>
-              </a:buClr>
-              <a:buFont typeface="Wingdings" pitchFamily="2" charset="2"/>
-              <a:buChar char="§"/>
-            </a:pPr>
-            <a:r>
-              <a:rPr lang="es-ES" sz="1800" dirty="0" smtClean="0"/>
-              <a:t>Ganglios linfáticos inflamados, principalmente, en el cuello</a:t>
-            </a:r>
-          </a:p>
-          <a:p>
-            <a:pPr>
-              <a:lnSpc>
-                <a:spcPct val="100000"/>
-              </a:lnSpc>
-              <a:spcBef>
-                <a:spcPts val="0"/>
-              </a:spcBef>
-              <a:buClr>
-                <a:schemeClr val="accent1"/>
-              </a:buClr>
-              <a:buFont typeface="Wingdings" pitchFamily="2" charset="2"/>
-              <a:buChar char="§"/>
-            </a:pPr>
-            <a:r>
-              <a:rPr lang="es-ES" sz="1800" dirty="0" smtClean="0"/>
-              <a:t>Diarrea</a:t>
-            </a:r>
-          </a:p>
-          <a:p>
-            <a:pPr>
-              <a:lnSpc>
-                <a:spcPct val="100000"/>
-              </a:lnSpc>
-              <a:spcBef>
-                <a:spcPts val="0"/>
-              </a:spcBef>
-              <a:buClr>
-                <a:schemeClr val="accent1"/>
-              </a:buClr>
-              <a:buFont typeface="Wingdings" pitchFamily="2" charset="2"/>
-              <a:buChar char="§"/>
-            </a:pPr>
-            <a:r>
-              <a:rPr lang="es-ES" sz="1800" dirty="0" smtClean="0"/>
-              <a:t>Pérdida de peso</a:t>
-            </a:r>
-          </a:p>
-          <a:p>
-            <a:pPr>
-              <a:lnSpc>
-                <a:spcPct val="100000"/>
-              </a:lnSpc>
-              <a:spcBef>
-                <a:spcPts val="0"/>
-              </a:spcBef>
-              <a:buClr>
-                <a:schemeClr val="accent1"/>
-              </a:buClr>
-              <a:buFont typeface="Wingdings" pitchFamily="2" charset="2"/>
-              <a:buChar char="§"/>
-            </a:pPr>
-            <a:r>
-              <a:rPr lang="es-ES" sz="1800" dirty="0" smtClean="0"/>
-              <a:t>Tos</a:t>
-            </a:r>
-          </a:p>
-          <a:p>
-            <a:pPr>
-              <a:lnSpc>
-                <a:spcPct val="100000"/>
-              </a:lnSpc>
-              <a:spcBef>
-                <a:spcPts val="0"/>
-              </a:spcBef>
-              <a:buClr>
-                <a:schemeClr val="accent1"/>
-              </a:buClr>
-              <a:buFont typeface="Wingdings" pitchFamily="2" charset="2"/>
-              <a:buChar char="§"/>
-            </a:pPr>
-            <a:r>
-              <a:rPr lang="es-ES" sz="1800" dirty="0" smtClean="0"/>
-              <a:t>Sudores nocturnos</a:t>
-            </a:r>
-          </a:p>
-          <a:p>
-            <a:pPr>
-              <a:lnSpc>
-                <a:spcPct val="100000"/>
-              </a:lnSpc>
-              <a:spcBef>
-                <a:spcPts val="0"/>
-              </a:spcBef>
-              <a:buClr>
-                <a:schemeClr val="accent1"/>
-              </a:buClr>
-              <a:buFont typeface="Wingdings" pitchFamily="2" charset="2"/>
-              <a:buChar char="§"/>
-            </a:pPr>
-            <a:endParaRPr lang="es-ES" sz="1800" dirty="0"/>
-          </a:p>
-        </p:txBody>
-      </p:sp>
-      <p:sp>
-        <p:nvSpPr>
-          <p:cNvPr id="6" name="5 Marcador de texto"/>
-          <p:cNvSpPr>
-            <a:spLocks noGrp="1"/>
-          </p:cNvSpPr>
-          <p:nvPr>
-            <p:ph type="body" sz="quarter" idx="3"/>
-          </p:nvPr>
-        </p:nvSpPr>
-        <p:spPr/>
-        <p:txBody>
-          <a:bodyPr/>
-          <a:lstStyle/>
-          <a:p>
-            <a:r>
-              <a:rPr lang="es-ES" dirty="0" smtClean="0">
-                <a:solidFill>
-                  <a:schemeClr val="accent2"/>
-                </a:solidFill>
-                <a:latin typeface="+mj-lt"/>
-              </a:rPr>
-              <a:t>Infección por el VIH sintomática</a:t>
-            </a:r>
-          </a:p>
-        </p:txBody>
-      </p:sp>
-      <p:sp>
-        <p:nvSpPr>
-          <p:cNvPr id="7" name="6 Marcador de contenido"/>
-          <p:cNvSpPr>
-            <a:spLocks noGrp="1"/>
-          </p:cNvSpPr>
-          <p:nvPr>
-            <p:ph sz="quarter" idx="4"/>
-          </p:nvPr>
-        </p:nvSpPr>
-        <p:spPr/>
-        <p:txBody>
-          <a:bodyPr>
-            <a:noAutofit/>
-          </a:bodyPr>
-          <a:lstStyle/>
-          <a:p>
-            <a:pPr>
-              <a:spcBef>
-                <a:spcPts val="0"/>
-              </a:spcBef>
-              <a:buClr>
-                <a:schemeClr val="accent1"/>
-              </a:buClr>
-              <a:buFont typeface="Wingdings" pitchFamily="2" charset="2"/>
-              <a:buChar char="§"/>
-            </a:pPr>
-            <a:r>
-              <a:rPr lang="es-ES" sz="1800" dirty="0" smtClean="0"/>
-              <a:t>Fiebre</a:t>
-            </a:r>
-          </a:p>
-          <a:p>
-            <a:pPr>
-              <a:spcBef>
-                <a:spcPts val="0"/>
-              </a:spcBef>
-              <a:buClr>
-                <a:schemeClr val="accent1"/>
-              </a:buClr>
-              <a:buFont typeface="Wingdings" pitchFamily="2" charset="2"/>
-              <a:buChar char="§"/>
-            </a:pPr>
-            <a:r>
-              <a:rPr lang="es-ES" sz="1800" dirty="0" smtClean="0"/>
-              <a:t>Fatiga</a:t>
-            </a:r>
-          </a:p>
-          <a:p>
-            <a:pPr>
-              <a:spcBef>
-                <a:spcPts val="0"/>
-              </a:spcBef>
-              <a:buClr>
-                <a:schemeClr val="accent1"/>
-              </a:buClr>
-              <a:buFont typeface="Wingdings" pitchFamily="2" charset="2"/>
-              <a:buChar char="§"/>
-            </a:pPr>
-            <a:r>
-              <a:rPr lang="es-ES" sz="1800" dirty="0" smtClean="0"/>
-              <a:t>Ganglios linfáticos inflamados</a:t>
-            </a:r>
-          </a:p>
-          <a:p>
-            <a:pPr>
-              <a:spcBef>
-                <a:spcPts val="0"/>
-              </a:spcBef>
-              <a:buClr>
-                <a:schemeClr val="accent1"/>
-              </a:buClr>
-              <a:buFont typeface="Wingdings" pitchFamily="2" charset="2"/>
-              <a:buChar char="§"/>
-            </a:pPr>
-            <a:r>
-              <a:rPr lang="es-ES" sz="1800" dirty="0" smtClean="0"/>
-              <a:t>Diarrea</a:t>
-            </a:r>
-          </a:p>
-          <a:p>
-            <a:pPr>
-              <a:spcBef>
-                <a:spcPts val="0"/>
-              </a:spcBef>
-              <a:buClr>
-                <a:schemeClr val="accent1"/>
-              </a:buClr>
-              <a:buFont typeface="Wingdings" pitchFamily="2" charset="2"/>
-              <a:buChar char="§"/>
-            </a:pPr>
-            <a:r>
-              <a:rPr lang="es-ES" sz="1800" dirty="0" smtClean="0"/>
-              <a:t>Pérdida de peso</a:t>
-            </a:r>
-          </a:p>
-          <a:p>
-            <a:pPr>
-              <a:spcBef>
-                <a:spcPts val="0"/>
-              </a:spcBef>
-              <a:buClr>
-                <a:schemeClr val="accent1"/>
-              </a:buClr>
-              <a:buFont typeface="Wingdings" pitchFamily="2" charset="2"/>
-              <a:buChar char="§"/>
-            </a:pPr>
-            <a:r>
-              <a:rPr lang="es-ES" sz="1800" dirty="0" smtClean="0"/>
-              <a:t>Candidiasis</a:t>
-            </a:r>
-          </a:p>
-          <a:p>
-            <a:pPr>
-              <a:spcBef>
-                <a:spcPts val="0"/>
-              </a:spcBef>
-              <a:buClr>
-                <a:schemeClr val="accent1"/>
-              </a:buClr>
-              <a:buFont typeface="Wingdings" pitchFamily="2" charset="2"/>
-              <a:buChar char="§"/>
-            </a:pPr>
-            <a:r>
-              <a:rPr lang="es-ES" sz="1800" dirty="0" smtClean="0"/>
-              <a:t>Herpes zóster</a:t>
-            </a:r>
-          </a:p>
-          <a:p>
-            <a:pPr>
-              <a:spcBef>
-                <a:spcPts val="0"/>
-              </a:spcBef>
-              <a:buClr>
-                <a:schemeClr val="accent1"/>
-              </a:buClr>
-              <a:buFont typeface="Wingdings" pitchFamily="2" charset="2"/>
-              <a:buChar char="§"/>
-            </a:pPr>
-            <a:r>
-              <a:rPr lang="es-ES" sz="1800" dirty="0" smtClean="0"/>
-              <a:t>Neumonía</a:t>
-            </a:r>
-          </a:p>
-          <a:p>
-            <a:pPr>
-              <a:spcBef>
-                <a:spcPts val="0"/>
-              </a:spcBef>
-              <a:buClr>
-                <a:schemeClr val="accent1"/>
-              </a:buClr>
-              <a:buFont typeface="Wingdings" pitchFamily="2" charset="2"/>
-              <a:buChar char="§"/>
-            </a:pPr>
-            <a:endParaRPr lang="es-ES" sz="1800" dirty="0"/>
-          </a:p>
-        </p:txBody>
-      </p:sp>
-      <p:sp>
-        <p:nvSpPr>
-          <p:cNvPr id="8" name="7 CuadroTexto"/>
-          <p:cNvSpPr txBox="1"/>
-          <p:nvPr/>
-        </p:nvSpPr>
-        <p:spPr>
-          <a:xfrm>
-            <a:off x="8532440" y="6309320"/>
-            <a:ext cx="611560" cy="523220"/>
-          </a:xfrm>
-          <a:prstGeom prst="rect">
-            <a:avLst/>
-          </a:prstGeom>
-          <a:noFill/>
-        </p:spPr>
-        <p:txBody>
-          <a:bodyPr wrap="square" rtlCol="0">
-            <a:spAutoFit/>
-          </a:bodyPr>
-          <a:lstStyle/>
-          <a:p>
-            <a:pPr algn="ctr"/>
-            <a:fld id="{8FBC0280-1112-4173-896C-F6A97D0AED77}" type="slidenum">
-              <a:rPr lang="es-ES" sz="2800" b="1" kern="1000" smtClean="0">
-                <a:effectLst>
-                  <a:outerShdw blurRad="38100" dist="38100" dir="2700000" algn="tl">
-                    <a:srgbClr val="000000">
-                      <a:alpha val="43137"/>
-                    </a:srgbClr>
-                  </a:outerShdw>
-                </a:effectLst>
-                <a:latin typeface="+mj-lt"/>
-              </a:rPr>
-              <a:pPr algn="ctr"/>
-              <a:t>7</a:t>
-            </a:fld>
-            <a:endParaRPr lang="es-ES" sz="2800" b="1" kern="1000" dirty="0">
-              <a:effectLst>
-                <a:outerShdw blurRad="38100" dist="38100" dir="2700000" algn="tl">
-                  <a:srgbClr val="000000">
-                    <a:alpha val="43137"/>
-                  </a:srgbClr>
-                </a:outerShdw>
-              </a:effectLst>
-              <a:latin typeface="+mj-lt"/>
-            </a:endParaRPr>
-          </a:p>
-        </p:txBody>
-      </p:sp>
-    </p:spTree>
-  </p:cSld>
-  <p:clrMapOvr>
-    <a:masterClrMapping/>
-  </p:clrMapOvr>
-  <mc:AlternateContent xmlns:mc="http://schemas.openxmlformats.org/markup-compatibility/2006">
-    <mc:Choice xmlns="" xmlns:p14="http://schemas.microsoft.com/office/powerpoint/2010/main" Requires="p14">
+    <mc:Choice xmlns:p14="http://schemas.microsoft.com/office/powerpoint/2010/main" xmlns="" Requires="p14">
       <p:transition spd="med" p14:dur="700">
         <p:fade/>
       </p:transition>
@@ -10429,7 +10671,19 @@
           <a:p>
             <a:r>
               <a:rPr lang="es-ES" dirty="0" smtClean="0"/>
-              <a:t>1.4. SÍNTOMAS  II</a:t>
+              <a:t>1.1.4</a:t>
+            </a:r>
+            <a:r>
+              <a:rPr lang="es-ES" dirty="0" smtClean="0"/>
+              <a:t>.</a:t>
+            </a:r>
+            <a:r>
+              <a:rPr lang="es-ES" baseline="0" dirty="0" smtClean="0"/>
+              <a:t> </a:t>
+            </a:r>
+            <a:r>
+              <a:rPr lang="es-ES" dirty="0" smtClean="0"/>
+              <a:t>SÍNTOMAS  I</a:t>
             </a:r>
             <a:endParaRPr lang="es-ES" dirty="0"/>
           </a:p>
@@ -10437,7 +10691,7 @@
       </p:sp>
       <p:sp>
         <p:nvSpPr>
-          <p:cNvPr id="3" name="2 Marcador de texto"/>
+          <p:cNvPr id="4" name="3 Marcador de texto"/>
           <p:cNvSpPr>
             <a:spLocks noGrp="1"/>
           </p:cNvSpPr>
@@ -10457,19 +10711,295 @@
                 </a:solidFill>
                 <a:latin typeface="+mj-lt"/>
               </a:rPr>
-              <a:t>SIDA</a:t>
-            </a:r>
-          </a:p>
-        </p:txBody>
-      </p:sp>
-      <p:sp>
-        <p:nvSpPr>
-          <p:cNvPr id="4" name="3 Marcador de contenido"/>
+              <a:t>Infección primaria (VIH agudo)</a:t>
+            </a:r>
+            <a:endParaRPr lang="es-ES" dirty="0">
+              <a:solidFill>
+                <a:schemeClr val="accent2"/>
+              </a:solidFill>
+              <a:latin typeface="+mj-lt"/>
+            </a:endParaRPr>
+          </a:p>
+        </p:txBody>
+      </p:sp>
+      <p:sp>
+        <p:nvSpPr>
+          <p:cNvPr id="5" name="4 Marcador de contenido"/>
           <p:cNvSpPr>
             <a:spLocks noGrp="1"/>
           </p:cNvSpPr>
           <p:nvPr>
             <p:ph sz="half" idx="2"/>
+          </p:nvPr>
+        </p:nvSpPr>
+        <p:spPr/>
+        <p:txBody>
+          <a:bodyPr>
+            <a:noAutofit/>
+          </a:bodyPr>
+          <a:lstStyle/>
+          <a:p>
+            <a:pPr>
+              <a:lnSpc>
+                <a:spcPct val="100000"/>
+              </a:lnSpc>
+              <a:spcBef>
+                <a:spcPts val="0"/>
+              </a:spcBef>
+              <a:buClr>
+                <a:schemeClr val="accent1"/>
+              </a:buClr>
+              <a:buFont typeface="Wingdings" pitchFamily="2" charset="2"/>
+              <a:buChar char="§"/>
+            </a:pPr>
+            <a:r>
+              <a:rPr lang="es-ES" sz="1800" dirty="0" smtClean="0"/>
+              <a:t>Fiebre</a:t>
+            </a:r>
+          </a:p>
+          <a:p>
+            <a:pPr>
+              <a:lnSpc>
+                <a:spcPct val="100000"/>
+              </a:lnSpc>
+              <a:spcBef>
+                <a:spcPts val="0"/>
+              </a:spcBef>
+              <a:buClr>
+                <a:schemeClr val="accent1"/>
+              </a:buClr>
+              <a:buFont typeface="Wingdings" pitchFamily="2" charset="2"/>
+              <a:buChar char="§"/>
+            </a:pPr>
+            <a:r>
+              <a:rPr lang="es-ES" sz="1800" dirty="0" smtClean="0"/>
+              <a:t>Dolor de cabeza</a:t>
+            </a:r>
+          </a:p>
+          <a:p>
+            <a:pPr>
+              <a:lnSpc>
+                <a:spcPct val="100000"/>
+              </a:lnSpc>
+              <a:spcBef>
+                <a:spcPts val="0"/>
+              </a:spcBef>
+              <a:buClr>
+                <a:schemeClr val="accent1"/>
+              </a:buClr>
+              <a:buFont typeface="Wingdings" pitchFamily="2" charset="2"/>
+              <a:buChar char="§"/>
+            </a:pPr>
+            <a:r>
+              <a:rPr lang="es-ES" sz="1800" dirty="0" smtClean="0"/>
+              <a:t>Dolor muscular y articular</a:t>
+            </a:r>
+          </a:p>
+          <a:p>
+            <a:pPr>
+              <a:lnSpc>
+                <a:spcPct val="100000"/>
+              </a:lnSpc>
+              <a:spcBef>
+                <a:spcPts val="0"/>
+              </a:spcBef>
+              <a:buClr>
+                <a:schemeClr val="accent1"/>
+              </a:buClr>
+              <a:buFont typeface="Wingdings" pitchFamily="2" charset="2"/>
+              <a:buChar char="§"/>
+            </a:pPr>
+            <a:r>
+              <a:rPr lang="es-ES" sz="1800" dirty="0" smtClean="0"/>
+              <a:t>Erupción</a:t>
+            </a:r>
+          </a:p>
+          <a:p>
+            <a:pPr>
+              <a:lnSpc>
+                <a:spcPct val="100000"/>
+              </a:lnSpc>
+              <a:spcBef>
+                <a:spcPts val="0"/>
+              </a:spcBef>
+              <a:buClr>
+                <a:schemeClr val="accent1"/>
+              </a:buClr>
+              <a:buFont typeface="Wingdings" pitchFamily="2" charset="2"/>
+              <a:buChar char="§"/>
+            </a:pPr>
+            <a:r>
+              <a:rPr lang="es-ES" sz="1800" dirty="0" smtClean="0"/>
+              <a:t>Dolor de garganta</a:t>
+            </a:r>
+          </a:p>
+          <a:p>
+            <a:pPr>
+              <a:lnSpc>
+                <a:spcPct val="100000"/>
+              </a:lnSpc>
+              <a:spcBef>
+                <a:spcPts val="0"/>
+              </a:spcBef>
+              <a:buClr>
+                <a:schemeClr val="accent1"/>
+              </a:buClr>
+              <a:buFont typeface="Wingdings" pitchFamily="2" charset="2"/>
+              <a:buChar char="§"/>
+            </a:pPr>
+            <a:r>
+              <a:rPr lang="es-ES" sz="1800" dirty="0" smtClean="0"/>
+              <a:t>Llagas dolorosas en la boca</a:t>
+            </a:r>
+          </a:p>
+          <a:p>
+            <a:pPr>
+              <a:lnSpc>
+                <a:spcPct val="100000"/>
+              </a:lnSpc>
+              <a:spcBef>
+                <a:spcPts val="0"/>
+              </a:spcBef>
+              <a:buClr>
+                <a:schemeClr val="accent1"/>
+              </a:buClr>
+              <a:buFont typeface="Wingdings" pitchFamily="2" charset="2"/>
+              <a:buChar char="§"/>
+            </a:pPr>
+            <a:r>
+              <a:rPr lang="es-ES" sz="1800" dirty="0" smtClean="0"/>
+              <a:t>Ganglios linfáticos inflamados, principalmente, en el cuello</a:t>
+            </a:r>
+          </a:p>
+          <a:p>
+            <a:pPr>
+              <a:lnSpc>
+                <a:spcPct val="100000"/>
+              </a:lnSpc>
+              <a:spcBef>
+                <a:spcPts val="0"/>
+              </a:spcBef>
+              <a:buClr>
+                <a:schemeClr val="accent1"/>
+              </a:buClr>
+              <a:buFont typeface="Wingdings" pitchFamily="2" charset="2"/>
+              <a:buChar char="§"/>
+            </a:pPr>
+            <a:r>
+              <a:rPr lang="es-ES" sz="1800" dirty="0" smtClean="0"/>
+              <a:t>Diarrea</a:t>
+            </a:r>
+          </a:p>
+          <a:p>
+            <a:pPr>
+              <a:lnSpc>
+                <a:spcPct val="100000"/>
+              </a:lnSpc>
+              <a:spcBef>
+                <a:spcPts val="0"/>
+              </a:spcBef>
+              <a:buClr>
+                <a:schemeClr val="accent1"/>
+              </a:buClr>
+              <a:buFont typeface="Wingdings" pitchFamily="2" charset="2"/>
+              <a:buChar char="§"/>
+            </a:pPr>
+            <a:r>
+              <a:rPr lang="es-ES" sz="1800" dirty="0" smtClean="0"/>
+              <a:t>Pérdida de peso</a:t>
+            </a:r>
+          </a:p>
+          <a:p>
+            <a:pPr>
+              <a:lnSpc>
+                <a:spcPct val="100000"/>
+              </a:lnSpc>
+              <a:spcBef>
+                <a:spcPts val="0"/>
+              </a:spcBef>
+              <a:buClr>
+                <a:schemeClr val="accent1"/>
+              </a:buClr>
+              <a:buFont typeface="Wingdings" pitchFamily="2" charset="2"/>
+              <a:buChar char="§"/>
+            </a:pPr>
+            <a:r>
+              <a:rPr lang="es-ES" sz="1800" dirty="0" smtClean="0"/>
+              <a:t>Tos</a:t>
+            </a:r>
+          </a:p>
+          <a:p>
+            <a:pPr>
+              <a:lnSpc>
+                <a:spcPct val="100000"/>
+              </a:lnSpc>
+              <a:spcBef>
+                <a:spcPts val="0"/>
+              </a:spcBef>
+              <a:buClr>
+                <a:schemeClr val="accent1"/>
+              </a:buClr>
+              <a:buFont typeface="Wingdings" pitchFamily="2" charset="2"/>
+              <a:buChar char="§"/>
+            </a:pPr>
+            <a:r>
+              <a:rPr lang="es-ES" sz="1800" dirty="0" smtClean="0"/>
+              <a:t>Sudores nocturnos</a:t>
+            </a:r>
+          </a:p>
+          <a:p>
+            <a:pPr>
+              <a:lnSpc>
+                <a:spcPct val="100000"/>
+              </a:lnSpc>
+              <a:spcBef>
+                <a:spcPts val="0"/>
+              </a:spcBef>
+              <a:buClr>
+                <a:schemeClr val="accent1"/>
+              </a:buClr>
+              <a:buFont typeface="Wingdings" pitchFamily="2" charset="2"/>
+              <a:buChar char="§"/>
+            </a:pPr>
+            <a:endParaRPr lang="es-ES" sz="1800" dirty="0"/>
+          </a:p>
+        </p:txBody>
+      </p:sp>
+      <p:sp>
+        <p:nvSpPr>
+          <p:cNvPr id="6" name="5 Marcador de texto"/>
+          <p:cNvSpPr>
+            <a:spLocks noGrp="1"/>
+          </p:cNvSpPr>
+          <p:nvPr>
+            <p:ph type="body" sz="quarter" idx="3"/>
+          </p:nvPr>
+        </p:nvSpPr>
+        <p:spPr/>
+        <p:txBody>
+          <a:bodyPr/>
+          <a:lstStyle/>
+          <a:p>
+            <a:r>
+              <a:rPr lang="es-ES" dirty="0" smtClean="0">
+                <a:solidFill>
+                  <a:schemeClr val="accent2"/>
+                </a:solidFill>
+                <a:latin typeface="+mj-lt"/>
+              </a:rPr>
+              <a:t>Infección por el VIH sintomática</a:t>
+            </a:r>
+          </a:p>
+        </p:txBody>
+      </p:sp>
+      <p:sp>
+        <p:nvSpPr>
+          <p:cNvPr id="7" name="6 Marcador de contenido"/>
+          <p:cNvSpPr>
+            <a:spLocks noGrp="1"/>
+          </p:cNvSpPr>
+          <p:nvPr>
+            <p:ph sz="quarter" idx="4"/>
           </p:nvPr>
         </p:nvSpPr>
         <p:spPr/>
@@ -10491,7 +11021,7 @@
             </a:pPr>
             <a:r>
               <a:rPr lang="es-ES" sz="1800" dirty="0" smtClean="0"/>
-              <a:t>Sudores</a:t>
+              <a:t>Fiebre</a:t>
             </a:r>
           </a:p>
           <a:p>
@@ -10507,7 +11037,7 @@
             </a:pPr>
             <a:r>
               <a:rPr lang="es-ES" sz="1800" dirty="0" smtClean="0"/>
-              <a:t>Escalofríos</a:t>
+              <a:t>Fatiga</a:t>
             </a:r>
           </a:p>
           <a:p>
@@ -10523,7 +11053,7 @@
             </a:pPr>
             <a:r>
               <a:rPr lang="es-ES" sz="1800" dirty="0" smtClean="0"/>
-              <a:t>Fiebre recurrente</a:t>
+              <a:t>Ganglios linfáticos inflamados</a:t>
             </a:r>
           </a:p>
           <a:p>
@@ -10539,7 +11069,7 @@
             </a:pPr>
             <a:r>
               <a:rPr lang="es-ES" sz="1800" dirty="0" smtClean="0"/>
-              <a:t>Diarrea crónica</a:t>
+              <a:t>Diarrea</a:t>
             </a:r>
           </a:p>
           <a:p>
@@ -10555,7 +11085,7 @@
             </a:pPr>
             <a:r>
               <a:rPr lang="es-ES" sz="1800" dirty="0" smtClean="0"/>
-              <a:t>Ganglios linfáticos inflamados</a:t>
+              <a:t>Pérdida de peso</a:t>
             </a:r>
           </a:p>
           <a:p>
@@ -10571,7 +11101,7 @@
             </a:pPr>
             <a:r>
               <a:rPr lang="es-ES" sz="1800" dirty="0" smtClean="0"/>
-              <a:t>Manchas blancas persistentes o lesiones inusuales en la lengua o la boca</a:t>
+              <a:t>Candidiasis</a:t>
             </a:r>
           </a:p>
           <a:p>
@@ -10587,7 +11117,7 @@
             </a:pPr>
             <a:r>
               <a:rPr lang="es-ES" sz="1800" dirty="0" smtClean="0"/>
-              <a:t>Fatiga persistente, sin causa aparente</a:t>
+              <a:t>Herpes zóster</a:t>
             </a:r>
           </a:p>
           <a:p>
@@ -10603,7 +11133,7 @@
             </a:pPr>
             <a:r>
               <a:rPr lang="es-ES" sz="1800" dirty="0" smtClean="0"/>
-              <a:t>Debilidad</a:t>
+              <a:t>Neumonía</a:t>
             </a:r>
           </a:p>
           <a:p>
@@ -10617,222 +11147,13 @@
               <a:buFont typeface="Wingdings" pitchFamily="2" charset="2"/>
               <a:buChar char="§"/>
             </a:pPr>
-            <a:r>
-              <a:rPr lang="es-ES" sz="1800" dirty="0" smtClean="0"/>
-              <a:t>Pérdida de peso</a:t>
-            </a:r>
-          </a:p>
-          <a:p>
-            <a:pPr>
-              <a:spcBef>
-                <a:spcPts val="0"/>
-              </a:spcBef>
-              <a:buClr>
-                <a:schemeClr val="accent1"/>
-              </a:buClr>
-              <a:buFont typeface="Wingdings" pitchFamily="2" charset="2"/>
-              <a:buChar char="§"/>
-            </a:pPr>
-            <a:r>
-              <a:rPr lang="es-ES" sz="1800" dirty="0" smtClean="0"/>
-              <a:t>Erupciones cutáneas o bultos</a:t>
-            </a:r>
-          </a:p>
-        </p:txBody>
-      </p:sp>
-      <p:sp>
-        <p:nvSpPr>
-          <p:cNvPr id="5" name="4 Marcador de texto"/>
-          <p:cNvSpPr>
-            <a:spLocks noGrp="1"/>
-          </p:cNvSpPr>
-          <p:nvPr>
-            <p:ph type="body" sz="quarter" idx="3"/>
-          </p:nvPr>
-        </p:nvSpPr>
-        <p:spPr/>
-        <p:txBody>
-          <a:bodyPr/>
-          <a:lstStyle/>
-          <a:p>
-            <a:r>
-              <a:rPr lang="es-ES" sz="2400" i="0" kern="1200" cap="none" baseline="0" dirty="0" smtClean="0">
-                <a:solidFill>
-                  <a:schemeClr val="accent2"/>
-                </a:solidFill>
-                <a:latin typeface="+mj-lt"/>
-                <a:ea typeface="+mn-ea"/>
-                <a:cs typeface="+mn-cs"/>
-              </a:rPr>
-              <a:t>Infecciones frecuentes</a:t>
-            </a:r>
-            <a:endParaRPr lang="es-ES" dirty="0">
-              <a:solidFill>
-                <a:schemeClr val="accent2"/>
-              </a:solidFill>
-              <a:latin typeface="+mj-lt"/>
-            </a:endParaRPr>
-          </a:p>
-        </p:txBody>
-      </p:sp>
-      <p:sp>
-        <p:nvSpPr>
-          <p:cNvPr id="6" name="5 Marcador de contenido"/>
-          <p:cNvSpPr>
-            <a:spLocks noGrp="1"/>
-          </p:cNvSpPr>
-          <p:nvPr>
-            <p:ph sz="quarter" idx="4"/>
-          </p:nvPr>
-        </p:nvSpPr>
-        <p:spPr/>
-        <p:txBody>
-          <a:bodyPr>
-            <a:noAutofit/>
-          </a:bodyPr>
-          <a:lstStyle/>
-          <a:p>
-            <a:pPr>
-              <a:spcBef>
-                <a:spcPts val="0"/>
-              </a:spcBef>
-              <a:buClr>
-                <a:schemeClr val="accent1"/>
-              </a:buClr>
-              <a:buFont typeface="Wingdings" pitchFamily="2" charset="2"/>
-              <a:buChar char="§"/>
-            </a:pPr>
-            <a:r>
-              <a:rPr lang="es-ES" sz="1800" dirty="0" smtClean="0"/>
-              <a:t>Neumonía por Pneumocystis carinii (un tipo de hongo)</a:t>
-            </a:r>
-          </a:p>
-          <a:p>
-            <a:pPr>
-              <a:spcBef>
-                <a:spcPts val="0"/>
-              </a:spcBef>
-              <a:buClr>
-                <a:schemeClr val="accent1"/>
-              </a:buClr>
-              <a:buFont typeface="Wingdings" pitchFamily="2" charset="2"/>
-              <a:buChar char="§"/>
-            </a:pPr>
-            <a:r>
-              <a:rPr lang="es-ES" sz="1800" dirty="0" smtClean="0"/>
-              <a:t>Candidiasis</a:t>
-            </a:r>
-          </a:p>
-          <a:p>
-            <a:pPr>
-              <a:spcBef>
-                <a:spcPts val="0"/>
-              </a:spcBef>
-              <a:buClr>
-                <a:schemeClr val="accent1"/>
-              </a:buClr>
-              <a:buFont typeface="Wingdings" pitchFamily="2" charset="2"/>
-              <a:buChar char="§"/>
-            </a:pPr>
-            <a:r>
-              <a:rPr lang="es-ES" sz="1800" dirty="0" smtClean="0"/>
-              <a:t>Tuberculosis</a:t>
-            </a:r>
-          </a:p>
-          <a:p>
-            <a:pPr>
-              <a:spcBef>
-                <a:spcPts val="0"/>
-              </a:spcBef>
-              <a:buClr>
-                <a:schemeClr val="accent1"/>
-              </a:buClr>
-              <a:buFont typeface="Wingdings" pitchFamily="2" charset="2"/>
-              <a:buChar char="§"/>
-            </a:pPr>
-            <a:r>
-              <a:rPr lang="es-ES" sz="1800" dirty="0" smtClean="0"/>
-              <a:t>Citomegalovirus (virus</a:t>
-            </a:r>
-            <a:r>
-              <a:rPr lang="es-ES" sz="1800" baseline="0" dirty="0" smtClean="0"/>
-              <a:t> del herpes común</a:t>
-            </a:r>
-            <a:r>
-              <a:rPr lang="es-ES" sz="1800" dirty="0" smtClean="0"/>
-              <a:t>)</a:t>
-            </a:r>
-          </a:p>
-          <a:p>
-            <a:pPr>
-              <a:spcBef>
-                <a:spcPts val="0"/>
-              </a:spcBef>
-              <a:buClr>
-                <a:schemeClr val="accent1"/>
-              </a:buClr>
-              <a:buFont typeface="Wingdings" pitchFamily="2" charset="2"/>
-              <a:buChar char="§"/>
-            </a:pPr>
-            <a:r>
-              <a:rPr lang="es-ES" sz="1800" dirty="0" smtClean="0"/>
-              <a:t>Meningitis criptocócica (fúngica)</a:t>
-            </a:r>
-          </a:p>
-          <a:p>
-            <a:pPr>
-              <a:spcBef>
-                <a:spcPts val="0"/>
-              </a:spcBef>
-              <a:buClr>
-                <a:schemeClr val="accent1"/>
-              </a:buClr>
-              <a:buFont typeface="Wingdings" pitchFamily="2" charset="2"/>
-              <a:buChar char="§"/>
-            </a:pPr>
-            <a:r>
-              <a:rPr lang="es-ES" sz="1800" dirty="0" smtClean="0"/>
-              <a:t>Toxoplasmosis (infección del parasito Toxoplasma gondii)</a:t>
-            </a:r>
-          </a:p>
-          <a:p>
-            <a:pPr lvl="1">
-              <a:spcBef>
-                <a:spcPts val="0"/>
-              </a:spcBef>
-              <a:buClr>
-                <a:schemeClr val="accent1"/>
-              </a:buClr>
-              <a:buFont typeface="Wingdings" pitchFamily="2" charset="2"/>
-              <a:buChar char="§"/>
-            </a:pPr>
-            <a:r>
-              <a:rPr lang="es-ES" sz="1400" dirty="0" smtClean="0"/>
-              <a:t>enfermedades cardíacas</a:t>
-            </a:r>
-          </a:p>
-          <a:p>
-            <a:pPr lvl="1">
-              <a:spcBef>
-                <a:spcPts val="0"/>
-              </a:spcBef>
-              <a:buClr>
-                <a:schemeClr val="accent1"/>
-              </a:buClr>
-              <a:buFont typeface="Wingdings" pitchFamily="2" charset="2"/>
-              <a:buChar char="§"/>
-            </a:pPr>
-            <a:r>
-              <a:rPr lang="es-ES" sz="1400" dirty="0" smtClean="0"/>
-              <a:t>convulsiones</a:t>
-            </a:r>
             <a:endParaRPr lang="es-ES" sz="1800" dirty="0"/>
           </a:p>
         </p:txBody>
       </p:sp>
       <p:sp>
         <p:nvSpPr>
-          <p:cNvPr id="7" name="6 CuadroTexto"/>
+          <p:cNvPr id="8" name="7 CuadroTexto"/>
           <p:cNvSpPr txBox="1"/>
           <p:nvPr/>
         </p:nvSpPr>
@@ -10886,7 +11207,7 @@
     <a:masterClrMapping/>
   </p:clrMapOvr>
   <mc:AlternateContent xmlns:mc="http://schemas.openxmlformats.org/markup-compatibility/2006">
-    <mc:Choice xmlns="" xmlns:p14="http://schemas.microsoft.com/office/powerpoint/2010/main" Requires="p14">
+    <mc:Choice xmlns:p14="http://schemas.microsoft.com/office/powerpoint/2010/main" xmlns="" Requires="p14">
       <p:transition spd="med" p14:dur="700">
         <p:fade/>
       </p:transition>
@@ -10941,7 +11262,7 @@
           <a:p>
             <a:r>
               <a:rPr lang="es-ES" dirty="0" smtClean="0"/>
-              <a:t>1.4. SÍNTOMAS  III</a:t>
+              <a:t>1.4. SÍNTOMAS  II</a:t>
             </a:r>
             <a:endParaRPr lang="es-ES" dirty="0"/>
           </a:p>
@@ -10962,11 +11283,6 @@
           <a:bodyPr/>
           <a:lstStyle/>
           <a:p>
-            <a:pPr>
-              <a:spcBef>
-                <a:spcPts val="0"/>
-              </a:spcBef>
-            </a:pPr>
             <a:r>
               <a:rPr lang="es-ES" dirty="0" smtClean="0">
                 <a:solidFill>
@@ -10974,7 +11290,7 @@
                 </a:solidFill>
                 <a:latin typeface="+mj-lt"/>
               </a:rPr>
-              <a:t>Tipos de cáncer frecuentes</a:t>
+              <a:t>SIDA</a:t>
             </a:r>
           </a:p>
         </p:txBody>
@@ -10992,7 +11308,7 @@
         <p:spPr/>
         <p:txBody>
           <a:bodyPr>
-            <a:normAutofit/>
+            <a:noAutofit/>
           </a:bodyPr>
           <a:lstStyle/>
           <a:p>
@@ -11008,7 +11324,7 @@
             </a:pPr>
             <a:r>
               <a:rPr lang="es-ES" sz="1800" dirty="0" smtClean="0"/>
-              <a:t>Linfoma. Este cáncer comienza en los glóbulos blancos. </a:t>
+              <a:t>Sudores</a:t>
             </a:r>
           </a:p>
           <a:p>
@@ -11024,54 +11340,9 @@
             </a:pPr>
             <a:r>
               <a:rPr lang="es-ES" sz="1800" dirty="0" smtClean="0"/>
-              <a:t>Sarcoma de Kaposi. (tumor de las paredes de los vasos sanguíneos)</a:t>
-            </a:r>
-          </a:p>
-        </p:txBody>
-      </p:sp>
-      <p:sp>
-        <p:nvSpPr>
-          <p:cNvPr id="5" name="4 Marcador de texto"/>
-          <p:cNvSpPr>
-            <a:spLocks noGrp="1"/>
-          </p:cNvSpPr>
-          <p:nvPr>
-            <p:ph type="body" sz="quarter" idx="3"/>
-          </p:nvPr>
-        </p:nvSpPr>
-        <p:spPr/>
-        <p:txBody>
-          <a:bodyPr/>
-          <a:lstStyle/>
-          <a:p>
-            <a:r>
-              <a:rPr lang="es-ES" dirty="0" smtClean="0">
-                <a:solidFill>
-                  <a:schemeClr val="accent2"/>
-                </a:solidFill>
-                <a:latin typeface="+mj-lt"/>
-              </a:rPr>
-              <a:t>Otras complicaciones</a:t>
-            </a:r>
-          </a:p>
-        </p:txBody>
-      </p:sp>
-      <p:sp>
-        <p:nvSpPr>
-          <p:cNvPr id="6" name="5 Marcador de contenido"/>
-          <p:cNvSpPr>
-            <a:spLocks noGrp="1"/>
-          </p:cNvSpPr>
-          <p:nvPr>
-            <p:ph sz="quarter" idx="4"/>
-          </p:nvPr>
-        </p:nvSpPr>
-        <p:spPr/>
-        <p:txBody>
-          <a:bodyPr>
-            <a:noAutofit/>
-          </a:bodyPr>
-          <a:lstStyle/>
+              <a:t>Escalofríos</a:t>
+            </a:r>
+          </a:p>
           <a:p>
             <a:pPr>
               <a:spcBef>
@@ -11085,7 +11356,276 @@
             </a:pPr>
             <a:r>
               <a:rPr lang="es-ES" sz="1800" dirty="0" smtClean="0"/>
-              <a:t>Síndrome de desgaste</a:t>
+              <a:t>Fiebre recurrente</a:t>
+            </a:r>
+          </a:p>
+          <a:p>
+            <a:pPr>
+              <a:spcBef>
+                <a:spcPts val="0"/>
+              </a:spcBef>
+              <a:buClr>
+                <a:schemeClr val="accent1"/>
+              </a:buClr>
+              <a:buFont typeface="Wingdings" pitchFamily="2" charset="2"/>
+              <a:buChar char="§"/>
+            </a:pPr>
+            <a:r>
+              <a:rPr lang="es-ES" sz="1800" dirty="0" smtClean="0"/>
+              <a:t>Diarrea crónica</a:t>
+            </a:r>
+          </a:p>
+          <a:p>
+            <a:pPr>
+              <a:spcBef>
+                <a:spcPts val="0"/>
+              </a:spcBef>
+              <a:buClr>
+                <a:schemeClr val="accent1"/>
+              </a:buClr>
+              <a:buFont typeface="Wingdings" pitchFamily="2" charset="2"/>
+              <a:buChar char="§"/>
+            </a:pPr>
+            <a:r>
+              <a:rPr lang="es-ES" sz="1800" dirty="0" smtClean="0"/>
+              <a:t>Ganglios linfáticos inflamados</a:t>
+            </a:r>
+          </a:p>
+          <a:p>
+            <a:pPr>
+              <a:spcBef>
+                <a:spcPts val="0"/>
+              </a:spcBef>
+              <a:buClr>
+                <a:schemeClr val="accent1"/>
+              </a:buClr>
+              <a:buFont typeface="Wingdings" pitchFamily="2" charset="2"/>
+              <a:buChar char="§"/>
+            </a:pPr>
+            <a:r>
+              <a:rPr lang="es-ES" sz="1800" dirty="0" smtClean="0"/>
+              <a:t>Manchas blancas persistentes o lesiones inusuales en la lengua o la boca</a:t>
+            </a:r>
+          </a:p>
+          <a:p>
+            <a:pPr>
+              <a:spcBef>
+                <a:spcPts val="0"/>
+              </a:spcBef>
+              <a:buClr>
+                <a:schemeClr val="accent1"/>
+              </a:buClr>
+              <a:buFont typeface="Wingdings" pitchFamily="2" charset="2"/>
+              <a:buChar char="§"/>
+            </a:pPr>
+            <a:r>
+              <a:rPr lang="es-ES" sz="1800" dirty="0" smtClean="0"/>
+              <a:t>Fatiga persistente, sin causa aparente</a:t>
+            </a:r>
+          </a:p>
+          <a:p>
+            <a:pPr>
+              <a:spcBef>
+                <a:spcPts val="0"/>
+              </a:spcBef>
+              <a:buClr>
+                <a:schemeClr val="accent1"/>
+              </a:buClr>
+              <a:buFont typeface="Wingdings" pitchFamily="2" charset="2"/>
+              <a:buChar char="§"/>
+            </a:pPr>
+            <a:r>
+              <a:rPr lang="es-ES" sz="1800" dirty="0" smtClean="0"/>
+              <a:t>Debilidad</a:t>
+            </a:r>
+          </a:p>
+          <a:p>
+            <a:pPr>
+              <a:spcBef>
+                <a:spcPts val="0"/>
+              </a:spcBef>
+              <a:buClr>
+                <a:schemeClr val="accent1"/>
+              </a:buClr>
+              <a:buFont typeface="Wingdings" pitchFamily="2" charset="2"/>
+              <a:buChar char="§"/>
+            </a:pPr>
+            <a:r>
+              <a:rPr lang="es-ES" sz="1800" dirty="0" smtClean="0"/>
+              <a:t>Pérdida de peso</a:t>
+            </a:r>
+          </a:p>
+          <a:p>
+            <a:pPr>
+              <a:spcBef>
+                <a:spcPts val="0"/>
+              </a:spcBef>
+              <a:buClr>
+                <a:schemeClr val="accent1"/>
+              </a:buClr>
+              <a:buFont typeface="Wingdings" pitchFamily="2" charset="2"/>
+              <a:buChar char="§"/>
+            </a:pPr>
+            <a:r>
+              <a:rPr lang="es-ES" sz="1800" dirty="0" smtClean="0"/>
+              <a:t>Erupciones cutáneas o bultos</a:t>
+            </a:r>
+          </a:p>
+        </p:txBody>
+      </p:sp>
+      <p:sp>
+        <p:nvSpPr>
+          <p:cNvPr id="5" name="4 Marcador de texto"/>
+          <p:cNvSpPr>
+            <a:spLocks noGrp="1"/>
+          </p:cNvSpPr>
+          <p:nvPr>
+            <p:ph type="body" sz="quarter" idx="3"/>
+          </p:nvPr>
+        </p:nvSpPr>
+        <p:spPr/>
+        <p:txBody>
+          <a:bodyPr/>
+          <a:lstStyle/>
+          <a:p>
+            <a:r>
+              <a:rPr lang="es-ES" sz="2400" i="0" kern="1200" cap="none" baseline="0" dirty="0" smtClean="0">
+                <a:solidFill>
+                  <a:schemeClr val="accent2"/>
+                </a:solidFill>
+                <a:latin typeface="+mj-lt"/>
+                <a:ea typeface="+mn-ea"/>
+                <a:cs typeface="+mn-cs"/>
+              </a:rPr>
+              <a:t>Infecciones frecuentes</a:t>
+            </a:r>
+            <a:endParaRPr lang="es-ES" dirty="0">
+              <a:solidFill>
+                <a:schemeClr val="accent2"/>
+              </a:solidFill>
+              <a:latin typeface="+mj-lt"/>
+            </a:endParaRPr>
+          </a:p>
+        </p:txBody>
+      </p:sp>
+      <p:sp>
+        <p:nvSpPr>
+          <p:cNvPr id="6" name="5 Marcador de contenido"/>
+          <p:cNvSpPr>
+            <a:spLocks noGrp="1"/>
+          </p:cNvSpPr>
+          <p:nvPr>
+            <p:ph sz="quarter" idx="4"/>
+          </p:nvPr>
+        </p:nvSpPr>
+        <p:spPr/>
+        <p:txBody>
+          <a:bodyPr>
+            <a:noAutofit/>
+          </a:bodyPr>
+          <a:lstStyle/>
+          <a:p>
+            <a:pPr>
+              <a:spcBef>
+                <a:spcPts val="0"/>
+              </a:spcBef>
+              <a:buClr>
+                <a:schemeClr val="accent1"/>
+              </a:buClr>
+              <a:buFont typeface="Wingdings" pitchFamily="2" charset="2"/>
+              <a:buChar char="§"/>
+            </a:pPr>
+            <a:r>
+              <a:rPr lang="es-ES" sz="1800" dirty="0" smtClean="0"/>
+              <a:t>Neumonía por Pneumocystis carinii (un tipo de hongo)</a:t>
+            </a:r>
+          </a:p>
+          <a:p>
+            <a:pPr>
+              <a:spcBef>
+                <a:spcPts val="0"/>
+              </a:spcBef>
+              <a:buClr>
+                <a:schemeClr val="accent1"/>
+              </a:buClr>
+              <a:buFont typeface="Wingdings" pitchFamily="2" charset="2"/>
+              <a:buChar char="§"/>
+            </a:pPr>
+            <a:r>
+              <a:rPr lang="es-ES" sz="1800" dirty="0" smtClean="0"/>
+              <a:t>Candidiasis</a:t>
+            </a:r>
+          </a:p>
+          <a:p>
+            <a:pPr>
+              <a:spcBef>
+                <a:spcPts val="0"/>
+              </a:spcBef>
+              <a:buClr>
+                <a:schemeClr val="accent1"/>
+              </a:buClr>
+              <a:buFont typeface="Wingdings" pitchFamily="2" charset="2"/>
+              <a:buChar char="§"/>
+            </a:pPr>
+            <a:r>
+              <a:rPr lang="es-ES" sz="1800" dirty="0" smtClean="0"/>
+              <a:t>Tuberculosis</a:t>
+            </a:r>
+          </a:p>
+          <a:p>
+            <a:pPr>
+              <a:spcBef>
+                <a:spcPts val="0"/>
+              </a:spcBef>
+              <a:buClr>
+                <a:schemeClr val="accent1"/>
+              </a:buClr>
+              <a:buFont typeface="Wingdings" pitchFamily="2" charset="2"/>
+              <a:buChar char="§"/>
+            </a:pPr>
+            <a:r>
+              <a:rPr lang="es-ES" sz="1800" dirty="0" smtClean="0"/>
+              <a:t>Citomegalovirus (virus</a:t>
+            </a:r>
+            <a:r>
+              <a:rPr lang="es-ES" sz="1800" baseline="0" dirty="0" smtClean="0"/>
+              <a:t> del herpes común</a:t>
+            </a:r>
+            <a:r>
+              <a:rPr lang="es-ES" sz="1800" dirty="0" smtClean="0"/>
+              <a:t>)</a:t>
+            </a:r>
+          </a:p>
+          <a:p>
+            <a:pPr>
+              <a:spcBef>
+                <a:spcPts val="0"/>
+              </a:spcBef>
+              <a:buClr>
+                <a:schemeClr val="accent1"/>
+              </a:buClr>
+              <a:buFont typeface="Wingdings" pitchFamily="2" charset="2"/>
+              <a:buChar char="§"/>
+            </a:pPr>
+            <a:r>
+              <a:rPr lang="es-ES" sz="1800" dirty="0" smtClean="0"/>
+              <a:t>Meningitis criptocócica (fúngica)</a:t>
+            </a:r>
+          </a:p>
+          <a:p>
+            <a:pPr>
+              <a:spcBef>
+                <a:spcPts val="0"/>
+              </a:spcBef>
+              <a:buClr>
+                <a:schemeClr val="accent1"/>
+              </a:buClr>
+              <a:buFont typeface="Wingdings" pitchFamily="2" charset="2"/>
+              <a:buChar char="§"/>
+            </a:pPr>
+            <a:r>
+              <a:rPr lang="es-ES" sz="1800" dirty="0" smtClean="0"/>
+              <a:t>Toxoplasmosis (infección del parasito Toxoplasma gondii)</a:t>
             </a:r>
           </a:p>
           <a:p>
@@ -11101,7 +11641,7 @@
             </a:pPr>
             <a:r>
               <a:rPr lang="es-ES" sz="1400" dirty="0" smtClean="0"/>
-              <a:t>Pérdida de peso significativa</a:t>
+              <a:t>enfermedades cardíacas</a:t>
             </a:r>
           </a:p>
           <a:p>
@@ -11117,247 +11657,7 @@
             </a:pPr>
             <a:r>
               <a:rPr lang="es-ES" sz="1400" dirty="0" smtClean="0"/>
-              <a:t>Diarrea</a:t>
-            </a:r>
-          </a:p>
-          <a:p>
-            <a:pPr lvl="1">
-              <a:spcBef>
-                <a:spcPts val="0"/>
-              </a:spcBef>
-              <a:buClr>
-                <a:schemeClr val="accent1"/>
-              </a:buClr>
-              <a:buFont typeface="Wingdings" pitchFamily="2" charset="2"/>
-              <a:buChar char="§"/>
-            </a:pPr>
-            <a:r>
-              <a:rPr lang="es-ES" sz="1400" dirty="0" smtClean="0"/>
-              <a:t>Debilidad crónica</a:t>
-            </a:r>
-          </a:p>
-          <a:p>
-            <a:pPr lvl="1">
-              <a:spcBef>
-                <a:spcPts val="0"/>
-              </a:spcBef>
-              <a:buClr>
-                <a:schemeClr val="accent1"/>
-              </a:buClr>
-              <a:buFont typeface="Wingdings" pitchFamily="2" charset="2"/>
-              <a:buChar char="§"/>
-            </a:pPr>
-            <a:r>
-              <a:rPr lang="es-ES" sz="1400" dirty="0" smtClean="0"/>
-              <a:t>Fiebre</a:t>
-            </a:r>
-          </a:p>
-          <a:p>
-            <a:pPr>
-              <a:spcBef>
-                <a:spcPts val="0"/>
-              </a:spcBef>
-              <a:buClr>
-                <a:schemeClr val="accent1"/>
-              </a:buClr>
-              <a:buFont typeface="Wingdings" pitchFamily="2" charset="2"/>
-              <a:buChar char="§"/>
-            </a:pPr>
-            <a:r>
-              <a:rPr lang="es-ES" sz="1800" dirty="0" smtClean="0"/>
-              <a:t>Complicaciones neurológicas</a:t>
-            </a:r>
-          </a:p>
-          <a:p>
-            <a:pPr lvl="1">
-              <a:spcBef>
-                <a:spcPts val="0"/>
-              </a:spcBef>
-              <a:buClr>
-                <a:schemeClr val="accent1"/>
-              </a:buClr>
-              <a:buFont typeface="Wingdings" pitchFamily="2" charset="2"/>
-              <a:buChar char="§"/>
-            </a:pPr>
-            <a:r>
-              <a:rPr lang="es-ES" sz="1400" dirty="0" smtClean="0"/>
-              <a:t>Cambios de comportamiento</a:t>
-            </a:r>
-          </a:p>
-          <a:p>
-            <a:pPr lvl="1">
-              <a:spcBef>
-                <a:spcPts val="0"/>
-              </a:spcBef>
-              <a:buClr>
-                <a:schemeClr val="accent1"/>
-              </a:buClr>
-              <a:buFont typeface="Wingdings" pitchFamily="2" charset="2"/>
-              <a:buChar char="§"/>
-            </a:pPr>
-            <a:r>
-              <a:rPr lang="es-ES" sz="1400" dirty="0" smtClean="0"/>
-              <a:t>Funcionamiento mental reducido</a:t>
-            </a:r>
-          </a:p>
-          <a:p>
-            <a:pPr lvl="1">
-              <a:spcBef>
-                <a:spcPts val="0"/>
-              </a:spcBef>
-              <a:buClr>
-                <a:schemeClr val="accent1"/>
-              </a:buClr>
-              <a:buFont typeface="Wingdings" pitchFamily="2" charset="2"/>
-              <a:buChar char="§"/>
-            </a:pPr>
-            <a:r>
-              <a:rPr lang="es-ES" sz="1400" dirty="0" smtClean="0"/>
-              <a:t>Desorientación</a:t>
-            </a:r>
-          </a:p>
-          <a:p>
-            <a:pPr lvl="1">
-              <a:spcBef>
-                <a:spcPts val="0"/>
-              </a:spcBef>
-              <a:buClr>
-                <a:schemeClr val="accent1"/>
-              </a:buClr>
-              <a:buFont typeface="Wingdings" pitchFamily="2" charset="2"/>
-              <a:buChar char="§"/>
-            </a:pPr>
-            <a:r>
-              <a:rPr lang="es-ES" sz="1400" dirty="0" smtClean="0"/>
-              <a:t>Falta de memoria</a:t>
-            </a:r>
-          </a:p>
-          <a:p>
-            <a:pPr lvl="1">
-              <a:spcBef>
-                <a:spcPts val="0"/>
-              </a:spcBef>
-              <a:buClr>
-                <a:schemeClr val="accent1"/>
-              </a:buClr>
-              <a:buFont typeface="Wingdings" pitchFamily="2" charset="2"/>
-              <a:buChar char="§"/>
-            </a:pPr>
-            <a:r>
-              <a:rPr lang="es-ES" sz="1400" dirty="0" smtClean="0"/>
-              <a:t>Depresión</a:t>
-            </a:r>
-          </a:p>
-          <a:p>
-            <a:pPr lvl="1">
-              <a:spcBef>
-                <a:spcPts val="0"/>
-              </a:spcBef>
-              <a:buClr>
-                <a:schemeClr val="accent1"/>
-              </a:buClr>
-              <a:buFont typeface="Wingdings" pitchFamily="2" charset="2"/>
-              <a:buChar char="§"/>
-            </a:pPr>
-            <a:r>
-              <a:rPr lang="es-ES" sz="1400" dirty="0" smtClean="0"/>
-              <a:t>Ansiedad</a:t>
-            </a:r>
-          </a:p>
-          <a:p>
-            <a:pPr lvl="1">
-              <a:spcBef>
-                <a:spcPts val="0"/>
-              </a:spcBef>
-              <a:buClr>
-                <a:schemeClr val="accent1"/>
-              </a:buClr>
-              <a:buFont typeface="Wingdings" pitchFamily="2" charset="2"/>
-              <a:buChar char="§"/>
-            </a:pPr>
-            <a:r>
-              <a:rPr lang="es-ES" sz="1400" dirty="0" smtClean="0"/>
-              <a:t>Dificultad para caminar</a:t>
-            </a:r>
-          </a:p>
-          <a:p>
-            <a:pPr lvl="1">
-              <a:spcBef>
-                <a:spcPts val="0"/>
-              </a:spcBef>
-              <a:buClr>
-                <a:schemeClr val="accent1"/>
-              </a:buClr>
-              <a:buFont typeface="Wingdings" pitchFamily="2" charset="2"/>
-              <a:buChar char="§"/>
-            </a:pPr>
-            <a:r>
-              <a:rPr lang="es-ES" sz="1400" dirty="0" smtClean="0"/>
-              <a:t>Demencia severa</a:t>
-            </a:r>
-          </a:p>
-          <a:p>
-            <a:pPr lvl="1">
-              <a:spcBef>
-                <a:spcPts val="0"/>
-              </a:spcBef>
-              <a:buClr>
-                <a:schemeClr val="accent1"/>
-              </a:buClr>
-              <a:buFont typeface="Wingdings" pitchFamily="2" charset="2"/>
-              <a:buChar char="§"/>
-            </a:pPr>
-            <a:r>
-              <a:rPr lang="es-ES" sz="1400" dirty="0" smtClean="0"/>
-              <a:t>Debilidad</a:t>
-            </a:r>
-          </a:p>
-          <a:p>
-            <a:pPr lvl="1">
-              <a:spcBef>
-                <a:spcPts val="0"/>
-              </a:spcBef>
-              <a:buClr>
-                <a:schemeClr val="accent1"/>
-              </a:buClr>
-              <a:buFont typeface="Wingdings" pitchFamily="2" charset="2"/>
-              <a:buChar char="§"/>
-            </a:pPr>
-            <a:r>
-              <a:rPr lang="es-ES" sz="1400" dirty="0" smtClean="0"/>
-              <a:t>Incapacidad para funcionar.</a:t>
-            </a:r>
-          </a:p>
-          <a:p>
-            <a:pPr>
-              <a:spcBef>
-                <a:spcPts val="0"/>
-              </a:spcBef>
-              <a:buClr>
-                <a:schemeClr val="accent1"/>
-              </a:buClr>
-              <a:buFont typeface="Wingdings" pitchFamily="2" charset="2"/>
-              <a:buChar char="§"/>
-            </a:pPr>
-            <a:r>
-              <a:rPr lang="es-ES" sz="1800" dirty="0" smtClean="0"/>
-              <a:t>Enfermedad renal</a:t>
-            </a:r>
-          </a:p>
-          <a:p>
-            <a:pPr>
-              <a:spcBef>
-                <a:spcPts val="0"/>
-              </a:spcBef>
-              <a:buClr>
-                <a:schemeClr val="accent1"/>
-              </a:buClr>
-              <a:buFont typeface="Wingdings" pitchFamily="2" charset="2"/>
-              <a:buChar char="§"/>
-            </a:pPr>
-            <a:r>
-              <a:rPr lang="es-ES" sz="1800" dirty="0" smtClean="0"/>
-              <a:t>Enfermedad hepática</a:t>
+              <a:t>convulsiones</a:t>
             </a:r>
             <a:endParaRPr lang="es-ES" sz="1800" dirty="0"/>
           </a:p>
@@ -11419,7 +11719,7 @@
     <a:masterClrMapping/>
   </p:clrMapOvr>
   <mc:AlternateContent xmlns:mc="http://schemas.openxmlformats.org/markup-compatibility/2006">
-    <mc:Choice xmlns="" xmlns:p14="http://schemas.microsoft.com/office/powerpoint/2010/main" Requires="p14">
+    <mc:Choice xmlns:p14="http://schemas.microsoft.com/office/powerpoint/2010/main" xmlns="" Requires="p14">
       <p:transition spd="med" p14:dur="700">
         <p:fade/>
       </p:transition>
@@ -11635,7 +11935,7 @@
   <a:extraClrSchemeLst/>
   <a:extLst>
     <a:ext uri="{05A4C25C-085E-4340-85A3-A5531E510DB2}">
-      <thm15:themeFamily xmlns="" xmlns:thm15="http://schemas.microsoft.com/office/thememl/2012/main" name="TF00001141.potx" id="{D7485564-6666-4DDB-B0D3-55F6E694D6E5}" vid="{6E950D30-6FC6-4411-BCFF-468AD9ECA787}"/>
+      <thm15:themeFamily xmlns:thm15="http://schemas.microsoft.com/office/thememl/2012/main" xmlns="" name="TF00001141.potx" id="{D7485564-6666-4DDB-B0D3-55F6E694D6E5}" vid="{6E950D30-6FC6-4411-BCFF-468AD9ECA787}"/>
     </a:ext>
   </a:extLst>
 </a:theme>

--- a/2.2 FAR/PS/Ejercicios/Trabajo/VIH.pptx
+++ b/2.2 FAR/PS/Ejercicios/Trabajo/VIH.pptx
@@ -209,7 +209,7 @@
             <a:fld id="{85EAEDC3-400F-4930-8678-0729ADE89590}" type="datetimeFigureOut">
               <a:rPr lang="es-ES" smtClean="0"/>
               <a:pPr/>
-              <a:t>03/03/2022</a:t>
+              <a:t>04/03/2022</a:t>
             </a:fld>
             <a:endParaRPr lang="es-ES" dirty="0"/>
           </a:p>
@@ -800,7 +800,7 @@
           <a:blip r:embed="rId2" cstate="print">
             <a:extLst>
               <a:ext uri="{28A0092B-C50C-407E-A947-70E740481C1C}">
-                <a14:useLocalDpi xmlns:a14="http://schemas.microsoft.com/office/drawing/2010/main" xmlns="" val="0"/>
+                <a14:useLocalDpi xmlns="" xmlns:a14="http://schemas.microsoft.com/office/drawing/2010/main" val="0"/>
               </a:ext>
             </a:extLst>
           </a:blip>
@@ -820,7 +820,7 @@
     </p:spTree>
     <p:extLst>
       <p:ext uri="{BB962C8B-B14F-4D97-AF65-F5344CB8AC3E}">
-        <p14:creationId xmlns:p14="http://schemas.microsoft.com/office/powerpoint/2010/main" xmlns="" val="798862757"/>
+        <p14:creationId xmlns="" xmlns:p14="http://schemas.microsoft.com/office/powerpoint/2010/main" val="798862757"/>
       </p:ext>
     </p:extLst>
   </p:cSld>
@@ -828,7 +828,7 @@
     <a:masterClrMapping/>
   </p:clrMapOvr>
   <mc:AlternateContent xmlns:mc="http://schemas.openxmlformats.org/markup-compatibility/2006">
-    <mc:Choice xmlns:p14="http://schemas.microsoft.com/office/powerpoint/2010/main" xmlns="" Requires="p14">
+    <mc:Choice xmlns="" xmlns:p14="http://schemas.microsoft.com/office/powerpoint/2010/main" Requires="p14">
       <p:transition spd="med" p14:dur="700">
         <p:fade/>
       </p:transition>
@@ -841,7 +841,7 @@
   </mc:AlternateContent>
   <p:extLst mod="1">
     <p:ext uri="{DCECCB84-F9BA-43D5-87BE-67443E8EF086}">
-      <p15:sldGuideLst xmlns:p15="http://schemas.microsoft.com/office/powerpoint/2012/main" xmlns=""/>
+      <p15:sldGuideLst xmlns="" xmlns:p15="http://schemas.microsoft.com/office/powerpoint/2012/main"/>
     </p:ext>
   </p:extLst>
 </p:sldLayout>
@@ -976,7 +976,7 @@
             <a:fld id="{101EAB43-7C8D-4EFD-8CE1-9862A79FBB73}" type="datetime1">
               <a:rPr lang="es-ES" smtClean="0"/>
               <a:pPr/>
-              <a:t>03/03/2022</a:t>
+              <a:t>04/03/2022</a:t>
             </a:fld>
             <a:endParaRPr lang="es-ES" dirty="0"/>
           </a:p>
@@ -1009,7 +1009,7 @@
     </p:spTree>
     <p:extLst>
       <p:ext uri="{BB962C8B-B14F-4D97-AF65-F5344CB8AC3E}">
-        <p14:creationId xmlns:p14="http://schemas.microsoft.com/office/powerpoint/2010/main" xmlns="" val="2477154221"/>
+        <p14:creationId xmlns="" xmlns:p14="http://schemas.microsoft.com/office/powerpoint/2010/main" val="2477154221"/>
       </p:ext>
     </p:extLst>
   </p:cSld>
@@ -1017,7 +1017,7 @@
     <a:masterClrMapping/>
   </p:clrMapOvr>
   <mc:AlternateContent xmlns:mc="http://schemas.openxmlformats.org/markup-compatibility/2006">
-    <mc:Choice xmlns:p14="http://schemas.microsoft.com/office/powerpoint/2010/main" xmlns="" Requires="p14">
+    <mc:Choice xmlns="" xmlns:p14="http://schemas.microsoft.com/office/powerpoint/2010/main" Requires="p14">
       <p:transition spd="med" p14:dur="700">
         <p:fade/>
       </p:transition>
@@ -1228,7 +1228,7 @@
             <a:fld id="{101EAB43-7C8D-4EFD-8CE1-9862A79FBB73}" type="datetime1">
               <a:rPr lang="es-ES" smtClean="0"/>
               <a:pPr/>
-              <a:t>03/03/2022</a:t>
+              <a:t>04/03/2022</a:t>
             </a:fld>
             <a:endParaRPr lang="es-ES" dirty="0"/>
           </a:p>
@@ -1261,7 +1261,7 @@
     </p:spTree>
     <p:extLst>
       <p:ext uri="{BB962C8B-B14F-4D97-AF65-F5344CB8AC3E}">
-        <p14:creationId xmlns:p14="http://schemas.microsoft.com/office/powerpoint/2010/main" xmlns="" val="2524635021"/>
+        <p14:creationId xmlns="" xmlns:p14="http://schemas.microsoft.com/office/powerpoint/2010/main" val="2524635021"/>
       </p:ext>
     </p:extLst>
   </p:cSld>
@@ -1269,7 +1269,7 @@
     <a:masterClrMapping/>
   </p:clrMapOvr>
   <mc:AlternateContent xmlns:mc="http://schemas.openxmlformats.org/markup-compatibility/2006">
-    <mc:Choice xmlns:p14="http://schemas.microsoft.com/office/powerpoint/2010/main" xmlns="" Requires="p14">
+    <mc:Choice xmlns="" xmlns:p14="http://schemas.microsoft.com/office/powerpoint/2010/main" Requires="p14">
       <p:transition spd="med" p14:dur="700">
         <p:fade/>
       </p:transition>
@@ -1306,7 +1306,7 @@
           <p:cNvPr id="2" name="Title 1">
             <a:extLst>
               <a:ext uri="{FF2B5EF4-FFF2-40B4-BE49-F238E27FC236}">
-                <a16:creationId xmlns:a16="http://schemas.microsoft.com/office/drawing/2014/main" xmlns="" id="{199AD403-A15F-4A2F-B050-AB874136E732}"/>
+                <a16:creationId xmlns="" xmlns:a16="http://schemas.microsoft.com/office/drawing/2014/main" id="{199AD403-A15F-4A2F-B050-AB874136E732}"/>
               </a:ext>
             </a:extLst>
           </p:cNvPr>
@@ -1353,7 +1353,7 @@
           <p:cNvPr id="23" name="Text Placeholder 26">
             <a:extLst>
               <a:ext uri="{FF2B5EF4-FFF2-40B4-BE49-F238E27FC236}">
-                <a16:creationId xmlns:a16="http://schemas.microsoft.com/office/drawing/2014/main" xmlns="" id="{5BB088E3-63C1-423F-A939-150B8E1F87A7}"/>
+                <a16:creationId xmlns="" xmlns:a16="http://schemas.microsoft.com/office/drawing/2014/main" id="{5BB088E3-63C1-423F-A939-150B8E1F87A7}"/>
               </a:ext>
             </a:extLst>
           </p:cNvPr>
@@ -1422,7 +1422,7 @@
           <p:cNvPr id="36" name="Text Placeholder 14">
             <a:extLst>
               <a:ext uri="{FF2B5EF4-FFF2-40B4-BE49-F238E27FC236}">
-                <a16:creationId xmlns:a16="http://schemas.microsoft.com/office/drawing/2014/main" xmlns="" id="{2A3D73F7-77EC-4576-B541-20C032F462DC}"/>
+                <a16:creationId xmlns="" xmlns:a16="http://schemas.microsoft.com/office/drawing/2014/main" id="{2A3D73F7-77EC-4576-B541-20C032F462DC}"/>
               </a:ext>
             </a:extLst>
           </p:cNvPr>
@@ -1470,7 +1470,7 @@
           <p:cNvPr id="21" name="Picture Placeholder 20">
             <a:extLst>
               <a:ext uri="{FF2B5EF4-FFF2-40B4-BE49-F238E27FC236}">
-                <a16:creationId xmlns:a16="http://schemas.microsoft.com/office/drawing/2014/main" xmlns="" id="{8C7B70A1-A813-470C-A829-7CC44559C94F}"/>
+                <a16:creationId xmlns="" xmlns:a16="http://schemas.microsoft.com/office/drawing/2014/main" id="{8C7B70A1-A813-470C-A829-7CC44559C94F}"/>
               </a:ext>
             </a:extLst>
           </p:cNvPr>
@@ -1774,7 +1774,7 @@
     </p:spTree>
     <p:extLst>
       <p:ext uri="{BB962C8B-B14F-4D97-AF65-F5344CB8AC3E}">
-        <p14:creationId xmlns:p14="http://schemas.microsoft.com/office/powerpoint/2010/main" xmlns="" val="3966819956"/>
+        <p14:creationId xmlns="" xmlns:p14="http://schemas.microsoft.com/office/powerpoint/2010/main" val="3966819956"/>
       </p:ext>
     </p:extLst>
   </p:cSld>
@@ -1917,7 +1917,7 @@
             <a:fld id="{DC550BF8-0F61-4B41-AE18-8505AAD88DEF}" type="datetime1">
               <a:rPr lang="es-ES" smtClean="0"/>
               <a:pPr/>
-              <a:t>03/03/2022</a:t>
+              <a:t>04/03/2022</a:t>
             </a:fld>
             <a:endParaRPr lang="es-ES" dirty="0"/>
           </a:p>
@@ -1950,7 +1950,7 @@
     </p:spTree>
     <p:extLst>
       <p:ext uri="{BB962C8B-B14F-4D97-AF65-F5344CB8AC3E}">
-        <p14:creationId xmlns:p14="http://schemas.microsoft.com/office/powerpoint/2010/main" xmlns="" val="3112444112"/>
+        <p14:creationId xmlns="" xmlns:p14="http://schemas.microsoft.com/office/powerpoint/2010/main" val="3112444112"/>
       </p:ext>
     </p:extLst>
   </p:cSld>
@@ -1958,7 +1958,7 @@
     <a:masterClrMapping/>
   </p:clrMapOvr>
   <mc:AlternateContent xmlns:mc="http://schemas.openxmlformats.org/markup-compatibility/2006">
-    <mc:Choice xmlns:p14="http://schemas.microsoft.com/office/powerpoint/2010/main" xmlns="" Requires="p14">
+    <mc:Choice xmlns="" xmlns:p14="http://schemas.microsoft.com/office/powerpoint/2010/main" Requires="p14">
       <p:transition spd="med" p14:dur="700">
         <p:fade/>
       </p:transition>
@@ -2177,7 +2177,7 @@
     </p:spTree>
     <p:extLst>
       <p:ext uri="{BB962C8B-B14F-4D97-AF65-F5344CB8AC3E}">
-        <p14:creationId xmlns:p14="http://schemas.microsoft.com/office/powerpoint/2010/main" xmlns="" val="3506778040"/>
+        <p14:creationId xmlns="" xmlns:p14="http://schemas.microsoft.com/office/powerpoint/2010/main" val="3506778040"/>
       </p:ext>
     </p:extLst>
   </p:cSld>
@@ -2185,7 +2185,7 @@
     <a:masterClrMapping/>
   </p:clrMapOvr>
   <mc:AlternateContent xmlns:mc="http://schemas.openxmlformats.org/markup-compatibility/2006">
-    <mc:Choice xmlns:p14="http://schemas.microsoft.com/office/powerpoint/2010/main" xmlns="" Requires="p14">
+    <mc:Choice xmlns="" xmlns:p14="http://schemas.microsoft.com/office/powerpoint/2010/main" Requires="p14">
       <p:transition spd="med" p14:dur="700">
         <p:fade/>
       </p:transition>
@@ -2450,7 +2450,7 @@
             <a:fld id="{A25E0C83-1215-4122-BF87-F61F327EFDF6}" type="datetime1">
               <a:rPr lang="es-ES" smtClean="0"/>
               <a:pPr/>
-              <a:t>03/03/2022</a:t>
+              <a:t>04/03/2022</a:t>
             </a:fld>
             <a:endParaRPr lang="es-ES" dirty="0"/>
           </a:p>
@@ -2483,7 +2483,7 @@
     </p:spTree>
     <p:extLst>
       <p:ext uri="{BB962C8B-B14F-4D97-AF65-F5344CB8AC3E}">
-        <p14:creationId xmlns:p14="http://schemas.microsoft.com/office/powerpoint/2010/main" xmlns="" val="4044567947"/>
+        <p14:creationId xmlns="" xmlns:p14="http://schemas.microsoft.com/office/powerpoint/2010/main" val="4044567947"/>
       </p:ext>
     </p:extLst>
   </p:cSld>
@@ -2491,7 +2491,7 @@
     <a:masterClrMapping/>
   </p:clrMapOvr>
   <mc:AlternateContent xmlns:mc="http://schemas.openxmlformats.org/markup-compatibility/2006">
-    <mc:Choice xmlns:p14="http://schemas.microsoft.com/office/powerpoint/2010/main" xmlns="" Requires="p14">
+    <mc:Choice xmlns="" xmlns:p14="http://schemas.microsoft.com/office/powerpoint/2010/main" Requires="p14">
       <p:transition spd="med" p14:dur="700">
         <p:fade/>
       </p:transition>
@@ -2904,7 +2904,7 @@
             <a:fld id="{6D462985-032F-43DA-AAB5-BC383DB7952A}" type="datetime1">
               <a:rPr lang="es-ES" smtClean="0"/>
               <a:pPr/>
-              <a:t>03/03/2022</a:t>
+              <a:t>04/03/2022</a:t>
             </a:fld>
             <a:endParaRPr lang="es-ES" dirty="0"/>
           </a:p>
@@ -2937,7 +2937,7 @@
     </p:spTree>
     <p:extLst>
       <p:ext uri="{BB962C8B-B14F-4D97-AF65-F5344CB8AC3E}">
-        <p14:creationId xmlns:p14="http://schemas.microsoft.com/office/powerpoint/2010/main" xmlns="" val="3397906568"/>
+        <p14:creationId xmlns="" xmlns:p14="http://schemas.microsoft.com/office/powerpoint/2010/main" val="3397906568"/>
       </p:ext>
     </p:extLst>
   </p:cSld>
@@ -2945,7 +2945,7 @@
     <a:masterClrMapping/>
   </p:clrMapOvr>
   <mc:AlternateContent xmlns:mc="http://schemas.openxmlformats.org/markup-compatibility/2006">
-    <mc:Choice xmlns:p14="http://schemas.microsoft.com/office/powerpoint/2010/main" xmlns="" Requires="p14">
+    <mc:Choice xmlns="" xmlns:p14="http://schemas.microsoft.com/office/powerpoint/2010/main" Requires="p14">
       <p:transition spd="med" p14:dur="700">
         <p:fade/>
       </p:transition>
@@ -3036,7 +3036,7 @@
             <a:fld id="{89F053BC-CC32-4EC0-AB4D-7EEE27374DD1}" type="datetime1">
               <a:rPr lang="es-ES" smtClean="0"/>
               <a:pPr/>
-              <a:t>03/03/2022</a:t>
+              <a:t>04/03/2022</a:t>
             </a:fld>
             <a:endParaRPr lang="es-ES" dirty="0"/>
           </a:p>
@@ -3069,7 +3069,7 @@
     </p:spTree>
     <p:extLst>
       <p:ext uri="{BB962C8B-B14F-4D97-AF65-F5344CB8AC3E}">
-        <p14:creationId xmlns:p14="http://schemas.microsoft.com/office/powerpoint/2010/main" xmlns="" val="3238976713"/>
+        <p14:creationId xmlns="" xmlns:p14="http://schemas.microsoft.com/office/powerpoint/2010/main" val="3238976713"/>
       </p:ext>
     </p:extLst>
   </p:cSld>
@@ -3077,7 +3077,7 @@
     <a:masterClrMapping/>
   </p:clrMapOvr>
   <mc:AlternateContent xmlns:mc="http://schemas.openxmlformats.org/markup-compatibility/2006">
-    <mc:Choice xmlns:p14="http://schemas.microsoft.com/office/powerpoint/2010/main" xmlns="" Requires="p14">
+    <mc:Choice xmlns="" xmlns:p14="http://schemas.microsoft.com/office/powerpoint/2010/main" Requires="p14">
       <p:transition spd="med" p14:dur="700">
         <p:fade/>
       </p:transition>
@@ -3145,7 +3145,7 @@
             <a:fld id="{1BC7C8E9-24EE-4951-B55F-E25D3010A201}" type="datetime1">
               <a:rPr lang="es-ES" smtClean="0"/>
               <a:pPr/>
-              <a:t>03/03/2022</a:t>
+              <a:t>04/03/2022</a:t>
             </a:fld>
             <a:endParaRPr lang="es-ES" dirty="0"/>
           </a:p>
@@ -3178,7 +3178,7 @@
     </p:spTree>
     <p:extLst>
       <p:ext uri="{BB962C8B-B14F-4D97-AF65-F5344CB8AC3E}">
-        <p14:creationId xmlns:p14="http://schemas.microsoft.com/office/powerpoint/2010/main" xmlns="" val="2146817227"/>
+        <p14:creationId xmlns="" xmlns:p14="http://schemas.microsoft.com/office/powerpoint/2010/main" val="2146817227"/>
       </p:ext>
     </p:extLst>
   </p:cSld>
@@ -3186,7 +3186,7 @@
     <a:masterClrMapping/>
   </p:clrMapOvr>
   <mc:AlternateContent xmlns:mc="http://schemas.openxmlformats.org/markup-compatibility/2006">
-    <mc:Choice xmlns:p14="http://schemas.microsoft.com/office/powerpoint/2010/main" xmlns="" Requires="p14">
+    <mc:Choice xmlns="" xmlns:p14="http://schemas.microsoft.com/office/powerpoint/2010/main" Requires="p14">
       <p:transition spd="med" p14:dur="700">
         <p:fade/>
       </p:transition>
@@ -3529,7 +3529,7 @@
     </p:spTree>
     <p:extLst>
       <p:ext uri="{BB962C8B-B14F-4D97-AF65-F5344CB8AC3E}">
-        <p14:creationId xmlns:p14="http://schemas.microsoft.com/office/powerpoint/2010/main" xmlns="" val="1667374130"/>
+        <p14:creationId xmlns="" xmlns:p14="http://schemas.microsoft.com/office/powerpoint/2010/main" val="1667374130"/>
       </p:ext>
     </p:extLst>
   </p:cSld>
@@ -3537,7 +3537,7 @@
     <a:masterClrMapping/>
   </p:clrMapOvr>
   <mc:AlternateContent xmlns:mc="http://schemas.openxmlformats.org/markup-compatibility/2006">
-    <mc:Choice xmlns:p14="http://schemas.microsoft.com/office/powerpoint/2010/main" xmlns="" Requires="p14">
+    <mc:Choice xmlns="" xmlns:p14="http://schemas.microsoft.com/office/powerpoint/2010/main" Requires="p14">
       <p:transition spd="med" p14:dur="700">
         <p:fade/>
       </p:transition>
@@ -3858,7 +3858,7 @@
     </p:spTree>
     <p:extLst>
       <p:ext uri="{BB962C8B-B14F-4D97-AF65-F5344CB8AC3E}">
-        <p14:creationId xmlns:p14="http://schemas.microsoft.com/office/powerpoint/2010/main" xmlns="" val="2977249753"/>
+        <p14:creationId xmlns="" xmlns:p14="http://schemas.microsoft.com/office/powerpoint/2010/main" val="2977249753"/>
       </p:ext>
     </p:extLst>
   </p:cSld>
@@ -3866,7 +3866,7 @@
     <a:masterClrMapping/>
   </p:clrMapOvr>
   <mc:AlternateContent xmlns:mc="http://schemas.openxmlformats.org/markup-compatibility/2006">
-    <mc:Choice xmlns:p14="http://schemas.microsoft.com/office/powerpoint/2010/main" xmlns="" Requires="p14">
+    <mc:Choice xmlns="" xmlns:p14="http://schemas.microsoft.com/office/powerpoint/2010/main" Requires="p14">
       <p:transition spd="med" p14:dur="700">
         <p:fade/>
       </p:transition>
@@ -4135,7 +4135,7 @@
             <a:fld id="{101EAB43-7C8D-4EFD-8CE1-9862A79FBB73}" type="datetime1">
               <a:rPr lang="es-ES" smtClean="0"/>
               <a:pPr/>
-              <a:t>03/03/2022</a:t>
+              <a:t>04/03/2022</a:t>
             </a:fld>
             <a:endParaRPr lang="es-ES" dirty="0"/>
           </a:p>
@@ -4184,7 +4184,7 @@
     </p:spTree>
     <p:extLst>
       <p:ext uri="{BB962C8B-B14F-4D97-AF65-F5344CB8AC3E}">
-        <p14:creationId xmlns:p14="http://schemas.microsoft.com/office/powerpoint/2010/main" xmlns="" val="1943259863"/>
+        <p14:creationId xmlns="" xmlns:p14="http://schemas.microsoft.com/office/powerpoint/2010/main" val="1943259863"/>
       </p:ext>
     </p:extLst>
   </p:cSld>
@@ -4204,7 +4204,7 @@
     <p:sldLayoutId id="2147483802" r:id="rId12"/>
   </p:sldLayoutIdLst>
   <mc:AlternateContent xmlns:mc="http://schemas.openxmlformats.org/markup-compatibility/2006">
-    <mc:Choice xmlns:p14="http://schemas.microsoft.com/office/powerpoint/2010/main" xmlns="" Requires="p14">
+    <mc:Choice xmlns="" xmlns:p14="http://schemas.microsoft.com/office/powerpoint/2010/main" Requires="p14">
       <p:transition spd="med" p14:dur="700">
         <p:fade/>
       </p:transition>
@@ -4534,7 +4534,7 @@
   </p:txStyles>
   <p:extLst mod="1">
     <p:ext uri="{27BBF7A9-308A-43DC-89C8-2F10F3537804}">
-      <p15:sldGuideLst xmlns:p15="http://schemas.microsoft.com/office/powerpoint/2012/main" xmlns="">
+      <p15:sldGuideLst xmlns="" xmlns:p15="http://schemas.microsoft.com/office/powerpoint/2012/main">
         <p15:guide id="1" orient="horz" pos="2160">
           <p15:clr>
             <a:srgbClr val="F26B43"/>
@@ -4601,20 +4601,7 @@
                   <a:reflection blurRad="6350" stA="55000" endA="300" endPos="45500" dir="5400000" sy="-100000" algn="bl" rotWithShape="0"/>
                 </a:effectLst>
               </a:rPr>
-              <a:t>EL </a:t>
-            </a:r>
-            <a:r>
-              <a:rPr lang="es-ES" sz="3200" b="1" dirty="0" smtClean="0">
-                <a:effectLst>
-                  <a:outerShdw blurRad="38100" dist="38100" dir="2700000" algn="tl">
-                    <a:srgbClr val="000000">
-                      <a:alpha val="43137"/>
-                    </a:srgbClr>
-                  </a:outerShdw>
-                  <a:reflection blurRad="6350" stA="55000" endA="300" endPos="45500" dir="5400000" sy="-100000" algn="bl" rotWithShape="0"/>
-                </a:effectLst>
-              </a:rPr>
-              <a:t>VIH</a:t>
+              <a:t>EL VIH</a:t>
             </a:r>
             <a:endParaRPr lang="es-ES" sz="3200" b="1" dirty="0">
               <a:effectLst>
@@ -5195,7 +5182,7 @@
     <a:masterClrMapping/>
   </p:clrMapOvr>
   <mc:AlternateContent xmlns:mc="http://schemas.openxmlformats.org/markup-compatibility/2006">
-    <mc:Choice xmlns:p14="http://schemas.microsoft.com/office/powerpoint/2010/main" xmlns="" Requires="p14">
+    <mc:Choice xmlns="" xmlns:p14="http://schemas.microsoft.com/office/powerpoint/2010/main" Requires="p14">
       <p:transition spd="med" p14:dur="700">
         <p:fade/>
       </p:transition>
@@ -5252,15 +5239,7 @@
           <a:p>
             <a:r>
               <a:rPr lang="es-ES" sz="2400" dirty="0" smtClean="0"/>
-              <a:t>1.2</a:t>
-            </a:r>
-            <a:r>
-              <a:rPr lang="es-ES" sz="2400" dirty="0" smtClean="0"/>
-              <a:t>. PROBLEMAS </a:t>
-            </a:r>
-            <a:r>
-              <a:rPr lang="es-ES" sz="2400" dirty="0" smtClean="0"/>
-              <a:t>PSICOLOGICOS GENERALES</a:t>
+              <a:t>1.2. PROBLEMAS PSICOLOGICOS GENERALES</a:t>
             </a:r>
             <a:endParaRPr lang="es-ES" sz="2400" dirty="0"/>
           </a:p>
@@ -5303,13 +5282,8 @@
             </a:pPr>
             <a:r>
               <a:rPr lang="es-ES" dirty="0" smtClean="0"/>
-              <a:t>Sensación de </a:t>
-            </a:r>
-            <a:r>
-              <a:rPr lang="es-ES" dirty="0" smtClean="0"/>
-              <a:t>critica</a:t>
-            </a:r>
-            <a:endParaRPr lang="es-ES" dirty="0" smtClean="0"/>
+              <a:t>Sensación de critica</a:t>
+            </a:r>
           </a:p>
         </p:txBody>
       </p:sp>
@@ -5393,7 +5367,7 @@
     <a:masterClrMapping/>
   </p:clrMapOvr>
   <mc:AlternateContent xmlns:mc="http://schemas.openxmlformats.org/markup-compatibility/2006">
-    <mc:Choice xmlns:p14="http://schemas.microsoft.com/office/powerpoint/2010/main" xmlns="" Requires="p14">
+    <mc:Choice xmlns="" xmlns:p14="http://schemas.microsoft.com/office/powerpoint/2010/main" Requires="p14">
       <p:transition spd="med" p14:dur="700">
         <p:fade/>
       </p:transition>
@@ -5450,19 +5424,7 @@
           <a:p>
             <a:r>
               <a:rPr lang="es-ES" sz="2600" dirty="0" smtClean="0"/>
-              <a:t>2. </a:t>
-            </a:r>
-            <a:r>
-              <a:rPr lang="es-ES" sz="2600" dirty="0" smtClean="0"/>
-              <a:t>PROBLEMAS </a:t>
-            </a:r>
-            <a:r>
-              <a:rPr lang="es-ES" sz="2600" dirty="0" smtClean="0"/>
-              <a:t>PSICOLOGICOS Y REACCIONES </a:t>
-            </a:r>
-            <a:r>
-              <a:rPr lang="es-ES" sz="2600" dirty="0" smtClean="0"/>
-              <a:t>EMOCIONALES DEL PACIENTE</a:t>
+              <a:t>2. PROBLEMAS PSICOLOGICOS Y REACCIONES EMOCIONALES DEL PACIENTE</a:t>
             </a:r>
             <a:endParaRPr lang="es-ES" sz="2600" dirty="0"/>
           </a:p>
@@ -5512,7 +5474,7 @@
     <a:masterClrMapping/>
   </p:clrMapOvr>
   <mc:AlternateContent xmlns:mc="http://schemas.openxmlformats.org/markup-compatibility/2006">
-    <mc:Choice xmlns:p14="http://schemas.microsoft.com/office/powerpoint/2010/main" xmlns="" Requires="p14">
+    <mc:Choice xmlns="" xmlns:p14="http://schemas.microsoft.com/office/powerpoint/2010/main" Requires="p14">
       <p:transition spd="med" p14:dur="700">
         <p:fade/>
       </p:transition>
@@ -5612,7 +5574,7 @@
     <a:masterClrMapping/>
   </p:clrMapOvr>
   <mc:AlternateContent xmlns:mc="http://schemas.openxmlformats.org/markup-compatibility/2006">
-    <mc:Choice xmlns:p14="http://schemas.microsoft.com/office/powerpoint/2010/main" xmlns="" Requires="p14">
+    <mc:Choice xmlns="" xmlns:p14="http://schemas.microsoft.com/office/powerpoint/2010/main" Requires="p14">
       <p:transition spd="med" p14:dur="700">
         <p:fade/>
       </p:transition>
@@ -5660,11 +5622,7 @@
           <a:p>
             <a:r>
               <a:rPr lang="es-ES" dirty="0" smtClean="0"/>
-              <a:t>4. </a:t>
-            </a:r>
-            <a:r>
-              <a:rPr lang="es-ES" dirty="0" smtClean="0"/>
-              <a:t>AYUDA QUE SE PUEDE DAR DESDE LA OF O LA FH</a:t>
+              <a:t>4. AYUDA QUE SE PUEDE DAR DESDE LA OF O LA FH</a:t>
             </a:r>
             <a:endParaRPr lang="es-ES" dirty="0"/>
           </a:p>
@@ -5815,7 +5773,7 @@
     <a:masterClrMapping/>
   </p:clrMapOvr>
   <mc:AlternateContent xmlns:mc="http://schemas.openxmlformats.org/markup-compatibility/2006">
-    <mc:Choice xmlns:p14="http://schemas.microsoft.com/office/powerpoint/2010/main" xmlns="" Requires="p14">
+    <mc:Choice xmlns="" xmlns:p14="http://schemas.microsoft.com/office/powerpoint/2010/main" Requires="p14">
       <p:transition spd="med" p14:dur="700">
         <p:fade/>
       </p:transition>
@@ -5894,18 +5852,7 @@
                 <a:ea typeface="+mj-ea"/>
                 <a:cs typeface="+mj-cs"/>
               </a:rPr>
-              <a:t>4.1</a:t>
-            </a:r>
-            <a:r>
-              <a:rPr lang="es-ES" sz="3600" b="0" i="0" kern="1200" dirty="0" smtClean="0">
-                <a:solidFill>
-                  <a:schemeClr val="bg1"/>
-                </a:solidFill>
-                <a:latin typeface="+mj-lt"/>
-                <a:ea typeface="+mj-ea"/>
-                <a:cs typeface="+mj-cs"/>
-              </a:rPr>
-              <a:t>. A TRAVÉS DE LA COMUNICACIÓN</a:t>
+              <a:t>4.1. A TRAVÉS DE LA COMUNICACIÓN</a:t>
             </a:r>
             <a:endParaRPr lang="es-ES" sz="3600" b="1" i="1" kern="1200" dirty="0" smtClean="0">
               <a:solidFill>
@@ -6039,7 +5986,7 @@
     <a:masterClrMapping/>
   </p:clrMapOvr>
   <mc:AlternateContent xmlns:mc="http://schemas.openxmlformats.org/markup-compatibility/2006">
-    <mc:Choice xmlns:p14="http://schemas.microsoft.com/office/powerpoint/2010/main" xmlns="" Requires="p14">
+    <mc:Choice xmlns="" xmlns:p14="http://schemas.microsoft.com/office/powerpoint/2010/main" Requires="p14">
       <p:transition spd="med" p14:dur="700">
         <p:fade/>
       </p:transition>
@@ -6118,18 +6065,7 @@
                 <a:ea typeface="+mj-ea"/>
                 <a:cs typeface="+mj-cs"/>
               </a:rPr>
-              <a:t>4.2</a:t>
-            </a:r>
-            <a:r>
-              <a:rPr lang="es-ES" sz="3600" b="0" i="0" kern="1200" dirty="0" smtClean="0">
-                <a:solidFill>
-                  <a:schemeClr val="bg1"/>
-                </a:solidFill>
-                <a:latin typeface="+mj-lt"/>
-                <a:ea typeface="+mj-ea"/>
-                <a:cs typeface="+mj-cs"/>
-              </a:rPr>
-              <a:t>. CONSEJOS SOBRE HÁBITOS</a:t>
+              <a:t>4.2. CONSEJOS SOBRE HÁBITOS</a:t>
             </a:r>
             <a:endParaRPr lang="es-ES" sz="3600" b="1" i="1" kern="1200" dirty="0" smtClean="0">
               <a:solidFill>
@@ -6266,7 +6202,7 @@
     <a:masterClrMapping/>
   </p:clrMapOvr>
   <mc:AlternateContent xmlns:mc="http://schemas.openxmlformats.org/markup-compatibility/2006">
-    <mc:Choice xmlns:p14="http://schemas.microsoft.com/office/powerpoint/2010/main" xmlns="" Requires="p14">
+    <mc:Choice xmlns="" xmlns:p14="http://schemas.microsoft.com/office/powerpoint/2010/main" Requires="p14">
       <p:transition spd="med" p14:dur="700">
         <p:fade/>
       </p:transition>
@@ -6345,18 +6281,7 @@
                 <a:ea typeface="+mj-ea"/>
                 <a:cs typeface="+mj-cs"/>
               </a:rPr>
-              <a:t>4.3</a:t>
-            </a:r>
-            <a:r>
-              <a:rPr lang="es-ES" sz="3600" b="0" i="0" kern="1200" dirty="0" smtClean="0">
-                <a:solidFill>
-                  <a:schemeClr val="bg1"/>
-                </a:solidFill>
-                <a:latin typeface="+mj-lt"/>
-                <a:ea typeface="+mj-ea"/>
-                <a:cs typeface="+mj-cs"/>
-              </a:rPr>
-              <a:t>.</a:t>
+              <a:t>4.3.</a:t>
             </a:r>
             <a:r>
               <a:rPr lang="es-ES" sz="3600" b="0" i="0" kern="1200" baseline="0" dirty="0" smtClean="0">
@@ -7075,7 +7000,7 @@
     <a:masterClrMapping/>
   </p:clrMapOvr>
   <mc:AlternateContent xmlns:mc="http://schemas.openxmlformats.org/markup-compatibility/2006">
-    <mc:Choice xmlns:p14="http://schemas.microsoft.com/office/powerpoint/2010/main" xmlns="" Requires="p14">
+    <mc:Choice xmlns="" xmlns:p14="http://schemas.microsoft.com/office/powerpoint/2010/main" Requires="p14">
       <p:transition spd="med" p14:dur="700">
         <p:fade/>
       </p:transition>
@@ -7182,15 +7107,6 @@
                         </a:rPr>
                         <a:t>1. EL VIH, EL SIDA Y LOS PROBLEMAS PSICOLÓGICOS</a:t>
                       </a:r>
-                      <a:endParaRPr lang="es-ES" sz="1400" b="0" dirty="0" smtClean="0">
-                        <a:solidFill>
-                          <a:schemeClr val="accent1">
-                            <a:lumMod val="50000"/>
-                          </a:schemeClr>
-                        </a:solidFill>
-                        <a:effectLst/>
-                        <a:latin typeface="+mn-lt"/>
-                      </a:endParaRPr>
                     </a:p>
                   </a:txBody>
                   <a:tcPr anchor="ctr">
@@ -7667,15 +7583,6 @@
                         </a:rPr>
                         <a:t>1.1.3. HISTORIA</a:t>
                       </a:r>
-                      <a:endParaRPr lang="es-ES" sz="1400" b="0" dirty="0" smtClean="0">
-                        <a:solidFill>
-                          <a:schemeClr val="accent1">
-                            <a:lumMod val="50000"/>
-                          </a:schemeClr>
-                        </a:solidFill>
-                        <a:effectLst/>
-                        <a:latin typeface="+mn-lt"/>
-                      </a:endParaRPr>
                     </a:p>
                   </a:txBody>
                   <a:tcPr anchor="ctr">
@@ -7783,15 +7690,6 @@
                         </a:rPr>
                         <a:t>1.1.4. SÍNTOMAS</a:t>
                       </a:r>
-                      <a:endParaRPr lang="es-ES" sz="1400" b="0" dirty="0" smtClean="0">
-                        <a:solidFill>
-                          <a:schemeClr val="accent1">
-                            <a:lumMod val="50000"/>
-                          </a:schemeClr>
-                        </a:solidFill>
-                        <a:effectLst/>
-                        <a:latin typeface="+mn-lt"/>
-                      </a:endParaRPr>
                     </a:p>
                   </a:txBody>
                   <a:tcPr anchor="ctr">
@@ -8522,15 +8420,6 @@
                         </a:rPr>
                         <a:t>4.3. APOYO SOCIAL</a:t>
                       </a:r>
-                      <a:endParaRPr lang="es-ES" sz="1400" b="0" dirty="0" smtClean="0">
-                        <a:solidFill>
-                          <a:schemeClr val="accent1">
-                            <a:lumMod val="50000"/>
-                          </a:schemeClr>
-                        </a:solidFill>
-                        <a:effectLst/>
-                        <a:latin typeface="+mn-lt"/>
-                      </a:endParaRPr>
                     </a:p>
                   </a:txBody>
                   <a:tcPr anchor="ctr">
@@ -8741,7 +8630,7 @@
     <a:masterClrMapping/>
   </p:clrMapOvr>
   <mc:AlternateContent xmlns:mc="http://schemas.openxmlformats.org/markup-compatibility/2006">
-    <mc:Choice xmlns:p14="http://schemas.microsoft.com/office/powerpoint/2010/main" xmlns="" Requires="p14">
+    <mc:Choice xmlns="" xmlns:p14="http://schemas.microsoft.com/office/powerpoint/2010/main" Requires="p14">
       <p:transition spd="med" p14:dur="700">
         <p:fade/>
       </p:transition>
@@ -8789,11 +8678,7 @@
           <a:p>
             <a:r>
               <a:rPr lang="es-ES" dirty="0" smtClean="0"/>
-              <a:t>1.1. </a:t>
-            </a:r>
-            <a:r>
-              <a:rPr lang="es-ES" dirty="0" smtClean="0"/>
-              <a:t>EL VIH </a:t>
+              <a:t>1.1. EL VIH </a:t>
             </a:r>
             <a:br>
               <a:rPr lang="es-ES" dirty="0" smtClean="0"/>
@@ -8994,19 +8879,7 @@
                   </a:outerShdw>
                 </a:effectLst>
               </a:rPr>
-              <a:t>1.1.1</a:t>
-            </a:r>
-            <a:r>
-              <a:rPr lang="es-ES" b="1" dirty="0" smtClean="0">
-                <a:effectLst>
-                  <a:outerShdw blurRad="38100" dist="38100" dir="2700000" algn="tl">
-                    <a:srgbClr val="000000">
-                      <a:alpha val="43137"/>
-                    </a:srgbClr>
-                  </a:outerShdw>
-                </a:effectLst>
-              </a:rPr>
-              <a:t>. ¿QUÉ ES EL VIH?</a:t>
+              <a:t>1.1.1. ¿QUÉ ES EL VIH?</a:t>
             </a:r>
             <a:endParaRPr lang="es-ES" b="1" dirty="0">
               <a:effectLst>
@@ -9167,19 +9040,7 @@
                   </a:outerShdw>
                 </a:effectLst>
               </a:rPr>
-              <a:t>1.1.2</a:t>
-            </a:r>
-            <a:r>
-              <a:rPr lang="es-ES" b="1" dirty="0" smtClean="0">
-                <a:effectLst>
-                  <a:outerShdw blurRad="38100" dist="38100" dir="2700000" algn="tl">
-                    <a:srgbClr val="000000">
-                      <a:alpha val="43137"/>
-                    </a:srgbClr>
-                  </a:outerShdw>
-                </a:effectLst>
-              </a:rPr>
-              <a:t>. ¿QUÉ ES EL SIDA?</a:t>
+              <a:t>1.1.2. ¿QUÉ ES EL SIDA?</a:t>
             </a:r>
             <a:endParaRPr lang="es-ES" dirty="0"/>
           </a:p>
@@ -9355,7 +9216,7 @@
     <a:masterClrMapping/>
   </p:clrMapOvr>
   <mc:AlternateContent xmlns:mc="http://schemas.openxmlformats.org/markup-compatibility/2006">
-    <mc:Choice xmlns:p14="http://schemas.microsoft.com/office/powerpoint/2010/main" xmlns="" Requires="p14">
+    <mc:Choice xmlns="" xmlns:p14="http://schemas.microsoft.com/office/powerpoint/2010/main" Requires="p14">
       <p:transition spd="med" p14:dur="700">
         <p:fade/>
       </p:transition>
@@ -9395,13 +9256,59 @@
       </p:grpSpPr>
       <p:sp>
         <p:nvSpPr>
+          <p:cNvPr id="111" name="110 Rectángulo"/>
+          <p:cNvSpPr/>
+          <p:nvPr/>
+        </p:nvSpPr>
+        <p:spPr>
+          <a:xfrm>
+            <a:off x="8532440" y="3789040"/>
+            <a:ext cx="193118" cy="792088"/>
+          </a:xfrm>
+          <a:prstGeom prst="rect">
+            <a:avLst/>
+          </a:prstGeom>
+          <a:solidFill>
+            <a:schemeClr val="accent1"/>
+          </a:solidFill>
+          <a:ln>
+            <a:noFill/>
+          </a:ln>
+        </p:spPr>
+        <p:style>
+          <a:lnRef idx="2">
+            <a:schemeClr val="accent1">
+              <a:shade val="50000"/>
+            </a:schemeClr>
+          </a:lnRef>
+          <a:fillRef idx="1">
+            <a:schemeClr val="accent1"/>
+          </a:fillRef>
+          <a:effectRef idx="0">
+            <a:schemeClr val="accent1"/>
+          </a:effectRef>
+          <a:fontRef idx="minor">
+            <a:schemeClr val="lt1"/>
+          </a:fontRef>
+        </p:style>
+        <p:txBody>
+          <a:bodyPr rtlCol="0" anchor="ctr"/>
+          <a:lstStyle/>
+          <a:p>
+            <a:pPr algn="ctr"/>
+            <a:endParaRPr lang="es-ES" dirty="0"/>
+          </a:p>
+        </p:txBody>
+      </p:sp>
+      <p:sp>
+        <p:nvSpPr>
           <p:cNvPr id="32" name="31 Rectángulo"/>
           <p:cNvSpPr/>
           <p:nvPr/>
         </p:nvSpPr>
         <p:spPr>
           <a:xfrm>
-            <a:off x="3613544" y="4869160"/>
+            <a:off x="3376994" y="5013176"/>
             <a:ext cx="219600" cy="648072"/>
           </a:xfrm>
           <a:prstGeom prst="rect">
@@ -9439,6 +9346,39 @@
           </a:p>
         </p:txBody>
       </p:sp>
+      <p:cxnSp>
+        <p:nvCxnSpPr>
+          <p:cNvPr id="68" name="67 Conector recto"/>
+          <p:cNvCxnSpPr/>
+          <p:nvPr/>
+        </p:nvCxnSpPr>
+        <p:spPr>
+          <a:xfrm>
+            <a:off x="291284" y="4401048"/>
+            <a:ext cx="0" cy="720000"/>
+          </a:xfrm>
+          <a:prstGeom prst="line">
+            <a:avLst/>
+          </a:prstGeom>
+          <a:ln>
+            <a:noFill/>
+          </a:ln>
+        </p:spPr>
+        <p:style>
+          <a:lnRef idx="3">
+            <a:schemeClr val="dk1"/>
+          </a:lnRef>
+          <a:fillRef idx="0">
+            <a:schemeClr val="dk1"/>
+          </a:fillRef>
+          <a:effectRef idx="2">
+            <a:schemeClr val="dk1"/>
+          </a:effectRef>
+          <a:fontRef idx="minor">
+            <a:schemeClr val="tx1"/>
+          </a:fontRef>
+        </p:style>
+      </p:cxnSp>
       <p:sp>
         <p:nvSpPr>
           <p:cNvPr id="31" name="30 Rectángulo"/>
@@ -9447,7 +9387,7 @@
         </p:nvSpPr>
         <p:spPr>
           <a:xfrm>
-            <a:off x="512416" y="4005064"/>
+            <a:off x="496998" y="3789040"/>
             <a:ext cx="216000" cy="648072"/>
           </a:xfrm>
           <a:prstGeom prst="rect">
@@ -9487,6 +9427,1409 @@
       </p:sp>
       <p:sp>
         <p:nvSpPr>
+          <p:cNvPr id="6" name="5 Rectángulo redondeado"/>
+          <p:cNvSpPr/>
+          <p:nvPr/>
+        </p:nvSpPr>
+        <p:spPr>
+          <a:xfrm>
+            <a:off x="291284" y="4401048"/>
+            <a:ext cx="8640000" cy="720000"/>
+          </a:xfrm>
+          <a:prstGeom prst="roundRect">
+            <a:avLst>
+              <a:gd name="adj" fmla="val 39413"/>
+            </a:avLst>
+          </a:prstGeom>
+          <a:ln w="12700">
+            <a:solidFill>
+              <a:schemeClr val="accent1"/>
+            </a:solidFill>
+          </a:ln>
+        </p:spPr>
+        <p:style>
+          <a:lnRef idx="1">
+            <a:schemeClr val="accent1"/>
+          </a:lnRef>
+          <a:fillRef idx="2">
+            <a:schemeClr val="accent1"/>
+          </a:fillRef>
+          <a:effectRef idx="1">
+            <a:schemeClr val="accent1"/>
+          </a:effectRef>
+          <a:fontRef idx="minor">
+            <a:schemeClr val="dk1"/>
+          </a:fontRef>
+        </p:style>
+        <p:txBody>
+          <a:bodyPr rtlCol="0" anchor="ctr"/>
+          <a:lstStyle/>
+          <a:p>
+            <a:pPr algn="ctr"/>
+            <a:endParaRPr lang="es-ES" dirty="0"/>
+          </a:p>
+        </p:txBody>
+      </p:sp>
+      <p:cxnSp>
+        <p:nvCxnSpPr>
+          <p:cNvPr id="21" name="20 Conector recto"/>
+          <p:cNvCxnSpPr/>
+          <p:nvPr/>
+        </p:nvCxnSpPr>
+        <p:spPr>
+          <a:xfrm>
+            <a:off x="4199850" y="4401048"/>
+            <a:ext cx="0" cy="720000"/>
+          </a:xfrm>
+          <a:prstGeom prst="line">
+            <a:avLst/>
+          </a:prstGeom>
+          <a:ln>
+            <a:noFill/>
+          </a:ln>
+        </p:spPr>
+        <p:style>
+          <a:lnRef idx="3">
+            <a:schemeClr val="dk1"/>
+          </a:lnRef>
+          <a:fillRef idx="0">
+            <a:schemeClr val="dk1"/>
+          </a:fillRef>
+          <a:effectRef idx="2">
+            <a:schemeClr val="dk1"/>
+          </a:effectRef>
+          <a:fontRef idx="minor">
+            <a:schemeClr val="tx1"/>
+          </a:fontRef>
+        </p:style>
+      </p:cxnSp>
+      <p:cxnSp>
+        <p:nvCxnSpPr>
+          <p:cNvPr id="26" name="25 Conector recto"/>
+          <p:cNvCxnSpPr/>
+          <p:nvPr/>
+        </p:nvCxnSpPr>
+        <p:spPr>
+          <a:xfrm>
+            <a:off x="8314130" y="2240728"/>
+            <a:ext cx="0" cy="2880320"/>
+          </a:xfrm>
+          <a:prstGeom prst="line">
+            <a:avLst/>
+          </a:prstGeom>
+          <a:ln/>
+        </p:spPr>
+        <p:style>
+          <a:lnRef idx="3">
+            <a:schemeClr val="accent2"/>
+          </a:lnRef>
+          <a:fillRef idx="0">
+            <a:schemeClr val="accent2"/>
+          </a:fillRef>
+          <a:effectRef idx="2">
+            <a:schemeClr val="accent2"/>
+          </a:effectRef>
+          <a:fontRef idx="minor">
+            <a:schemeClr val="tx1"/>
+          </a:fontRef>
+        </p:style>
+      </p:cxnSp>
+      <p:cxnSp>
+        <p:nvCxnSpPr>
+          <p:cNvPr id="37" name="36 Conector recto"/>
+          <p:cNvCxnSpPr/>
+          <p:nvPr/>
+        </p:nvCxnSpPr>
+        <p:spPr>
+          <a:xfrm flipH="1">
+            <a:off x="8931284" y="4401048"/>
+            <a:ext cx="960" cy="720000"/>
+          </a:xfrm>
+          <a:prstGeom prst="line">
+            <a:avLst/>
+          </a:prstGeom>
+          <a:ln>
+            <a:noFill/>
+          </a:ln>
+        </p:spPr>
+        <p:style>
+          <a:lnRef idx="3">
+            <a:schemeClr val="dk1"/>
+          </a:lnRef>
+          <a:fillRef idx="0">
+            <a:schemeClr val="dk1"/>
+          </a:fillRef>
+          <a:effectRef idx="2">
+            <a:schemeClr val="dk1"/>
+          </a:effectRef>
+          <a:fontRef idx="minor">
+            <a:schemeClr val="tx1"/>
+          </a:fontRef>
+        </p:style>
+      </p:cxnSp>
+      <p:cxnSp>
+        <p:nvCxnSpPr>
+          <p:cNvPr id="41" name="40 Conector recto"/>
+          <p:cNvCxnSpPr/>
+          <p:nvPr/>
+        </p:nvCxnSpPr>
+        <p:spPr>
+          <a:xfrm>
+            <a:off x="496998" y="3501048"/>
+            <a:ext cx="0" cy="1620000"/>
+          </a:xfrm>
+          <a:prstGeom prst="line">
+            <a:avLst/>
+          </a:prstGeom>
+          <a:ln/>
+        </p:spPr>
+        <p:style>
+          <a:lnRef idx="3">
+            <a:schemeClr val="accent2"/>
+          </a:lnRef>
+          <a:fillRef idx="0">
+            <a:schemeClr val="accent2"/>
+          </a:fillRef>
+          <a:effectRef idx="2">
+            <a:schemeClr val="accent2"/>
+          </a:effectRef>
+          <a:fontRef idx="minor">
+            <a:schemeClr val="tx1"/>
+          </a:fontRef>
+        </p:style>
+      </p:cxnSp>
+      <p:cxnSp>
+        <p:nvCxnSpPr>
+          <p:cNvPr id="46" name="45 Conector recto"/>
+          <p:cNvCxnSpPr/>
+          <p:nvPr/>
+        </p:nvCxnSpPr>
+        <p:spPr>
+          <a:xfrm>
+            <a:off x="3788422" y="4401048"/>
+            <a:ext cx="0" cy="720000"/>
+          </a:xfrm>
+          <a:prstGeom prst="line">
+            <a:avLst/>
+          </a:prstGeom>
+          <a:ln>
+            <a:noFill/>
+          </a:ln>
+        </p:spPr>
+        <p:style>
+          <a:lnRef idx="3">
+            <a:schemeClr val="dk1"/>
+          </a:lnRef>
+          <a:fillRef idx="0">
+            <a:schemeClr val="dk1"/>
+          </a:fillRef>
+          <a:effectRef idx="2">
+            <a:schemeClr val="dk1"/>
+          </a:effectRef>
+          <a:fontRef idx="minor">
+            <a:schemeClr val="tx1"/>
+          </a:fontRef>
+        </p:style>
+      </p:cxnSp>
+      <p:cxnSp>
+        <p:nvCxnSpPr>
+          <p:cNvPr id="50" name="49 Conector recto"/>
+          <p:cNvCxnSpPr/>
+          <p:nvPr/>
+        </p:nvCxnSpPr>
+        <p:spPr>
+          <a:xfrm>
+            <a:off x="6051276" y="4401048"/>
+            <a:ext cx="0" cy="720000"/>
+          </a:xfrm>
+          <a:prstGeom prst="line">
+            <a:avLst/>
+          </a:prstGeom>
+          <a:ln>
+            <a:noFill/>
+          </a:ln>
+        </p:spPr>
+        <p:style>
+          <a:lnRef idx="3">
+            <a:schemeClr val="dk1"/>
+          </a:lnRef>
+          <a:fillRef idx="0">
+            <a:schemeClr val="dk1"/>
+          </a:fillRef>
+          <a:effectRef idx="2">
+            <a:schemeClr val="dk1"/>
+          </a:effectRef>
+          <a:fontRef idx="minor">
+            <a:schemeClr val="tx1"/>
+          </a:fontRef>
+        </p:style>
+      </p:cxnSp>
+      <p:cxnSp>
+        <p:nvCxnSpPr>
+          <p:cNvPr id="53" name="52 Conector recto"/>
+          <p:cNvCxnSpPr/>
+          <p:nvPr/>
+        </p:nvCxnSpPr>
+        <p:spPr>
+          <a:xfrm>
+            <a:off x="8519844" y="3752896"/>
+            <a:ext cx="0" cy="1368152"/>
+          </a:xfrm>
+          <a:prstGeom prst="line">
+            <a:avLst/>
+          </a:prstGeom>
+          <a:ln/>
+        </p:spPr>
+        <p:style>
+          <a:lnRef idx="3">
+            <a:schemeClr val="accent2"/>
+          </a:lnRef>
+          <a:fillRef idx="0">
+            <a:schemeClr val="accent2"/>
+          </a:fillRef>
+          <a:effectRef idx="2">
+            <a:schemeClr val="accent2"/>
+          </a:effectRef>
+          <a:fontRef idx="minor">
+            <a:schemeClr val="tx1"/>
+          </a:fontRef>
+        </p:style>
+      </p:cxnSp>
+      <p:cxnSp>
+        <p:nvCxnSpPr>
+          <p:cNvPr id="92" name="91 Conector recto"/>
+          <p:cNvCxnSpPr/>
+          <p:nvPr/>
+        </p:nvCxnSpPr>
+        <p:spPr>
+          <a:xfrm>
+            <a:off x="702712" y="3501048"/>
+            <a:ext cx="0" cy="1620000"/>
+          </a:xfrm>
+          <a:prstGeom prst="line">
+            <a:avLst/>
+          </a:prstGeom>
+          <a:ln/>
+        </p:spPr>
+        <p:style>
+          <a:lnRef idx="3">
+            <a:schemeClr val="accent2"/>
+          </a:lnRef>
+          <a:fillRef idx="0">
+            <a:schemeClr val="accent2"/>
+          </a:fillRef>
+          <a:effectRef idx="2">
+            <a:schemeClr val="accent2"/>
+          </a:effectRef>
+          <a:fontRef idx="minor">
+            <a:schemeClr val="tx1"/>
+          </a:fontRef>
+        </p:style>
+      </p:cxnSp>
+      <p:cxnSp>
+        <p:nvCxnSpPr>
+          <p:cNvPr id="93" name="92 Conector recto"/>
+          <p:cNvCxnSpPr/>
+          <p:nvPr/>
+        </p:nvCxnSpPr>
+        <p:spPr>
+          <a:xfrm>
+            <a:off x="1731282" y="2384744"/>
+            <a:ext cx="0" cy="2736304"/>
+          </a:xfrm>
+          <a:prstGeom prst="line">
+            <a:avLst/>
+          </a:prstGeom>
+          <a:ln/>
+        </p:spPr>
+        <p:style>
+          <a:lnRef idx="3">
+            <a:schemeClr val="accent2"/>
+          </a:lnRef>
+          <a:fillRef idx="0">
+            <a:schemeClr val="accent2"/>
+          </a:fillRef>
+          <a:effectRef idx="2">
+            <a:schemeClr val="accent2"/>
+          </a:effectRef>
+          <a:fontRef idx="minor">
+            <a:schemeClr val="tx1"/>
+          </a:fontRef>
+        </p:style>
+      </p:cxnSp>
+      <p:cxnSp>
+        <p:nvCxnSpPr>
+          <p:cNvPr id="97" name="96 Conector recto"/>
+          <p:cNvCxnSpPr/>
+          <p:nvPr/>
+        </p:nvCxnSpPr>
+        <p:spPr>
+          <a:xfrm>
+            <a:off x="3994136" y="4401048"/>
+            <a:ext cx="0" cy="720000"/>
+          </a:xfrm>
+          <a:prstGeom prst="line">
+            <a:avLst/>
+          </a:prstGeom>
+          <a:ln>
+            <a:noFill/>
+          </a:ln>
+        </p:spPr>
+        <p:style>
+          <a:lnRef idx="3">
+            <a:schemeClr val="dk1"/>
+          </a:lnRef>
+          <a:fillRef idx="0">
+            <a:schemeClr val="dk1"/>
+          </a:fillRef>
+          <a:effectRef idx="2">
+            <a:schemeClr val="dk1"/>
+          </a:effectRef>
+          <a:fontRef idx="minor">
+            <a:schemeClr val="tx1"/>
+          </a:fontRef>
+        </p:style>
+      </p:cxnSp>
+      <p:cxnSp>
+        <p:nvCxnSpPr>
+          <p:cNvPr id="102" name="101 Conector recto"/>
+          <p:cNvCxnSpPr/>
+          <p:nvPr/>
+        </p:nvCxnSpPr>
+        <p:spPr>
+          <a:xfrm>
+            <a:off x="7079846" y="4401048"/>
+            <a:ext cx="0" cy="720000"/>
+          </a:xfrm>
+          <a:prstGeom prst="line">
+            <a:avLst/>
+          </a:prstGeom>
+          <a:ln>
+            <a:noFill/>
+          </a:ln>
+        </p:spPr>
+        <p:style>
+          <a:lnRef idx="3">
+            <a:schemeClr val="dk1"/>
+          </a:lnRef>
+          <a:fillRef idx="0">
+            <a:schemeClr val="dk1"/>
+          </a:fillRef>
+          <a:effectRef idx="2">
+            <a:schemeClr val="dk1"/>
+          </a:effectRef>
+          <a:fontRef idx="minor">
+            <a:schemeClr val="tx1"/>
+          </a:fontRef>
+        </p:style>
+      </p:cxnSp>
+      <p:cxnSp>
+        <p:nvCxnSpPr>
+          <p:cNvPr id="30" name="29 Conector recto"/>
+          <p:cNvCxnSpPr/>
+          <p:nvPr/>
+        </p:nvCxnSpPr>
+        <p:spPr>
+          <a:xfrm>
+            <a:off x="908426" y="4401048"/>
+            <a:ext cx="0" cy="1620000"/>
+          </a:xfrm>
+          <a:prstGeom prst="line">
+            <a:avLst/>
+          </a:prstGeom>
+          <a:ln/>
+        </p:spPr>
+        <p:style>
+          <a:lnRef idx="3">
+            <a:schemeClr val="accent2"/>
+          </a:lnRef>
+          <a:fillRef idx="0">
+            <a:schemeClr val="accent2"/>
+          </a:fillRef>
+          <a:effectRef idx="2">
+            <a:schemeClr val="accent2"/>
+          </a:effectRef>
+          <a:fontRef idx="minor">
+            <a:schemeClr val="tx1"/>
+          </a:fontRef>
+        </p:style>
+      </p:cxnSp>
+      <p:cxnSp>
+        <p:nvCxnSpPr>
+          <p:cNvPr id="33" name="32 Conector recto"/>
+          <p:cNvCxnSpPr/>
+          <p:nvPr/>
+        </p:nvCxnSpPr>
+        <p:spPr>
+          <a:xfrm>
+            <a:off x="1114140" y="4401048"/>
+            <a:ext cx="0" cy="720000"/>
+          </a:xfrm>
+          <a:prstGeom prst="line">
+            <a:avLst/>
+          </a:prstGeom>
+          <a:ln>
+            <a:noFill/>
+          </a:ln>
+        </p:spPr>
+        <p:style>
+          <a:lnRef idx="3">
+            <a:schemeClr val="dk1"/>
+          </a:lnRef>
+          <a:fillRef idx="0">
+            <a:schemeClr val="dk1"/>
+          </a:fillRef>
+          <a:effectRef idx="2">
+            <a:schemeClr val="dk1"/>
+          </a:effectRef>
+          <a:fontRef idx="minor">
+            <a:schemeClr val="tx1"/>
+          </a:fontRef>
+        </p:style>
+      </p:cxnSp>
+      <p:cxnSp>
+        <p:nvCxnSpPr>
+          <p:cNvPr id="34" name="33 Conector recto"/>
+          <p:cNvCxnSpPr/>
+          <p:nvPr/>
+        </p:nvCxnSpPr>
+        <p:spPr>
+          <a:xfrm>
+            <a:off x="1319854" y="4401048"/>
+            <a:ext cx="0" cy="720000"/>
+          </a:xfrm>
+          <a:prstGeom prst="line">
+            <a:avLst/>
+          </a:prstGeom>
+          <a:ln>
+            <a:noFill/>
+          </a:ln>
+        </p:spPr>
+        <p:style>
+          <a:lnRef idx="3">
+            <a:schemeClr val="dk1"/>
+          </a:lnRef>
+          <a:fillRef idx="0">
+            <a:schemeClr val="dk1"/>
+          </a:fillRef>
+          <a:effectRef idx="2">
+            <a:schemeClr val="dk1"/>
+          </a:effectRef>
+          <a:fontRef idx="minor">
+            <a:schemeClr val="tx1"/>
+          </a:fontRef>
+        </p:style>
+      </p:cxnSp>
+      <p:cxnSp>
+        <p:nvCxnSpPr>
+          <p:cNvPr id="35" name="34 Conector recto"/>
+          <p:cNvCxnSpPr/>
+          <p:nvPr/>
+        </p:nvCxnSpPr>
+        <p:spPr>
+          <a:xfrm>
+            <a:off x="1525568" y="4401048"/>
+            <a:ext cx="0" cy="720000"/>
+          </a:xfrm>
+          <a:prstGeom prst="line">
+            <a:avLst/>
+          </a:prstGeom>
+          <a:ln>
+            <a:noFill/>
+          </a:ln>
+        </p:spPr>
+        <p:style>
+          <a:lnRef idx="3">
+            <a:schemeClr val="dk1"/>
+          </a:lnRef>
+          <a:fillRef idx="0">
+            <a:schemeClr val="dk1"/>
+          </a:fillRef>
+          <a:effectRef idx="2">
+            <a:schemeClr val="dk1"/>
+          </a:effectRef>
+          <a:fontRef idx="minor">
+            <a:schemeClr val="tx1"/>
+          </a:fontRef>
+        </p:style>
+      </p:cxnSp>
+      <p:cxnSp>
+        <p:nvCxnSpPr>
+          <p:cNvPr id="36" name="35 Conector recto"/>
+          <p:cNvCxnSpPr/>
+          <p:nvPr/>
+        </p:nvCxnSpPr>
+        <p:spPr>
+          <a:xfrm>
+            <a:off x="1936996" y="4401048"/>
+            <a:ext cx="0" cy="720000"/>
+          </a:xfrm>
+          <a:prstGeom prst="line">
+            <a:avLst/>
+          </a:prstGeom>
+          <a:ln>
+            <a:noFill/>
+          </a:ln>
+        </p:spPr>
+        <p:style>
+          <a:lnRef idx="3">
+            <a:schemeClr val="dk1"/>
+          </a:lnRef>
+          <a:fillRef idx="0">
+            <a:schemeClr val="dk1"/>
+          </a:fillRef>
+          <a:effectRef idx="2">
+            <a:schemeClr val="dk1"/>
+          </a:effectRef>
+          <a:fontRef idx="minor">
+            <a:schemeClr val="tx1"/>
+          </a:fontRef>
+        </p:style>
+      </p:cxnSp>
+      <p:cxnSp>
+        <p:nvCxnSpPr>
+          <p:cNvPr id="38" name="37 Conector recto"/>
+          <p:cNvCxnSpPr/>
+          <p:nvPr/>
+        </p:nvCxnSpPr>
+        <p:spPr>
+          <a:xfrm>
+            <a:off x="2142710" y="4401048"/>
+            <a:ext cx="0" cy="720000"/>
+          </a:xfrm>
+          <a:prstGeom prst="line">
+            <a:avLst/>
+          </a:prstGeom>
+          <a:ln>
+            <a:noFill/>
+          </a:ln>
+        </p:spPr>
+        <p:style>
+          <a:lnRef idx="3">
+            <a:schemeClr val="dk1"/>
+          </a:lnRef>
+          <a:fillRef idx="0">
+            <a:schemeClr val="dk1"/>
+          </a:fillRef>
+          <a:effectRef idx="2">
+            <a:schemeClr val="dk1"/>
+          </a:effectRef>
+          <a:fontRef idx="minor">
+            <a:schemeClr val="tx1"/>
+          </a:fontRef>
+        </p:style>
+      </p:cxnSp>
+      <p:cxnSp>
+        <p:nvCxnSpPr>
+          <p:cNvPr id="39" name="38 Conector recto"/>
+          <p:cNvCxnSpPr/>
+          <p:nvPr/>
+        </p:nvCxnSpPr>
+        <p:spPr>
+          <a:xfrm>
+            <a:off x="2348424" y="4401048"/>
+            <a:ext cx="0" cy="720000"/>
+          </a:xfrm>
+          <a:prstGeom prst="line">
+            <a:avLst/>
+          </a:prstGeom>
+          <a:ln>
+            <a:noFill/>
+          </a:ln>
+        </p:spPr>
+        <p:style>
+          <a:lnRef idx="3">
+            <a:schemeClr val="dk1"/>
+          </a:lnRef>
+          <a:fillRef idx="0">
+            <a:schemeClr val="dk1"/>
+          </a:fillRef>
+          <a:effectRef idx="2">
+            <a:schemeClr val="dk1"/>
+          </a:effectRef>
+          <a:fontRef idx="minor">
+            <a:schemeClr val="tx1"/>
+          </a:fontRef>
+        </p:style>
+      </p:cxnSp>
+      <p:cxnSp>
+        <p:nvCxnSpPr>
+          <p:cNvPr id="40" name="39 Conector recto"/>
+          <p:cNvCxnSpPr/>
+          <p:nvPr/>
+        </p:nvCxnSpPr>
+        <p:spPr>
+          <a:xfrm>
+            <a:off x="2554138" y="4401048"/>
+            <a:ext cx="0" cy="720000"/>
+          </a:xfrm>
+          <a:prstGeom prst="line">
+            <a:avLst/>
+          </a:prstGeom>
+          <a:ln>
+            <a:noFill/>
+          </a:ln>
+        </p:spPr>
+        <p:style>
+          <a:lnRef idx="3">
+            <a:schemeClr val="dk1"/>
+          </a:lnRef>
+          <a:fillRef idx="0">
+            <a:schemeClr val="dk1"/>
+          </a:fillRef>
+          <a:effectRef idx="2">
+            <a:schemeClr val="dk1"/>
+          </a:effectRef>
+          <a:fontRef idx="minor">
+            <a:schemeClr val="tx1"/>
+          </a:fontRef>
+        </p:style>
+      </p:cxnSp>
+      <p:cxnSp>
+        <p:nvCxnSpPr>
+          <p:cNvPr id="42" name="41 Conector recto"/>
+          <p:cNvCxnSpPr/>
+          <p:nvPr/>
+        </p:nvCxnSpPr>
+        <p:spPr>
+          <a:xfrm>
+            <a:off x="2759852" y="4401048"/>
+            <a:ext cx="0" cy="720000"/>
+          </a:xfrm>
+          <a:prstGeom prst="line">
+            <a:avLst/>
+          </a:prstGeom>
+          <a:ln>
+            <a:noFill/>
+          </a:ln>
+        </p:spPr>
+        <p:style>
+          <a:lnRef idx="3">
+            <a:schemeClr val="dk1"/>
+          </a:lnRef>
+          <a:fillRef idx="0">
+            <a:schemeClr val="dk1"/>
+          </a:fillRef>
+          <a:effectRef idx="2">
+            <a:schemeClr val="dk1"/>
+          </a:effectRef>
+          <a:fontRef idx="minor">
+            <a:schemeClr val="tx1"/>
+          </a:fontRef>
+        </p:style>
+      </p:cxnSp>
+      <p:cxnSp>
+        <p:nvCxnSpPr>
+          <p:cNvPr id="43" name="42 Conector recto"/>
+          <p:cNvCxnSpPr/>
+          <p:nvPr/>
+        </p:nvCxnSpPr>
+        <p:spPr>
+          <a:xfrm>
+            <a:off x="2965566" y="4401048"/>
+            <a:ext cx="0" cy="720000"/>
+          </a:xfrm>
+          <a:prstGeom prst="line">
+            <a:avLst/>
+          </a:prstGeom>
+          <a:ln>
+            <a:noFill/>
+          </a:ln>
+        </p:spPr>
+        <p:style>
+          <a:lnRef idx="3">
+            <a:schemeClr val="dk1"/>
+          </a:lnRef>
+          <a:fillRef idx="0">
+            <a:schemeClr val="dk1"/>
+          </a:fillRef>
+          <a:effectRef idx="2">
+            <a:schemeClr val="dk1"/>
+          </a:effectRef>
+          <a:fontRef idx="minor">
+            <a:schemeClr val="tx1"/>
+          </a:fontRef>
+        </p:style>
+      </p:cxnSp>
+      <p:cxnSp>
+        <p:nvCxnSpPr>
+          <p:cNvPr id="44" name="43 Conector recto"/>
+          <p:cNvCxnSpPr/>
+          <p:nvPr/>
+        </p:nvCxnSpPr>
+        <p:spPr>
+          <a:xfrm>
+            <a:off x="3171280" y="3896912"/>
+            <a:ext cx="0" cy="1224136"/>
+          </a:xfrm>
+          <a:prstGeom prst="line">
+            <a:avLst/>
+          </a:prstGeom>
+          <a:ln/>
+        </p:spPr>
+        <p:style>
+          <a:lnRef idx="3">
+            <a:schemeClr val="accent2"/>
+          </a:lnRef>
+          <a:fillRef idx="0">
+            <a:schemeClr val="accent2"/>
+          </a:fillRef>
+          <a:effectRef idx="2">
+            <a:schemeClr val="accent2"/>
+          </a:effectRef>
+          <a:fontRef idx="minor">
+            <a:schemeClr val="tx1"/>
+          </a:fontRef>
+        </p:style>
+      </p:cxnSp>
+      <p:cxnSp>
+        <p:nvCxnSpPr>
+          <p:cNvPr id="45" name="44 Conector recto"/>
+          <p:cNvCxnSpPr/>
+          <p:nvPr/>
+        </p:nvCxnSpPr>
+        <p:spPr>
+          <a:xfrm>
+            <a:off x="3376994" y="4401048"/>
+            <a:ext cx="0" cy="1223936"/>
+          </a:xfrm>
+          <a:prstGeom prst="line">
+            <a:avLst/>
+          </a:prstGeom>
+          <a:ln/>
+        </p:spPr>
+        <p:style>
+          <a:lnRef idx="3">
+            <a:schemeClr val="accent2"/>
+          </a:lnRef>
+          <a:fillRef idx="0">
+            <a:schemeClr val="accent2"/>
+          </a:fillRef>
+          <a:effectRef idx="2">
+            <a:schemeClr val="accent2"/>
+          </a:effectRef>
+          <a:fontRef idx="minor">
+            <a:schemeClr val="tx1"/>
+          </a:fontRef>
+        </p:style>
+      </p:cxnSp>
+      <p:cxnSp>
+        <p:nvCxnSpPr>
+          <p:cNvPr id="47" name="46 Conector recto"/>
+          <p:cNvCxnSpPr/>
+          <p:nvPr/>
+        </p:nvCxnSpPr>
+        <p:spPr>
+          <a:xfrm>
+            <a:off x="3582708" y="2708920"/>
+            <a:ext cx="0" cy="2916064"/>
+          </a:xfrm>
+          <a:prstGeom prst="line">
+            <a:avLst/>
+          </a:prstGeom>
+          <a:ln/>
+        </p:spPr>
+        <p:style>
+          <a:lnRef idx="3">
+            <a:schemeClr val="accent2"/>
+          </a:lnRef>
+          <a:fillRef idx="0">
+            <a:schemeClr val="accent2"/>
+          </a:fillRef>
+          <a:effectRef idx="2">
+            <a:schemeClr val="accent2"/>
+          </a:effectRef>
+          <a:fontRef idx="minor">
+            <a:schemeClr val="tx1"/>
+          </a:fontRef>
+        </p:style>
+      </p:cxnSp>
+      <p:cxnSp>
+        <p:nvCxnSpPr>
+          <p:cNvPr id="48" name="47 Conector recto"/>
+          <p:cNvCxnSpPr/>
+          <p:nvPr/>
+        </p:nvCxnSpPr>
+        <p:spPr>
+          <a:xfrm>
+            <a:off x="4405564" y="4401048"/>
+            <a:ext cx="0" cy="720000"/>
+          </a:xfrm>
+          <a:prstGeom prst="line">
+            <a:avLst/>
+          </a:prstGeom>
+          <a:ln>
+            <a:noFill/>
+          </a:ln>
+        </p:spPr>
+        <p:style>
+          <a:lnRef idx="3">
+            <a:schemeClr val="dk1"/>
+          </a:lnRef>
+          <a:fillRef idx="0">
+            <a:schemeClr val="dk1"/>
+          </a:fillRef>
+          <a:effectRef idx="2">
+            <a:schemeClr val="dk1"/>
+          </a:effectRef>
+          <a:fontRef idx="minor">
+            <a:schemeClr val="tx1"/>
+          </a:fontRef>
+        </p:style>
+      </p:cxnSp>
+      <p:cxnSp>
+        <p:nvCxnSpPr>
+          <p:cNvPr id="49" name="48 Conector recto"/>
+          <p:cNvCxnSpPr/>
+          <p:nvPr/>
+        </p:nvCxnSpPr>
+        <p:spPr>
+          <a:xfrm>
+            <a:off x="4611278" y="4401048"/>
+            <a:ext cx="0" cy="720000"/>
+          </a:xfrm>
+          <a:prstGeom prst="line">
+            <a:avLst/>
+          </a:prstGeom>
+          <a:ln>
+            <a:noFill/>
+          </a:ln>
+        </p:spPr>
+        <p:style>
+          <a:lnRef idx="3">
+            <a:schemeClr val="dk1"/>
+          </a:lnRef>
+          <a:fillRef idx="0">
+            <a:schemeClr val="dk1"/>
+          </a:fillRef>
+          <a:effectRef idx="2">
+            <a:schemeClr val="dk1"/>
+          </a:effectRef>
+          <a:fontRef idx="minor">
+            <a:schemeClr val="tx1"/>
+          </a:fontRef>
+        </p:style>
+      </p:cxnSp>
+      <p:cxnSp>
+        <p:nvCxnSpPr>
+          <p:cNvPr id="51" name="50 Conector recto"/>
+          <p:cNvCxnSpPr/>
+          <p:nvPr/>
+        </p:nvCxnSpPr>
+        <p:spPr>
+          <a:xfrm>
+            <a:off x="4816992" y="3968920"/>
+            <a:ext cx="0" cy="1152128"/>
+          </a:xfrm>
+          <a:prstGeom prst="line">
+            <a:avLst/>
+          </a:prstGeom>
+          <a:ln/>
+        </p:spPr>
+        <p:style>
+          <a:lnRef idx="3">
+            <a:schemeClr val="accent2"/>
+          </a:lnRef>
+          <a:fillRef idx="0">
+            <a:schemeClr val="accent2"/>
+          </a:fillRef>
+          <a:effectRef idx="2">
+            <a:schemeClr val="accent2"/>
+          </a:effectRef>
+          <a:fontRef idx="minor">
+            <a:schemeClr val="tx1"/>
+          </a:fontRef>
+        </p:style>
+      </p:cxnSp>
+      <p:cxnSp>
+        <p:nvCxnSpPr>
+          <p:cNvPr id="52" name="51 Conector recto"/>
+          <p:cNvCxnSpPr/>
+          <p:nvPr/>
+        </p:nvCxnSpPr>
+        <p:spPr>
+          <a:xfrm>
+            <a:off x="5022706" y="4401048"/>
+            <a:ext cx="0" cy="720000"/>
+          </a:xfrm>
+          <a:prstGeom prst="line">
+            <a:avLst/>
+          </a:prstGeom>
+          <a:ln>
+            <a:noFill/>
+          </a:ln>
+        </p:spPr>
+        <p:style>
+          <a:lnRef idx="3">
+            <a:schemeClr val="dk1"/>
+          </a:lnRef>
+          <a:fillRef idx="0">
+            <a:schemeClr val="dk1"/>
+          </a:fillRef>
+          <a:effectRef idx="2">
+            <a:schemeClr val="dk1"/>
+          </a:effectRef>
+          <a:fontRef idx="minor">
+            <a:schemeClr val="tx1"/>
+          </a:fontRef>
+        </p:style>
+      </p:cxnSp>
+      <p:cxnSp>
+        <p:nvCxnSpPr>
+          <p:cNvPr id="54" name="53 Conector recto"/>
+          <p:cNvCxnSpPr/>
+          <p:nvPr/>
+        </p:nvCxnSpPr>
+        <p:spPr>
+          <a:xfrm>
+            <a:off x="5228420" y="4401048"/>
+            <a:ext cx="0" cy="720000"/>
+          </a:xfrm>
+          <a:prstGeom prst="line">
+            <a:avLst/>
+          </a:prstGeom>
+          <a:ln>
+            <a:noFill/>
+          </a:ln>
+        </p:spPr>
+        <p:style>
+          <a:lnRef idx="3">
+            <a:schemeClr val="dk1"/>
+          </a:lnRef>
+          <a:fillRef idx="0">
+            <a:schemeClr val="dk1"/>
+          </a:fillRef>
+          <a:effectRef idx="2">
+            <a:schemeClr val="dk1"/>
+          </a:effectRef>
+          <a:fontRef idx="minor">
+            <a:schemeClr val="tx1"/>
+          </a:fontRef>
+        </p:style>
+      </p:cxnSp>
+      <p:cxnSp>
+        <p:nvCxnSpPr>
+          <p:cNvPr id="55" name="54 Conector recto"/>
+          <p:cNvCxnSpPr/>
+          <p:nvPr/>
+        </p:nvCxnSpPr>
+        <p:spPr>
+          <a:xfrm>
+            <a:off x="5434134" y="4401048"/>
+            <a:ext cx="0" cy="720000"/>
+          </a:xfrm>
+          <a:prstGeom prst="line">
+            <a:avLst/>
+          </a:prstGeom>
+          <a:ln>
+            <a:noFill/>
+          </a:ln>
+        </p:spPr>
+        <p:style>
+          <a:lnRef idx="3">
+            <a:schemeClr val="dk1"/>
+          </a:lnRef>
+          <a:fillRef idx="0">
+            <a:schemeClr val="dk1"/>
+          </a:fillRef>
+          <a:effectRef idx="2">
+            <a:schemeClr val="dk1"/>
+          </a:effectRef>
+          <a:fontRef idx="minor">
+            <a:schemeClr val="tx1"/>
+          </a:fontRef>
+        </p:style>
+      </p:cxnSp>
+      <p:cxnSp>
+        <p:nvCxnSpPr>
+          <p:cNvPr id="56" name="55 Conector recto"/>
+          <p:cNvCxnSpPr/>
+          <p:nvPr/>
+        </p:nvCxnSpPr>
+        <p:spPr>
+          <a:xfrm>
+            <a:off x="5639848" y="4401048"/>
+            <a:ext cx="0" cy="720000"/>
+          </a:xfrm>
+          <a:prstGeom prst="line">
+            <a:avLst/>
+          </a:prstGeom>
+          <a:ln>
+            <a:noFill/>
+          </a:ln>
+        </p:spPr>
+        <p:style>
+          <a:lnRef idx="3">
+            <a:schemeClr val="dk1"/>
+          </a:lnRef>
+          <a:fillRef idx="0">
+            <a:schemeClr val="dk1"/>
+          </a:fillRef>
+          <a:effectRef idx="2">
+            <a:schemeClr val="dk1"/>
+          </a:effectRef>
+          <a:fontRef idx="minor">
+            <a:schemeClr val="tx1"/>
+          </a:fontRef>
+        </p:style>
+      </p:cxnSp>
+      <p:cxnSp>
+        <p:nvCxnSpPr>
+          <p:cNvPr id="57" name="56 Conector recto"/>
+          <p:cNvCxnSpPr/>
+          <p:nvPr/>
+        </p:nvCxnSpPr>
+        <p:spPr>
+          <a:xfrm>
+            <a:off x="5845562" y="4401048"/>
+            <a:ext cx="0" cy="1476224"/>
+          </a:xfrm>
+          <a:prstGeom prst="line">
+            <a:avLst/>
+          </a:prstGeom>
+          <a:ln/>
+        </p:spPr>
+        <p:style>
+          <a:lnRef idx="3">
+            <a:schemeClr val="accent2"/>
+          </a:lnRef>
+          <a:fillRef idx="0">
+            <a:schemeClr val="accent2"/>
+          </a:fillRef>
+          <a:effectRef idx="2">
+            <a:schemeClr val="accent2"/>
+          </a:effectRef>
+          <a:fontRef idx="minor">
+            <a:schemeClr val="tx1"/>
+          </a:fontRef>
+        </p:style>
+      </p:cxnSp>
+      <p:cxnSp>
+        <p:nvCxnSpPr>
+          <p:cNvPr id="58" name="57 Conector recto"/>
+          <p:cNvCxnSpPr/>
+          <p:nvPr/>
+        </p:nvCxnSpPr>
+        <p:spPr>
+          <a:xfrm>
+            <a:off x="6256990" y="4401048"/>
+            <a:ext cx="0" cy="720000"/>
+          </a:xfrm>
+          <a:prstGeom prst="line">
+            <a:avLst/>
+          </a:prstGeom>
+          <a:ln>
+            <a:noFill/>
+          </a:ln>
+        </p:spPr>
+        <p:style>
+          <a:lnRef idx="3">
+            <a:schemeClr val="dk1"/>
+          </a:lnRef>
+          <a:fillRef idx="0">
+            <a:schemeClr val="dk1"/>
+          </a:fillRef>
+          <a:effectRef idx="2">
+            <a:schemeClr val="dk1"/>
+          </a:effectRef>
+          <a:fontRef idx="minor">
+            <a:schemeClr val="tx1"/>
+          </a:fontRef>
+        </p:style>
+      </p:cxnSp>
+      <p:cxnSp>
+        <p:nvCxnSpPr>
+          <p:cNvPr id="59" name="58 Conector recto"/>
+          <p:cNvCxnSpPr/>
+          <p:nvPr/>
+        </p:nvCxnSpPr>
+        <p:spPr>
+          <a:xfrm>
+            <a:off x="6462704" y="4401048"/>
+            <a:ext cx="0" cy="720000"/>
+          </a:xfrm>
+          <a:prstGeom prst="line">
+            <a:avLst/>
+          </a:prstGeom>
+          <a:ln>
+            <a:noFill/>
+          </a:ln>
+        </p:spPr>
+        <p:style>
+          <a:lnRef idx="3">
+            <a:schemeClr val="dk1"/>
+          </a:lnRef>
+          <a:fillRef idx="0">
+            <a:schemeClr val="dk1"/>
+          </a:fillRef>
+          <a:effectRef idx="2">
+            <a:schemeClr val="dk1"/>
+          </a:effectRef>
+          <a:fontRef idx="minor">
+            <a:schemeClr val="tx1"/>
+          </a:fontRef>
+        </p:style>
+      </p:cxnSp>
+      <p:cxnSp>
+        <p:nvCxnSpPr>
+          <p:cNvPr id="60" name="59 Conector recto"/>
+          <p:cNvCxnSpPr/>
+          <p:nvPr/>
+        </p:nvCxnSpPr>
+        <p:spPr>
+          <a:xfrm>
+            <a:off x="7285560" y="4401048"/>
+            <a:ext cx="0" cy="720000"/>
+          </a:xfrm>
+          <a:prstGeom prst="line">
+            <a:avLst/>
+          </a:prstGeom>
+          <a:ln>
+            <a:noFill/>
+          </a:ln>
+        </p:spPr>
+        <p:style>
+          <a:lnRef idx="3">
+            <a:schemeClr val="dk1"/>
+          </a:lnRef>
+          <a:fillRef idx="0">
+            <a:schemeClr val="dk1"/>
+          </a:fillRef>
+          <a:effectRef idx="2">
+            <a:schemeClr val="dk1"/>
+          </a:effectRef>
+          <a:fontRef idx="minor">
+            <a:schemeClr val="tx1"/>
+          </a:fontRef>
+        </p:style>
+      </p:cxnSp>
+      <p:cxnSp>
+        <p:nvCxnSpPr>
+          <p:cNvPr id="61" name="60 Conector recto"/>
+          <p:cNvCxnSpPr/>
+          <p:nvPr/>
+        </p:nvCxnSpPr>
+        <p:spPr>
+          <a:xfrm>
+            <a:off x="7491274" y="4401048"/>
+            <a:ext cx="0" cy="1548232"/>
+          </a:xfrm>
+          <a:prstGeom prst="line">
+            <a:avLst/>
+          </a:prstGeom>
+          <a:ln/>
+        </p:spPr>
+        <p:style>
+          <a:lnRef idx="3">
+            <a:schemeClr val="accent2"/>
+          </a:lnRef>
+          <a:fillRef idx="0">
+            <a:schemeClr val="accent2"/>
+          </a:fillRef>
+          <a:effectRef idx="2">
+            <a:schemeClr val="accent2"/>
+          </a:effectRef>
+          <a:fontRef idx="minor">
+            <a:schemeClr val="tx1"/>
+          </a:fontRef>
+        </p:style>
+      </p:cxnSp>
+      <p:cxnSp>
+        <p:nvCxnSpPr>
+          <p:cNvPr id="62" name="61 Conector recto"/>
+          <p:cNvCxnSpPr/>
+          <p:nvPr/>
+        </p:nvCxnSpPr>
+        <p:spPr>
+          <a:xfrm>
+            <a:off x="7696988" y="4401048"/>
+            <a:ext cx="0" cy="720000"/>
+          </a:xfrm>
+          <a:prstGeom prst="line">
+            <a:avLst/>
+          </a:prstGeom>
+          <a:ln>
+            <a:noFill/>
+          </a:ln>
+        </p:spPr>
+        <p:style>
+          <a:lnRef idx="3">
+            <a:schemeClr val="dk1"/>
+          </a:lnRef>
+          <a:fillRef idx="0">
+            <a:schemeClr val="dk1"/>
+          </a:fillRef>
+          <a:effectRef idx="2">
+            <a:schemeClr val="dk1"/>
+          </a:effectRef>
+          <a:fontRef idx="minor">
+            <a:schemeClr val="tx1"/>
+          </a:fontRef>
+        </p:style>
+      </p:cxnSp>
+      <p:cxnSp>
+        <p:nvCxnSpPr>
+          <p:cNvPr id="63" name="62 Conector recto"/>
+          <p:cNvCxnSpPr/>
+          <p:nvPr/>
+        </p:nvCxnSpPr>
+        <p:spPr>
+          <a:xfrm>
+            <a:off x="7902702" y="4401048"/>
+            <a:ext cx="0" cy="720000"/>
+          </a:xfrm>
+          <a:prstGeom prst="line">
+            <a:avLst/>
+          </a:prstGeom>
+          <a:ln>
+            <a:noFill/>
+          </a:ln>
+        </p:spPr>
+        <p:style>
+          <a:lnRef idx="3">
+            <a:schemeClr val="dk1"/>
+          </a:lnRef>
+          <a:fillRef idx="0">
+            <a:schemeClr val="dk1"/>
+          </a:fillRef>
+          <a:effectRef idx="2">
+            <a:schemeClr val="dk1"/>
+          </a:effectRef>
+          <a:fontRef idx="minor">
+            <a:schemeClr val="tx1"/>
+          </a:fontRef>
+        </p:style>
+      </p:cxnSp>
+      <p:cxnSp>
+        <p:nvCxnSpPr>
+          <p:cNvPr id="64" name="63 Conector recto"/>
+          <p:cNvCxnSpPr/>
+          <p:nvPr/>
+        </p:nvCxnSpPr>
+        <p:spPr>
+          <a:xfrm>
+            <a:off x="8108416" y="4401048"/>
+            <a:ext cx="0" cy="720000"/>
+          </a:xfrm>
+          <a:prstGeom prst="line">
+            <a:avLst/>
+          </a:prstGeom>
+          <a:ln>
+            <a:noFill/>
+          </a:ln>
+        </p:spPr>
+        <p:style>
+          <a:lnRef idx="3">
+            <a:schemeClr val="dk1"/>
+          </a:lnRef>
+          <a:fillRef idx="0">
+            <a:schemeClr val="dk1"/>
+          </a:fillRef>
+          <a:effectRef idx="2">
+            <a:schemeClr val="dk1"/>
+          </a:effectRef>
+          <a:fontRef idx="minor">
+            <a:schemeClr val="tx1"/>
+          </a:fontRef>
+        </p:style>
+      </p:cxnSp>
+      <p:cxnSp>
+        <p:nvCxnSpPr>
+          <p:cNvPr id="65" name="64 Conector recto"/>
+          <p:cNvCxnSpPr/>
+          <p:nvPr/>
+        </p:nvCxnSpPr>
+        <p:spPr>
+          <a:xfrm>
+            <a:off x="6668418" y="4401048"/>
+            <a:ext cx="0" cy="720000"/>
+          </a:xfrm>
+          <a:prstGeom prst="line">
+            <a:avLst/>
+          </a:prstGeom>
+          <a:ln>
+            <a:noFill/>
+          </a:ln>
+        </p:spPr>
+        <p:style>
+          <a:lnRef idx="3">
+            <a:schemeClr val="dk1"/>
+          </a:lnRef>
+          <a:fillRef idx="0">
+            <a:schemeClr val="dk1"/>
+          </a:fillRef>
+          <a:effectRef idx="2">
+            <a:schemeClr val="dk1"/>
+          </a:effectRef>
+          <a:fontRef idx="minor">
+            <a:schemeClr val="tx1"/>
+          </a:fontRef>
+        </p:style>
+      </p:cxnSp>
+      <p:cxnSp>
+        <p:nvCxnSpPr>
+          <p:cNvPr id="66" name="65 Conector recto"/>
+          <p:cNvCxnSpPr/>
+          <p:nvPr/>
+        </p:nvCxnSpPr>
+        <p:spPr>
+          <a:xfrm>
+            <a:off x="6874132" y="3717032"/>
+            <a:ext cx="0" cy="1404016"/>
+          </a:xfrm>
+          <a:prstGeom prst="line">
+            <a:avLst/>
+          </a:prstGeom>
+          <a:ln/>
+        </p:spPr>
+        <p:style>
+          <a:lnRef idx="3">
+            <a:schemeClr val="accent2"/>
+          </a:lnRef>
+          <a:fillRef idx="0">
+            <a:schemeClr val="accent2"/>
+          </a:fillRef>
+          <a:effectRef idx="2">
+            <a:schemeClr val="accent2"/>
+          </a:effectRef>
+          <a:fontRef idx="minor">
+            <a:schemeClr val="tx1"/>
+          </a:fontRef>
+        </p:style>
+      </p:cxnSp>
+      <p:cxnSp>
+        <p:nvCxnSpPr>
+          <p:cNvPr id="72" name="71 Conector recto"/>
+          <p:cNvCxnSpPr/>
+          <p:nvPr/>
+        </p:nvCxnSpPr>
+        <p:spPr>
+          <a:xfrm>
+            <a:off x="8725558" y="3680888"/>
+            <a:ext cx="0" cy="1440160"/>
+          </a:xfrm>
+          <a:prstGeom prst="line">
+            <a:avLst/>
+          </a:prstGeom>
+          <a:ln/>
+        </p:spPr>
+        <p:style>
+          <a:lnRef idx="3">
+            <a:schemeClr val="accent2"/>
+          </a:lnRef>
+          <a:fillRef idx="0">
+            <a:schemeClr val="accent2"/>
+          </a:fillRef>
+          <a:effectRef idx="2">
+            <a:schemeClr val="accent2"/>
+          </a:effectRef>
+          <a:fontRef idx="minor">
+            <a:schemeClr val="tx1"/>
+          </a:fontRef>
+        </p:style>
+      </p:cxnSp>
+      <p:sp>
+        <p:nvSpPr>
           <p:cNvPr id="2" name="1 Título"/>
           <p:cNvSpPr>
             <a:spLocks noGrp="1"/>
@@ -9502,11 +10845,7 @@
           <a:p>
             <a:r>
               <a:rPr lang="es-ES" dirty="0" smtClean="0"/>
-              <a:t>1.1.3</a:t>
-            </a:r>
-            <a:r>
-              <a:rPr lang="es-ES" dirty="0" smtClean="0"/>
-              <a:t>. HISTORIA</a:t>
+              <a:t>1.1.3. HISTORIA</a:t>
             </a:r>
             <a:endParaRPr lang="es-ES" dirty="0"/>
           </a:p>
@@ -9562,419 +10901,6 @@
           </a:p>
         </p:txBody>
       </p:sp>
-      <p:sp>
-        <p:nvSpPr>
-          <p:cNvPr id="6" name="5 Rectángulo redondeado"/>
-          <p:cNvSpPr/>
-          <p:nvPr/>
-        </p:nvSpPr>
-        <p:spPr>
-          <a:xfrm>
-            <a:off x="291284" y="4293016"/>
-            <a:ext cx="8640000" cy="720000"/>
-          </a:xfrm>
-          <a:prstGeom prst="roundRect">
-            <a:avLst>
-              <a:gd name="adj" fmla="val 39413"/>
-            </a:avLst>
-          </a:prstGeom>
-          <a:ln w="12700"/>
-        </p:spPr>
-        <p:style>
-          <a:lnRef idx="1">
-            <a:schemeClr val="accent1"/>
-          </a:lnRef>
-          <a:fillRef idx="2">
-            <a:schemeClr val="accent1"/>
-          </a:fillRef>
-          <a:effectRef idx="1">
-            <a:schemeClr val="accent1"/>
-          </a:effectRef>
-          <a:fontRef idx="minor">
-            <a:schemeClr val="dk1"/>
-          </a:fontRef>
-        </p:style>
-        <p:txBody>
-          <a:bodyPr rtlCol="0" anchor="ctr"/>
-          <a:lstStyle/>
-          <a:p>
-            <a:pPr algn="ctr"/>
-            <a:endParaRPr lang="es-ES" dirty="0"/>
-          </a:p>
-        </p:txBody>
-      </p:sp>
-      <p:cxnSp>
-        <p:nvCxnSpPr>
-          <p:cNvPr id="21" name="20 Conector recto"/>
-          <p:cNvCxnSpPr/>
-          <p:nvPr/>
-        </p:nvCxnSpPr>
-        <p:spPr>
-          <a:xfrm>
-            <a:off x="3835156" y="2420888"/>
-            <a:ext cx="0" cy="3312128"/>
-          </a:xfrm>
-          <a:prstGeom prst="line">
-            <a:avLst/>
-          </a:prstGeom>
-          <a:ln w="12700"/>
-        </p:spPr>
-        <p:style>
-          <a:lnRef idx="1">
-            <a:schemeClr val="accent1"/>
-          </a:lnRef>
-          <a:fillRef idx="0">
-            <a:schemeClr val="accent1"/>
-          </a:fillRef>
-          <a:effectRef idx="0">
-            <a:schemeClr val="accent1"/>
-          </a:effectRef>
-          <a:fontRef idx="minor">
-            <a:schemeClr val="tx1"/>
-          </a:fontRef>
-        </p:style>
-      </p:cxnSp>
-      <p:cxnSp>
-        <p:nvCxnSpPr>
-          <p:cNvPr id="26" name="25 Conector recto"/>
-          <p:cNvCxnSpPr/>
-          <p:nvPr/>
-        </p:nvCxnSpPr>
-        <p:spPr>
-          <a:xfrm>
-            <a:off x="7381428" y="2780928"/>
-            <a:ext cx="0" cy="2232248"/>
-          </a:xfrm>
-          <a:prstGeom prst="line">
-            <a:avLst/>
-          </a:prstGeom>
-          <a:ln w="12700"/>
-        </p:spPr>
-        <p:style>
-          <a:lnRef idx="1">
-            <a:schemeClr val="accent1"/>
-          </a:lnRef>
-          <a:fillRef idx="0">
-            <a:schemeClr val="accent1"/>
-          </a:fillRef>
-          <a:effectRef idx="0">
-            <a:schemeClr val="accent1"/>
-          </a:effectRef>
-          <a:fontRef idx="minor">
-            <a:schemeClr val="tx1"/>
-          </a:fontRef>
-        </p:style>
-      </p:cxnSp>
-      <p:cxnSp>
-        <p:nvCxnSpPr>
-          <p:cNvPr id="37" name="36 Conector recto"/>
-          <p:cNvCxnSpPr/>
-          <p:nvPr/>
-        </p:nvCxnSpPr>
-        <p:spPr>
-          <a:xfrm flipH="1">
-            <a:off x="8931284" y="3429000"/>
-            <a:ext cx="960" cy="1080000"/>
-          </a:xfrm>
-          <a:prstGeom prst="line">
-            <a:avLst/>
-          </a:prstGeom>
-          <a:ln w="12700"/>
-        </p:spPr>
-        <p:style>
-          <a:lnRef idx="1">
-            <a:schemeClr val="accent1"/>
-          </a:lnRef>
-          <a:fillRef idx="0">
-            <a:schemeClr val="accent1"/>
-          </a:fillRef>
-          <a:effectRef idx="0">
-            <a:schemeClr val="accent1"/>
-          </a:effectRef>
-          <a:fontRef idx="minor">
-            <a:schemeClr val="tx1"/>
-          </a:fontRef>
-        </p:style>
-      </p:cxnSp>
-      <p:cxnSp>
-        <p:nvCxnSpPr>
-          <p:cNvPr id="41" name="40 Conector recto"/>
-          <p:cNvCxnSpPr/>
-          <p:nvPr/>
-        </p:nvCxnSpPr>
-        <p:spPr>
-          <a:xfrm>
-            <a:off x="733548" y="3573016"/>
-            <a:ext cx="0" cy="1440160"/>
-          </a:xfrm>
-          <a:prstGeom prst="line">
-            <a:avLst/>
-          </a:prstGeom>
-          <a:ln w="12700"/>
-        </p:spPr>
-        <p:style>
-          <a:lnRef idx="1">
-            <a:schemeClr val="accent1"/>
-          </a:lnRef>
-          <a:fillRef idx="0">
-            <a:schemeClr val="accent1"/>
-          </a:fillRef>
-          <a:effectRef idx="0">
-            <a:schemeClr val="accent1"/>
-          </a:effectRef>
-          <a:fontRef idx="minor">
-            <a:schemeClr val="tx1"/>
-          </a:fontRef>
-        </p:style>
-      </p:cxnSp>
-      <p:cxnSp>
-        <p:nvCxnSpPr>
-          <p:cNvPr id="46" name="45 Conector recto"/>
-          <p:cNvCxnSpPr/>
-          <p:nvPr/>
-        </p:nvCxnSpPr>
-        <p:spPr>
-          <a:xfrm>
-            <a:off x="3392412" y="3573016"/>
-            <a:ext cx="0" cy="1440160"/>
-          </a:xfrm>
-          <a:prstGeom prst="line">
-            <a:avLst/>
-          </a:prstGeom>
-          <a:ln w="12700"/>
-        </p:spPr>
-        <p:style>
-          <a:lnRef idx="1">
-            <a:schemeClr val="accent1"/>
-          </a:lnRef>
-          <a:fillRef idx="0">
-            <a:schemeClr val="accent1"/>
-          </a:fillRef>
-          <a:effectRef idx="0">
-            <a:schemeClr val="accent1"/>
-          </a:effectRef>
-          <a:fontRef idx="minor">
-            <a:schemeClr val="tx1"/>
-          </a:fontRef>
-        </p:style>
-      </p:cxnSp>
-      <p:cxnSp>
-        <p:nvCxnSpPr>
-          <p:cNvPr id="50" name="49 Conector recto"/>
-          <p:cNvCxnSpPr/>
-          <p:nvPr/>
-        </p:nvCxnSpPr>
-        <p:spPr>
-          <a:xfrm>
-            <a:off x="5165308" y="3573016"/>
-            <a:ext cx="0" cy="1440160"/>
-          </a:xfrm>
-          <a:prstGeom prst="line">
-            <a:avLst/>
-          </a:prstGeom>
-          <a:ln w="12700"/>
-        </p:spPr>
-        <p:style>
-          <a:lnRef idx="1">
-            <a:schemeClr val="accent1"/>
-          </a:lnRef>
-          <a:fillRef idx="0">
-            <a:schemeClr val="accent1"/>
-          </a:fillRef>
-          <a:effectRef idx="0">
-            <a:schemeClr val="accent1"/>
-          </a:effectRef>
-          <a:fontRef idx="minor">
-            <a:schemeClr val="tx1"/>
-          </a:fontRef>
-        </p:style>
-      </p:cxnSp>
-      <p:cxnSp>
-        <p:nvCxnSpPr>
-          <p:cNvPr id="53" name="52 Conector recto"/>
-          <p:cNvCxnSpPr/>
-          <p:nvPr/>
-        </p:nvCxnSpPr>
-        <p:spPr>
-          <a:xfrm>
-            <a:off x="7824172" y="4293096"/>
-            <a:ext cx="0" cy="1439920"/>
-          </a:xfrm>
-          <a:prstGeom prst="line">
-            <a:avLst/>
-          </a:prstGeom>
-          <a:ln w="12700"/>
-        </p:spPr>
-        <p:style>
-          <a:lnRef idx="1">
-            <a:schemeClr val="accent1"/>
-          </a:lnRef>
-          <a:fillRef idx="0">
-            <a:schemeClr val="accent1"/>
-          </a:fillRef>
-          <a:effectRef idx="0">
-            <a:schemeClr val="accent1"/>
-          </a:effectRef>
-          <a:fontRef idx="minor">
-            <a:schemeClr val="tx1"/>
-          </a:fontRef>
-        </p:style>
-      </p:cxnSp>
-      <p:cxnSp>
-        <p:nvCxnSpPr>
-          <p:cNvPr id="68" name="67 Conector recto"/>
-          <p:cNvCxnSpPr/>
-          <p:nvPr/>
-        </p:nvCxnSpPr>
-        <p:spPr>
-          <a:xfrm>
-            <a:off x="512416" y="3573016"/>
-            <a:ext cx="0" cy="1440160"/>
-          </a:xfrm>
-          <a:prstGeom prst="line">
-            <a:avLst/>
-          </a:prstGeom>
-          <a:ln w="12700"/>
-        </p:spPr>
-        <p:style>
-          <a:lnRef idx="1">
-            <a:schemeClr val="accent1"/>
-          </a:lnRef>
-          <a:fillRef idx="0">
-            <a:schemeClr val="accent1"/>
-          </a:fillRef>
-          <a:effectRef idx="0">
-            <a:schemeClr val="accent1"/>
-          </a:effectRef>
-          <a:fontRef idx="minor">
-            <a:schemeClr val="tx1"/>
-          </a:fontRef>
-        </p:style>
-      </p:cxnSp>
-      <p:cxnSp>
-        <p:nvCxnSpPr>
-          <p:cNvPr id="92" name="91 Conector recto"/>
-          <p:cNvCxnSpPr/>
-          <p:nvPr/>
-        </p:nvCxnSpPr>
-        <p:spPr>
-          <a:xfrm>
-            <a:off x="954680" y="4293096"/>
-            <a:ext cx="0" cy="1439920"/>
-          </a:xfrm>
-          <a:prstGeom prst="line">
-            <a:avLst/>
-          </a:prstGeom>
-          <a:ln w="12700"/>
-        </p:spPr>
-        <p:style>
-          <a:lnRef idx="1">
-            <a:schemeClr val="accent1"/>
-          </a:lnRef>
-          <a:fillRef idx="0">
-            <a:schemeClr val="accent1"/>
-          </a:fillRef>
-          <a:effectRef idx="0">
-            <a:schemeClr val="accent1"/>
-          </a:effectRef>
-          <a:fontRef idx="minor">
-            <a:schemeClr val="tx1"/>
-          </a:fontRef>
-        </p:style>
-      </p:cxnSp>
-      <p:cxnSp>
-        <p:nvCxnSpPr>
-          <p:cNvPr id="93" name="92 Conector recto"/>
-          <p:cNvCxnSpPr/>
-          <p:nvPr/>
-        </p:nvCxnSpPr>
-        <p:spPr>
-          <a:xfrm>
-            <a:off x="1841128" y="2636912"/>
-            <a:ext cx="0" cy="2376264"/>
-          </a:xfrm>
-          <a:prstGeom prst="line">
-            <a:avLst/>
-          </a:prstGeom>
-          <a:ln w="12700"/>
-        </p:spPr>
-        <p:style>
-          <a:lnRef idx="1">
-            <a:schemeClr val="accent1"/>
-          </a:lnRef>
-          <a:fillRef idx="0">
-            <a:schemeClr val="accent1"/>
-          </a:fillRef>
-          <a:effectRef idx="0">
-            <a:schemeClr val="accent1"/>
-          </a:effectRef>
-          <a:fontRef idx="minor">
-            <a:schemeClr val="tx1"/>
-          </a:fontRef>
-        </p:style>
-      </p:cxnSp>
-      <p:cxnSp>
-        <p:nvCxnSpPr>
-          <p:cNvPr id="97" name="96 Conector recto"/>
-          <p:cNvCxnSpPr/>
-          <p:nvPr/>
-        </p:nvCxnSpPr>
-        <p:spPr>
-          <a:xfrm>
-            <a:off x="3613544" y="4293096"/>
-            <a:ext cx="0" cy="1439920"/>
-          </a:xfrm>
-          <a:prstGeom prst="line">
-            <a:avLst/>
-          </a:prstGeom>
-          <a:ln w="12700"/>
-        </p:spPr>
-        <p:style>
-          <a:lnRef idx="1">
-            <a:schemeClr val="accent1"/>
-          </a:lnRef>
-          <a:fillRef idx="0">
-            <a:schemeClr val="accent1"/>
-          </a:fillRef>
-          <a:effectRef idx="0">
-            <a:schemeClr val="accent1"/>
-          </a:effectRef>
-          <a:fontRef idx="minor">
-            <a:schemeClr val="tx1"/>
-          </a:fontRef>
-        </p:style>
-      </p:cxnSp>
-      <p:cxnSp>
-        <p:nvCxnSpPr>
-          <p:cNvPr id="102" name="101 Conector recto"/>
-          <p:cNvCxnSpPr/>
-          <p:nvPr/>
-        </p:nvCxnSpPr>
-        <p:spPr>
-          <a:xfrm>
-            <a:off x="6272888" y="4293096"/>
-            <a:ext cx="0" cy="1439920"/>
-          </a:xfrm>
-          <a:prstGeom prst="line">
-            <a:avLst/>
-          </a:prstGeom>
-          <a:ln w="12700"/>
-        </p:spPr>
-        <p:style>
-          <a:lnRef idx="1">
-            <a:schemeClr val="accent1"/>
-          </a:lnRef>
-          <a:fillRef idx="0">
-            <a:schemeClr val="accent1"/>
-          </a:fillRef>
-          <a:effectRef idx="0">
-            <a:schemeClr val="accent1"/>
-          </a:effectRef>
-          <a:fontRef idx="minor">
-            <a:schemeClr val="tx1"/>
-          </a:fontRef>
-        </p:style>
-      </p:cxnSp>
       <p:graphicFrame>
         <p:nvGraphicFramePr>
           <p:cNvPr id="293" name="292 Tabla"/>
@@ -9984,7 +10910,7 @@
           <p:nvPr/>
         </p:nvGraphicFramePr>
         <p:xfrm>
-          <a:off x="251520" y="3248960"/>
+          <a:off x="179512" y="3248960"/>
           <a:ext cx="1260000" cy="756000"/>
         </p:xfrm>
         <a:graphic>
@@ -10045,8 +10971,8 @@
           <p:nvPr/>
         </p:nvGraphicFramePr>
         <p:xfrm>
-          <a:off x="323528" y="5373216"/>
-          <a:ext cx="1260000" cy="742320"/>
+          <a:off x="251520" y="5517232"/>
+          <a:ext cx="1260000" cy="756000"/>
         </p:xfrm>
         <a:graphic>
           <a:graphicData uri="http://schemas.openxmlformats.org/drawingml/2006/table">
@@ -10057,7 +10983,7 @@
               <a:tblGrid>
                 <a:gridCol w="1260000"/>
               </a:tblGrid>
-              <a:tr h="252000">
+              <a:tr h="279375">
                 <a:tc>
                   <a:txBody>
                     <a:bodyPr/>
@@ -10073,7 +10999,7 @@
                   <a:tcPr/>
                 </a:tc>
               </a:tr>
-              <a:tr h="468000">
+              <a:tr h="476625">
                 <a:tc>
                   <a:txBody>
                     <a:bodyPr/>
@@ -10102,7 +11028,7 @@
           <p:nvPr/>
         </p:nvGraphicFramePr>
         <p:xfrm>
-          <a:off x="7668344" y="3248960"/>
+          <a:off x="7524328" y="2060848"/>
           <a:ext cx="1260000" cy="756000"/>
         </p:xfrm>
         <a:graphic>
@@ -10159,7 +11085,7 @@
           <p:nvPr/>
         </p:nvGraphicFramePr>
         <p:xfrm>
-          <a:off x="1259632" y="2132856"/>
+          <a:off x="1187624" y="2060848"/>
           <a:ext cx="1260000" cy="756000"/>
         </p:xfrm>
         <a:graphic>
@@ -10273,7 +11199,7 @@
           <p:nvPr/>
         </p:nvGraphicFramePr>
         <p:xfrm>
-          <a:off x="3131840" y="5373216"/>
+          <a:off x="2987824" y="5517232"/>
           <a:ext cx="1260000" cy="936000"/>
         </p:xfrm>
         <a:graphic>
@@ -10334,7 +11260,7 @@
           <p:nvPr/>
         </p:nvGraphicFramePr>
         <p:xfrm>
-          <a:off x="3419872" y="2132856"/>
+          <a:off x="2987824" y="2060848"/>
           <a:ext cx="1260000" cy="648000"/>
         </p:xfrm>
         <a:graphic>
@@ -10391,7 +11317,7 @@
           <p:nvPr/>
         </p:nvGraphicFramePr>
         <p:xfrm>
-          <a:off x="4860032" y="3356960"/>
+          <a:off x="4211960" y="3356960"/>
           <a:ext cx="1260000" cy="648000"/>
         </p:xfrm>
         <a:graphic>
@@ -10403,7 +11329,7 @@
               <a:tblGrid>
                 <a:gridCol w="1260000"/>
               </a:tblGrid>
-              <a:tr h="288000">
+              <a:tr h="306690">
                 <a:tc>
                   <a:txBody>
                     <a:bodyPr/>
@@ -10419,7 +11345,7 @@
                   <a:tcPr anchor="ctr"/>
                 </a:tc>
               </a:tr>
-              <a:tr h="360000">
+              <a:tr h="341310">
                 <a:tc>
                   <a:txBody>
                     <a:bodyPr/>
@@ -10448,7 +11374,7 @@
           <p:nvPr/>
         </p:nvGraphicFramePr>
         <p:xfrm>
-          <a:off x="5724128" y="5373216"/>
+          <a:off x="5220072" y="5517232"/>
           <a:ext cx="1260000" cy="648000"/>
         </p:xfrm>
         <a:graphic>
@@ -10505,7 +11431,7 @@
           <p:nvPr/>
         </p:nvGraphicFramePr>
         <p:xfrm>
-          <a:off x="6372200" y="2132856"/>
+          <a:off x="6300192" y="3248960"/>
           <a:ext cx="1260000" cy="756000"/>
         </p:xfrm>
         <a:graphic>
@@ -10562,7 +11488,78 @@
           <p:nvPr/>
         </p:nvGraphicFramePr>
         <p:xfrm>
-          <a:off x="7668344" y="5373216"/>
+          <a:off x="6876256" y="5517232"/>
+          <a:ext cx="1260000" cy="756000"/>
+        </p:xfrm>
+        <a:graphic>
+          <a:graphicData uri="http://schemas.openxmlformats.org/drawingml/2006/table">
+            <a:tbl>
+              <a:tblPr firstRow="1" bandRow="1">
+                <a:tableStyleId>{B301B821-A1FF-4177-AEE7-76D212191A09}</a:tableStyleId>
+              </a:tblPr>
+              <a:tblGrid>
+                <a:gridCol w="1260000"/>
+              </a:tblGrid>
+              <a:tr h="292174">
+                <a:tc>
+                  <a:txBody>
+                    <a:bodyPr/>
+                    <a:lstStyle/>
+                    <a:p>
+                      <a:r>
+                        <a:rPr lang="es-ES" sz="1200" dirty="0" smtClean="0"/>
+                        <a:t>2015</a:t>
+                      </a:r>
+                      <a:endParaRPr lang="es-ES" sz="1200" dirty="0"/>
+                    </a:p>
+                  </a:txBody>
+                  <a:tcPr anchor="ctr"/>
+                </a:tc>
+              </a:tr>
+              <a:tr h="463826">
+                <a:tc>
+                  <a:txBody>
+                    <a:bodyPr/>
+                    <a:lstStyle/>
+                    <a:p>
+                      <a:r>
+                        <a:rPr lang="es-ES" sz="1200" dirty="0" smtClean="0"/>
+                        <a:t>90 </a:t>
+                      </a:r>
+                      <a:r>
+                        <a:rPr lang="es-ES" sz="1200" dirty="0" smtClean="0"/>
+                        <a:t>– 90 </a:t>
+                      </a:r>
+                      <a:r>
+                        <a:rPr lang="es-ES" sz="1200" dirty="0" smtClean="0"/>
+                        <a:t>– 90</a:t>
+                      </a:r>
+                    </a:p>
+                    <a:p>
+                      <a:r>
+                        <a:rPr lang="es-ES" sz="1200" dirty="0" smtClean="0"/>
+                        <a:t>95 – 95 – 95</a:t>
+                      </a:r>
+                      <a:endParaRPr lang="es-ES" sz="1200" dirty="0"/>
+                    </a:p>
+                  </a:txBody>
+                  <a:tcPr anchor="ctr"/>
+                </a:tc>
+              </a:tr>
+            </a:tbl>
+          </a:graphicData>
+        </a:graphic>
+      </p:graphicFrame>
+      <p:graphicFrame>
+        <p:nvGraphicFramePr>
+          <p:cNvPr id="110" name="109 Tabla"/>
+          <p:cNvGraphicFramePr>
+            <a:graphicFrameLocks noGrp="1"/>
+          </p:cNvGraphicFramePr>
+          <p:nvPr/>
+        </p:nvGraphicFramePr>
+        <p:xfrm>
+          <a:off x="7668344" y="3248960"/>
           <a:ext cx="1260000" cy="648000"/>
         </p:xfrm>
         <a:graphic>
@@ -10574,7 +11571,7 @@
               <a:tblGrid>
                 <a:gridCol w="1260000"/>
               </a:tblGrid>
-              <a:tr h="288000">
+              <a:tr h="287239">
                 <a:tc>
                   <a:txBody>
                     <a:bodyPr/>
@@ -10582,7 +11579,7 @@
                     <a:p>
                       <a:r>
                         <a:rPr lang="es-ES" sz="1200" dirty="0" smtClean="0"/>
-                        <a:t>2014</a:t>
+                        <a:t>2020-2021</a:t>
                       </a:r>
                       <a:endParaRPr lang="es-ES" sz="1200" dirty="0"/>
                     </a:p>
@@ -10590,7 +11587,7 @@
                   <a:tcPr anchor="ctr"/>
                 </a:tc>
               </a:tr>
-              <a:tr h="360000">
+              <a:tr h="360761">
                 <a:tc>
                   <a:txBody>
                     <a:bodyPr/>
@@ -10598,7 +11595,7 @@
                     <a:p>
                       <a:r>
                         <a:rPr lang="es-ES" sz="1200" dirty="0" smtClean="0"/>
-                        <a:t>90 – 90 - 90</a:t>
+                        <a:t>MOSAICO</a:t>
                       </a:r>
                       <a:endParaRPr lang="es-ES" sz="1200" dirty="0"/>
                     </a:p>
@@ -10616,7 +11613,7 @@
     <a:masterClrMapping/>
   </p:clrMapOvr>
   <mc:AlternateContent xmlns:mc="http://schemas.openxmlformats.org/markup-compatibility/2006">
-    <mc:Choice xmlns:p14="http://schemas.microsoft.com/office/powerpoint/2010/main" xmlns="" Requires="p14">
+    <mc:Choice xmlns="" xmlns:p14="http://schemas.microsoft.com/office/powerpoint/2010/main" Requires="p14">
       <p:transition spd="med" p14:dur="700">
         <p:fade/>
       </p:transition>
@@ -10671,11 +11668,7 @@
           <a:p>
             <a:r>
               <a:rPr lang="es-ES" dirty="0" smtClean="0"/>
-              <a:t>1.1.4</a:t>
-            </a:r>
-            <a:r>
-              <a:rPr lang="es-ES" dirty="0" smtClean="0"/>
-              <a:t>.</a:t>
+              <a:t>1.1.4.</a:t>
             </a:r>
             <a:r>
               <a:rPr lang="es-ES" baseline="0" dirty="0" smtClean="0"/>
@@ -11207,7 +12200,7 @@
     <a:masterClrMapping/>
   </p:clrMapOvr>
   <mc:AlternateContent xmlns:mc="http://schemas.openxmlformats.org/markup-compatibility/2006">
-    <mc:Choice xmlns:p14="http://schemas.microsoft.com/office/powerpoint/2010/main" xmlns="" Requires="p14">
+    <mc:Choice xmlns="" xmlns:p14="http://schemas.microsoft.com/office/powerpoint/2010/main" Requires="p14">
       <p:transition spd="med" p14:dur="700">
         <p:fade/>
       </p:transition>
@@ -11719,7 +12712,7 @@
     <a:masterClrMapping/>
   </p:clrMapOvr>
   <mc:AlternateContent xmlns:mc="http://schemas.openxmlformats.org/markup-compatibility/2006">
-    <mc:Choice xmlns:p14="http://schemas.microsoft.com/office/powerpoint/2010/main" xmlns="" Requires="p14">
+    <mc:Choice xmlns="" xmlns:p14="http://schemas.microsoft.com/office/powerpoint/2010/main" Requires="p14">
       <p:transition spd="med" p14:dur="700">
         <p:fade/>
       </p:transition>
@@ -11935,7 +12928,7 @@
   <a:extraClrSchemeLst/>
   <a:extLst>
     <a:ext uri="{05A4C25C-085E-4340-85A3-A5531E510DB2}">
-      <thm15:themeFamily xmlns:thm15="http://schemas.microsoft.com/office/thememl/2012/main" xmlns="" name="TF00001141.potx" id="{D7485564-6666-4DDB-B0D3-55F6E694D6E5}" vid="{6E950D30-6FC6-4411-BCFF-468AD9ECA787}"/>
+      <thm15:themeFamily xmlns="" xmlns:thm15="http://schemas.microsoft.com/office/thememl/2012/main" name="TF00001141.potx" id="{D7485564-6666-4DDB-B0D3-55F6E694D6E5}" vid="{6E950D30-6FC6-4411-BCFF-468AD9ECA787}"/>
     </a:ext>
   </a:extLst>
 </a:theme>

--- a/2.2 FAR/PS/Ejercicios/Trabajo/VIH.pptx
+++ b/2.2 FAR/PS/Ejercicios/Trabajo/VIH.pptx
@@ -5,7 +5,7 @@
     <p:sldMasterId id="2147483790" r:id="rId1"/>
   </p:sldMasterIdLst>
   <p:notesMasterIdLst>
-    <p:notesMasterId r:id="rId19"/>
+    <p:notesMasterId r:id="rId18"/>
   </p:notesMasterIdLst>
   <p:sldIdLst>
     <p:sldId id="256" r:id="rId2"/>
@@ -20,11 +20,10 @@
     <p:sldId id="286" r:id="rId11"/>
     <p:sldId id="275" r:id="rId12"/>
     <p:sldId id="289" r:id="rId13"/>
-    <p:sldId id="290" r:id="rId14"/>
-    <p:sldId id="280" r:id="rId15"/>
-    <p:sldId id="281" r:id="rId16"/>
-    <p:sldId id="282" r:id="rId17"/>
-    <p:sldId id="283" r:id="rId18"/>
+    <p:sldId id="280" r:id="rId14"/>
+    <p:sldId id="281" r:id="rId15"/>
+    <p:sldId id="282" r:id="rId16"/>
+    <p:sldId id="283" r:id="rId17"/>
   </p:sldIdLst>
   <p:sldSz cx="9144000" cy="6858000" type="screen4x3"/>
   <p:notesSz cx="6858000" cy="9144000"/>
@@ -209,7 +208,7 @@
             <a:fld id="{85EAEDC3-400F-4930-8678-0729ADE89590}" type="datetimeFigureOut">
               <a:rPr lang="es-ES" smtClean="0"/>
               <a:pPr/>
-              <a:t>04/03/2022</a:t>
+              <a:t>09/03/2022</a:t>
             </a:fld>
             <a:endParaRPr lang="es-ES" dirty="0"/>
           </a:p>
@@ -625,7 +624,7 @@
             <a:fld id="{3D27B07B-BA4C-400C-A455-D30D623D0E42}" type="slidenum">
               <a:rPr lang="es-ES" smtClean="0"/>
               <a:pPr/>
-              <a:t>15</a:t>
+              <a:t>14</a:t>
             </a:fld>
             <a:endParaRPr lang="es-ES" dirty="0"/>
           </a:p>
@@ -800,7 +799,7 @@
           <a:blip r:embed="rId2" cstate="print">
             <a:extLst>
               <a:ext uri="{28A0092B-C50C-407E-A947-70E740481C1C}">
-                <a14:useLocalDpi xmlns="" xmlns:a14="http://schemas.microsoft.com/office/drawing/2010/main" val="0"/>
+                <a14:useLocalDpi xmlns:a14="http://schemas.microsoft.com/office/drawing/2010/main" xmlns="" val="0"/>
               </a:ext>
             </a:extLst>
           </a:blip>
@@ -820,7 +819,7 @@
     </p:spTree>
     <p:extLst>
       <p:ext uri="{BB962C8B-B14F-4D97-AF65-F5344CB8AC3E}">
-        <p14:creationId xmlns="" xmlns:p14="http://schemas.microsoft.com/office/powerpoint/2010/main" val="798862757"/>
+        <p14:creationId xmlns:p14="http://schemas.microsoft.com/office/powerpoint/2010/main" xmlns="" val="798862757"/>
       </p:ext>
     </p:extLst>
   </p:cSld>
@@ -828,7 +827,7 @@
     <a:masterClrMapping/>
   </p:clrMapOvr>
   <mc:AlternateContent xmlns:mc="http://schemas.openxmlformats.org/markup-compatibility/2006">
-    <mc:Choice xmlns="" xmlns:p14="http://schemas.microsoft.com/office/powerpoint/2010/main" Requires="p14">
+    <mc:Choice xmlns:p14="http://schemas.microsoft.com/office/powerpoint/2010/main" xmlns="" Requires="p14">
       <p:transition spd="med" p14:dur="700">
         <p:fade/>
       </p:transition>
@@ -841,7 +840,7 @@
   </mc:AlternateContent>
   <p:extLst mod="1">
     <p:ext uri="{DCECCB84-F9BA-43D5-87BE-67443E8EF086}">
-      <p15:sldGuideLst xmlns="" xmlns:p15="http://schemas.microsoft.com/office/powerpoint/2012/main"/>
+      <p15:sldGuideLst xmlns:p15="http://schemas.microsoft.com/office/powerpoint/2012/main" xmlns=""/>
     </p:ext>
   </p:extLst>
 </p:sldLayout>
@@ -976,7 +975,7 @@
             <a:fld id="{101EAB43-7C8D-4EFD-8CE1-9862A79FBB73}" type="datetime1">
               <a:rPr lang="es-ES" smtClean="0"/>
               <a:pPr/>
-              <a:t>04/03/2022</a:t>
+              <a:t>09/03/2022</a:t>
             </a:fld>
             <a:endParaRPr lang="es-ES" dirty="0"/>
           </a:p>
@@ -1009,7 +1008,7 @@
     </p:spTree>
     <p:extLst>
       <p:ext uri="{BB962C8B-B14F-4D97-AF65-F5344CB8AC3E}">
-        <p14:creationId xmlns="" xmlns:p14="http://schemas.microsoft.com/office/powerpoint/2010/main" val="2477154221"/>
+        <p14:creationId xmlns:p14="http://schemas.microsoft.com/office/powerpoint/2010/main" xmlns="" val="2477154221"/>
       </p:ext>
     </p:extLst>
   </p:cSld>
@@ -1017,7 +1016,7 @@
     <a:masterClrMapping/>
   </p:clrMapOvr>
   <mc:AlternateContent xmlns:mc="http://schemas.openxmlformats.org/markup-compatibility/2006">
-    <mc:Choice xmlns="" xmlns:p14="http://schemas.microsoft.com/office/powerpoint/2010/main" Requires="p14">
+    <mc:Choice xmlns:p14="http://schemas.microsoft.com/office/powerpoint/2010/main" xmlns="" Requires="p14">
       <p:transition spd="med" p14:dur="700">
         <p:fade/>
       </p:transition>
@@ -1228,7 +1227,7 @@
             <a:fld id="{101EAB43-7C8D-4EFD-8CE1-9862A79FBB73}" type="datetime1">
               <a:rPr lang="es-ES" smtClean="0"/>
               <a:pPr/>
-              <a:t>04/03/2022</a:t>
+              <a:t>09/03/2022</a:t>
             </a:fld>
             <a:endParaRPr lang="es-ES" dirty="0"/>
           </a:p>
@@ -1261,7 +1260,7 @@
     </p:spTree>
     <p:extLst>
       <p:ext uri="{BB962C8B-B14F-4D97-AF65-F5344CB8AC3E}">
-        <p14:creationId xmlns="" xmlns:p14="http://schemas.microsoft.com/office/powerpoint/2010/main" val="2524635021"/>
+        <p14:creationId xmlns:p14="http://schemas.microsoft.com/office/powerpoint/2010/main" xmlns="" val="2524635021"/>
       </p:ext>
     </p:extLst>
   </p:cSld>
@@ -1269,7 +1268,7 @@
     <a:masterClrMapping/>
   </p:clrMapOvr>
   <mc:AlternateContent xmlns:mc="http://schemas.openxmlformats.org/markup-compatibility/2006">
-    <mc:Choice xmlns="" xmlns:p14="http://schemas.microsoft.com/office/powerpoint/2010/main" Requires="p14">
+    <mc:Choice xmlns:p14="http://schemas.microsoft.com/office/powerpoint/2010/main" xmlns="" Requires="p14">
       <p:transition spd="med" p14:dur="700">
         <p:fade/>
       </p:transition>
@@ -1306,7 +1305,7 @@
           <p:cNvPr id="2" name="Title 1">
             <a:extLst>
               <a:ext uri="{FF2B5EF4-FFF2-40B4-BE49-F238E27FC236}">
-                <a16:creationId xmlns="" xmlns:a16="http://schemas.microsoft.com/office/drawing/2014/main" id="{199AD403-A15F-4A2F-B050-AB874136E732}"/>
+                <a16:creationId xmlns:a16="http://schemas.microsoft.com/office/drawing/2014/main" xmlns="" id="{199AD403-A15F-4A2F-B050-AB874136E732}"/>
               </a:ext>
             </a:extLst>
           </p:cNvPr>
@@ -1353,7 +1352,7 @@
           <p:cNvPr id="23" name="Text Placeholder 26">
             <a:extLst>
               <a:ext uri="{FF2B5EF4-FFF2-40B4-BE49-F238E27FC236}">
-                <a16:creationId xmlns="" xmlns:a16="http://schemas.microsoft.com/office/drawing/2014/main" id="{5BB088E3-63C1-423F-A939-150B8E1F87A7}"/>
+                <a16:creationId xmlns:a16="http://schemas.microsoft.com/office/drawing/2014/main" xmlns="" id="{5BB088E3-63C1-423F-A939-150B8E1F87A7}"/>
               </a:ext>
             </a:extLst>
           </p:cNvPr>
@@ -1422,7 +1421,7 @@
           <p:cNvPr id="36" name="Text Placeholder 14">
             <a:extLst>
               <a:ext uri="{FF2B5EF4-FFF2-40B4-BE49-F238E27FC236}">
-                <a16:creationId xmlns="" xmlns:a16="http://schemas.microsoft.com/office/drawing/2014/main" id="{2A3D73F7-77EC-4576-B541-20C032F462DC}"/>
+                <a16:creationId xmlns:a16="http://schemas.microsoft.com/office/drawing/2014/main" xmlns="" id="{2A3D73F7-77EC-4576-B541-20C032F462DC}"/>
               </a:ext>
             </a:extLst>
           </p:cNvPr>
@@ -1470,7 +1469,7 @@
           <p:cNvPr id="21" name="Picture Placeholder 20">
             <a:extLst>
               <a:ext uri="{FF2B5EF4-FFF2-40B4-BE49-F238E27FC236}">
-                <a16:creationId xmlns="" xmlns:a16="http://schemas.microsoft.com/office/drawing/2014/main" id="{8C7B70A1-A813-470C-A829-7CC44559C94F}"/>
+                <a16:creationId xmlns:a16="http://schemas.microsoft.com/office/drawing/2014/main" xmlns="" id="{8C7B70A1-A813-470C-A829-7CC44559C94F}"/>
               </a:ext>
             </a:extLst>
           </p:cNvPr>
@@ -1774,7 +1773,7 @@
     </p:spTree>
     <p:extLst>
       <p:ext uri="{BB962C8B-B14F-4D97-AF65-F5344CB8AC3E}">
-        <p14:creationId xmlns="" xmlns:p14="http://schemas.microsoft.com/office/powerpoint/2010/main" val="3966819956"/>
+        <p14:creationId xmlns:p14="http://schemas.microsoft.com/office/powerpoint/2010/main" xmlns="" val="3966819956"/>
       </p:ext>
     </p:extLst>
   </p:cSld>
@@ -1917,7 +1916,7 @@
             <a:fld id="{DC550BF8-0F61-4B41-AE18-8505AAD88DEF}" type="datetime1">
               <a:rPr lang="es-ES" smtClean="0"/>
               <a:pPr/>
-              <a:t>04/03/2022</a:t>
+              <a:t>09/03/2022</a:t>
             </a:fld>
             <a:endParaRPr lang="es-ES" dirty="0"/>
           </a:p>
@@ -1950,7 +1949,7 @@
     </p:spTree>
     <p:extLst>
       <p:ext uri="{BB962C8B-B14F-4D97-AF65-F5344CB8AC3E}">
-        <p14:creationId xmlns="" xmlns:p14="http://schemas.microsoft.com/office/powerpoint/2010/main" val="3112444112"/>
+        <p14:creationId xmlns:p14="http://schemas.microsoft.com/office/powerpoint/2010/main" xmlns="" val="3112444112"/>
       </p:ext>
     </p:extLst>
   </p:cSld>
@@ -1958,7 +1957,7 @@
     <a:masterClrMapping/>
   </p:clrMapOvr>
   <mc:AlternateContent xmlns:mc="http://schemas.openxmlformats.org/markup-compatibility/2006">
-    <mc:Choice xmlns="" xmlns:p14="http://schemas.microsoft.com/office/powerpoint/2010/main" Requires="p14">
+    <mc:Choice xmlns:p14="http://schemas.microsoft.com/office/powerpoint/2010/main" xmlns="" Requires="p14">
       <p:transition spd="med" p14:dur="700">
         <p:fade/>
       </p:transition>
@@ -2177,7 +2176,7 @@
     </p:spTree>
     <p:extLst>
       <p:ext uri="{BB962C8B-B14F-4D97-AF65-F5344CB8AC3E}">
-        <p14:creationId xmlns="" xmlns:p14="http://schemas.microsoft.com/office/powerpoint/2010/main" val="3506778040"/>
+        <p14:creationId xmlns:p14="http://schemas.microsoft.com/office/powerpoint/2010/main" xmlns="" val="3506778040"/>
       </p:ext>
     </p:extLst>
   </p:cSld>
@@ -2185,7 +2184,7 @@
     <a:masterClrMapping/>
   </p:clrMapOvr>
   <mc:AlternateContent xmlns:mc="http://schemas.openxmlformats.org/markup-compatibility/2006">
-    <mc:Choice xmlns="" xmlns:p14="http://schemas.microsoft.com/office/powerpoint/2010/main" Requires="p14">
+    <mc:Choice xmlns:p14="http://schemas.microsoft.com/office/powerpoint/2010/main" xmlns="" Requires="p14">
       <p:transition spd="med" p14:dur="700">
         <p:fade/>
       </p:transition>
@@ -2450,7 +2449,7 @@
             <a:fld id="{A25E0C83-1215-4122-BF87-F61F327EFDF6}" type="datetime1">
               <a:rPr lang="es-ES" smtClean="0"/>
               <a:pPr/>
-              <a:t>04/03/2022</a:t>
+              <a:t>09/03/2022</a:t>
             </a:fld>
             <a:endParaRPr lang="es-ES" dirty="0"/>
           </a:p>
@@ -2483,7 +2482,7 @@
     </p:spTree>
     <p:extLst>
       <p:ext uri="{BB962C8B-B14F-4D97-AF65-F5344CB8AC3E}">
-        <p14:creationId xmlns="" xmlns:p14="http://schemas.microsoft.com/office/powerpoint/2010/main" val="4044567947"/>
+        <p14:creationId xmlns:p14="http://schemas.microsoft.com/office/powerpoint/2010/main" xmlns="" val="4044567947"/>
       </p:ext>
     </p:extLst>
   </p:cSld>
@@ -2491,7 +2490,7 @@
     <a:masterClrMapping/>
   </p:clrMapOvr>
   <mc:AlternateContent xmlns:mc="http://schemas.openxmlformats.org/markup-compatibility/2006">
-    <mc:Choice xmlns="" xmlns:p14="http://schemas.microsoft.com/office/powerpoint/2010/main" Requires="p14">
+    <mc:Choice xmlns:p14="http://schemas.microsoft.com/office/powerpoint/2010/main" xmlns="" Requires="p14">
       <p:transition spd="med" p14:dur="700">
         <p:fade/>
       </p:transition>
@@ -2904,7 +2903,7 @@
             <a:fld id="{6D462985-032F-43DA-AAB5-BC383DB7952A}" type="datetime1">
               <a:rPr lang="es-ES" smtClean="0"/>
               <a:pPr/>
-              <a:t>04/03/2022</a:t>
+              <a:t>09/03/2022</a:t>
             </a:fld>
             <a:endParaRPr lang="es-ES" dirty="0"/>
           </a:p>
@@ -2937,7 +2936,7 @@
     </p:spTree>
     <p:extLst>
       <p:ext uri="{BB962C8B-B14F-4D97-AF65-F5344CB8AC3E}">
-        <p14:creationId xmlns="" xmlns:p14="http://schemas.microsoft.com/office/powerpoint/2010/main" val="3397906568"/>
+        <p14:creationId xmlns:p14="http://schemas.microsoft.com/office/powerpoint/2010/main" xmlns="" val="3397906568"/>
       </p:ext>
     </p:extLst>
   </p:cSld>
@@ -2945,7 +2944,7 @@
     <a:masterClrMapping/>
   </p:clrMapOvr>
   <mc:AlternateContent xmlns:mc="http://schemas.openxmlformats.org/markup-compatibility/2006">
-    <mc:Choice xmlns="" xmlns:p14="http://schemas.microsoft.com/office/powerpoint/2010/main" Requires="p14">
+    <mc:Choice xmlns:p14="http://schemas.microsoft.com/office/powerpoint/2010/main" xmlns="" Requires="p14">
       <p:transition spd="med" p14:dur="700">
         <p:fade/>
       </p:transition>
@@ -3036,7 +3035,7 @@
             <a:fld id="{89F053BC-CC32-4EC0-AB4D-7EEE27374DD1}" type="datetime1">
               <a:rPr lang="es-ES" smtClean="0"/>
               <a:pPr/>
-              <a:t>04/03/2022</a:t>
+              <a:t>09/03/2022</a:t>
             </a:fld>
             <a:endParaRPr lang="es-ES" dirty="0"/>
           </a:p>
@@ -3069,7 +3068,7 @@
     </p:spTree>
     <p:extLst>
       <p:ext uri="{BB962C8B-B14F-4D97-AF65-F5344CB8AC3E}">
-        <p14:creationId xmlns="" xmlns:p14="http://schemas.microsoft.com/office/powerpoint/2010/main" val="3238976713"/>
+        <p14:creationId xmlns:p14="http://schemas.microsoft.com/office/powerpoint/2010/main" xmlns="" val="3238976713"/>
       </p:ext>
     </p:extLst>
   </p:cSld>
@@ -3077,7 +3076,7 @@
     <a:masterClrMapping/>
   </p:clrMapOvr>
   <mc:AlternateContent xmlns:mc="http://schemas.openxmlformats.org/markup-compatibility/2006">
-    <mc:Choice xmlns="" xmlns:p14="http://schemas.microsoft.com/office/powerpoint/2010/main" Requires="p14">
+    <mc:Choice xmlns:p14="http://schemas.microsoft.com/office/powerpoint/2010/main" xmlns="" Requires="p14">
       <p:transition spd="med" p14:dur="700">
         <p:fade/>
       </p:transition>
@@ -3145,7 +3144,7 @@
             <a:fld id="{1BC7C8E9-24EE-4951-B55F-E25D3010A201}" type="datetime1">
               <a:rPr lang="es-ES" smtClean="0"/>
               <a:pPr/>
-              <a:t>04/03/2022</a:t>
+              <a:t>09/03/2022</a:t>
             </a:fld>
             <a:endParaRPr lang="es-ES" dirty="0"/>
           </a:p>
@@ -3178,7 +3177,7 @@
     </p:spTree>
     <p:extLst>
       <p:ext uri="{BB962C8B-B14F-4D97-AF65-F5344CB8AC3E}">
-        <p14:creationId xmlns="" xmlns:p14="http://schemas.microsoft.com/office/powerpoint/2010/main" val="2146817227"/>
+        <p14:creationId xmlns:p14="http://schemas.microsoft.com/office/powerpoint/2010/main" xmlns="" val="2146817227"/>
       </p:ext>
     </p:extLst>
   </p:cSld>
@@ -3186,7 +3185,7 @@
     <a:masterClrMapping/>
   </p:clrMapOvr>
   <mc:AlternateContent xmlns:mc="http://schemas.openxmlformats.org/markup-compatibility/2006">
-    <mc:Choice xmlns="" xmlns:p14="http://schemas.microsoft.com/office/powerpoint/2010/main" Requires="p14">
+    <mc:Choice xmlns:p14="http://schemas.microsoft.com/office/powerpoint/2010/main" xmlns="" Requires="p14">
       <p:transition spd="med" p14:dur="700">
         <p:fade/>
       </p:transition>
@@ -3529,7 +3528,7 @@
     </p:spTree>
     <p:extLst>
       <p:ext uri="{BB962C8B-B14F-4D97-AF65-F5344CB8AC3E}">
-        <p14:creationId xmlns="" xmlns:p14="http://schemas.microsoft.com/office/powerpoint/2010/main" val="1667374130"/>
+        <p14:creationId xmlns:p14="http://schemas.microsoft.com/office/powerpoint/2010/main" xmlns="" val="1667374130"/>
       </p:ext>
     </p:extLst>
   </p:cSld>
@@ -3537,7 +3536,7 @@
     <a:masterClrMapping/>
   </p:clrMapOvr>
   <mc:AlternateContent xmlns:mc="http://schemas.openxmlformats.org/markup-compatibility/2006">
-    <mc:Choice xmlns="" xmlns:p14="http://schemas.microsoft.com/office/powerpoint/2010/main" Requires="p14">
+    <mc:Choice xmlns:p14="http://schemas.microsoft.com/office/powerpoint/2010/main" xmlns="" Requires="p14">
       <p:transition spd="med" p14:dur="700">
         <p:fade/>
       </p:transition>
@@ -3858,7 +3857,7 @@
     </p:spTree>
     <p:extLst>
       <p:ext uri="{BB962C8B-B14F-4D97-AF65-F5344CB8AC3E}">
-        <p14:creationId xmlns="" xmlns:p14="http://schemas.microsoft.com/office/powerpoint/2010/main" val="2977249753"/>
+        <p14:creationId xmlns:p14="http://schemas.microsoft.com/office/powerpoint/2010/main" xmlns="" val="2977249753"/>
       </p:ext>
     </p:extLst>
   </p:cSld>
@@ -3866,7 +3865,7 @@
     <a:masterClrMapping/>
   </p:clrMapOvr>
   <mc:AlternateContent xmlns:mc="http://schemas.openxmlformats.org/markup-compatibility/2006">
-    <mc:Choice xmlns="" xmlns:p14="http://schemas.microsoft.com/office/powerpoint/2010/main" Requires="p14">
+    <mc:Choice xmlns:p14="http://schemas.microsoft.com/office/powerpoint/2010/main" xmlns="" Requires="p14">
       <p:transition spd="med" p14:dur="700">
         <p:fade/>
       </p:transition>
@@ -4135,7 +4134,7 @@
             <a:fld id="{101EAB43-7C8D-4EFD-8CE1-9862A79FBB73}" type="datetime1">
               <a:rPr lang="es-ES" smtClean="0"/>
               <a:pPr/>
-              <a:t>04/03/2022</a:t>
+              <a:t>09/03/2022</a:t>
             </a:fld>
             <a:endParaRPr lang="es-ES" dirty="0"/>
           </a:p>
@@ -4184,7 +4183,7 @@
     </p:spTree>
     <p:extLst>
       <p:ext uri="{BB962C8B-B14F-4D97-AF65-F5344CB8AC3E}">
-        <p14:creationId xmlns="" xmlns:p14="http://schemas.microsoft.com/office/powerpoint/2010/main" val="1943259863"/>
+        <p14:creationId xmlns:p14="http://schemas.microsoft.com/office/powerpoint/2010/main" xmlns="" val="1943259863"/>
       </p:ext>
     </p:extLst>
   </p:cSld>
@@ -4204,7 +4203,7 @@
     <p:sldLayoutId id="2147483802" r:id="rId12"/>
   </p:sldLayoutIdLst>
   <mc:AlternateContent xmlns:mc="http://schemas.openxmlformats.org/markup-compatibility/2006">
-    <mc:Choice xmlns="" xmlns:p14="http://schemas.microsoft.com/office/powerpoint/2010/main" Requires="p14">
+    <mc:Choice xmlns:p14="http://schemas.microsoft.com/office/powerpoint/2010/main" xmlns="" Requires="p14">
       <p:transition spd="med" p14:dur="700">
         <p:fade/>
       </p:transition>
@@ -4534,7 +4533,7 @@
   </p:txStyles>
   <p:extLst mod="1">
     <p:ext uri="{27BBF7A9-308A-43DC-89C8-2F10F3537804}">
-      <p15:sldGuideLst xmlns="" xmlns:p15="http://schemas.microsoft.com/office/powerpoint/2012/main">
+      <p15:sldGuideLst xmlns:p15="http://schemas.microsoft.com/office/powerpoint/2012/main" xmlns="">
         <p15:guide id="1" orient="horz" pos="2160">
           <p15:clr>
             <a:srgbClr val="F26B43"/>
@@ -5182,7 +5181,7 @@
     <a:masterClrMapping/>
   </p:clrMapOvr>
   <mc:AlternateContent xmlns:mc="http://schemas.openxmlformats.org/markup-compatibility/2006">
-    <mc:Choice xmlns="" xmlns:p14="http://schemas.microsoft.com/office/powerpoint/2010/main" Requires="p14">
+    <mc:Choice xmlns:p14="http://schemas.microsoft.com/office/powerpoint/2010/main" xmlns="" Requires="p14">
       <p:transition spd="med" p14:dur="700">
         <p:fade/>
       </p:transition>
@@ -5367,7 +5366,7 @@
     <a:masterClrMapping/>
   </p:clrMapOvr>
   <mc:AlternateContent xmlns:mc="http://schemas.openxmlformats.org/markup-compatibility/2006">
-    <mc:Choice xmlns="" xmlns:p14="http://schemas.microsoft.com/office/powerpoint/2010/main" Requires="p14">
+    <mc:Choice xmlns:p14="http://schemas.microsoft.com/office/powerpoint/2010/main" xmlns="" Requires="p14">
       <p:transition spd="med" p14:dur="700">
         <p:fade/>
       </p:transition>
@@ -5415,7 +5414,12 @@
             <p:ph type="title"/>
           </p:nvPr>
         </p:nvSpPr>
-        <p:spPr/>
+        <p:spPr>
+          <a:xfrm>
+            <a:off x="251520" y="99221"/>
+            <a:ext cx="4176464" cy="1325563"/>
+          </a:xfrm>
+        </p:spPr>
         <p:txBody>
           <a:bodyPr>
             <a:noAutofit/>
@@ -5423,27 +5427,46 @@
           <a:lstStyle/>
           <a:p>
             <a:r>
-              <a:rPr lang="es-ES" sz="2600" dirty="0" smtClean="0"/>
+              <a:rPr lang="es-ES" sz="2000" dirty="0" smtClean="0"/>
               <a:t>2. PROBLEMAS PSICOLOGICOS Y REACCIONES EMOCIONALES DEL PACIENTE</a:t>
             </a:r>
-            <a:endParaRPr lang="es-ES" sz="2600" dirty="0"/>
+            <a:endParaRPr lang="es-ES" sz="2000" dirty="0"/>
           </a:p>
         </p:txBody>
       </p:sp>
       <p:sp>
         <p:nvSpPr>
-          <p:cNvPr id="10" name="9 Marcador de contenido"/>
+          <p:cNvPr id="6" name="5 Marcador de contenido"/>
           <p:cNvSpPr>
             <a:spLocks noGrp="1"/>
           </p:cNvSpPr>
           <p:nvPr>
-            <p:ph idx="1"/>
+            <p:ph sz="half" idx="2"/>
           </p:nvPr>
         </p:nvSpPr>
-        <p:spPr/>
+        <p:spPr>
+          <a:xfrm>
+            <a:off x="800100" y="1844824"/>
+            <a:ext cx="3600450" cy="4556009"/>
+          </a:xfrm>
+        </p:spPr>
         <p:txBody>
-          <a:bodyPr anchor="ctr"/>
+          <a:bodyPr/>
           <a:lstStyle/>
+          <a:p>
+            <a:r>
+              <a:rPr lang="es-ES" dirty="0" smtClean="0"/>
+              <a:t>P</a:t>
+            </a:r>
+            <a:r>
+              <a:rPr lang="es-ES" dirty="0" smtClean="0"/>
+              <a:t>osible </a:t>
+            </a:r>
+            <a:r>
+              <a:rPr lang="es-ES" dirty="0" smtClean="0"/>
+              <a:t>estado depresivo.</a:t>
+            </a:r>
+          </a:p>
           <a:p>
             <a:endParaRPr lang="es-ES" dirty="0"/>
           </a:p>
@@ -5451,20 +5474,92 @@
       </p:sp>
       <p:sp>
         <p:nvSpPr>
-          <p:cNvPr id="11" name="10 Marcador de texto"/>
+          <p:cNvPr id="9" name="8 Marcador de contenido"/>
           <p:cNvSpPr>
             <a:spLocks noGrp="1"/>
           </p:cNvSpPr>
           <p:nvPr>
-            <p:ph type="body" sz="half" idx="2"/>
+            <p:ph sz="quarter" idx="4"/>
           </p:nvPr>
         </p:nvSpPr>
-        <p:spPr/>
+        <p:spPr>
+          <a:xfrm>
+            <a:off x="4743450" y="1844824"/>
+            <a:ext cx="3600450" cy="4556009"/>
+          </a:xfrm>
+        </p:spPr>
         <p:txBody>
           <a:bodyPr/>
           <a:lstStyle/>
           <a:p>
-            <a:endParaRPr lang="es-ES"/>
+            <a:r>
+              <a:rPr lang="es-ES" dirty="0" smtClean="0"/>
+              <a:t>No </a:t>
+            </a:r>
+            <a:r>
+              <a:rPr lang="es-ES" dirty="0" smtClean="0"/>
+              <a:t>tenemos información sobre las preocupaciones del paciente</a:t>
+            </a:r>
+            <a:endParaRPr lang="es-ES" dirty="0"/>
+          </a:p>
+        </p:txBody>
+      </p:sp>
+      <p:sp>
+        <p:nvSpPr>
+          <p:cNvPr id="14" name="7 Título"/>
+          <p:cNvSpPr txBox="1">
+            <a:spLocks/>
+          </p:cNvSpPr>
+          <p:nvPr/>
+        </p:nvSpPr>
+        <p:spPr>
+          <a:xfrm>
+            <a:off x="4716016" y="99221"/>
+            <a:ext cx="4176464" cy="1325563"/>
+          </a:xfrm>
+          <a:prstGeom prst="rect">
+            <a:avLst/>
+          </a:prstGeom>
+        </p:spPr>
+        <p:txBody>
+          <a:bodyPr vert="horz" lIns="91440" tIns="45720" rIns="91440" bIns="45720" rtlCol="0" anchor="ctr">
+            <a:noAutofit/>
+          </a:bodyPr>
+          <a:lstStyle/>
+          <a:p>
+            <a:pPr lvl="0">
+              <a:lnSpc>
+                <a:spcPct val="90000"/>
+              </a:lnSpc>
+              <a:spcBef>
+                <a:spcPct val="0"/>
+              </a:spcBef>
+            </a:pPr>
+            <a:r>
+              <a:rPr lang="es-ES" sz="2000" dirty="0" smtClean="0">
+                <a:solidFill>
+                  <a:schemeClr val="bg1"/>
+                </a:solidFill>
+                <a:latin typeface="+mj-lt"/>
+                <a:ea typeface="+mj-ea"/>
+                <a:cs typeface="+mj-cs"/>
+              </a:rPr>
+              <a:t>3. PRINCIPALES PREOCUPACIONES DEL PACIENTE</a:t>
+            </a:r>
+            <a:endParaRPr kumimoji="0" lang="es-ES" sz="2000" b="0" i="0" u="none" strike="noStrike" kern="1200" cap="none" spc="0" normalizeH="0" baseline="0" noProof="0" dirty="0">
+              <a:ln>
+                <a:noFill/>
+              </a:ln>
+              <a:solidFill>
+                <a:schemeClr val="bg1"/>
+              </a:solidFill>
+              <a:effectLst/>
+              <a:uLnTx/>
+              <a:uFillTx/>
+              <a:latin typeface="+mj-lt"/>
+              <a:ea typeface="+mj-ea"/>
+              <a:cs typeface="+mj-cs"/>
+            </a:endParaRPr>
           </a:p>
         </p:txBody>
       </p:sp>
@@ -5474,7 +5569,7 @@
     <a:masterClrMapping/>
   </p:clrMapOvr>
   <mc:AlternateContent xmlns:mc="http://schemas.openxmlformats.org/markup-compatibility/2006">
-    <mc:Choice xmlns="" xmlns:p14="http://schemas.microsoft.com/office/powerpoint/2010/main" Requires="p14">
+    <mc:Choice xmlns:p14="http://schemas.microsoft.com/office/powerpoint/2010/main" xmlns="" Requires="p14">
       <p:transition spd="med" p14:dur="700">
         <p:fade/>
       </p:transition>
@@ -5489,106 +5584,6 @@
 </file>
 
 <file path=ppt/slides/slide13.xml><?xml version="1.0" encoding="utf-8"?>
-<p:sld xmlns:a="http://schemas.openxmlformats.org/drawingml/2006/main" xmlns:r="http://schemas.openxmlformats.org/officeDocument/2006/relationships" xmlns:p="http://schemas.openxmlformats.org/presentationml/2006/main">
-  <p:cSld>
-    <p:spTree>
-      <p:nvGrpSpPr>
-        <p:cNvPr id="1" name=""/>
-        <p:cNvGrpSpPr/>
-        <p:nvPr/>
-      </p:nvGrpSpPr>
-      <p:grpSpPr>
-        <a:xfrm>
-          <a:off x="0" y="0"/>
-          <a:ext cx="0" cy="0"/>
-          <a:chOff x="0" y="0"/>
-          <a:chExt cx="0" cy="0"/>
-        </a:xfrm>
-      </p:grpSpPr>
-      <p:sp>
-        <p:nvSpPr>
-          <p:cNvPr id="6" name="5 Título"/>
-          <p:cNvSpPr>
-            <a:spLocks noGrp="1"/>
-          </p:cNvSpPr>
-          <p:nvPr>
-            <p:ph type="title"/>
-          </p:nvPr>
-        </p:nvSpPr>
-        <p:spPr/>
-        <p:txBody>
-          <a:bodyPr>
-            <a:noAutofit/>
-          </a:bodyPr>
-          <a:lstStyle/>
-          <a:p>
-            <a:r>
-              <a:rPr lang="es-ES" sz="2600" dirty="0" smtClean="0"/>
-              <a:t>3. PRINCIPALES PREOCUPACIONES DEL PACIENTE</a:t>
-            </a:r>
-            <a:endParaRPr lang="es-ES" sz="2600" dirty="0"/>
-          </a:p>
-        </p:txBody>
-      </p:sp>
-      <p:sp>
-        <p:nvSpPr>
-          <p:cNvPr id="7" name="6 Marcador de contenido"/>
-          <p:cNvSpPr>
-            <a:spLocks noGrp="1"/>
-          </p:cNvSpPr>
-          <p:nvPr>
-            <p:ph idx="1"/>
-          </p:nvPr>
-        </p:nvSpPr>
-        <p:spPr/>
-        <p:txBody>
-          <a:bodyPr anchor="ctr"/>
-          <a:lstStyle/>
-          <a:p>
-            <a:endParaRPr lang="es-ES" dirty="0"/>
-          </a:p>
-        </p:txBody>
-      </p:sp>
-      <p:sp>
-        <p:nvSpPr>
-          <p:cNvPr id="8" name="7 Marcador de texto"/>
-          <p:cNvSpPr>
-            <a:spLocks noGrp="1"/>
-          </p:cNvSpPr>
-          <p:nvPr>
-            <p:ph type="body" sz="half" idx="2"/>
-          </p:nvPr>
-        </p:nvSpPr>
-        <p:spPr/>
-        <p:txBody>
-          <a:bodyPr/>
-          <a:lstStyle/>
-          <a:p>
-            <a:endParaRPr lang="es-ES"/>
-          </a:p>
-        </p:txBody>
-      </p:sp>
-    </p:spTree>
-  </p:cSld>
-  <p:clrMapOvr>
-    <a:masterClrMapping/>
-  </p:clrMapOvr>
-  <mc:AlternateContent xmlns:mc="http://schemas.openxmlformats.org/markup-compatibility/2006">
-    <mc:Choice xmlns="" xmlns:p14="http://schemas.microsoft.com/office/powerpoint/2010/main" Requires="p14">
-      <p:transition spd="med" p14:dur="700">
-        <p:fade/>
-      </p:transition>
-    </mc:Choice>
-    <mc:Fallback>
-      <p:transition spd="med">
-        <p:fade/>
-      </p:transition>
-    </mc:Fallback>
-  </mc:AlternateContent>
-</p:sld>
-</file>
-
-<file path=ppt/slides/slide14.xml><?xml version="1.0" encoding="utf-8"?>
 <p:sld xmlns:a="http://schemas.openxmlformats.org/drawingml/2006/main" xmlns:r="http://schemas.openxmlformats.org/officeDocument/2006/relationships" xmlns:p="http://schemas.openxmlformats.org/presentationml/2006/main">
   <p:cSld>
     <p:spTree>
@@ -5773,7 +5768,220 @@
     <a:masterClrMapping/>
   </p:clrMapOvr>
   <mc:AlternateContent xmlns:mc="http://schemas.openxmlformats.org/markup-compatibility/2006">
-    <mc:Choice xmlns="" xmlns:p14="http://schemas.microsoft.com/office/powerpoint/2010/main" Requires="p14">
+    <mc:Choice xmlns:p14="http://schemas.microsoft.com/office/powerpoint/2010/main" xmlns="" Requires="p14">
+      <p:transition spd="med" p14:dur="700">
+        <p:fade/>
+      </p:transition>
+    </mc:Choice>
+    <mc:Fallback>
+      <p:transition spd="med">
+        <p:fade/>
+      </p:transition>
+    </mc:Fallback>
+  </mc:AlternateContent>
+  <p:timing>
+    <p:tnLst>
+      <p:par>
+        <p:cTn id="1" dur="indefinite" restart="never" nodeType="tmRoot"/>
+      </p:par>
+    </p:tnLst>
+  </p:timing>
+</p:sld>
+</file>
+
+<file path=ppt/slides/slide14.xml><?xml version="1.0" encoding="utf-8"?>
+<p:sld xmlns:a="http://schemas.openxmlformats.org/drawingml/2006/main" xmlns:r="http://schemas.openxmlformats.org/officeDocument/2006/relationships" xmlns:p="http://schemas.openxmlformats.org/presentationml/2006/main">
+  <p:cSld>
+    <p:spTree>
+      <p:nvGrpSpPr>
+        <p:cNvPr id="1" name=""/>
+        <p:cNvGrpSpPr/>
+        <p:nvPr/>
+      </p:nvGrpSpPr>
+      <p:grpSpPr>
+        <a:xfrm>
+          <a:off x="0" y="0"/>
+          <a:ext cx="0" cy="0"/>
+          <a:chOff x="0" y="0"/>
+          <a:chExt cx="0" cy="0"/>
+        </a:xfrm>
+      </p:grpSpPr>
+      <p:sp>
+        <p:nvSpPr>
+          <p:cNvPr id="2" name="1 Título"/>
+          <p:cNvSpPr>
+            <a:spLocks noGrp="1"/>
+          </p:cNvSpPr>
+          <p:nvPr>
+            <p:ph type="title"/>
+          </p:nvPr>
+        </p:nvSpPr>
+        <p:spPr/>
+        <p:txBody>
+          <a:bodyPr/>
+          <a:lstStyle/>
+          <a:p>
+            <a:pPr marL="0" marR="0" indent="0" algn="l" defTabSz="914400" rtl="0" eaLnBrk="1" fontAlgn="auto" latinLnBrk="0" hangingPunct="1">
+              <a:lnSpc>
+                <a:spcPct val="90000"/>
+              </a:lnSpc>
+              <a:spcBef>
+                <a:spcPct val="0"/>
+              </a:spcBef>
+              <a:spcAft>
+                <a:spcPts val="0"/>
+              </a:spcAft>
+              <a:buClrTx/>
+              <a:buSzTx/>
+              <a:buFontTx/>
+              <a:buNone/>
+              <a:tabLst/>
+              <a:defRPr/>
+            </a:pPr>
+            <a:r>
+              <a:rPr lang="es-ES" sz="3600" b="0" i="0" kern="1200" dirty="0" smtClean="0">
+                <a:solidFill>
+                  <a:schemeClr val="bg1"/>
+                </a:solidFill>
+                <a:latin typeface="+mj-lt"/>
+                <a:ea typeface="+mj-ea"/>
+                <a:cs typeface="+mj-cs"/>
+              </a:rPr>
+              <a:t>4.1. A TRAVÉS DE LA COMUNICACIÓN</a:t>
+            </a:r>
+            <a:endParaRPr lang="es-ES" sz="3600" b="1" i="1" kern="1200" dirty="0" smtClean="0">
+              <a:solidFill>
+                <a:schemeClr val="bg1"/>
+              </a:solidFill>
+              <a:latin typeface="+mj-lt"/>
+              <a:ea typeface="+mj-ea"/>
+              <a:cs typeface="+mj-cs"/>
+            </a:endParaRPr>
+          </a:p>
+        </p:txBody>
+      </p:sp>
+      <p:sp>
+        <p:nvSpPr>
+          <p:cNvPr id="3" name="2 Marcador de contenido"/>
+          <p:cNvSpPr>
+            <a:spLocks noGrp="1"/>
+          </p:cNvSpPr>
+          <p:nvPr>
+            <p:ph idx="1"/>
+          </p:nvPr>
+        </p:nvSpPr>
+        <p:spPr/>
+        <p:txBody>
+          <a:bodyPr/>
+          <a:lstStyle/>
+          <a:p>
+            <a:pPr>
+              <a:buClr>
+                <a:schemeClr val="accent1"/>
+              </a:buClr>
+              <a:buFont typeface="Wingdings" pitchFamily="2" charset="2"/>
+              <a:buChar char="§"/>
+            </a:pPr>
+            <a:r>
+              <a:rPr lang="es-ES" dirty="0" smtClean="0"/>
+              <a:t>Tranquilizar al paciente: </a:t>
+            </a:r>
+          </a:p>
+          <a:p>
+            <a:pPr lvl="1">
+              <a:buClr>
+                <a:schemeClr val="accent1"/>
+              </a:buClr>
+              <a:buFont typeface="Wingdings" pitchFamily="2" charset="2"/>
+              <a:buChar char="§"/>
+            </a:pPr>
+            <a:r>
+              <a:rPr lang="es-ES" dirty="0" smtClean="0"/>
+              <a:t>Explicando la enfermedad y la medicación</a:t>
+            </a:r>
+          </a:p>
+          <a:p>
+            <a:pPr lvl="1">
+              <a:buClr>
+                <a:schemeClr val="accent1"/>
+              </a:buClr>
+              <a:buFont typeface="Wingdings" pitchFamily="2" charset="2"/>
+              <a:buChar char="§"/>
+            </a:pPr>
+            <a:r>
+              <a:rPr lang="es-ES" dirty="0" smtClean="0"/>
+              <a:t>Contando testimonios de otros pacientes sobre la enfermedad</a:t>
+            </a:r>
+          </a:p>
+          <a:p>
+            <a:pPr lvl="1">
+              <a:buClr>
+                <a:schemeClr val="accent1"/>
+              </a:buClr>
+              <a:buFont typeface="Wingdings" pitchFamily="2" charset="2"/>
+              <a:buChar char="§"/>
+            </a:pPr>
+            <a:endParaRPr lang="es-ES" dirty="0" smtClean="0"/>
+          </a:p>
+        </p:txBody>
+      </p:sp>
+      <p:sp>
+        <p:nvSpPr>
+          <p:cNvPr id="4" name="3 CuadroTexto"/>
+          <p:cNvSpPr txBox="1"/>
+          <p:nvPr/>
+        </p:nvSpPr>
+        <p:spPr>
+          <a:xfrm>
+            <a:off x="8532440" y="6309320"/>
+            <a:ext cx="611560" cy="523220"/>
+          </a:xfrm>
+          <a:prstGeom prst="rect">
+            <a:avLst/>
+          </a:prstGeom>
+          <a:noFill/>
+        </p:spPr>
+        <p:txBody>
+          <a:bodyPr wrap="square" rtlCol="0">
+            <a:spAutoFit/>
+          </a:bodyPr>
+          <a:lstStyle/>
+          <a:p>
+            <a:pPr algn="ctr"/>
+            <a:fld id="{8FBC0280-1112-4173-896C-F6A97D0AED77}" type="slidenum">
+              <a:rPr lang="es-ES" sz="2800" b="1" kern="1000" smtClean="0">
+                <a:effectLst>
+                  <a:outerShdw blurRad="38100" dist="38100" dir="2700000" algn="tl">
+                    <a:srgbClr val="000000">
+                      <a:alpha val="43137"/>
+                    </a:srgbClr>
+                  </a:outerShdw>
+                </a:effectLst>
+                <a:latin typeface="+mj-lt"/>
+              </a:rPr>
+              <a:pPr algn="ctr"/>
+              <a:t>14</a:t>
+            </a:fld>
+            <a:endParaRPr lang="es-ES" sz="2800" b="1" kern="1000" dirty="0">
+              <a:effectLst>
+                <a:outerShdw blurRad="38100" dist="38100" dir="2700000" algn="tl">
+                  <a:srgbClr val="000000">
+                    <a:alpha val="43137"/>
+                  </a:srgbClr>
+                </a:outerShdw>
+              </a:effectLst>
+              <a:latin typeface="+mj-lt"/>
+            </a:endParaRPr>
+          </a:p>
+        </p:txBody>
+      </p:sp>
+    </p:spTree>
+  </p:cSld>
+  <p:clrMapOvr>
+    <a:masterClrMapping/>
+  </p:clrMapOvr>
+  <mc:AlternateContent xmlns:mc="http://schemas.openxmlformats.org/markup-compatibility/2006">
+    <mc:Choice xmlns:p14="http://schemas.microsoft.com/office/powerpoint/2010/main" xmlns="" Requires="p14">
       <p:transition spd="med" p14:dur="700">
         <p:fade/>
       </p:transition>
@@ -5852,7 +6060,7 @@
                 <a:ea typeface="+mj-ea"/>
                 <a:cs typeface="+mj-cs"/>
               </a:rPr>
-              <a:t>4.1. A TRAVÉS DE LA COMUNICACIÓN</a:t>
+              <a:t>4.2. CONSEJOS SOBRE HÁBITOS</a:t>
             </a:r>
             <a:endParaRPr lang="es-ES" sz="3600" b="1" i="1" kern="1200" dirty="0" smtClean="0">
               <a:solidFill>
@@ -5880,7 +6088,7 @@
           <a:bodyPr/>
           <a:lstStyle/>
           <a:p>
-            <a:pPr>
+            <a:pPr lvl="0">
               <a:buClr>
                 <a:schemeClr val="accent1"/>
               </a:buClr>
@@ -5889,7 +6097,20 @@
             </a:pPr>
             <a:r>
               <a:rPr lang="es-ES" dirty="0" smtClean="0"/>
-              <a:t>Tranquilizar al paciente: </a:t>
+              <a:t>Seguir el tratamiento</a:t>
+            </a:r>
+          </a:p>
+          <a:p>
+            <a:pPr lvl="0">
+              <a:buClr>
+                <a:schemeClr val="accent1"/>
+              </a:buClr>
+              <a:buFont typeface="Wingdings" pitchFamily="2" charset="2"/>
+              <a:buChar char="§"/>
+            </a:pPr>
+            <a:r>
+              <a:rPr lang="es-ES" dirty="0" smtClean="0"/>
+              <a:t>Estilo de vida saludable</a:t>
             </a:r>
           </a:p>
           <a:p>
@@ -5902,7 +6123,7 @@
             </a:pPr>
             <a:r>
               <a:rPr lang="es-ES" dirty="0" smtClean="0"/>
-              <a:t>Explicando la enfermedad y la medicación</a:t>
+              <a:t>Haciendo ejercicio</a:t>
             </a:r>
           </a:p>
           <a:p>
@@ -5915,18 +6136,8 @@
             </a:pPr>
             <a:r>
               <a:rPr lang="es-ES" dirty="0" smtClean="0"/>
-              <a:t>Contando testimonios de otros pacientes sobre la enfermedad</a:t>
-            </a:r>
-          </a:p>
-          <a:p>
-            <a:pPr lvl="1">
-              <a:buClr>
-                <a:schemeClr val="accent1"/>
-              </a:buClr>
-              <a:buFont typeface="Wingdings" pitchFamily="2" charset="2"/>
-              <a:buChar char="§"/>
-            </a:pPr>
-            <a:endParaRPr lang="es-ES" dirty="0" smtClean="0"/>
+              <a:t>Dieta ajustada a los requerimientos nutricionales del paciente</a:t>
+            </a:r>
           </a:p>
         </p:txBody>
       </p:sp>
@@ -5986,7 +6197,7 @@
     <a:masterClrMapping/>
   </p:clrMapOvr>
   <mc:AlternateContent xmlns:mc="http://schemas.openxmlformats.org/markup-compatibility/2006">
-    <mc:Choice xmlns="" xmlns:p14="http://schemas.microsoft.com/office/powerpoint/2010/main" Requires="p14">
+    <mc:Choice xmlns:p14="http://schemas.microsoft.com/office/powerpoint/2010/main" xmlns="" Requires="p14">
       <p:transition spd="med" p14:dur="700">
         <p:fade/>
       </p:transition>
@@ -6065,222 +6276,6 @@
                 <a:ea typeface="+mj-ea"/>
                 <a:cs typeface="+mj-cs"/>
               </a:rPr>
-              <a:t>4.2. CONSEJOS SOBRE HÁBITOS</a:t>
-            </a:r>
-            <a:endParaRPr lang="es-ES" sz="3600" b="1" i="1" kern="1200" dirty="0" smtClean="0">
-              <a:solidFill>
-                <a:schemeClr val="bg1"/>
-              </a:solidFill>
-              <a:latin typeface="+mj-lt"/>
-              <a:ea typeface="+mj-ea"/>
-              <a:cs typeface="+mj-cs"/>
-            </a:endParaRPr>
-          </a:p>
-        </p:txBody>
-      </p:sp>
-      <p:sp>
-        <p:nvSpPr>
-          <p:cNvPr id="3" name="2 Marcador de contenido"/>
-          <p:cNvSpPr>
-            <a:spLocks noGrp="1"/>
-          </p:cNvSpPr>
-          <p:nvPr>
-            <p:ph idx="1"/>
-          </p:nvPr>
-        </p:nvSpPr>
-        <p:spPr/>
-        <p:txBody>
-          <a:bodyPr/>
-          <a:lstStyle/>
-          <a:p>
-            <a:pPr lvl="0">
-              <a:buClr>
-                <a:schemeClr val="accent1"/>
-              </a:buClr>
-              <a:buFont typeface="Wingdings" pitchFamily="2" charset="2"/>
-              <a:buChar char="§"/>
-            </a:pPr>
-            <a:r>
-              <a:rPr lang="es-ES" dirty="0" smtClean="0"/>
-              <a:t>Seguir el tratamiento</a:t>
-            </a:r>
-          </a:p>
-          <a:p>
-            <a:pPr lvl="0">
-              <a:buClr>
-                <a:schemeClr val="accent1"/>
-              </a:buClr>
-              <a:buFont typeface="Wingdings" pitchFamily="2" charset="2"/>
-              <a:buChar char="§"/>
-            </a:pPr>
-            <a:r>
-              <a:rPr lang="es-ES" dirty="0" smtClean="0"/>
-              <a:t>Estilo de vida saludable</a:t>
-            </a:r>
-          </a:p>
-          <a:p>
-            <a:pPr lvl="1">
-              <a:buClr>
-                <a:schemeClr val="accent1"/>
-              </a:buClr>
-              <a:buFont typeface="Wingdings" pitchFamily="2" charset="2"/>
-              <a:buChar char="§"/>
-            </a:pPr>
-            <a:r>
-              <a:rPr lang="es-ES" dirty="0" smtClean="0"/>
-              <a:t>Haciendo ejercicio</a:t>
-            </a:r>
-          </a:p>
-          <a:p>
-            <a:pPr lvl="1">
-              <a:buClr>
-                <a:schemeClr val="accent1"/>
-              </a:buClr>
-              <a:buFont typeface="Wingdings" pitchFamily="2" charset="2"/>
-              <a:buChar char="§"/>
-            </a:pPr>
-            <a:r>
-              <a:rPr lang="es-ES" dirty="0" smtClean="0"/>
-              <a:t>Dieta ajustada a los requerimientos nutricionales del paciente</a:t>
-            </a:r>
-          </a:p>
-        </p:txBody>
-      </p:sp>
-      <p:sp>
-        <p:nvSpPr>
-          <p:cNvPr id="4" name="3 CuadroTexto"/>
-          <p:cNvSpPr txBox="1"/>
-          <p:nvPr/>
-        </p:nvSpPr>
-        <p:spPr>
-          <a:xfrm>
-            <a:off x="8532440" y="6309320"/>
-            <a:ext cx="611560" cy="523220"/>
-          </a:xfrm>
-          <a:prstGeom prst="rect">
-            <a:avLst/>
-          </a:prstGeom>
-          <a:noFill/>
-        </p:spPr>
-        <p:txBody>
-          <a:bodyPr wrap="square" rtlCol="0">
-            <a:spAutoFit/>
-          </a:bodyPr>
-          <a:lstStyle/>
-          <a:p>
-            <a:pPr algn="ctr"/>
-            <a:fld id="{8FBC0280-1112-4173-896C-F6A97D0AED77}" type="slidenum">
-              <a:rPr lang="es-ES" sz="2800" b="1" kern="1000" smtClean="0">
-                <a:effectLst>
-                  <a:outerShdw blurRad="38100" dist="38100" dir="2700000" algn="tl">
-                    <a:srgbClr val="000000">
-                      <a:alpha val="43137"/>
-                    </a:srgbClr>
-                  </a:outerShdw>
-                </a:effectLst>
-                <a:latin typeface="+mj-lt"/>
-              </a:rPr>
-              <a:pPr algn="ctr"/>
-              <a:t>16</a:t>
-            </a:fld>
-            <a:endParaRPr lang="es-ES" sz="2800" b="1" kern="1000" dirty="0">
-              <a:effectLst>
-                <a:outerShdw blurRad="38100" dist="38100" dir="2700000" algn="tl">
-                  <a:srgbClr val="000000">
-                    <a:alpha val="43137"/>
-                  </a:srgbClr>
-                </a:outerShdw>
-              </a:effectLst>
-              <a:latin typeface="+mj-lt"/>
-            </a:endParaRPr>
-          </a:p>
-        </p:txBody>
-      </p:sp>
-    </p:spTree>
-  </p:cSld>
-  <p:clrMapOvr>
-    <a:masterClrMapping/>
-  </p:clrMapOvr>
-  <mc:AlternateContent xmlns:mc="http://schemas.openxmlformats.org/markup-compatibility/2006">
-    <mc:Choice xmlns="" xmlns:p14="http://schemas.microsoft.com/office/powerpoint/2010/main" Requires="p14">
-      <p:transition spd="med" p14:dur="700">
-        <p:fade/>
-      </p:transition>
-    </mc:Choice>
-    <mc:Fallback>
-      <p:transition spd="med">
-        <p:fade/>
-      </p:transition>
-    </mc:Fallback>
-  </mc:AlternateContent>
-  <p:timing>
-    <p:tnLst>
-      <p:par>
-        <p:cTn id="1" dur="indefinite" restart="never" nodeType="tmRoot"/>
-      </p:par>
-    </p:tnLst>
-  </p:timing>
-</p:sld>
-</file>
-
-<file path=ppt/slides/slide17.xml><?xml version="1.0" encoding="utf-8"?>
-<p:sld xmlns:a="http://schemas.openxmlformats.org/drawingml/2006/main" xmlns:r="http://schemas.openxmlformats.org/officeDocument/2006/relationships" xmlns:p="http://schemas.openxmlformats.org/presentationml/2006/main">
-  <p:cSld>
-    <p:spTree>
-      <p:nvGrpSpPr>
-        <p:cNvPr id="1" name=""/>
-        <p:cNvGrpSpPr/>
-        <p:nvPr/>
-      </p:nvGrpSpPr>
-      <p:grpSpPr>
-        <a:xfrm>
-          <a:off x="0" y="0"/>
-          <a:ext cx="0" cy="0"/>
-          <a:chOff x="0" y="0"/>
-          <a:chExt cx="0" cy="0"/>
-        </a:xfrm>
-      </p:grpSpPr>
-      <p:sp>
-        <p:nvSpPr>
-          <p:cNvPr id="2" name="1 Título"/>
-          <p:cNvSpPr>
-            <a:spLocks noGrp="1"/>
-          </p:cNvSpPr>
-          <p:nvPr>
-            <p:ph type="title"/>
-          </p:nvPr>
-        </p:nvSpPr>
-        <p:spPr/>
-        <p:txBody>
-          <a:bodyPr/>
-          <a:lstStyle/>
-          <a:p>
-            <a:pPr marL="0" marR="0" indent="0" algn="l" defTabSz="914400" rtl="0" eaLnBrk="1" fontAlgn="auto" latinLnBrk="0" hangingPunct="1">
-              <a:lnSpc>
-                <a:spcPct val="90000"/>
-              </a:lnSpc>
-              <a:spcBef>
-                <a:spcPct val="0"/>
-              </a:spcBef>
-              <a:spcAft>
-                <a:spcPts val="0"/>
-              </a:spcAft>
-              <a:buClrTx/>
-              <a:buSzTx/>
-              <a:buFontTx/>
-              <a:buNone/>
-              <a:tabLst/>
-              <a:defRPr/>
-            </a:pPr>
-            <a:r>
-              <a:rPr lang="es-ES" sz="3600" b="0" i="0" kern="1200" dirty="0" smtClean="0">
-                <a:solidFill>
-                  <a:schemeClr val="bg1"/>
-                </a:solidFill>
-                <a:latin typeface="+mj-lt"/>
-                <a:ea typeface="+mj-ea"/>
-                <a:cs typeface="+mj-cs"/>
-              </a:rPr>
               <a:t>4.3.</a:t>
             </a:r>
             <a:r>
@@ -6979,7 +6974,7 @@
                 <a:latin typeface="+mj-lt"/>
               </a:rPr>
               <a:pPr algn="ctr"/>
-              <a:t>17</a:t>
+              <a:t>16</a:t>
             </a:fld>
             <a:endParaRPr lang="es-ES" sz="2800" b="1" kern="1000" dirty="0">
               <a:effectLst>
@@ -7000,7 +6995,7 @@
     <a:masterClrMapping/>
   </p:clrMapOvr>
   <mc:AlternateContent xmlns:mc="http://schemas.openxmlformats.org/markup-compatibility/2006">
-    <mc:Choice xmlns="" xmlns:p14="http://schemas.microsoft.com/office/powerpoint/2010/main" Requires="p14">
+    <mc:Choice xmlns:p14="http://schemas.microsoft.com/office/powerpoint/2010/main" xmlns="" Requires="p14">
       <p:transition spd="med" p14:dur="700">
         <p:fade/>
       </p:transition>
@@ -8630,7 +8625,7 @@
     <a:masterClrMapping/>
   </p:clrMapOvr>
   <mc:AlternateContent xmlns:mc="http://schemas.openxmlformats.org/markup-compatibility/2006">
-    <mc:Choice xmlns="" xmlns:p14="http://schemas.microsoft.com/office/powerpoint/2010/main" Requires="p14">
+    <mc:Choice xmlns:p14="http://schemas.microsoft.com/office/powerpoint/2010/main" xmlns="" Requires="p14">
       <p:transition spd="med" p14:dur="700">
         <p:fade/>
       </p:transition>
@@ -9216,7 +9211,7 @@
     <a:masterClrMapping/>
   </p:clrMapOvr>
   <mc:AlternateContent xmlns:mc="http://schemas.openxmlformats.org/markup-compatibility/2006">
-    <mc:Choice xmlns="" xmlns:p14="http://schemas.microsoft.com/office/powerpoint/2010/main" Requires="p14">
+    <mc:Choice xmlns:p14="http://schemas.microsoft.com/office/powerpoint/2010/main" xmlns="" Requires="p14">
       <p:transition spd="med" p14:dur="700">
         <p:fade/>
       </p:transition>
@@ -11524,15 +11519,7 @@
                     <a:p>
                       <a:r>
                         <a:rPr lang="es-ES" sz="1200" dirty="0" smtClean="0"/>
-                        <a:t>90 </a:t>
-                      </a:r>
-                      <a:r>
-                        <a:rPr lang="es-ES" sz="1200" dirty="0" smtClean="0"/>
-                        <a:t>– 90 </a:t>
-                      </a:r>
-                      <a:r>
-                        <a:rPr lang="es-ES" sz="1200" dirty="0" smtClean="0"/>
-                        <a:t>– 90</a:t>
+                        <a:t>90 – 90 – 90</a:t>
                       </a:r>
                     </a:p>
                     <a:p>
@@ -11613,7 +11600,7 @@
     <a:masterClrMapping/>
   </p:clrMapOvr>
   <mc:AlternateContent xmlns:mc="http://schemas.openxmlformats.org/markup-compatibility/2006">
-    <mc:Choice xmlns="" xmlns:p14="http://schemas.microsoft.com/office/powerpoint/2010/main" Requires="p14">
+    <mc:Choice xmlns:p14="http://schemas.microsoft.com/office/powerpoint/2010/main" xmlns="" Requires="p14">
       <p:transition spd="med" p14:dur="700">
         <p:fade/>
       </p:transition>
@@ -12200,7 +12187,7 @@
     <a:masterClrMapping/>
   </p:clrMapOvr>
   <mc:AlternateContent xmlns:mc="http://schemas.openxmlformats.org/markup-compatibility/2006">
-    <mc:Choice xmlns="" xmlns:p14="http://schemas.microsoft.com/office/powerpoint/2010/main" Requires="p14">
+    <mc:Choice xmlns:p14="http://schemas.microsoft.com/office/powerpoint/2010/main" xmlns="" Requires="p14">
       <p:transition spd="med" p14:dur="700">
         <p:fade/>
       </p:transition>
@@ -12712,7 +12699,7 @@
     <a:masterClrMapping/>
   </p:clrMapOvr>
   <mc:AlternateContent xmlns:mc="http://schemas.openxmlformats.org/markup-compatibility/2006">
-    <mc:Choice xmlns="" xmlns:p14="http://schemas.microsoft.com/office/powerpoint/2010/main" Requires="p14">
+    <mc:Choice xmlns:p14="http://schemas.microsoft.com/office/powerpoint/2010/main" xmlns="" Requires="p14">
       <p:transition spd="med" p14:dur="700">
         <p:fade/>
       </p:transition>
@@ -12928,7 +12915,7 @@
   <a:extraClrSchemeLst/>
   <a:extLst>
     <a:ext uri="{05A4C25C-085E-4340-85A3-A5531E510DB2}">
-      <thm15:themeFamily xmlns="" xmlns:thm15="http://schemas.microsoft.com/office/thememl/2012/main" name="TF00001141.potx" id="{D7485564-6666-4DDB-B0D3-55F6E694D6E5}" vid="{6E950D30-6FC6-4411-BCFF-468AD9ECA787}"/>
+      <thm15:themeFamily xmlns:thm15="http://schemas.microsoft.com/office/thememl/2012/main" xmlns="" name="TF00001141.potx" id="{D7485564-6666-4DDB-B0D3-55F6E694D6E5}" vid="{6E950D30-6FC6-4411-BCFF-468AD9ECA787}"/>
     </a:ext>
   </a:extLst>
 </a:theme>

--- a/2.2 FAR/PS/Ejercicios/Trabajo/VIH.pptx
+++ b/2.2 FAR/PS/Ejercicios/Trabajo/VIH.pptx
@@ -799,7 +799,7 @@
           <a:blip r:embed="rId2" cstate="print">
             <a:extLst>
               <a:ext uri="{28A0092B-C50C-407E-A947-70E740481C1C}">
-                <a14:useLocalDpi xmlns:a14="http://schemas.microsoft.com/office/drawing/2010/main" xmlns="" val="0"/>
+                <a14:useLocalDpi xmlns="" xmlns:a14="http://schemas.microsoft.com/office/drawing/2010/main" val="0"/>
               </a:ext>
             </a:extLst>
           </a:blip>
@@ -819,7 +819,7 @@
     </p:spTree>
     <p:extLst>
       <p:ext uri="{BB962C8B-B14F-4D97-AF65-F5344CB8AC3E}">
-        <p14:creationId xmlns:p14="http://schemas.microsoft.com/office/powerpoint/2010/main" xmlns="" val="798862757"/>
+        <p14:creationId xmlns="" xmlns:p14="http://schemas.microsoft.com/office/powerpoint/2010/main" val="798862757"/>
       </p:ext>
     </p:extLst>
   </p:cSld>
@@ -827,7 +827,7 @@
     <a:masterClrMapping/>
   </p:clrMapOvr>
   <mc:AlternateContent xmlns:mc="http://schemas.openxmlformats.org/markup-compatibility/2006">
-    <mc:Choice xmlns:p14="http://schemas.microsoft.com/office/powerpoint/2010/main" xmlns="" Requires="p14">
+    <mc:Choice xmlns="" xmlns:p14="http://schemas.microsoft.com/office/powerpoint/2010/main" Requires="p14">
       <p:transition spd="med" p14:dur="700">
         <p:fade/>
       </p:transition>
@@ -840,7 +840,7 @@
   </mc:AlternateContent>
   <p:extLst mod="1">
     <p:ext uri="{DCECCB84-F9BA-43D5-87BE-67443E8EF086}">
-      <p15:sldGuideLst xmlns:p15="http://schemas.microsoft.com/office/powerpoint/2012/main" xmlns=""/>
+      <p15:sldGuideLst xmlns="" xmlns:p15="http://schemas.microsoft.com/office/powerpoint/2012/main"/>
     </p:ext>
   </p:extLst>
 </p:sldLayout>
@@ -1008,7 +1008,7 @@
     </p:spTree>
     <p:extLst>
       <p:ext uri="{BB962C8B-B14F-4D97-AF65-F5344CB8AC3E}">
-        <p14:creationId xmlns:p14="http://schemas.microsoft.com/office/powerpoint/2010/main" xmlns="" val="2477154221"/>
+        <p14:creationId xmlns="" xmlns:p14="http://schemas.microsoft.com/office/powerpoint/2010/main" val="2477154221"/>
       </p:ext>
     </p:extLst>
   </p:cSld>
@@ -1016,7 +1016,7 @@
     <a:masterClrMapping/>
   </p:clrMapOvr>
   <mc:AlternateContent xmlns:mc="http://schemas.openxmlformats.org/markup-compatibility/2006">
-    <mc:Choice xmlns:p14="http://schemas.microsoft.com/office/powerpoint/2010/main" xmlns="" Requires="p14">
+    <mc:Choice xmlns="" xmlns:p14="http://schemas.microsoft.com/office/powerpoint/2010/main" Requires="p14">
       <p:transition spd="med" p14:dur="700">
         <p:fade/>
       </p:transition>
@@ -1260,7 +1260,7 @@
     </p:spTree>
     <p:extLst>
       <p:ext uri="{BB962C8B-B14F-4D97-AF65-F5344CB8AC3E}">
-        <p14:creationId xmlns:p14="http://schemas.microsoft.com/office/powerpoint/2010/main" xmlns="" val="2524635021"/>
+        <p14:creationId xmlns="" xmlns:p14="http://schemas.microsoft.com/office/powerpoint/2010/main" val="2524635021"/>
       </p:ext>
     </p:extLst>
   </p:cSld>
@@ -1268,7 +1268,7 @@
     <a:masterClrMapping/>
   </p:clrMapOvr>
   <mc:AlternateContent xmlns:mc="http://schemas.openxmlformats.org/markup-compatibility/2006">
-    <mc:Choice xmlns:p14="http://schemas.microsoft.com/office/powerpoint/2010/main" xmlns="" Requires="p14">
+    <mc:Choice xmlns="" xmlns:p14="http://schemas.microsoft.com/office/powerpoint/2010/main" Requires="p14">
       <p:transition spd="med" p14:dur="700">
         <p:fade/>
       </p:transition>
@@ -1305,7 +1305,7 @@
           <p:cNvPr id="2" name="Title 1">
             <a:extLst>
               <a:ext uri="{FF2B5EF4-FFF2-40B4-BE49-F238E27FC236}">
-                <a16:creationId xmlns:a16="http://schemas.microsoft.com/office/drawing/2014/main" xmlns="" id="{199AD403-A15F-4A2F-B050-AB874136E732}"/>
+                <a16:creationId xmlns="" xmlns:a16="http://schemas.microsoft.com/office/drawing/2014/main" id="{199AD403-A15F-4A2F-B050-AB874136E732}"/>
               </a:ext>
             </a:extLst>
           </p:cNvPr>
@@ -1352,7 +1352,7 @@
           <p:cNvPr id="23" name="Text Placeholder 26">
             <a:extLst>
               <a:ext uri="{FF2B5EF4-FFF2-40B4-BE49-F238E27FC236}">
-                <a16:creationId xmlns:a16="http://schemas.microsoft.com/office/drawing/2014/main" xmlns="" id="{5BB088E3-63C1-423F-A939-150B8E1F87A7}"/>
+                <a16:creationId xmlns="" xmlns:a16="http://schemas.microsoft.com/office/drawing/2014/main" id="{5BB088E3-63C1-423F-A939-150B8E1F87A7}"/>
               </a:ext>
             </a:extLst>
           </p:cNvPr>
@@ -1421,7 +1421,7 @@
           <p:cNvPr id="36" name="Text Placeholder 14">
             <a:extLst>
               <a:ext uri="{FF2B5EF4-FFF2-40B4-BE49-F238E27FC236}">
-                <a16:creationId xmlns:a16="http://schemas.microsoft.com/office/drawing/2014/main" xmlns="" id="{2A3D73F7-77EC-4576-B541-20C032F462DC}"/>
+                <a16:creationId xmlns="" xmlns:a16="http://schemas.microsoft.com/office/drawing/2014/main" id="{2A3D73F7-77EC-4576-B541-20C032F462DC}"/>
               </a:ext>
             </a:extLst>
           </p:cNvPr>
@@ -1469,7 +1469,7 @@
           <p:cNvPr id="21" name="Picture Placeholder 20">
             <a:extLst>
               <a:ext uri="{FF2B5EF4-FFF2-40B4-BE49-F238E27FC236}">
-                <a16:creationId xmlns:a16="http://schemas.microsoft.com/office/drawing/2014/main" xmlns="" id="{8C7B70A1-A813-470C-A829-7CC44559C94F}"/>
+                <a16:creationId xmlns="" xmlns:a16="http://schemas.microsoft.com/office/drawing/2014/main" id="{8C7B70A1-A813-470C-A829-7CC44559C94F}"/>
               </a:ext>
             </a:extLst>
           </p:cNvPr>
@@ -1773,7 +1773,7 @@
     </p:spTree>
     <p:extLst>
       <p:ext uri="{BB962C8B-B14F-4D97-AF65-F5344CB8AC3E}">
-        <p14:creationId xmlns:p14="http://schemas.microsoft.com/office/powerpoint/2010/main" xmlns="" val="3966819956"/>
+        <p14:creationId xmlns="" xmlns:p14="http://schemas.microsoft.com/office/powerpoint/2010/main" val="3966819956"/>
       </p:ext>
     </p:extLst>
   </p:cSld>
@@ -1949,7 +1949,7 @@
     </p:spTree>
     <p:extLst>
       <p:ext uri="{BB962C8B-B14F-4D97-AF65-F5344CB8AC3E}">
-        <p14:creationId xmlns:p14="http://schemas.microsoft.com/office/powerpoint/2010/main" xmlns="" val="3112444112"/>
+        <p14:creationId xmlns="" xmlns:p14="http://schemas.microsoft.com/office/powerpoint/2010/main" val="3112444112"/>
       </p:ext>
     </p:extLst>
   </p:cSld>
@@ -1957,7 +1957,7 @@
     <a:masterClrMapping/>
   </p:clrMapOvr>
   <mc:AlternateContent xmlns:mc="http://schemas.openxmlformats.org/markup-compatibility/2006">
-    <mc:Choice xmlns:p14="http://schemas.microsoft.com/office/powerpoint/2010/main" xmlns="" Requires="p14">
+    <mc:Choice xmlns="" xmlns:p14="http://schemas.microsoft.com/office/powerpoint/2010/main" Requires="p14">
       <p:transition spd="med" p14:dur="700">
         <p:fade/>
       </p:transition>
@@ -2176,7 +2176,7 @@
     </p:spTree>
     <p:extLst>
       <p:ext uri="{BB962C8B-B14F-4D97-AF65-F5344CB8AC3E}">
-        <p14:creationId xmlns:p14="http://schemas.microsoft.com/office/powerpoint/2010/main" xmlns="" val="3506778040"/>
+        <p14:creationId xmlns="" xmlns:p14="http://schemas.microsoft.com/office/powerpoint/2010/main" val="3506778040"/>
       </p:ext>
     </p:extLst>
   </p:cSld>
@@ -2184,7 +2184,7 @@
     <a:masterClrMapping/>
   </p:clrMapOvr>
   <mc:AlternateContent xmlns:mc="http://schemas.openxmlformats.org/markup-compatibility/2006">
-    <mc:Choice xmlns:p14="http://schemas.microsoft.com/office/powerpoint/2010/main" xmlns="" Requires="p14">
+    <mc:Choice xmlns="" xmlns:p14="http://schemas.microsoft.com/office/powerpoint/2010/main" Requires="p14">
       <p:transition spd="med" p14:dur="700">
         <p:fade/>
       </p:transition>
@@ -2482,7 +2482,7 @@
     </p:spTree>
     <p:extLst>
       <p:ext uri="{BB962C8B-B14F-4D97-AF65-F5344CB8AC3E}">
-        <p14:creationId xmlns:p14="http://schemas.microsoft.com/office/powerpoint/2010/main" xmlns="" val="4044567947"/>
+        <p14:creationId xmlns="" xmlns:p14="http://schemas.microsoft.com/office/powerpoint/2010/main" val="4044567947"/>
       </p:ext>
     </p:extLst>
   </p:cSld>
@@ -2490,7 +2490,7 @@
     <a:masterClrMapping/>
   </p:clrMapOvr>
   <mc:AlternateContent xmlns:mc="http://schemas.openxmlformats.org/markup-compatibility/2006">
-    <mc:Choice xmlns:p14="http://schemas.microsoft.com/office/powerpoint/2010/main" xmlns="" Requires="p14">
+    <mc:Choice xmlns="" xmlns:p14="http://schemas.microsoft.com/office/powerpoint/2010/main" Requires="p14">
       <p:transition spd="med" p14:dur="700">
         <p:fade/>
       </p:transition>
@@ -2936,7 +2936,7 @@
     </p:spTree>
     <p:extLst>
       <p:ext uri="{BB962C8B-B14F-4D97-AF65-F5344CB8AC3E}">
-        <p14:creationId xmlns:p14="http://schemas.microsoft.com/office/powerpoint/2010/main" xmlns="" val="3397906568"/>
+        <p14:creationId xmlns="" xmlns:p14="http://schemas.microsoft.com/office/powerpoint/2010/main" val="3397906568"/>
       </p:ext>
     </p:extLst>
   </p:cSld>
@@ -2944,7 +2944,7 @@
     <a:masterClrMapping/>
   </p:clrMapOvr>
   <mc:AlternateContent xmlns:mc="http://schemas.openxmlformats.org/markup-compatibility/2006">
-    <mc:Choice xmlns:p14="http://schemas.microsoft.com/office/powerpoint/2010/main" xmlns="" Requires="p14">
+    <mc:Choice xmlns="" xmlns:p14="http://schemas.microsoft.com/office/powerpoint/2010/main" Requires="p14">
       <p:transition spd="med" p14:dur="700">
         <p:fade/>
       </p:transition>
@@ -3068,7 +3068,7 @@
     </p:spTree>
     <p:extLst>
       <p:ext uri="{BB962C8B-B14F-4D97-AF65-F5344CB8AC3E}">
-        <p14:creationId xmlns:p14="http://schemas.microsoft.com/office/powerpoint/2010/main" xmlns="" val="3238976713"/>
+        <p14:creationId xmlns="" xmlns:p14="http://schemas.microsoft.com/office/powerpoint/2010/main" val="3238976713"/>
       </p:ext>
     </p:extLst>
   </p:cSld>
@@ -3076,7 +3076,7 @@
     <a:masterClrMapping/>
   </p:clrMapOvr>
   <mc:AlternateContent xmlns:mc="http://schemas.openxmlformats.org/markup-compatibility/2006">
-    <mc:Choice xmlns:p14="http://schemas.microsoft.com/office/powerpoint/2010/main" xmlns="" Requires="p14">
+    <mc:Choice xmlns="" xmlns:p14="http://schemas.microsoft.com/office/powerpoint/2010/main" Requires="p14">
       <p:transition spd="med" p14:dur="700">
         <p:fade/>
       </p:transition>
@@ -3177,7 +3177,7 @@
     </p:spTree>
     <p:extLst>
       <p:ext uri="{BB962C8B-B14F-4D97-AF65-F5344CB8AC3E}">
-        <p14:creationId xmlns:p14="http://schemas.microsoft.com/office/powerpoint/2010/main" xmlns="" val="2146817227"/>
+        <p14:creationId xmlns="" xmlns:p14="http://schemas.microsoft.com/office/powerpoint/2010/main" val="2146817227"/>
       </p:ext>
     </p:extLst>
   </p:cSld>
@@ -3185,7 +3185,7 @@
     <a:masterClrMapping/>
   </p:clrMapOvr>
   <mc:AlternateContent xmlns:mc="http://schemas.openxmlformats.org/markup-compatibility/2006">
-    <mc:Choice xmlns:p14="http://schemas.microsoft.com/office/powerpoint/2010/main" xmlns="" Requires="p14">
+    <mc:Choice xmlns="" xmlns:p14="http://schemas.microsoft.com/office/powerpoint/2010/main" Requires="p14">
       <p:transition spd="med" p14:dur="700">
         <p:fade/>
       </p:transition>
@@ -3528,7 +3528,7 @@
     </p:spTree>
     <p:extLst>
       <p:ext uri="{BB962C8B-B14F-4D97-AF65-F5344CB8AC3E}">
-        <p14:creationId xmlns:p14="http://schemas.microsoft.com/office/powerpoint/2010/main" xmlns="" val="1667374130"/>
+        <p14:creationId xmlns="" xmlns:p14="http://schemas.microsoft.com/office/powerpoint/2010/main" val="1667374130"/>
       </p:ext>
     </p:extLst>
   </p:cSld>
@@ -3536,7 +3536,7 @@
     <a:masterClrMapping/>
   </p:clrMapOvr>
   <mc:AlternateContent xmlns:mc="http://schemas.openxmlformats.org/markup-compatibility/2006">
-    <mc:Choice xmlns:p14="http://schemas.microsoft.com/office/powerpoint/2010/main" xmlns="" Requires="p14">
+    <mc:Choice xmlns="" xmlns:p14="http://schemas.microsoft.com/office/powerpoint/2010/main" Requires="p14">
       <p:transition spd="med" p14:dur="700">
         <p:fade/>
       </p:transition>
@@ -3857,7 +3857,7 @@
     </p:spTree>
     <p:extLst>
       <p:ext uri="{BB962C8B-B14F-4D97-AF65-F5344CB8AC3E}">
-        <p14:creationId xmlns:p14="http://schemas.microsoft.com/office/powerpoint/2010/main" xmlns="" val="2977249753"/>
+        <p14:creationId xmlns="" xmlns:p14="http://schemas.microsoft.com/office/powerpoint/2010/main" val="2977249753"/>
       </p:ext>
     </p:extLst>
   </p:cSld>
@@ -3865,7 +3865,7 @@
     <a:masterClrMapping/>
   </p:clrMapOvr>
   <mc:AlternateContent xmlns:mc="http://schemas.openxmlformats.org/markup-compatibility/2006">
-    <mc:Choice xmlns:p14="http://schemas.microsoft.com/office/powerpoint/2010/main" xmlns="" Requires="p14">
+    <mc:Choice xmlns="" xmlns:p14="http://schemas.microsoft.com/office/powerpoint/2010/main" Requires="p14">
       <p:transition spd="med" p14:dur="700">
         <p:fade/>
       </p:transition>
@@ -4183,7 +4183,7 @@
     </p:spTree>
     <p:extLst>
       <p:ext uri="{BB962C8B-B14F-4D97-AF65-F5344CB8AC3E}">
-        <p14:creationId xmlns:p14="http://schemas.microsoft.com/office/powerpoint/2010/main" xmlns="" val="1943259863"/>
+        <p14:creationId xmlns="" xmlns:p14="http://schemas.microsoft.com/office/powerpoint/2010/main" val="1943259863"/>
       </p:ext>
     </p:extLst>
   </p:cSld>
@@ -4203,7 +4203,7 @@
     <p:sldLayoutId id="2147483802" r:id="rId12"/>
   </p:sldLayoutIdLst>
   <mc:AlternateContent xmlns:mc="http://schemas.openxmlformats.org/markup-compatibility/2006">
-    <mc:Choice xmlns:p14="http://schemas.microsoft.com/office/powerpoint/2010/main" xmlns="" Requires="p14">
+    <mc:Choice xmlns="" xmlns:p14="http://schemas.microsoft.com/office/powerpoint/2010/main" Requires="p14">
       <p:transition spd="med" p14:dur="700">
         <p:fade/>
       </p:transition>
@@ -4533,7 +4533,7 @@
   </p:txStyles>
   <p:extLst mod="1">
     <p:ext uri="{27BBF7A9-308A-43DC-89C8-2F10F3537804}">
-      <p15:sldGuideLst xmlns:p15="http://schemas.microsoft.com/office/powerpoint/2012/main" xmlns="">
+      <p15:sldGuideLst xmlns="" xmlns:p15="http://schemas.microsoft.com/office/powerpoint/2012/main">
         <p15:guide id="1" orient="horz" pos="2160">
           <p15:clr>
             <a:srgbClr val="F26B43"/>
@@ -5181,7 +5181,7 @@
     <a:masterClrMapping/>
   </p:clrMapOvr>
   <mc:AlternateContent xmlns:mc="http://schemas.openxmlformats.org/markup-compatibility/2006">
-    <mc:Choice xmlns:p14="http://schemas.microsoft.com/office/powerpoint/2010/main" xmlns="" Requires="p14">
+    <mc:Choice xmlns="" xmlns:p14="http://schemas.microsoft.com/office/powerpoint/2010/main" Requires="p14">
       <p:transition spd="med" p14:dur="700">
         <p:fade/>
       </p:transition>
@@ -5366,7 +5366,7 @@
     <a:masterClrMapping/>
   </p:clrMapOvr>
   <mc:AlternateContent xmlns:mc="http://schemas.openxmlformats.org/markup-compatibility/2006">
-    <mc:Choice xmlns:p14="http://schemas.microsoft.com/office/powerpoint/2010/main" xmlns="" Requires="p14">
+    <mc:Choice xmlns="" xmlns:p14="http://schemas.microsoft.com/office/powerpoint/2010/main" Requires="p14">
       <p:transition spd="med" p14:dur="700">
         <p:fade/>
       </p:transition>
@@ -5456,15 +5456,7 @@
           <a:p>
             <a:r>
               <a:rPr lang="es-ES" dirty="0" smtClean="0"/>
-              <a:t>P</a:t>
-            </a:r>
-            <a:r>
-              <a:rPr lang="es-ES" dirty="0" smtClean="0"/>
-              <a:t>osible </a:t>
-            </a:r>
-            <a:r>
-              <a:rPr lang="es-ES" dirty="0" smtClean="0"/>
-              <a:t>estado depresivo.</a:t>
+              <a:t>Posible estado depresivo.</a:t>
             </a:r>
           </a:p>
           <a:p>
@@ -5494,11 +5486,7 @@
           <a:p>
             <a:r>
               <a:rPr lang="es-ES" dirty="0" smtClean="0"/>
-              <a:t>No </a:t>
-            </a:r>
-            <a:r>
-              <a:rPr lang="es-ES" dirty="0" smtClean="0"/>
-              <a:t>tenemos información sobre las preocupaciones del paciente</a:t>
+              <a:t>No tenemos información sobre las preocupaciones del paciente</a:t>
             </a:r>
             <a:endParaRPr lang="es-ES" dirty="0"/>
           </a:p>
@@ -5569,7 +5557,7 @@
     <a:masterClrMapping/>
   </p:clrMapOvr>
   <mc:AlternateContent xmlns:mc="http://schemas.openxmlformats.org/markup-compatibility/2006">
-    <mc:Choice xmlns:p14="http://schemas.microsoft.com/office/powerpoint/2010/main" xmlns="" Requires="p14">
+    <mc:Choice xmlns="" xmlns:p14="http://schemas.microsoft.com/office/powerpoint/2010/main" Requires="p14">
       <p:transition spd="med" p14:dur="700">
         <p:fade/>
       </p:transition>
@@ -5580,6 +5568,13 @@
       </p:transition>
     </mc:Fallback>
   </mc:AlternateContent>
+  <p:timing>
+    <p:tnLst>
+      <p:par>
+        <p:cTn id="1" dur="indefinite" restart="never" nodeType="tmRoot"/>
+      </p:par>
+    </p:tnLst>
+  </p:timing>
 </p:sld>
 </file>
 
@@ -5768,7 +5763,7 @@
     <a:masterClrMapping/>
   </p:clrMapOvr>
   <mc:AlternateContent xmlns:mc="http://schemas.openxmlformats.org/markup-compatibility/2006">
-    <mc:Choice xmlns:p14="http://schemas.microsoft.com/office/powerpoint/2010/main" xmlns="" Requires="p14">
+    <mc:Choice xmlns="" xmlns:p14="http://schemas.microsoft.com/office/powerpoint/2010/main" Requires="p14">
       <p:transition spd="med" p14:dur="700">
         <p:fade/>
       </p:transition>
@@ -5981,7 +5976,7 @@
     <a:masterClrMapping/>
   </p:clrMapOvr>
   <mc:AlternateContent xmlns:mc="http://schemas.openxmlformats.org/markup-compatibility/2006">
-    <mc:Choice xmlns:p14="http://schemas.microsoft.com/office/powerpoint/2010/main" xmlns="" Requires="p14">
+    <mc:Choice xmlns="" xmlns:p14="http://schemas.microsoft.com/office/powerpoint/2010/main" Requires="p14">
       <p:transition spd="med" p14:dur="700">
         <p:fade/>
       </p:transition>
@@ -6197,7 +6192,7 @@
     <a:masterClrMapping/>
   </p:clrMapOvr>
   <mc:AlternateContent xmlns:mc="http://schemas.openxmlformats.org/markup-compatibility/2006">
-    <mc:Choice xmlns:p14="http://schemas.microsoft.com/office/powerpoint/2010/main" xmlns="" Requires="p14">
+    <mc:Choice xmlns="" xmlns:p14="http://schemas.microsoft.com/office/powerpoint/2010/main" Requires="p14">
       <p:transition spd="med" p14:dur="700">
         <p:fade/>
       </p:transition>
@@ -6995,7 +6990,7 @@
     <a:masterClrMapping/>
   </p:clrMapOvr>
   <mc:AlternateContent xmlns:mc="http://schemas.openxmlformats.org/markup-compatibility/2006">
-    <mc:Choice xmlns:p14="http://schemas.microsoft.com/office/powerpoint/2010/main" xmlns="" Requires="p14">
+    <mc:Choice xmlns="" xmlns:p14="http://schemas.microsoft.com/office/powerpoint/2010/main" Requires="p14">
       <p:transition spd="med" p14:dur="700">
         <p:fade/>
       </p:transition>
@@ -8625,7 +8620,7 @@
     <a:masterClrMapping/>
   </p:clrMapOvr>
   <mc:AlternateContent xmlns:mc="http://schemas.openxmlformats.org/markup-compatibility/2006">
-    <mc:Choice xmlns:p14="http://schemas.microsoft.com/office/powerpoint/2010/main" xmlns="" Requires="p14">
+    <mc:Choice xmlns="" xmlns:p14="http://schemas.microsoft.com/office/powerpoint/2010/main" Requires="p14">
       <p:transition spd="med" p14:dur="700">
         <p:fade/>
       </p:transition>
@@ -8636,6 +8631,13 @@
       </p:transition>
     </mc:Fallback>
   </mc:AlternateContent>
+  <p:timing>
+    <p:tnLst>
+      <p:par>
+        <p:cTn id="1" dur="indefinite" restart="never" nodeType="tmRoot"/>
+      </p:par>
+    </p:tnLst>
+  </p:timing>
 </p:sld>
 </file>
 
@@ -9211,7 +9213,7 @@
     <a:masterClrMapping/>
   </p:clrMapOvr>
   <mc:AlternateContent xmlns:mc="http://schemas.openxmlformats.org/markup-compatibility/2006">
-    <mc:Choice xmlns:p14="http://schemas.microsoft.com/office/powerpoint/2010/main" xmlns="" Requires="p14">
+    <mc:Choice xmlns="" xmlns:p14="http://schemas.microsoft.com/office/powerpoint/2010/main" Requires="p14">
       <p:transition spd="med" p14:dur="700">
         <p:fade/>
       </p:transition>
@@ -11600,7 +11602,7 @@
     <a:masterClrMapping/>
   </p:clrMapOvr>
   <mc:AlternateContent xmlns:mc="http://schemas.openxmlformats.org/markup-compatibility/2006">
-    <mc:Choice xmlns:p14="http://schemas.microsoft.com/office/powerpoint/2010/main" xmlns="" Requires="p14">
+    <mc:Choice xmlns="" xmlns:p14="http://schemas.microsoft.com/office/powerpoint/2010/main" Requires="p14">
       <p:transition spd="med" p14:dur="700">
         <p:fade/>
       </p:transition>
@@ -12187,7 +12189,7 @@
     <a:masterClrMapping/>
   </p:clrMapOvr>
   <mc:AlternateContent xmlns:mc="http://schemas.openxmlformats.org/markup-compatibility/2006">
-    <mc:Choice xmlns:p14="http://schemas.microsoft.com/office/powerpoint/2010/main" xmlns="" Requires="p14">
+    <mc:Choice xmlns="" xmlns:p14="http://schemas.microsoft.com/office/powerpoint/2010/main" Requires="p14">
       <p:transition spd="med" p14:dur="700">
         <p:fade/>
       </p:transition>
@@ -12699,7 +12701,7 @@
     <a:masterClrMapping/>
   </p:clrMapOvr>
   <mc:AlternateContent xmlns:mc="http://schemas.openxmlformats.org/markup-compatibility/2006">
-    <mc:Choice xmlns:p14="http://schemas.microsoft.com/office/powerpoint/2010/main" xmlns="" Requires="p14">
+    <mc:Choice xmlns="" xmlns:p14="http://schemas.microsoft.com/office/powerpoint/2010/main" Requires="p14">
       <p:transition spd="med" p14:dur="700">
         <p:fade/>
       </p:transition>
@@ -12915,7 +12917,7 @@
   <a:extraClrSchemeLst/>
   <a:extLst>
     <a:ext uri="{05A4C25C-085E-4340-85A3-A5531E510DB2}">
-      <thm15:themeFamily xmlns:thm15="http://schemas.microsoft.com/office/thememl/2012/main" xmlns="" name="TF00001141.potx" id="{D7485564-6666-4DDB-B0D3-55F6E694D6E5}" vid="{6E950D30-6FC6-4411-BCFF-468AD9ECA787}"/>
+      <thm15:themeFamily xmlns="" xmlns:thm15="http://schemas.microsoft.com/office/thememl/2012/main" name="TF00001141.potx" id="{D7485564-6666-4DDB-B0D3-55F6E694D6E5}" vid="{6E950D30-6FC6-4411-BCFF-468AD9ECA787}"/>
     </a:ext>
   </a:extLst>
 </a:theme>
